--- a/Life Expectancy Presentation.pptx
+++ b/Life Expectancy Presentation.pptx
@@ -5,18 +5,19 @@
     <p:sldMasterId id="2147483712" r:id="rId1"/>
   </p:sldMasterIdLst>
   <p:notesMasterIdLst>
-    <p:notesMasterId r:id="rId11"/>
+    <p:notesMasterId r:id="rId12"/>
   </p:notesMasterIdLst>
   <p:sldIdLst>
     <p:sldId id="256" r:id="rId2"/>
-    <p:sldId id="257" r:id="rId3"/>
-    <p:sldId id="263" r:id="rId4"/>
-    <p:sldId id="258" r:id="rId5"/>
-    <p:sldId id="259" r:id="rId6"/>
-    <p:sldId id="260" r:id="rId7"/>
-    <p:sldId id="261" r:id="rId8"/>
-    <p:sldId id="262" r:id="rId9"/>
-    <p:sldId id="264" r:id="rId10"/>
+    <p:sldId id="265" r:id="rId3"/>
+    <p:sldId id="257" r:id="rId4"/>
+    <p:sldId id="263" r:id="rId5"/>
+    <p:sldId id="258" r:id="rId6"/>
+    <p:sldId id="259" r:id="rId7"/>
+    <p:sldId id="260" r:id="rId8"/>
+    <p:sldId id="261" r:id="rId9"/>
+    <p:sldId id="262" r:id="rId10"/>
+    <p:sldId id="264" r:id="rId11"/>
   </p:sldIdLst>
   <p:sldSz cx="12192000" cy="6858000"/>
   <p:notesSz cx="6858000" cy="9144000"/>
@@ -115,6 +116,11 @@
       </a:defRPr>
     </a:lvl9pPr>
   </p:defaultTextStyle>
+  <p:extLst>
+    <p:ext uri="{EFAFB233-063F-42B5-8137-9DF3F51BA10A}">
+      <p15:sldGuideLst xmlns:p15="http://schemas.microsoft.com/office/powerpoint/2012/main"/>
+    </p:ext>
+  </p:extLst>
 </p:presentation>
 </file>
 
@@ -200,7 +206,7 @@
           <a:p>
             <a:fld id="{B2D72C2C-C84B-4109-BD94-13BFFACFD1A3}" type="datetimeFigureOut">
               <a:rPr lang="en-US" smtClean="0"/>
-              <a:t>2/1/2021</a:t>
+              <a:t>2/2/2021</a:t>
             </a:fld>
             <a:endParaRPr lang="en-US"/>
           </a:p>
@@ -517,15 +523,124 @@
             </a:pPr>
             <a:r>
               <a:rPr lang="en-US" dirty="0"/>
-              <a:t>Both average Life Expectancy for developed countries and average life expectancy for developing countries since 2000-2015 (as was expected). The magnitude of increase for Developing countries is greater as indicated by the larger slope of .37 compared to .28 for Developed countries. This was also expected, as we would expect greater increases in life expectancy in the 21</a:t>
+              <a:t>Read in a csv of life expectancy data compiled by the World Health Organization</a:t>
+            </a:r>
+          </a:p>
+          <a:p>
+            <a:pPr marL="171450" indent="-171450">
+              <a:buFont typeface="Arial" panose="020B0604020202020204" pitchFamily="34" charset="0"/>
+              <a:buChar char="•"/>
+            </a:pPr>
+            <a:r>
+              <a:rPr lang="en-US" dirty="0"/>
+              <a:t>Do a </a:t>
             </a:r>
             <a:r>
-              <a:rPr lang="en-US" baseline="30000" dirty="0"/>
-              <a:t>st</a:t>
+              <a:rPr lang="en-US" dirty="0" err="1"/>
+              <a:t>df.columns</a:t>
             </a:r>
             <a:r>
               <a:rPr lang="en-US" dirty="0"/>
-              <a:t> century for Developing countries due to advancements in technology and healthcare reaching the Developing world.</a:t>
+              <a:t> in order to get view into how many columns are in the dataset and determine which variables/columns are most vital for our life expectancy analysis</a:t>
+            </a:r>
+          </a:p>
+          <a:p>
+            <a:pPr marL="628650" lvl="1" indent="-171450">
+              <a:buFont typeface="Arial" panose="020B0604020202020204" pitchFamily="34" charset="0"/>
+              <a:buChar char="•"/>
+            </a:pPr>
+            <a:r>
+              <a:rPr lang="en-US" dirty="0"/>
+              <a:t>We chose *insert variables that we chose as a team*</a:t>
+            </a:r>
+          </a:p>
+          <a:p>
+            <a:pPr marL="171450" indent="-171450">
+              <a:buFont typeface="Arial" panose="020B0604020202020204" pitchFamily="34" charset="0"/>
+              <a:buChar char="•"/>
+            </a:pPr>
+            <a:r>
+              <a:rPr lang="en-US" dirty="0"/>
+              <a:t>Each team member trim the columns in the </a:t>
+            </a:r>
+            <a:r>
+              <a:rPr lang="en-US" dirty="0" err="1"/>
+              <a:t>dataframe</a:t>
+            </a:r>
+            <a:r>
+              <a:rPr lang="en-US" dirty="0"/>
+              <a:t> to focus on their assigned column/variable</a:t>
+            </a:r>
+          </a:p>
+          <a:p>
+            <a:pPr marL="171450" indent="-171450">
+              <a:buFont typeface="Arial" panose="020B0604020202020204" pitchFamily="34" charset="0"/>
+              <a:buChar char="•"/>
+            </a:pPr>
+            <a:r>
+              <a:rPr lang="en-US" dirty="0"/>
+              <a:t>Do a </a:t>
+            </a:r>
+            <a:r>
+              <a:rPr lang="en-US" dirty="0" err="1"/>
+              <a:t>df.count</a:t>
+            </a:r>
+            <a:r>
+              <a:rPr lang="en-US" dirty="0"/>
+              <a:t> to ensure there are uniform counts in each column of your trimmed </a:t>
+            </a:r>
+            <a:r>
+              <a:rPr lang="en-US" dirty="0" err="1"/>
+              <a:t>dataframe</a:t>
+            </a:r>
+            <a:endParaRPr lang="en-US" dirty="0"/>
+          </a:p>
+          <a:p>
+            <a:pPr marL="628650" lvl="1" indent="-171450">
+              <a:buFont typeface="Arial" panose="020B0604020202020204" pitchFamily="34" charset="0"/>
+              <a:buChar char="•"/>
+            </a:pPr>
+            <a:r>
+              <a:rPr lang="en-US" dirty="0"/>
+              <a:t>Investigate the discrepancies</a:t>
+            </a:r>
+          </a:p>
+          <a:p>
+            <a:pPr marL="171450" lvl="0" indent="-171450">
+              <a:buFont typeface="Arial" panose="020B0604020202020204" pitchFamily="34" charset="0"/>
+              <a:buChar char="•"/>
+            </a:pPr>
+            <a:r>
+              <a:rPr lang="en-US" dirty="0"/>
+              <a:t>For the schooling df, there were ~160 “</a:t>
+            </a:r>
+            <a:r>
+              <a:rPr lang="en-US" dirty="0" err="1"/>
+              <a:t>NaN</a:t>
+            </a:r>
+            <a:r>
+              <a:rPr lang="en-US" dirty="0"/>
+              <a:t>” values and ~7 “0” values</a:t>
+            </a:r>
+          </a:p>
+          <a:p>
+            <a:pPr marL="628650" lvl="1" indent="-171450">
+              <a:buFont typeface="Arial" panose="020B0604020202020204" pitchFamily="34" charset="0"/>
+              <a:buChar char="•"/>
+            </a:pPr>
+            <a:r>
+              <a:rPr lang="en-US" dirty="0"/>
+              <a:t>Decided to drop these from the data rather than filling in replacement values as we still had a healthy dataset despite the rows dropped</a:t>
+            </a:r>
+          </a:p>
+          <a:p>
+            <a:pPr marL="171450" lvl="0" indent="-171450">
+              <a:buFont typeface="Arial" panose="020B0604020202020204" pitchFamily="34" charset="0"/>
+              <a:buChar char="•"/>
+            </a:pPr>
+            <a:r>
+              <a:rPr lang="en-US" dirty="0"/>
+              <a:t>Ended with a  clean/trimmed df of 2742 records for schooling</a:t>
             </a:r>
           </a:p>
         </p:txBody>
@@ -556,7 +671,7 @@
     </p:spTree>
     <p:extLst>
       <p:ext uri="{BB962C8B-B14F-4D97-AF65-F5344CB8AC3E}">
-        <p14:creationId xmlns:p14="http://schemas.microsoft.com/office/powerpoint/2010/main" val="4065119774"/>
+        <p14:creationId xmlns:p14="http://schemas.microsoft.com/office/powerpoint/2010/main" val="4155023145"/>
       </p:ext>
     </p:extLst>
   </p:cSld>
@@ -616,7 +731,7 @@
             </a:pPr>
             <a:r>
               <a:rPr lang="en-US" dirty="0"/>
-              <a:t>This slide shows that education is increasing at a faster rate in the Developing countries as indicated by the slopes of the lines. This is to be expected, as education has more room to improve in the Developing countries.</a:t>
+              <a:t>Both average Life Expectancy for developed countries and average life expectancy for developing countries since 2000-2015 (as was expected). </a:t>
             </a:r>
           </a:p>
           <a:p>
@@ -626,7 +741,33 @@
             </a:pPr>
             <a:r>
               <a:rPr lang="en-US" dirty="0"/>
-              <a:t>The greater slope for Developing countries education increase is consistent with the greater slope in life expectancy. This is a hint at the correlation between the two factors: Life Expectancy and Education</a:t>
+              <a:t>The magnitude of increase for Developing countries is greater as indicated by the larger slope of .36 compared to .28 for Developed countries. </a:t>
+            </a:r>
+          </a:p>
+          <a:p>
+            <a:pPr marL="628650" lvl="1" indent="-171450">
+              <a:buFont typeface="Arial" panose="020B0604020202020204" pitchFamily="34" charset="0"/>
+              <a:buChar char="•"/>
+            </a:pPr>
+            <a:r>
+              <a:rPr lang="en-US" dirty="0"/>
+              <a:t>This was also expected, as we would expect greater increases in life expectancy in the 21</a:t>
+            </a:r>
+            <a:r>
+              <a:rPr lang="en-US" baseline="30000" dirty="0"/>
+              <a:t>st</a:t>
+            </a:r>
+            <a:r>
+              <a:rPr lang="en-US" dirty="0"/>
+              <a:t> century for Developing countries due to advancements in technology and healthcare reaching the Developing world (presumably, the Developed countries already saw these advancements in the 20</a:t>
+            </a:r>
+            <a:r>
+              <a:rPr lang="en-US" baseline="30000" dirty="0"/>
+              <a:t>th</a:t>
+            </a:r>
+            <a:r>
+              <a:rPr lang="en-US" dirty="0"/>
+              <a:t> century).</a:t>
             </a:r>
           </a:p>
         </p:txBody>
@@ -657,6 +798,107 @@
     </p:spTree>
     <p:extLst>
       <p:ext uri="{BB962C8B-B14F-4D97-AF65-F5344CB8AC3E}">
+        <p14:creationId xmlns:p14="http://schemas.microsoft.com/office/powerpoint/2010/main" val="4065119774"/>
+      </p:ext>
+    </p:extLst>
+  </p:cSld>
+  <p:clrMapOvr>
+    <a:masterClrMapping/>
+  </p:clrMapOvr>
+</p:notes>
+</file>
+
+<file path=ppt/notesSlides/notesSlide3.xml><?xml version="1.0" encoding="utf-8"?>
+<p:notes xmlns:a="http://schemas.openxmlformats.org/drawingml/2006/main" xmlns:r="http://schemas.openxmlformats.org/officeDocument/2006/relationships" xmlns:p="http://schemas.openxmlformats.org/presentationml/2006/main">
+  <p:cSld>
+    <p:spTree>
+      <p:nvGrpSpPr>
+        <p:cNvPr id="1" name=""/>
+        <p:cNvGrpSpPr/>
+        <p:nvPr/>
+      </p:nvGrpSpPr>
+      <p:grpSpPr>
+        <a:xfrm>
+          <a:off x="0" y="0"/>
+          <a:ext cx="0" cy="0"/>
+          <a:chOff x="0" y="0"/>
+          <a:chExt cx="0" cy="0"/>
+        </a:xfrm>
+      </p:grpSpPr>
+      <p:sp>
+        <p:nvSpPr>
+          <p:cNvPr id="2" name="Slide Image Placeholder 1"/>
+          <p:cNvSpPr>
+            <a:spLocks noGrp="1" noRot="1" noChangeAspect="1"/>
+          </p:cNvSpPr>
+          <p:nvPr>
+            <p:ph type="sldImg"/>
+          </p:nvPr>
+        </p:nvSpPr>
+        <p:spPr/>
+      </p:sp>
+      <p:sp>
+        <p:nvSpPr>
+          <p:cNvPr id="3" name="Notes Placeholder 2"/>
+          <p:cNvSpPr>
+            <a:spLocks noGrp="1"/>
+          </p:cNvSpPr>
+          <p:nvPr>
+            <p:ph type="body" idx="1"/>
+          </p:nvPr>
+        </p:nvSpPr>
+        <p:spPr/>
+        <p:txBody>
+          <a:bodyPr/>
+          <a:lstStyle/>
+          <a:p>
+            <a:pPr marL="171450" indent="-171450">
+              <a:buFont typeface="Arial" panose="020B0604020202020204" pitchFamily="34" charset="0"/>
+              <a:buChar char="•"/>
+            </a:pPr>
+            <a:r>
+              <a:rPr lang="en-US" dirty="0"/>
+              <a:t>This slide shows that education is increasing at a faster rate in the Developing countries as indicated by the slopes of the lines. This is to be expected, as education has more room to improve in the Developing countries (similar to the previous slide when discussing Life Expectancy).</a:t>
+            </a:r>
+          </a:p>
+          <a:p>
+            <a:pPr marL="171450" indent="-171450">
+              <a:buFont typeface="Arial" panose="020B0604020202020204" pitchFamily="34" charset="0"/>
+              <a:buChar char="•"/>
+            </a:pPr>
+            <a:r>
+              <a:rPr lang="en-US" dirty="0"/>
+              <a:t>The greater slope for Developing countries education increase is consistent with the greater slope in life expectancy. This is a hint at the correlation between the two factors: Life Expectancy and Education.</a:t>
+            </a:r>
+          </a:p>
+        </p:txBody>
+      </p:sp>
+      <p:sp>
+        <p:nvSpPr>
+          <p:cNvPr id="4" name="Slide Number Placeholder 3"/>
+          <p:cNvSpPr>
+            <a:spLocks noGrp="1"/>
+          </p:cNvSpPr>
+          <p:nvPr>
+            <p:ph type="sldNum" sz="quarter" idx="5"/>
+          </p:nvPr>
+        </p:nvSpPr>
+        <p:spPr/>
+        <p:txBody>
+          <a:bodyPr/>
+          <a:lstStyle/>
+          <a:p>
+            <a:fld id="{2C052AD6-045D-4B63-A45C-D242A7CB2427}" type="slidenum">
+              <a:rPr lang="en-US" smtClean="0"/>
+              <a:t>4</a:t>
+            </a:fld>
+            <a:endParaRPr lang="en-US"/>
+          </a:p>
+        </p:txBody>
+      </p:sp>
+    </p:spTree>
+    <p:extLst>
+      <p:ext uri="{BB962C8B-B14F-4D97-AF65-F5344CB8AC3E}">
         <p14:creationId xmlns:p14="http://schemas.microsoft.com/office/powerpoint/2010/main" val="2850612649"/>
       </p:ext>
     </p:extLst>
@@ -667,7 +909,7 @@
 </p:notes>
 </file>
 
-<file path=ppt/notesSlides/notesSlide3.xml><?xml version="1.0" encoding="utf-8"?>
+<file path=ppt/notesSlides/notesSlide4.xml><?xml version="1.0" encoding="utf-8"?>
 <p:notes xmlns:a="http://schemas.openxmlformats.org/drawingml/2006/main" xmlns:r="http://schemas.openxmlformats.org/officeDocument/2006/relationships" xmlns:p="http://schemas.openxmlformats.org/presentationml/2006/main">
   <p:cSld>
     <p:spTree>
@@ -769,7 +1011,7 @@
           <a:p>
             <a:fld id="{2C052AD6-045D-4B63-A45C-D242A7CB2427}" type="slidenum">
               <a:rPr lang="en-US" smtClean="0"/>
-              <a:t>4</a:t>
+              <a:t>5</a:t>
             </a:fld>
             <a:endParaRPr lang="en-US"/>
           </a:p>
@@ -788,7 +1030,7 @@
 </p:notes>
 </file>
 
-<file path=ppt/notesSlides/notesSlide4.xml><?xml version="1.0" encoding="utf-8"?>
+<file path=ppt/notesSlides/notesSlide5.xml><?xml version="1.0" encoding="utf-8"?>
 <p:notes xmlns:a="http://schemas.openxmlformats.org/drawingml/2006/main" xmlns:r="http://schemas.openxmlformats.org/officeDocument/2006/relationships" xmlns:p="http://schemas.openxmlformats.org/presentationml/2006/main">
   <p:cSld>
     <p:spTree>
@@ -858,7 +1100,7 @@
             </a:pPr>
             <a:r>
               <a:rPr lang="en-US" dirty="0"/>
-              <a:t>Potential confounding variables – as a country strives for development, education and health will improve independent of each other but both will show improvements over time. This is evident in the next graph, as Developed countries schooling and life expectancy showed a weak relationship, indicating that there is not causation between a countries increase in schooling and increase in life expectancy, but rather the strong correlation seen here is influenced by some confounding variable in Developing countries.</a:t>
+              <a:t>Potential confounding variables – as a country strives for development, education and health will improve independent of each other but both will show improvements over time, and thus show strong correlation. This is evident in the next graph, as Developed countries schooling and life expectancy showed a weak relationship, indicating that there is not causation between a countries increase in schooling and increase in life expectancy, but rather the strong correlation seen here is influenced by some confounding variable as Developing countries seek development.</a:t>
             </a:r>
           </a:p>
         </p:txBody>
@@ -880,7 +1122,7 @@
           <a:p>
             <a:fld id="{2C052AD6-045D-4B63-A45C-D242A7CB2427}" type="slidenum">
               <a:rPr lang="en-US" smtClean="0"/>
-              <a:t>5</a:t>
+              <a:t>6</a:t>
             </a:fld>
             <a:endParaRPr lang="en-US"/>
           </a:p>
@@ -899,7 +1141,7 @@
 </p:notes>
 </file>
 
-<file path=ppt/notesSlides/notesSlide5.xml><?xml version="1.0" encoding="utf-8"?>
+<file path=ppt/notesSlides/notesSlide6.xml><?xml version="1.0" encoding="utf-8"?>
 <p:notes xmlns:a="http://schemas.openxmlformats.org/drawingml/2006/main" xmlns:r="http://schemas.openxmlformats.org/officeDocument/2006/relationships" xmlns:p="http://schemas.openxmlformats.org/presentationml/2006/main">
   <p:cSld>
     <p:spTree>
@@ -969,126 +1211,7 @@
             </a:pPr>
             <a:r>
               <a:rPr lang="en-US" dirty="0"/>
-              <a:t>Weak relationship because Developed countries already have strong education sectors. So, we see life expectancy increasing at a faster rate than schooling (as indicated by the individual slopes of life expectancy and education over time). The higher slopes for Life expectancy in the individual over time graphs also points to additional factors outside of schooling that would increase a country’s life expectancy. </a:t>
-            </a:r>
-          </a:p>
-          <a:p>
-            <a:pPr marL="171450" indent="-171450">
-              <a:buFont typeface="Arial" panose="020B0604020202020204" pitchFamily="34" charset="0"/>
-              <a:buChar char="•"/>
-            </a:pPr>
-            <a:r>
-              <a:rPr lang="en-US" dirty="0"/>
-              <a:t>Per the first graph, we see life expectancy increasing at a similar rate for both Developed and Developing countries, so it really is the schooling that is slowing in growth compared to Developing countries, which is to be expected as Developed countries already had strong infrastructure in place prior to the 21</a:t>
-            </a:r>
-            <a:r>
-              <a:rPr lang="en-US" baseline="30000" dirty="0"/>
-              <a:t>st</a:t>
-            </a:r>
-            <a:r>
-              <a:rPr lang="en-US" dirty="0"/>
-              <a:t> century. So no increase like that of developing countries.</a:t>
-            </a:r>
-          </a:p>
-        </p:txBody>
-      </p:sp>
-      <p:sp>
-        <p:nvSpPr>
-          <p:cNvPr id="4" name="Slide Number Placeholder 3"/>
-          <p:cNvSpPr>
-            <a:spLocks noGrp="1"/>
-          </p:cNvSpPr>
-          <p:nvPr>
-            <p:ph type="sldNum" sz="quarter" idx="5"/>
-          </p:nvPr>
-        </p:nvSpPr>
-        <p:spPr/>
-        <p:txBody>
-          <a:bodyPr/>
-          <a:lstStyle/>
-          <a:p>
-            <a:fld id="{2C052AD6-045D-4B63-A45C-D242A7CB2427}" type="slidenum">
-              <a:rPr lang="en-US" smtClean="0"/>
-              <a:t>6</a:t>
-            </a:fld>
-            <a:endParaRPr lang="en-US"/>
-          </a:p>
-        </p:txBody>
-      </p:sp>
-    </p:spTree>
-    <p:extLst>
-      <p:ext uri="{BB962C8B-B14F-4D97-AF65-F5344CB8AC3E}">
-        <p14:creationId xmlns:p14="http://schemas.microsoft.com/office/powerpoint/2010/main" val="2596538810"/>
-      </p:ext>
-    </p:extLst>
-  </p:cSld>
-  <p:clrMapOvr>
-    <a:masterClrMapping/>
-  </p:clrMapOvr>
-</p:notes>
-</file>
-
-<file path=ppt/notesSlides/notesSlide6.xml><?xml version="1.0" encoding="utf-8"?>
-<p:notes xmlns:a="http://schemas.openxmlformats.org/drawingml/2006/main" xmlns:r="http://schemas.openxmlformats.org/officeDocument/2006/relationships" xmlns:p="http://schemas.openxmlformats.org/presentationml/2006/main">
-  <p:cSld>
-    <p:spTree>
-      <p:nvGrpSpPr>
-        <p:cNvPr id="1" name=""/>
-        <p:cNvGrpSpPr/>
-        <p:nvPr/>
-      </p:nvGrpSpPr>
-      <p:grpSpPr>
-        <a:xfrm>
-          <a:off x="0" y="0"/>
-          <a:ext cx="0" cy="0"/>
-          <a:chOff x="0" y="0"/>
-          <a:chExt cx="0" cy="0"/>
-        </a:xfrm>
-      </p:grpSpPr>
-      <p:sp>
-        <p:nvSpPr>
-          <p:cNvPr id="2" name="Slide Image Placeholder 1"/>
-          <p:cNvSpPr>
-            <a:spLocks noGrp="1" noRot="1" noChangeAspect="1"/>
-          </p:cNvSpPr>
-          <p:nvPr>
-            <p:ph type="sldImg"/>
-          </p:nvPr>
-        </p:nvSpPr>
-        <p:spPr/>
-      </p:sp>
-      <p:sp>
-        <p:nvSpPr>
-          <p:cNvPr id="3" name="Notes Placeholder 2"/>
-          <p:cNvSpPr>
-            <a:spLocks noGrp="1"/>
-          </p:cNvSpPr>
-          <p:nvPr>
-            <p:ph type="body" idx="1"/>
-          </p:nvPr>
-        </p:nvSpPr>
-        <p:spPr/>
-        <p:txBody>
-          <a:bodyPr/>
-          <a:lstStyle/>
-          <a:p>
-            <a:pPr marL="171450" indent="-171450">
-              <a:buFont typeface="Arial" panose="020B0604020202020204" pitchFamily="34" charset="0"/>
-              <a:buChar char="•"/>
-            </a:pPr>
-            <a:r>
-              <a:rPr lang="en-US" dirty="0"/>
-              <a:t>It seems there is a lag effect between the increase in life expectancy after a country improves education system or focuses more on schooling</a:t>
-            </a:r>
-          </a:p>
-          <a:p>
-            <a:pPr marL="171450" indent="-171450">
-              <a:buFont typeface="Arial" panose="020B0604020202020204" pitchFamily="34" charset="0"/>
-              <a:buChar char="•"/>
-            </a:pPr>
-            <a:r>
-              <a:rPr lang="en-US" dirty="0"/>
-              <a:t>Both trending similarly indicating that there is strong correlation between education and a country’s life expectancy for developing countries</a:t>
+              <a:t>Weak relationship because Developed countries already have strong education sectors. So, we see life expectancy increasing at a faster rate than schooling (as indicated by the individual slopes of life expectancy and education over time). The higher slopes for Life expectancy in the individual over time graphs also points to additional factors outside of schooling that would increase a country’s life expectancy. The Developed countries already have strong education systems in place, so the schooling will not increase as fast as life expectancy.</a:t>
             </a:r>
           </a:p>
         </p:txBody>
@@ -1119,7 +1242,7 @@
     </p:spTree>
     <p:extLst>
       <p:ext uri="{BB962C8B-B14F-4D97-AF65-F5344CB8AC3E}">
-        <p14:creationId xmlns:p14="http://schemas.microsoft.com/office/powerpoint/2010/main" val="3150997393"/>
+        <p14:creationId xmlns:p14="http://schemas.microsoft.com/office/powerpoint/2010/main" val="2596538810"/>
       </p:ext>
     </p:extLst>
   </p:cSld>
@@ -1179,7 +1302,7 @@
             </a:pPr>
             <a:r>
               <a:rPr lang="en-US" dirty="0"/>
-              <a:t>Less uniform relationship for the developed countries</a:t>
+              <a:t>It seems there is a lag effect between the increase in life expectancy after a country improves its education system or focuses more on schooling</a:t>
             </a:r>
           </a:p>
           <a:p>
@@ -1189,25 +1312,8 @@
             </a:pPr>
             <a:r>
               <a:rPr lang="en-US" dirty="0"/>
-              <a:t>There are years of decreases in schooling or stagnant schooling year to year and life expectancy still increases at a fairly constant rate.</a:t>
+              <a:t>Both trending similarly indicating that there is strong correlation between education and a country’s life expectancy for developing countries</a:t>
             </a:r>
-          </a:p>
-          <a:p>
-            <a:pPr marL="171450" indent="-171450">
-              <a:buFont typeface="Arial" panose="020B0604020202020204" pitchFamily="34" charset="0"/>
-              <a:buChar char="•"/>
-            </a:pPr>
-            <a:r>
-              <a:rPr lang="en-US" dirty="0"/>
-              <a:t>This shows that perhaps the correlation for developing countries is misleading and maybe it is correlation and not causation (i.e. as developing countries become more developed, education and healthcare are areas that they will increase expenditure in and thus both with improve at a similar rate and in the same direction, despite a country being more educated not necessarily having a causal effect on lifespan). Once the country reaches a state of being “Developed”, there is a cap on the increase in a country’s education while improvements in other areas will continue to increase life expectancy.</a:t>
-            </a:r>
-          </a:p>
-          <a:p>
-            <a:pPr marL="171450" indent="-171450">
-              <a:buFont typeface="Arial" panose="020B0604020202020204" pitchFamily="34" charset="0"/>
-              <a:buChar char="•"/>
-            </a:pPr>
-            <a:endParaRPr lang="en-US" dirty="0"/>
           </a:p>
         </p:txBody>
       </p:sp>
@@ -1237,7 +1343,224 @@
     </p:spTree>
     <p:extLst>
       <p:ext uri="{BB962C8B-B14F-4D97-AF65-F5344CB8AC3E}">
+        <p14:creationId xmlns:p14="http://schemas.microsoft.com/office/powerpoint/2010/main" val="3150997393"/>
+      </p:ext>
+    </p:extLst>
+  </p:cSld>
+  <p:clrMapOvr>
+    <a:masterClrMapping/>
+  </p:clrMapOvr>
+</p:notes>
+</file>
+
+<file path=ppt/notesSlides/notesSlide8.xml><?xml version="1.0" encoding="utf-8"?>
+<p:notes xmlns:a="http://schemas.openxmlformats.org/drawingml/2006/main" xmlns:r="http://schemas.openxmlformats.org/officeDocument/2006/relationships" xmlns:p="http://schemas.openxmlformats.org/presentationml/2006/main">
+  <p:cSld>
+    <p:spTree>
+      <p:nvGrpSpPr>
+        <p:cNvPr id="1" name=""/>
+        <p:cNvGrpSpPr/>
+        <p:nvPr/>
+      </p:nvGrpSpPr>
+      <p:grpSpPr>
+        <a:xfrm>
+          <a:off x="0" y="0"/>
+          <a:ext cx="0" cy="0"/>
+          <a:chOff x="0" y="0"/>
+          <a:chExt cx="0" cy="0"/>
+        </a:xfrm>
+      </p:grpSpPr>
+      <p:sp>
+        <p:nvSpPr>
+          <p:cNvPr id="2" name="Slide Image Placeholder 1"/>
+          <p:cNvSpPr>
+            <a:spLocks noGrp="1" noRot="1" noChangeAspect="1"/>
+          </p:cNvSpPr>
+          <p:nvPr>
+            <p:ph type="sldImg"/>
+          </p:nvPr>
+        </p:nvSpPr>
+        <p:spPr/>
+      </p:sp>
+      <p:sp>
+        <p:nvSpPr>
+          <p:cNvPr id="3" name="Notes Placeholder 2"/>
+          <p:cNvSpPr>
+            <a:spLocks noGrp="1"/>
+          </p:cNvSpPr>
+          <p:nvPr>
+            <p:ph type="body" idx="1"/>
+          </p:nvPr>
+        </p:nvSpPr>
+        <p:spPr/>
+        <p:txBody>
+          <a:bodyPr/>
+          <a:lstStyle/>
+          <a:p>
+            <a:pPr marL="171450" indent="-171450">
+              <a:buFont typeface="Arial" panose="020B0604020202020204" pitchFamily="34" charset="0"/>
+              <a:buChar char="•"/>
+            </a:pPr>
+            <a:r>
+              <a:rPr lang="en-US" dirty="0"/>
+              <a:t>Less uniform relationship for the developed countries</a:t>
+            </a:r>
+          </a:p>
+          <a:p>
+            <a:pPr marL="171450" indent="-171450">
+              <a:buFont typeface="Arial" panose="020B0604020202020204" pitchFamily="34" charset="0"/>
+              <a:buChar char="•"/>
+            </a:pPr>
+            <a:r>
+              <a:rPr lang="en-US" dirty="0"/>
+              <a:t>There are years of decreases in schooling or stagnant schooling year to year and life expectancy still increases at a fairly constant rate year over year.</a:t>
+            </a:r>
+          </a:p>
+          <a:p>
+            <a:pPr marL="171450" indent="-171450">
+              <a:buFont typeface="Arial" panose="020B0604020202020204" pitchFamily="34" charset="0"/>
+              <a:buChar char="•"/>
+            </a:pPr>
+            <a:r>
+              <a:rPr lang="en-US" dirty="0"/>
+              <a:t>This shows that perhaps the correlation for developing countries is misleading and maybe it is correlation and not causation (i.e. as developing countries become more developed, education and lifespan are areas that they will increase expenditure in and thus both will improve at a similar rate and in the same direction. So, a country being more “educated” does not necessarily have a causal effect on lifespan. Once the country reaches a state of being “Developed”, there is a cap on the increase in a country’s education while improvements in other areas will continue to increase life expectancy. This is why we see Life Expectancy increase at a higher rate than Schooling for Hungary, a developed country.</a:t>
+            </a:r>
+          </a:p>
+          <a:p>
+            <a:pPr marL="171450" indent="-171450">
+              <a:buFont typeface="Arial" panose="020B0604020202020204" pitchFamily="34" charset="0"/>
+              <a:buChar char="•"/>
+            </a:pPr>
+            <a:endParaRPr lang="en-US" dirty="0"/>
+          </a:p>
+        </p:txBody>
+      </p:sp>
+      <p:sp>
+        <p:nvSpPr>
+          <p:cNvPr id="4" name="Slide Number Placeholder 3"/>
+          <p:cNvSpPr>
+            <a:spLocks noGrp="1"/>
+          </p:cNvSpPr>
+          <p:nvPr>
+            <p:ph type="sldNum" sz="quarter" idx="5"/>
+          </p:nvPr>
+        </p:nvSpPr>
+        <p:spPr/>
+        <p:txBody>
+          <a:bodyPr/>
+          <a:lstStyle/>
+          <a:p>
+            <a:fld id="{2C052AD6-045D-4B63-A45C-D242A7CB2427}" type="slidenum">
+              <a:rPr lang="en-US" smtClean="0"/>
+              <a:t>9</a:t>
+            </a:fld>
+            <a:endParaRPr lang="en-US"/>
+          </a:p>
+        </p:txBody>
+      </p:sp>
+    </p:spTree>
+    <p:extLst>
+      <p:ext uri="{BB962C8B-B14F-4D97-AF65-F5344CB8AC3E}">
         <p14:creationId xmlns:p14="http://schemas.microsoft.com/office/powerpoint/2010/main" val="2614031585"/>
+      </p:ext>
+    </p:extLst>
+  </p:cSld>
+  <p:clrMapOvr>
+    <a:masterClrMapping/>
+  </p:clrMapOvr>
+</p:notes>
+</file>
+
+<file path=ppt/notesSlides/notesSlide9.xml><?xml version="1.0" encoding="utf-8"?>
+<p:notes xmlns:a="http://schemas.openxmlformats.org/drawingml/2006/main" xmlns:r="http://schemas.openxmlformats.org/officeDocument/2006/relationships" xmlns:p="http://schemas.openxmlformats.org/presentationml/2006/main">
+  <p:cSld>
+    <p:spTree>
+      <p:nvGrpSpPr>
+        <p:cNvPr id="1" name=""/>
+        <p:cNvGrpSpPr/>
+        <p:nvPr/>
+      </p:nvGrpSpPr>
+      <p:grpSpPr>
+        <a:xfrm>
+          <a:off x="0" y="0"/>
+          <a:ext cx="0" cy="0"/>
+          <a:chOff x="0" y="0"/>
+          <a:chExt cx="0" cy="0"/>
+        </a:xfrm>
+      </p:grpSpPr>
+      <p:sp>
+        <p:nvSpPr>
+          <p:cNvPr id="2" name="Slide Image Placeholder 1"/>
+          <p:cNvSpPr>
+            <a:spLocks noGrp="1" noRot="1" noChangeAspect="1"/>
+          </p:cNvSpPr>
+          <p:nvPr>
+            <p:ph type="sldImg"/>
+          </p:nvPr>
+        </p:nvSpPr>
+        <p:spPr/>
+      </p:sp>
+      <p:sp>
+        <p:nvSpPr>
+          <p:cNvPr id="3" name="Notes Placeholder 2"/>
+          <p:cNvSpPr>
+            <a:spLocks noGrp="1"/>
+          </p:cNvSpPr>
+          <p:nvPr>
+            <p:ph type="body" idx="1"/>
+          </p:nvPr>
+        </p:nvSpPr>
+        <p:spPr/>
+        <p:txBody>
+          <a:bodyPr/>
+          <a:lstStyle/>
+          <a:p>
+            <a:pPr marL="171450" indent="-171450">
+              <a:buFont typeface="Arial" panose="020B0604020202020204" pitchFamily="34" charset="0"/>
+              <a:buChar char="•"/>
+            </a:pPr>
+            <a:r>
+              <a:rPr lang="en-US" dirty="0"/>
+              <a:t>Based on the data analysis, we conclude that the relationship between a country’s schooling and its life expectancy is one of correlation rather than causation. This is driven by the face that there is a weak correlation coefficient between Life Expectancy and Schooling for developed countries. This indicates that the reason there is strong correlation between life expectancy and schooling for developing countries is because both variable are increasing independent of the other as a developing country becomes more developed in the 21</a:t>
+            </a:r>
+            <a:r>
+              <a:rPr lang="en-US" baseline="30000" dirty="0"/>
+              <a:t>st</a:t>
+            </a:r>
+            <a:r>
+              <a:rPr lang="en-US" dirty="0"/>
+              <a:t> century. Countries will spend more on healthcare, vaccinations, and schooling and thus life expectancy and schooling will improve in congruence. However, I don’t believe there is a causal relationship.</a:t>
+            </a:r>
+          </a:p>
+        </p:txBody>
+      </p:sp>
+      <p:sp>
+        <p:nvSpPr>
+          <p:cNvPr id="4" name="Slide Number Placeholder 3"/>
+          <p:cNvSpPr>
+            <a:spLocks noGrp="1"/>
+          </p:cNvSpPr>
+          <p:nvPr>
+            <p:ph type="sldNum" sz="quarter" idx="5"/>
+          </p:nvPr>
+        </p:nvSpPr>
+        <p:spPr/>
+        <p:txBody>
+          <a:bodyPr/>
+          <a:lstStyle/>
+          <a:p>
+            <a:fld id="{2C052AD6-045D-4B63-A45C-D242A7CB2427}" type="slidenum">
+              <a:rPr lang="en-US" smtClean="0"/>
+              <a:t>10</a:t>
+            </a:fld>
+            <a:endParaRPr lang="en-US"/>
+          </a:p>
+        </p:txBody>
+      </p:sp>
+    </p:spTree>
+    <p:extLst>
+      <p:ext uri="{BB962C8B-B14F-4D97-AF65-F5344CB8AC3E}">
+        <p14:creationId xmlns:p14="http://schemas.microsoft.com/office/powerpoint/2010/main" val="2495571369"/>
       </p:ext>
     </p:extLst>
   </p:cSld>
@@ -1394,7 +1717,7 @@
           <a:p>
             <a:fld id="{0DAF61AA-5A98-4049-A93E-477E5505141A}" type="datetimeFigureOut">
               <a:rPr lang="en-US" smtClean="0"/>
-              <a:t>2/1/2021</a:t>
+              <a:t>2/2/2021</a:t>
             </a:fld>
             <a:endParaRPr lang="en-US" dirty="0"/>
           </a:p>
@@ -1592,7 +1915,7 @@
           <a:p>
             <a:fld id="{0DAF61AA-5A98-4049-A93E-477E5505141A}" type="datetimeFigureOut">
               <a:rPr lang="en-US" smtClean="0"/>
-              <a:t>2/1/2021</a:t>
+              <a:t>2/2/2021</a:t>
             </a:fld>
             <a:endParaRPr lang="en-US"/>
           </a:p>
@@ -1800,7 +2123,7 @@
           <a:p>
             <a:fld id="{0DAF61AA-5A98-4049-A93E-477E5505141A}" type="datetimeFigureOut">
               <a:rPr lang="en-US" smtClean="0"/>
-              <a:t>2/1/2021</a:t>
+              <a:t>2/2/2021</a:t>
             </a:fld>
             <a:endParaRPr lang="en-US"/>
           </a:p>
@@ -1998,7 +2321,7 @@
           <a:p>
             <a:fld id="{0DAF61AA-5A98-4049-A93E-477E5505141A}" type="datetimeFigureOut">
               <a:rPr lang="en-US" smtClean="0"/>
-              <a:t>2/1/2021</a:t>
+              <a:t>2/2/2021</a:t>
             </a:fld>
             <a:endParaRPr lang="en-US"/>
           </a:p>
@@ -2273,7 +2596,7 @@
           <a:p>
             <a:fld id="{0DAF61AA-5A98-4049-A93E-477E5505141A}" type="datetimeFigureOut">
               <a:rPr lang="en-US" smtClean="0"/>
-              <a:t>2/1/2021</a:t>
+              <a:t>2/2/2021</a:t>
             </a:fld>
             <a:endParaRPr lang="en-US"/>
           </a:p>
@@ -2538,7 +2861,7 @@
           <a:p>
             <a:fld id="{0DAF61AA-5A98-4049-A93E-477E5505141A}" type="datetimeFigureOut">
               <a:rPr lang="en-US" smtClean="0"/>
-              <a:t>2/1/2021</a:t>
+              <a:t>2/2/2021</a:t>
             </a:fld>
             <a:endParaRPr lang="en-US"/>
           </a:p>
@@ -2950,7 +3273,7 @@
           <a:p>
             <a:fld id="{0DAF61AA-5A98-4049-A93E-477E5505141A}" type="datetimeFigureOut">
               <a:rPr lang="en-US" smtClean="0"/>
-              <a:t>2/1/2021</a:t>
+              <a:t>2/2/2021</a:t>
             </a:fld>
             <a:endParaRPr lang="en-US"/>
           </a:p>
@@ -3091,7 +3414,7 @@
           <a:p>
             <a:fld id="{0DAF61AA-5A98-4049-A93E-477E5505141A}" type="datetimeFigureOut">
               <a:rPr lang="en-US" smtClean="0"/>
-              <a:t>2/1/2021</a:t>
+              <a:t>2/2/2021</a:t>
             </a:fld>
             <a:endParaRPr lang="en-US"/>
           </a:p>
@@ -3204,7 +3527,7 @@
           <a:p>
             <a:fld id="{0DAF61AA-5A98-4049-A93E-477E5505141A}" type="datetimeFigureOut">
               <a:rPr lang="en-US" smtClean="0"/>
-              <a:t>2/1/2021</a:t>
+              <a:t>2/2/2021</a:t>
             </a:fld>
             <a:endParaRPr lang="en-US"/>
           </a:p>
@@ -3515,7 +3838,7 @@
           <a:p>
             <a:fld id="{0DAF61AA-5A98-4049-A93E-477E5505141A}" type="datetimeFigureOut">
               <a:rPr lang="en-US" smtClean="0"/>
-              <a:t>2/1/2021</a:t>
+              <a:t>2/2/2021</a:t>
             </a:fld>
             <a:endParaRPr lang="en-US"/>
           </a:p>
@@ -3806,7 +4129,7 @@
           <a:p>
             <a:fld id="{0DAF61AA-5A98-4049-A93E-477E5505141A}" type="datetimeFigureOut">
               <a:rPr lang="en-US" smtClean="0"/>
-              <a:t>2/1/2021</a:t>
+              <a:t>2/2/2021</a:t>
             </a:fld>
             <a:endParaRPr lang="en-US"/>
           </a:p>
@@ -7494,7 +7817,7 @@
             <a:fld id="{0DAF61AA-5A98-4049-A93E-477E5505141A}" type="datetimeFigureOut">
               <a:rPr lang="en-US" smtClean="0"/>
               <a:pPr/>
-              <a:t>2/1/2021</a:t>
+              <a:t>2/2/2021</a:t>
             </a:fld>
             <a:endParaRPr lang="en-US" dirty="0"/>
           </a:p>
@@ -15421,7 +15744,7782 @@
 </p:sld>
 </file>
 
+<file path=ppt/slides/slide10.xml><?xml version="1.0" encoding="utf-8"?>
+<p:sld xmlns:a="http://schemas.openxmlformats.org/drawingml/2006/main" xmlns:r="http://schemas.openxmlformats.org/officeDocument/2006/relationships" xmlns:p="http://schemas.openxmlformats.org/presentationml/2006/main">
+  <p:cSld>
+    <p:spTree>
+      <p:nvGrpSpPr>
+        <p:cNvPr id="1" name=""/>
+        <p:cNvGrpSpPr/>
+        <p:nvPr/>
+      </p:nvGrpSpPr>
+      <p:grpSpPr>
+        <a:xfrm>
+          <a:off x="0" y="0"/>
+          <a:ext cx="0" cy="0"/>
+          <a:chOff x="0" y="0"/>
+          <a:chExt cx="0" cy="0"/>
+        </a:xfrm>
+      </p:grpSpPr>
+      <p:sp>
+        <p:nvSpPr>
+          <p:cNvPr id="2" name="Title 1">
+            <a:extLst>
+              <a:ext uri="{FF2B5EF4-FFF2-40B4-BE49-F238E27FC236}">
+                <a16:creationId xmlns:a16="http://schemas.microsoft.com/office/drawing/2014/main" id="{72EF223C-0FCC-43BA-A99E-FF90DD0C1AB1}"/>
+              </a:ext>
+            </a:extLst>
+          </p:cNvPr>
+          <p:cNvSpPr>
+            <a:spLocks noGrp="1"/>
+          </p:cNvSpPr>
+          <p:nvPr>
+            <p:ph type="title"/>
+          </p:nvPr>
+        </p:nvSpPr>
+        <p:spPr>
+          <a:xfrm>
+            <a:off x="289560" y="18255"/>
+            <a:ext cx="10515600" cy="1325563"/>
+          </a:xfrm>
+        </p:spPr>
+        <p:txBody>
+          <a:bodyPr>
+            <a:normAutofit fontScale="90000"/>
+          </a:bodyPr>
+          <a:lstStyle/>
+          <a:p>
+            <a:r>
+              <a:rPr lang="en-US" dirty="0"/>
+              <a:t>Conclusion: Life Expectancy vs. Schooling</a:t>
+            </a:r>
+          </a:p>
+        </p:txBody>
+      </p:sp>
+      <p:sp>
+        <p:nvSpPr>
+          <p:cNvPr id="3" name="Content Placeholder 2">
+            <a:extLst>
+              <a:ext uri="{FF2B5EF4-FFF2-40B4-BE49-F238E27FC236}">
+                <a16:creationId xmlns:a16="http://schemas.microsoft.com/office/drawing/2014/main" id="{D328FE82-30EF-4D92-A4B6-8F4E28660C1E}"/>
+              </a:ext>
+            </a:extLst>
+          </p:cNvPr>
+          <p:cNvSpPr>
+            <a:spLocks noGrp="1"/>
+          </p:cNvSpPr>
+          <p:nvPr>
+            <p:ph idx="1"/>
+          </p:nvPr>
+        </p:nvSpPr>
+        <p:spPr>
+          <a:xfrm>
+            <a:off x="655320" y="1514729"/>
+            <a:ext cx="10515600" cy="4351338"/>
+          </a:xfrm>
+        </p:spPr>
+        <p:txBody>
+          <a:bodyPr/>
+          <a:lstStyle/>
+          <a:p>
+            <a:r>
+              <a:rPr lang="en-US" sz="4000" dirty="0"/>
+              <a:t>Strong correlation overall and specifically for developing countries</a:t>
+            </a:r>
+          </a:p>
+          <a:p>
+            <a:r>
+              <a:rPr lang="en-US" sz="4000" dirty="0"/>
+              <a:t>Weak to moderate correlation for developed countries</a:t>
+            </a:r>
+          </a:p>
+          <a:p>
+            <a:r>
+              <a:rPr lang="en-US" sz="4000" dirty="0"/>
+              <a:t>Correlation not causation</a:t>
+            </a:r>
+          </a:p>
+          <a:p>
+            <a:endParaRPr lang="en-US" dirty="0"/>
+          </a:p>
+        </p:txBody>
+      </p:sp>
+    </p:spTree>
+    <p:extLst>
+      <p:ext uri="{BB962C8B-B14F-4D97-AF65-F5344CB8AC3E}">
+        <p14:creationId xmlns:p14="http://schemas.microsoft.com/office/powerpoint/2010/main" val="1205530757"/>
+      </p:ext>
+    </p:extLst>
+  </p:cSld>
+  <p:clrMapOvr>
+    <a:masterClrMapping/>
+  </p:clrMapOvr>
+</p:sld>
+</file>
+
 <file path=ppt/slides/slide2.xml><?xml version="1.0" encoding="utf-8"?>
+<p:sld xmlns:a="http://schemas.openxmlformats.org/drawingml/2006/main" xmlns:r="http://schemas.openxmlformats.org/officeDocument/2006/relationships" xmlns:p="http://schemas.openxmlformats.org/presentationml/2006/main">
+  <p:cSld>
+    <p:bg>
+      <p:bgPr>
+        <a:solidFill>
+          <a:schemeClr val="bg1"/>
+        </a:solidFill>
+        <a:effectLst/>
+      </p:bgPr>
+    </p:bg>
+    <p:spTree>
+      <p:nvGrpSpPr>
+        <p:cNvPr id="1" name=""/>
+        <p:cNvGrpSpPr/>
+        <p:nvPr/>
+      </p:nvGrpSpPr>
+      <p:grpSpPr>
+        <a:xfrm>
+          <a:off x="0" y="0"/>
+          <a:ext cx="0" cy="0"/>
+          <a:chOff x="0" y="0"/>
+          <a:chExt cx="0" cy="0"/>
+        </a:xfrm>
+      </p:grpSpPr>
+      <p:sp>
+        <p:nvSpPr>
+          <p:cNvPr id="9" name="Rectangle 8">
+            <a:extLst>
+              <a:ext uri="{FF2B5EF4-FFF2-40B4-BE49-F238E27FC236}">
+                <a16:creationId xmlns:a16="http://schemas.microsoft.com/office/drawing/2014/main" id="{247A131F-D5DE-41A5-B4CF-4F345319B40B}"/>
+              </a:ext>
+              <a:ext uri="{C183D7F6-B498-43B3-948B-1728B52AA6E4}">
+                <adec:decorative xmlns:adec="http://schemas.microsoft.com/office/drawing/2017/decorative" val="1"/>
+              </a:ext>
+            </a:extLst>
+          </p:cNvPr>
+          <p:cNvSpPr>
+            <a:spLocks noGrp="1" noRot="1" noChangeAspect="1" noMove="1" noResize="1" noEditPoints="1" noAdjustHandles="1" noChangeArrowheads="1" noChangeShapeType="1" noTextEdit="1"/>
+          </p:cNvSpPr>
+          <p:nvPr>
+            <p:extLst>
+              <p:ext uri="{386F3935-93C4-4BCD-93E2-E3B085C9AB24}">
+                <p16:designElem xmlns:p16="http://schemas.microsoft.com/office/powerpoint/2015/main" val="1"/>
+              </p:ext>
+            </p:extLst>
+          </p:nvPr>
+        </p:nvSpPr>
+        <p:spPr>
+          <a:xfrm>
+            <a:off x="0" y="0"/>
+            <a:ext cx="12188952" cy="6858000"/>
+          </a:xfrm>
+          <a:prstGeom prst="rect">
+            <a:avLst/>
+          </a:prstGeom>
+          <a:solidFill>
+            <a:schemeClr val="bg2"/>
+          </a:solidFill>
+          <a:ln>
+            <a:solidFill>
+              <a:schemeClr val="bg1">
+                <a:lumMod val="95000"/>
+              </a:schemeClr>
+            </a:solidFill>
+          </a:ln>
+        </p:spPr>
+        <p:style>
+          <a:lnRef idx="2">
+            <a:schemeClr val="accent1">
+              <a:shade val="50000"/>
+            </a:schemeClr>
+          </a:lnRef>
+          <a:fillRef idx="1">
+            <a:schemeClr val="accent1"/>
+          </a:fillRef>
+          <a:effectRef idx="0">
+            <a:schemeClr val="accent1"/>
+          </a:effectRef>
+          <a:fontRef idx="minor">
+            <a:schemeClr val="lt1"/>
+          </a:fontRef>
+        </p:style>
+        <p:txBody>
+          <a:bodyPr rtlCol="0" anchor="ctr"/>
+          <a:lstStyle/>
+          <a:p>
+            <a:pPr algn="ctr"/>
+            <a:endParaRPr lang="en-US" dirty="0">
+              <a:solidFill>
+                <a:schemeClr val="tx1">
+                  <a:lumMod val="65000"/>
+                  <a:lumOff val="35000"/>
+                </a:schemeClr>
+              </a:solidFill>
+              <a:latin typeface="AvenirNext LT Pro Medium" panose="020B0504020202020204" pitchFamily="34" charset="0"/>
+            </a:endParaRPr>
+          </a:p>
+        </p:txBody>
+      </p:sp>
+      <p:sp>
+        <p:nvSpPr>
+          <p:cNvPr id="11" name="Freeform: Shape 10">
+            <a:extLst>
+              <a:ext uri="{FF2B5EF4-FFF2-40B4-BE49-F238E27FC236}">
+                <a16:creationId xmlns:a16="http://schemas.microsoft.com/office/drawing/2014/main" id="{3AF4666D-BD98-40A5-A75F-478B982010B2}"/>
+              </a:ext>
+              <a:ext uri="{C183D7F6-B498-43B3-948B-1728B52AA6E4}">
+                <adec:decorative xmlns:adec="http://schemas.microsoft.com/office/drawing/2017/decorative" val="1"/>
+              </a:ext>
+            </a:extLst>
+          </p:cNvPr>
+          <p:cNvSpPr>
+            <a:spLocks noGrp="1" noRot="1" noChangeAspect="1" noMove="1" noResize="1" noEditPoints="1" noAdjustHandles="1" noChangeArrowheads="1" noChangeShapeType="1" noTextEdit="1"/>
+          </p:cNvSpPr>
+          <p:nvPr>
+            <p:extLst>
+              <p:ext uri="{386F3935-93C4-4BCD-93E2-E3B085C9AB24}">
+                <p16:designElem xmlns:p16="http://schemas.microsoft.com/office/powerpoint/2015/main" val="1"/>
+              </p:ext>
+            </p:extLst>
+          </p:nvPr>
+        </p:nvSpPr>
+        <p:spPr>
+          <a:xfrm rot="10800000">
+            <a:off x="692844" y="-3086"/>
+            <a:ext cx="1326111" cy="597603"/>
+          </a:xfrm>
+          <a:custGeom>
+            <a:avLst/>
+            <a:gdLst>
+              <a:gd name="connsiteX0" fmla="*/ 741051 w 1482102"/>
+              <a:gd name="connsiteY0" fmla="*/ 0 h 679363"/>
+              <a:gd name="connsiteX1" fmla="*/ 1473822 w 1482102"/>
+              <a:gd name="connsiteY1" fmla="*/ 597226 h 679363"/>
+              <a:gd name="connsiteX2" fmla="*/ 1482102 w 1482102"/>
+              <a:gd name="connsiteY2" fmla="*/ 679363 h 679363"/>
+              <a:gd name="connsiteX3" fmla="*/ 0 w 1482102"/>
+              <a:gd name="connsiteY3" fmla="*/ 679363 h 679363"/>
+              <a:gd name="connsiteX4" fmla="*/ 8280 w 1482102"/>
+              <a:gd name="connsiteY4" fmla="*/ 597226 h 679363"/>
+              <a:gd name="connsiteX5" fmla="*/ 741051 w 1482102"/>
+              <a:gd name="connsiteY5" fmla="*/ 0 h 679363"/>
+            </a:gdLst>
+            <a:ahLst/>
+            <a:cxnLst>
+              <a:cxn ang="0">
+                <a:pos x="connsiteX0" y="connsiteY0"/>
+              </a:cxn>
+              <a:cxn ang="0">
+                <a:pos x="connsiteX1" y="connsiteY1"/>
+              </a:cxn>
+              <a:cxn ang="0">
+                <a:pos x="connsiteX2" y="connsiteY2"/>
+              </a:cxn>
+              <a:cxn ang="0">
+                <a:pos x="connsiteX3" y="connsiteY3"/>
+              </a:cxn>
+              <a:cxn ang="0">
+                <a:pos x="connsiteX4" y="connsiteY4"/>
+              </a:cxn>
+              <a:cxn ang="0">
+                <a:pos x="connsiteX5" y="connsiteY5"/>
+              </a:cxn>
+            </a:cxnLst>
+            <a:rect l="l" t="t" r="r" b="b"/>
+            <a:pathLst>
+              <a:path w="1482102" h="679363">
+                <a:moveTo>
+                  <a:pt x="741051" y="0"/>
+                </a:moveTo>
+                <a:cubicBezTo>
+                  <a:pt x="1102506" y="0"/>
+                  <a:pt x="1404077" y="256390"/>
+                  <a:pt x="1473822" y="597226"/>
+                </a:cubicBezTo>
+                <a:lnTo>
+                  <a:pt x="1482102" y="679363"/>
+                </a:lnTo>
+                <a:lnTo>
+                  <a:pt x="0" y="679363"/>
+                </a:lnTo>
+                <a:lnTo>
+                  <a:pt x="8280" y="597226"/>
+                </a:lnTo>
+                <a:cubicBezTo>
+                  <a:pt x="78025" y="256390"/>
+                  <a:pt x="379596" y="0"/>
+                  <a:pt x="741051" y="0"/>
+                </a:cubicBezTo>
+                <a:close/>
+              </a:path>
+            </a:pathLst>
+          </a:custGeom>
+          <a:solidFill>
+            <a:schemeClr val="bg1"/>
+          </a:solidFill>
+          <a:ln>
+            <a:noFill/>
+          </a:ln>
+        </p:spPr>
+        <p:style>
+          <a:lnRef idx="2">
+            <a:schemeClr val="accent1">
+              <a:shade val="50000"/>
+            </a:schemeClr>
+          </a:lnRef>
+          <a:fillRef idx="1">
+            <a:schemeClr val="accent1"/>
+          </a:fillRef>
+          <a:effectRef idx="0">
+            <a:schemeClr val="accent1"/>
+          </a:effectRef>
+          <a:fontRef idx="minor">
+            <a:schemeClr val="lt1"/>
+          </a:fontRef>
+        </p:style>
+        <p:txBody>
+          <a:bodyPr wrap="square" rtlCol="0" anchor="ctr">
+            <a:noAutofit/>
+          </a:bodyPr>
+          <a:lstStyle/>
+          <a:p>
+            <a:pPr algn="ctr">
+              <a:spcAft>
+                <a:spcPts val="600"/>
+              </a:spcAft>
+            </a:pPr>
+            <a:r>
+              <a:rPr lang="en-US" dirty="0">
+                <a:solidFill>
+                  <a:schemeClr val="tx1">
+                    <a:lumMod val="65000"/>
+                    <a:lumOff val="35000"/>
+                  </a:schemeClr>
+                </a:solidFill>
+                <a:latin typeface="AvenirNext LT Pro Medium" panose="020B0504020202020204" pitchFamily="34" charset="0"/>
+              </a:rPr>
+              <a:t> </a:t>
+            </a:r>
+          </a:p>
+        </p:txBody>
+      </p:sp>
+      <p:sp>
+        <p:nvSpPr>
+          <p:cNvPr id="13" name="Freeform: Shape 12">
+            <a:extLst>
+              <a:ext uri="{FF2B5EF4-FFF2-40B4-BE49-F238E27FC236}">
+                <a16:creationId xmlns:a16="http://schemas.microsoft.com/office/drawing/2014/main" id="{68680585-71F9-4721-A998-4974171D2EB4}"/>
+              </a:ext>
+              <a:ext uri="{C183D7F6-B498-43B3-948B-1728B52AA6E4}">
+                <adec:decorative xmlns:adec="http://schemas.microsoft.com/office/drawing/2017/decorative" val="1"/>
+              </a:ext>
+            </a:extLst>
+          </p:cNvPr>
+          <p:cNvSpPr>
+            <a:spLocks noGrp="1" noRot="1" noChangeAspect="1" noMove="1" noResize="1" noEditPoints="1" noAdjustHandles="1" noChangeArrowheads="1" noChangeShapeType="1" noTextEdit="1"/>
+          </p:cNvSpPr>
+          <p:nvPr>
+            <p:extLst>
+              <p:ext uri="{386F3935-93C4-4BCD-93E2-E3B085C9AB24}">
+                <p16:designElem xmlns:p16="http://schemas.microsoft.com/office/powerpoint/2015/main" val="1"/>
+              </p:ext>
+            </p:extLst>
+          </p:nvPr>
+        </p:nvSpPr>
+        <p:spPr>
+          <a:xfrm>
+            <a:off x="10439256" y="6172200"/>
+            <a:ext cx="1482102" cy="679363"/>
+          </a:xfrm>
+          <a:custGeom>
+            <a:avLst/>
+            <a:gdLst>
+              <a:gd name="connsiteX0" fmla="*/ 741051 w 1482102"/>
+              <a:gd name="connsiteY0" fmla="*/ 0 h 679363"/>
+              <a:gd name="connsiteX1" fmla="*/ 1473822 w 1482102"/>
+              <a:gd name="connsiteY1" fmla="*/ 597226 h 679363"/>
+              <a:gd name="connsiteX2" fmla="*/ 1482102 w 1482102"/>
+              <a:gd name="connsiteY2" fmla="*/ 679363 h 679363"/>
+              <a:gd name="connsiteX3" fmla="*/ 0 w 1482102"/>
+              <a:gd name="connsiteY3" fmla="*/ 679363 h 679363"/>
+              <a:gd name="connsiteX4" fmla="*/ 8280 w 1482102"/>
+              <a:gd name="connsiteY4" fmla="*/ 597226 h 679363"/>
+              <a:gd name="connsiteX5" fmla="*/ 741051 w 1482102"/>
+              <a:gd name="connsiteY5" fmla="*/ 0 h 679363"/>
+            </a:gdLst>
+            <a:ahLst/>
+            <a:cxnLst>
+              <a:cxn ang="0">
+                <a:pos x="connsiteX0" y="connsiteY0"/>
+              </a:cxn>
+              <a:cxn ang="0">
+                <a:pos x="connsiteX1" y="connsiteY1"/>
+              </a:cxn>
+              <a:cxn ang="0">
+                <a:pos x="connsiteX2" y="connsiteY2"/>
+              </a:cxn>
+              <a:cxn ang="0">
+                <a:pos x="connsiteX3" y="connsiteY3"/>
+              </a:cxn>
+              <a:cxn ang="0">
+                <a:pos x="connsiteX4" y="connsiteY4"/>
+              </a:cxn>
+              <a:cxn ang="0">
+                <a:pos x="connsiteX5" y="connsiteY5"/>
+              </a:cxn>
+            </a:cxnLst>
+            <a:rect l="l" t="t" r="r" b="b"/>
+            <a:pathLst>
+              <a:path w="1482102" h="679363">
+                <a:moveTo>
+                  <a:pt x="741051" y="0"/>
+                </a:moveTo>
+                <a:cubicBezTo>
+                  <a:pt x="1102506" y="0"/>
+                  <a:pt x="1404077" y="256390"/>
+                  <a:pt x="1473822" y="597226"/>
+                </a:cubicBezTo>
+                <a:lnTo>
+                  <a:pt x="1482102" y="679363"/>
+                </a:lnTo>
+                <a:lnTo>
+                  <a:pt x="0" y="679363"/>
+                </a:lnTo>
+                <a:lnTo>
+                  <a:pt x="8280" y="597226"/>
+                </a:lnTo>
+                <a:cubicBezTo>
+                  <a:pt x="78025" y="256390"/>
+                  <a:pt x="379596" y="0"/>
+                  <a:pt x="741051" y="0"/>
+                </a:cubicBezTo>
+                <a:close/>
+              </a:path>
+            </a:pathLst>
+          </a:custGeom>
+          <a:solidFill>
+            <a:schemeClr val="bg1"/>
+          </a:solidFill>
+          <a:ln>
+            <a:noFill/>
+          </a:ln>
+        </p:spPr>
+        <p:style>
+          <a:lnRef idx="2">
+            <a:schemeClr val="accent1">
+              <a:shade val="50000"/>
+            </a:schemeClr>
+          </a:lnRef>
+          <a:fillRef idx="1">
+            <a:schemeClr val="accent1"/>
+          </a:fillRef>
+          <a:effectRef idx="0">
+            <a:schemeClr val="accent1"/>
+          </a:effectRef>
+          <a:fontRef idx="minor">
+            <a:schemeClr val="lt1"/>
+          </a:fontRef>
+        </p:style>
+        <p:txBody>
+          <a:bodyPr wrap="square" rtlCol="0" anchor="ctr">
+            <a:noAutofit/>
+          </a:bodyPr>
+          <a:lstStyle/>
+          <a:p>
+            <a:pPr algn="ctr">
+              <a:spcAft>
+                <a:spcPts val="600"/>
+              </a:spcAft>
+            </a:pPr>
+            <a:r>
+              <a:rPr lang="en-US" dirty="0">
+                <a:solidFill>
+                  <a:schemeClr val="tx1">
+                    <a:lumMod val="65000"/>
+                    <a:lumOff val="35000"/>
+                  </a:schemeClr>
+                </a:solidFill>
+                <a:latin typeface="AvenirNext LT Pro Medium" panose="020B0504020202020204" pitchFamily="34" charset="0"/>
+              </a:rPr>
+              <a:t> </a:t>
+            </a:r>
+          </a:p>
+        </p:txBody>
+      </p:sp>
+      <p:sp>
+        <p:nvSpPr>
+          <p:cNvPr id="15" name="Freeform: Shape 14">
+            <a:extLst>
+              <a:ext uri="{FF2B5EF4-FFF2-40B4-BE49-F238E27FC236}">
+                <a16:creationId xmlns:a16="http://schemas.microsoft.com/office/drawing/2014/main" id="{12BC95C2-2EEC-4F59-ABA8-660B0D059CCF}"/>
+              </a:ext>
+              <a:ext uri="{C183D7F6-B498-43B3-948B-1728B52AA6E4}">
+                <adec:decorative xmlns:adec="http://schemas.microsoft.com/office/drawing/2017/decorative" val="1"/>
+              </a:ext>
+            </a:extLst>
+          </p:cNvPr>
+          <p:cNvSpPr>
+            <a:spLocks noGrp="1" noRot="1" noChangeAspect="1" noMove="1" noResize="1" noEditPoints="1" noAdjustHandles="1" noChangeArrowheads="1" noChangeShapeType="1" noTextEdit="1"/>
+          </p:cNvSpPr>
+          <p:nvPr>
+            <p:extLst>
+              <p:ext uri="{386F3935-93C4-4BCD-93E2-E3B085C9AB24}">
+                <p16:designElem xmlns:p16="http://schemas.microsoft.com/office/powerpoint/2015/main" val="1"/>
+              </p:ext>
+            </p:extLst>
+          </p:nvPr>
+        </p:nvSpPr>
+        <p:spPr>
+          <a:xfrm>
+            <a:off x="7977352" y="5197178"/>
+            <a:ext cx="4211600" cy="1660822"/>
+          </a:xfrm>
+          <a:custGeom>
+            <a:avLst/>
+            <a:gdLst>
+              <a:gd name="connsiteX0" fmla="*/ 4211600 w 4211600"/>
+              <a:gd name="connsiteY0" fmla="*/ 0 h 1660822"/>
+              <a:gd name="connsiteX1" fmla="*/ 4211600 w 4211600"/>
+              <a:gd name="connsiteY1" fmla="*/ 58430 h 1660822"/>
+              <a:gd name="connsiteX2" fmla="*/ 4136524 w 4211600"/>
+              <a:gd name="connsiteY2" fmla="*/ 208808 h 1660822"/>
+              <a:gd name="connsiteX3" fmla="*/ 3973354 w 4211600"/>
+              <a:gd name="connsiteY3" fmla="*/ 437313 h 1660822"/>
+              <a:gd name="connsiteX4" fmla="*/ 3884746 w 4211600"/>
+              <a:gd name="connsiteY4" fmla="*/ 553613 h 1660822"/>
+              <a:gd name="connsiteX5" fmla="*/ 3849435 w 4211600"/>
+              <a:gd name="connsiteY5" fmla="*/ 603143 h 1660822"/>
+              <a:gd name="connsiteX6" fmla="*/ 3661849 w 4211600"/>
+              <a:gd name="connsiteY6" fmla="*/ 819075 h 1660822"/>
+              <a:gd name="connsiteX7" fmla="*/ 3402589 w 4211600"/>
+              <a:gd name="connsiteY7" fmla="*/ 952996 h 1660822"/>
+              <a:gd name="connsiteX8" fmla="*/ 3130202 w 4211600"/>
+              <a:gd name="connsiteY8" fmla="*/ 1023386 h 1660822"/>
+              <a:gd name="connsiteX9" fmla="*/ 2914657 w 4211600"/>
+              <a:gd name="connsiteY9" fmla="*/ 1068058 h 1660822"/>
+              <a:gd name="connsiteX10" fmla="*/ 2582149 w 4211600"/>
+              <a:gd name="connsiteY10" fmla="*/ 1138924 h 1660822"/>
+              <a:gd name="connsiteX11" fmla="*/ 2483958 w 4211600"/>
+              <a:gd name="connsiteY11" fmla="*/ 1162356 h 1660822"/>
+              <a:gd name="connsiteX12" fmla="*/ 2123750 w 4211600"/>
+              <a:gd name="connsiteY12" fmla="*/ 1238651 h 1660822"/>
+              <a:gd name="connsiteX13" fmla="*/ 1761444 w 4211600"/>
+              <a:gd name="connsiteY13" fmla="*/ 1273417 h 1660822"/>
+              <a:gd name="connsiteX14" fmla="*/ 1608382 w 4211600"/>
+              <a:gd name="connsiteY14" fmla="*/ 1284466 h 1660822"/>
+              <a:gd name="connsiteX15" fmla="*/ 999942 w 4211600"/>
+              <a:gd name="connsiteY15" fmla="*/ 1354284 h 1660822"/>
+              <a:gd name="connsiteX16" fmla="*/ 484705 w 4211600"/>
+              <a:gd name="connsiteY16" fmla="*/ 1450487 h 1660822"/>
+              <a:gd name="connsiteX17" fmla="*/ 113310 w 4211600"/>
+              <a:gd name="connsiteY17" fmla="*/ 1613700 h 1660822"/>
+              <a:gd name="connsiteX18" fmla="*/ 39668 w 4211600"/>
+              <a:gd name="connsiteY18" fmla="*/ 1660822 h 1660822"/>
+              <a:gd name="connsiteX19" fmla="*/ 0 w 4211600"/>
+              <a:gd name="connsiteY19" fmla="*/ 1660822 h 1660822"/>
+              <a:gd name="connsiteX20" fmla="*/ 96701 w 4211600"/>
+              <a:gd name="connsiteY20" fmla="*/ 1598934 h 1660822"/>
+              <a:gd name="connsiteX21" fmla="*/ 474335 w 4211600"/>
+              <a:gd name="connsiteY21" fmla="*/ 1433056 h 1660822"/>
+              <a:gd name="connsiteX22" fmla="*/ 994299 w 4211600"/>
+              <a:gd name="connsiteY22" fmla="*/ 1335806 h 1660822"/>
+              <a:gd name="connsiteX23" fmla="*/ 1605231 w 4211600"/>
+              <a:gd name="connsiteY23" fmla="*/ 1265702 h 1660822"/>
+              <a:gd name="connsiteX24" fmla="*/ 1758819 w 4211600"/>
+              <a:gd name="connsiteY24" fmla="*/ 1254558 h 1660822"/>
+              <a:gd name="connsiteX25" fmla="*/ 2118106 w 4211600"/>
+              <a:gd name="connsiteY25" fmla="*/ 1220077 h 1660822"/>
+              <a:gd name="connsiteX26" fmla="*/ 2475557 w 4211600"/>
+              <a:gd name="connsiteY26" fmla="*/ 1144353 h 1660822"/>
+              <a:gd name="connsiteX27" fmla="*/ 2573878 w 4211600"/>
+              <a:gd name="connsiteY27" fmla="*/ 1120827 h 1660822"/>
+              <a:gd name="connsiteX28" fmla="*/ 2907437 w 4211600"/>
+              <a:gd name="connsiteY28" fmla="*/ 1049675 h 1660822"/>
+              <a:gd name="connsiteX29" fmla="*/ 3122589 w 4211600"/>
+              <a:gd name="connsiteY29" fmla="*/ 1005098 h 1660822"/>
+              <a:gd name="connsiteX30" fmla="*/ 3391169 w 4211600"/>
+              <a:gd name="connsiteY30" fmla="*/ 935756 h 1660822"/>
+              <a:gd name="connsiteX31" fmla="*/ 3642290 w 4211600"/>
+              <a:gd name="connsiteY31" fmla="*/ 806216 h 1660822"/>
+              <a:gd name="connsiteX32" fmla="*/ 3825937 w 4211600"/>
+              <a:gd name="connsiteY32" fmla="*/ 594475 h 1660822"/>
+              <a:gd name="connsiteX33" fmla="*/ 3861381 w 4211600"/>
+              <a:gd name="connsiteY33" fmla="*/ 544755 h 1660822"/>
+              <a:gd name="connsiteX34" fmla="*/ 3950381 w 4211600"/>
+              <a:gd name="connsiteY34" fmla="*/ 427978 h 1660822"/>
+              <a:gd name="connsiteX35" fmla="*/ 4112370 w 4211600"/>
+              <a:gd name="connsiteY35" fmla="*/ 201378 h 1660822"/>
+              <a:gd name="connsiteX36" fmla="*/ 4195989 w 4211600"/>
+              <a:gd name="connsiteY36" fmla="*/ 33834 h 1660822"/>
+            </a:gdLst>
+            <a:ahLst/>
+            <a:cxnLst>
+              <a:cxn ang="0">
+                <a:pos x="connsiteX0" y="connsiteY0"/>
+              </a:cxn>
+              <a:cxn ang="0">
+                <a:pos x="connsiteX1" y="connsiteY1"/>
+              </a:cxn>
+              <a:cxn ang="0">
+                <a:pos x="connsiteX2" y="connsiteY2"/>
+              </a:cxn>
+              <a:cxn ang="0">
+                <a:pos x="connsiteX3" y="connsiteY3"/>
+              </a:cxn>
+              <a:cxn ang="0">
+                <a:pos x="connsiteX4" y="connsiteY4"/>
+              </a:cxn>
+              <a:cxn ang="0">
+                <a:pos x="connsiteX5" y="connsiteY5"/>
+              </a:cxn>
+              <a:cxn ang="0">
+                <a:pos x="connsiteX6" y="connsiteY6"/>
+              </a:cxn>
+              <a:cxn ang="0">
+                <a:pos x="connsiteX7" y="connsiteY7"/>
+              </a:cxn>
+              <a:cxn ang="0">
+                <a:pos x="connsiteX8" y="connsiteY8"/>
+              </a:cxn>
+              <a:cxn ang="0">
+                <a:pos x="connsiteX9" y="connsiteY9"/>
+              </a:cxn>
+              <a:cxn ang="0">
+                <a:pos x="connsiteX10" y="connsiteY10"/>
+              </a:cxn>
+              <a:cxn ang="0">
+                <a:pos x="connsiteX11" y="connsiteY11"/>
+              </a:cxn>
+              <a:cxn ang="0">
+                <a:pos x="connsiteX12" y="connsiteY12"/>
+              </a:cxn>
+              <a:cxn ang="0">
+                <a:pos x="connsiteX13" y="connsiteY13"/>
+              </a:cxn>
+              <a:cxn ang="0">
+                <a:pos x="connsiteX14" y="connsiteY14"/>
+              </a:cxn>
+              <a:cxn ang="0">
+                <a:pos x="connsiteX15" y="connsiteY15"/>
+              </a:cxn>
+              <a:cxn ang="0">
+                <a:pos x="connsiteX16" y="connsiteY16"/>
+              </a:cxn>
+              <a:cxn ang="0">
+                <a:pos x="connsiteX17" y="connsiteY17"/>
+              </a:cxn>
+              <a:cxn ang="0">
+                <a:pos x="connsiteX18" y="connsiteY18"/>
+              </a:cxn>
+              <a:cxn ang="0">
+                <a:pos x="connsiteX19" y="connsiteY19"/>
+              </a:cxn>
+              <a:cxn ang="0">
+                <a:pos x="connsiteX20" y="connsiteY20"/>
+              </a:cxn>
+              <a:cxn ang="0">
+                <a:pos x="connsiteX21" y="connsiteY21"/>
+              </a:cxn>
+              <a:cxn ang="0">
+                <a:pos x="connsiteX22" y="connsiteY22"/>
+              </a:cxn>
+              <a:cxn ang="0">
+                <a:pos x="connsiteX23" y="connsiteY23"/>
+              </a:cxn>
+              <a:cxn ang="0">
+                <a:pos x="connsiteX24" y="connsiteY24"/>
+              </a:cxn>
+              <a:cxn ang="0">
+                <a:pos x="connsiteX25" y="connsiteY25"/>
+              </a:cxn>
+              <a:cxn ang="0">
+                <a:pos x="connsiteX26" y="connsiteY26"/>
+              </a:cxn>
+              <a:cxn ang="0">
+                <a:pos x="connsiteX27" y="connsiteY27"/>
+              </a:cxn>
+              <a:cxn ang="0">
+                <a:pos x="connsiteX28" y="connsiteY28"/>
+              </a:cxn>
+              <a:cxn ang="0">
+                <a:pos x="connsiteX29" y="connsiteY29"/>
+              </a:cxn>
+              <a:cxn ang="0">
+                <a:pos x="connsiteX30" y="connsiteY30"/>
+              </a:cxn>
+              <a:cxn ang="0">
+                <a:pos x="connsiteX31" y="connsiteY31"/>
+              </a:cxn>
+              <a:cxn ang="0">
+                <a:pos x="connsiteX32" y="connsiteY32"/>
+              </a:cxn>
+              <a:cxn ang="0">
+                <a:pos x="connsiteX33" y="connsiteY33"/>
+              </a:cxn>
+              <a:cxn ang="0">
+                <a:pos x="connsiteX34" y="connsiteY34"/>
+              </a:cxn>
+              <a:cxn ang="0">
+                <a:pos x="connsiteX35" y="connsiteY35"/>
+              </a:cxn>
+              <a:cxn ang="0">
+                <a:pos x="connsiteX36" y="connsiteY36"/>
+              </a:cxn>
+            </a:cxnLst>
+            <a:rect l="l" t="t" r="r" b="b"/>
+            <a:pathLst>
+              <a:path w="4211600" h="1660822">
+                <a:moveTo>
+                  <a:pt x="4211600" y="0"/>
+                </a:moveTo>
+                <a:lnTo>
+                  <a:pt x="4211600" y="58430"/>
+                </a:lnTo>
+                <a:lnTo>
+                  <a:pt x="4136524" y="208808"/>
+                </a:lnTo>
+                <a:cubicBezTo>
+                  <a:pt x="4089791" y="287770"/>
+                  <a:pt x="4030588" y="363780"/>
+                  <a:pt x="3973354" y="437313"/>
+                </a:cubicBezTo>
+                <a:cubicBezTo>
+                  <a:pt x="3943819" y="475222"/>
+                  <a:pt x="3913231" y="514465"/>
+                  <a:pt x="3884746" y="553613"/>
+                </a:cubicBezTo>
+                <a:cubicBezTo>
+                  <a:pt x="3872801" y="569996"/>
+                  <a:pt x="3861119" y="586569"/>
+                  <a:pt x="3849435" y="603143"/>
+                </a:cubicBezTo>
+                <a:cubicBezTo>
+                  <a:pt x="3796665" y="678009"/>
+                  <a:pt x="3742187" y="755352"/>
+                  <a:pt x="3661849" y="819075"/>
+                </a:cubicBezTo>
+                <a:cubicBezTo>
+                  <a:pt x="3596214" y="871176"/>
+                  <a:pt x="3509050" y="916230"/>
+                  <a:pt x="3402589" y="952996"/>
+                </a:cubicBezTo>
+                <a:cubicBezTo>
+                  <a:pt x="3312406" y="984048"/>
+                  <a:pt x="3215660" y="1005003"/>
+                  <a:pt x="3130202" y="1023386"/>
+                </a:cubicBezTo>
+                <a:cubicBezTo>
+                  <a:pt x="3058529" y="1038816"/>
+                  <a:pt x="2985412" y="1053675"/>
+                  <a:pt x="2914657" y="1068058"/>
+                </a:cubicBezTo>
+                <a:cubicBezTo>
+                  <a:pt x="2805176" y="1090251"/>
+                  <a:pt x="2692021" y="1113207"/>
+                  <a:pt x="2582149" y="1138924"/>
+                </a:cubicBezTo>
+                <a:cubicBezTo>
+                  <a:pt x="2549330" y="1146639"/>
+                  <a:pt x="2516644" y="1154450"/>
+                  <a:pt x="2483958" y="1162356"/>
+                </a:cubicBezTo>
+                <a:cubicBezTo>
+                  <a:pt x="2367257" y="1190550"/>
+                  <a:pt x="2246621" y="1219601"/>
+                  <a:pt x="2123750" y="1238651"/>
+                </a:cubicBezTo>
+                <a:cubicBezTo>
+                  <a:pt x="2004294" y="1257129"/>
+                  <a:pt x="1880769" y="1265416"/>
+                  <a:pt x="1761444" y="1273417"/>
+                </a:cubicBezTo>
+                <a:cubicBezTo>
+                  <a:pt x="1711167" y="1276751"/>
+                  <a:pt x="1659184" y="1280275"/>
+                  <a:pt x="1608382" y="1284466"/>
+                </a:cubicBezTo>
+                <a:cubicBezTo>
+                  <a:pt x="1408589" y="1300944"/>
+                  <a:pt x="1214570" y="1325805"/>
+                  <a:pt x="999942" y="1354284"/>
+                </a:cubicBezTo>
+                <a:cubicBezTo>
+                  <a:pt x="826403" y="1377240"/>
+                  <a:pt x="647744" y="1400957"/>
+                  <a:pt x="484705" y="1450487"/>
+                </a:cubicBezTo>
+                <a:cubicBezTo>
+                  <a:pt x="355831" y="1489635"/>
+                  <a:pt x="231387" y="1544374"/>
+                  <a:pt x="113310" y="1613700"/>
+                </a:cubicBezTo>
+                <a:lnTo>
+                  <a:pt x="39668" y="1660822"/>
+                </a:lnTo>
+                <a:lnTo>
+                  <a:pt x="0" y="1660822"/>
+                </a:lnTo>
+                <a:lnTo>
+                  <a:pt x="96701" y="1598934"/>
+                </a:lnTo>
+                <a:cubicBezTo>
+                  <a:pt x="216635" y="1528533"/>
+                  <a:pt x="343196" y="1472919"/>
+                  <a:pt x="474335" y="1433056"/>
+                </a:cubicBezTo>
+                <a:cubicBezTo>
+                  <a:pt x="639999" y="1382669"/>
+                  <a:pt x="820102" y="1358856"/>
+                  <a:pt x="994299" y="1335806"/>
+                </a:cubicBezTo>
+                <a:cubicBezTo>
+                  <a:pt x="1210239" y="1307231"/>
+                  <a:pt x="1404650" y="1282275"/>
+                  <a:pt x="1605231" y="1265702"/>
+                </a:cubicBezTo>
+                <a:cubicBezTo>
+                  <a:pt x="1656428" y="1261511"/>
+                  <a:pt x="1708411" y="1257987"/>
+                  <a:pt x="1758819" y="1254558"/>
+                </a:cubicBezTo>
+                <a:cubicBezTo>
+                  <a:pt x="1877487" y="1246557"/>
+                  <a:pt x="2000094" y="1238365"/>
+                  <a:pt x="2118106" y="1220077"/>
+                </a:cubicBezTo>
+                <a:cubicBezTo>
+                  <a:pt x="2239531" y="1201313"/>
+                  <a:pt x="2359513" y="1172357"/>
+                  <a:pt x="2475557" y="1144353"/>
+                </a:cubicBezTo>
+                <a:cubicBezTo>
+                  <a:pt x="2508243" y="1136448"/>
+                  <a:pt x="2541060" y="1128542"/>
+                  <a:pt x="2573878" y="1120827"/>
+                </a:cubicBezTo>
+                <a:cubicBezTo>
+                  <a:pt x="2684276" y="1094919"/>
+                  <a:pt x="2797694" y="1071963"/>
+                  <a:pt x="2907437" y="1049675"/>
+                </a:cubicBezTo>
+                <a:cubicBezTo>
+                  <a:pt x="2978061" y="1035387"/>
+                  <a:pt x="3051178" y="1020528"/>
+                  <a:pt x="3122589" y="1005098"/>
+                </a:cubicBezTo>
+                <a:cubicBezTo>
+                  <a:pt x="3206997" y="986810"/>
+                  <a:pt x="3302823" y="966141"/>
+                  <a:pt x="3391169" y="935756"/>
+                </a:cubicBezTo>
+                <a:cubicBezTo>
+                  <a:pt x="3494479" y="900132"/>
+                  <a:pt x="3578886" y="856508"/>
+                  <a:pt x="3642290" y="806216"/>
+                </a:cubicBezTo>
+                <a:cubicBezTo>
+                  <a:pt x="3720133" y="744303"/>
+                  <a:pt x="3773953" y="668103"/>
+                  <a:pt x="3825937" y="594475"/>
+                </a:cubicBezTo>
+                <a:cubicBezTo>
+                  <a:pt x="3837621" y="577902"/>
+                  <a:pt x="3849435" y="561233"/>
+                  <a:pt x="3861381" y="544755"/>
+                </a:cubicBezTo>
+                <a:cubicBezTo>
+                  <a:pt x="3889997" y="505416"/>
+                  <a:pt x="3920715" y="465983"/>
+                  <a:pt x="3950381" y="427978"/>
+                </a:cubicBezTo>
+                <a:cubicBezTo>
+                  <a:pt x="4007353" y="354921"/>
+                  <a:pt x="4066163" y="279388"/>
+                  <a:pt x="4112370" y="201378"/>
+                </a:cubicBezTo>
+                <a:cubicBezTo>
+                  <a:pt x="4144662" y="146800"/>
+                  <a:pt x="4170785" y="89364"/>
+                  <a:pt x="4195989" y="33834"/>
+                </a:cubicBezTo>
+                <a:close/>
+              </a:path>
+            </a:pathLst>
+          </a:custGeom>
+          <a:solidFill>
+            <a:schemeClr val="accent1"/>
+          </a:solidFill>
+          <a:ln>
+            <a:noFill/>
+          </a:ln>
+        </p:spPr>
+        <p:style>
+          <a:lnRef idx="2">
+            <a:schemeClr val="accent1">
+              <a:shade val="50000"/>
+            </a:schemeClr>
+          </a:lnRef>
+          <a:fillRef idx="1">
+            <a:schemeClr val="accent1"/>
+          </a:fillRef>
+          <a:effectRef idx="0">
+            <a:schemeClr val="accent1"/>
+          </a:effectRef>
+          <a:fontRef idx="minor">
+            <a:schemeClr val="lt1"/>
+          </a:fontRef>
+        </p:style>
+        <p:txBody>
+          <a:bodyPr wrap="square" rtlCol="0" anchor="ctr">
+            <a:noAutofit/>
+          </a:bodyPr>
+          <a:lstStyle/>
+          <a:p>
+            <a:pPr algn="ctr"/>
+            <a:endParaRPr lang="en-US"/>
+          </a:p>
+        </p:txBody>
+      </p:sp>
+      <p:grpSp>
+        <p:nvGrpSpPr>
+          <p:cNvPr id="17" name="Graphic 141">
+            <a:extLst>
+              <a:ext uri="{FF2B5EF4-FFF2-40B4-BE49-F238E27FC236}">
+                <a16:creationId xmlns:a16="http://schemas.microsoft.com/office/drawing/2014/main" id="{03E9870D-4BBA-43AF-8D44-BBADF020CFF6}"/>
+              </a:ext>
+              <a:ext uri="{C183D7F6-B498-43B3-948B-1728B52AA6E4}">
+                <adec:decorative xmlns:adec="http://schemas.microsoft.com/office/drawing/2017/decorative" val="1"/>
+              </a:ext>
+            </a:extLst>
+          </p:cNvPr>
+          <p:cNvGrpSpPr>
+            <a:grpSpLocks noGrp="1" noUngrp="1" noRot="1" noChangeAspect="1" noMove="1" noResize="1"/>
+          </p:cNvGrpSpPr>
+          <p:nvPr>
+            <p:extLst>
+              <p:ext uri="{386F3935-93C4-4BCD-93E2-E3B085C9AB24}">
+                <p16:designElem xmlns:p16="http://schemas.microsoft.com/office/powerpoint/2015/main" val="1"/>
+              </p:ext>
+            </p:extLst>
+          </p:nvPr>
+        </p:nvGrpSpPr>
+        <p:grpSpPr>
+          <a:xfrm>
+            <a:off x="10849" y="15178"/>
+            <a:ext cx="2198951" cy="3331254"/>
+            <a:chOff x="4473129" y="923925"/>
+            <a:chExt cx="3308947" cy="5012817"/>
+          </a:xfrm>
+          <a:noFill/>
+        </p:grpSpPr>
+        <p:sp>
+          <p:nvSpPr>
+            <p:cNvPr id="18" name="Freeform: Shape 17">
+              <a:extLst>
+                <a:ext uri="{FF2B5EF4-FFF2-40B4-BE49-F238E27FC236}">
+                  <a16:creationId xmlns:a16="http://schemas.microsoft.com/office/drawing/2014/main" id="{34BC5055-C77D-43CD-BB1D-A77B6779CDAD}"/>
+                </a:ext>
+                <a:ext uri="{C183D7F6-B498-43B3-948B-1728B52AA6E4}">
+                  <adec:decorative xmlns:adec="http://schemas.microsoft.com/office/drawing/2017/decorative" val="1"/>
+                </a:ext>
+              </a:extLst>
+            </p:cNvPr>
+            <p:cNvSpPr/>
+            <p:nvPr>
+              <p:extLst>
+                <p:ext uri="{386F3935-93C4-4BCD-93E2-E3B085C9AB24}">
+                  <p16:designElem xmlns:p16="http://schemas.microsoft.com/office/powerpoint/2015/main" val="1"/>
+                </p:ext>
+              </p:extLst>
+            </p:nvPr>
+          </p:nvSpPr>
+          <p:spPr>
+            <a:xfrm>
+              <a:off x="4485988" y="924020"/>
+              <a:ext cx="3296088" cy="5012722"/>
+            </a:xfrm>
+            <a:custGeom>
+              <a:avLst/>
+              <a:gdLst>
+                <a:gd name="connsiteX0" fmla="*/ 0 w 3296088"/>
+                <a:gd name="connsiteY0" fmla="*/ 5012722 h 5012722"/>
+                <a:gd name="connsiteX1" fmla="*/ 244031 w 3296088"/>
+                <a:gd name="connsiteY1" fmla="*/ 4820222 h 5012722"/>
+                <a:gd name="connsiteX2" fmla="*/ 729234 w 3296088"/>
+                <a:gd name="connsiteY2" fmla="*/ 4360641 h 5012722"/>
+                <a:gd name="connsiteX3" fmla="*/ 881444 w 3296088"/>
+                <a:gd name="connsiteY3" fmla="*/ 4173950 h 5012722"/>
+                <a:gd name="connsiteX4" fmla="*/ 1151287 w 3296088"/>
+                <a:gd name="connsiteY4" fmla="*/ 3972877 h 5012722"/>
+                <a:gd name="connsiteX5" fmla="*/ 1498664 w 3296088"/>
+                <a:gd name="connsiteY5" fmla="*/ 3786188 h 5012722"/>
+                <a:gd name="connsiteX6" fmla="*/ 1716881 w 3296088"/>
+                <a:gd name="connsiteY6" fmla="*/ 3674174 h 5012722"/>
+                <a:gd name="connsiteX7" fmla="*/ 1913573 w 3296088"/>
+                <a:gd name="connsiteY7" fmla="*/ 3477387 h 5012722"/>
+                <a:gd name="connsiteX8" fmla="*/ 2167700 w 3296088"/>
+                <a:gd name="connsiteY8" fmla="*/ 3042190 h 5012722"/>
+                <a:gd name="connsiteX9" fmla="*/ 2273903 w 3296088"/>
+                <a:gd name="connsiteY9" fmla="*/ 2775014 h 5012722"/>
+                <a:gd name="connsiteX10" fmla="*/ 2463356 w 3296088"/>
+                <a:gd name="connsiteY10" fmla="*/ 2335530 h 5012722"/>
+                <a:gd name="connsiteX11" fmla="*/ 2741866 w 3296088"/>
+                <a:gd name="connsiteY11" fmla="*/ 1982248 h 5012722"/>
+                <a:gd name="connsiteX12" fmla="*/ 2985897 w 3296088"/>
+                <a:gd name="connsiteY12" fmla="*/ 1634681 h 5012722"/>
+                <a:gd name="connsiteX13" fmla="*/ 3212687 w 3296088"/>
+                <a:gd name="connsiteY13" fmla="*/ 1226820 h 5012722"/>
+                <a:gd name="connsiteX14" fmla="*/ 3281553 w 3296088"/>
+                <a:gd name="connsiteY14" fmla="*/ 959644 h 5012722"/>
+                <a:gd name="connsiteX15" fmla="*/ 3295936 w 3296088"/>
+                <a:gd name="connsiteY15" fmla="*/ 701135 h 5012722"/>
+                <a:gd name="connsiteX16" fmla="*/ 3267266 w 3296088"/>
+                <a:gd name="connsiteY16" fmla="*/ 436817 h 5012722"/>
+                <a:gd name="connsiteX17" fmla="*/ 3105341 w 3296088"/>
+                <a:gd name="connsiteY17" fmla="*/ 0 h 5012722"/>
+              </a:gdLst>
+              <a:ahLst/>
+              <a:cxnLst>
+                <a:cxn ang="0">
+                  <a:pos x="connsiteX0" y="connsiteY0"/>
+                </a:cxn>
+                <a:cxn ang="0">
+                  <a:pos x="connsiteX1" y="connsiteY1"/>
+                </a:cxn>
+                <a:cxn ang="0">
+                  <a:pos x="connsiteX2" y="connsiteY2"/>
+                </a:cxn>
+                <a:cxn ang="0">
+                  <a:pos x="connsiteX3" y="connsiteY3"/>
+                </a:cxn>
+                <a:cxn ang="0">
+                  <a:pos x="connsiteX4" y="connsiteY4"/>
+                </a:cxn>
+                <a:cxn ang="0">
+                  <a:pos x="connsiteX5" y="connsiteY5"/>
+                </a:cxn>
+                <a:cxn ang="0">
+                  <a:pos x="connsiteX6" y="connsiteY6"/>
+                </a:cxn>
+                <a:cxn ang="0">
+                  <a:pos x="connsiteX7" y="connsiteY7"/>
+                </a:cxn>
+                <a:cxn ang="0">
+                  <a:pos x="connsiteX8" y="connsiteY8"/>
+                </a:cxn>
+                <a:cxn ang="0">
+                  <a:pos x="connsiteX9" y="connsiteY9"/>
+                </a:cxn>
+                <a:cxn ang="0">
+                  <a:pos x="connsiteX10" y="connsiteY10"/>
+                </a:cxn>
+                <a:cxn ang="0">
+                  <a:pos x="connsiteX11" y="connsiteY11"/>
+                </a:cxn>
+                <a:cxn ang="0">
+                  <a:pos x="connsiteX12" y="connsiteY12"/>
+                </a:cxn>
+                <a:cxn ang="0">
+                  <a:pos x="connsiteX13" y="connsiteY13"/>
+                </a:cxn>
+                <a:cxn ang="0">
+                  <a:pos x="connsiteX14" y="connsiteY14"/>
+                </a:cxn>
+                <a:cxn ang="0">
+                  <a:pos x="connsiteX15" y="connsiteY15"/>
+                </a:cxn>
+                <a:cxn ang="0">
+                  <a:pos x="connsiteX16" y="connsiteY16"/>
+                </a:cxn>
+                <a:cxn ang="0">
+                  <a:pos x="connsiteX17" y="connsiteY17"/>
+                </a:cxn>
+              </a:cxnLst>
+              <a:rect l="l" t="t" r="r" b="b"/>
+              <a:pathLst>
+                <a:path w="3296088" h="5012722">
+                  <a:moveTo>
+                    <a:pt x="0" y="5012722"/>
+                  </a:moveTo>
+                  <a:cubicBezTo>
+                    <a:pt x="81820" y="4949095"/>
+                    <a:pt x="163544" y="4885468"/>
+                    <a:pt x="244031" y="4820222"/>
+                  </a:cubicBezTo>
+                  <a:cubicBezTo>
+                    <a:pt x="417671" y="4679633"/>
+                    <a:pt x="589883" y="4535139"/>
+                    <a:pt x="729234" y="4360641"/>
+                  </a:cubicBezTo>
+                  <a:cubicBezTo>
+                    <a:pt x="779431" y="4297776"/>
+                    <a:pt x="825818" y="4231958"/>
+                    <a:pt x="881444" y="4173950"/>
+                  </a:cubicBezTo>
+                  <a:cubicBezTo>
+                    <a:pt x="959358" y="4092607"/>
+                    <a:pt x="1054799" y="4031075"/>
+                    <a:pt x="1151287" y="3972877"/>
+                  </a:cubicBezTo>
+                  <a:cubicBezTo>
+                    <a:pt x="1263968" y="3904964"/>
+                    <a:pt x="1379315" y="3841337"/>
+                    <a:pt x="1498664" y="3786188"/>
+                  </a:cubicBezTo>
+                  <a:cubicBezTo>
+                    <a:pt x="1573149" y="3751802"/>
+                    <a:pt x="1649159" y="3720179"/>
+                    <a:pt x="1716881" y="3674174"/>
+                  </a:cubicBezTo>
+                  <a:cubicBezTo>
+                    <a:pt x="1794034" y="3621691"/>
+                    <a:pt x="1856708" y="3551492"/>
+                    <a:pt x="1913573" y="3477387"/>
+                  </a:cubicBezTo>
+                  <a:cubicBezTo>
+                    <a:pt x="2016157" y="3343751"/>
+                    <a:pt x="2099024" y="3196114"/>
+                    <a:pt x="2167700" y="3042190"/>
+                  </a:cubicBezTo>
+                  <a:cubicBezTo>
+                    <a:pt x="2206752" y="2954655"/>
+                    <a:pt x="2241233" y="2865215"/>
+                    <a:pt x="2273903" y="2775014"/>
+                  </a:cubicBezTo>
+                  <a:cubicBezTo>
+                    <a:pt x="2328482" y="2624423"/>
+                    <a:pt x="2379440" y="2471642"/>
+                    <a:pt x="2463356" y="2335530"/>
+                  </a:cubicBezTo>
+                  <a:cubicBezTo>
+                    <a:pt x="2542127" y="2207705"/>
+                    <a:pt x="2647855" y="2099501"/>
+                    <a:pt x="2741866" y="1982248"/>
+                  </a:cubicBezTo>
+                  <a:cubicBezTo>
+                    <a:pt x="2830449" y="1871758"/>
+                    <a:pt x="2908554" y="1753362"/>
+                    <a:pt x="2985897" y="1634681"/>
+                  </a:cubicBezTo>
+                  <a:cubicBezTo>
+                    <a:pt x="3071146" y="1503902"/>
+                    <a:pt x="3156395" y="1372172"/>
+                    <a:pt x="3212687" y="1226820"/>
+                  </a:cubicBezTo>
+                  <a:cubicBezTo>
+                    <a:pt x="3246025" y="1140809"/>
+                    <a:pt x="3268790" y="1051084"/>
+                    <a:pt x="3281553" y="959644"/>
+                  </a:cubicBezTo>
+                  <a:cubicBezTo>
+                    <a:pt x="3293555" y="874014"/>
+                    <a:pt x="3296888" y="787527"/>
+                    <a:pt x="3295936" y="701135"/>
+                  </a:cubicBezTo>
+                  <a:cubicBezTo>
+                    <a:pt x="3294888" y="612172"/>
+                    <a:pt x="3289268" y="523018"/>
+                    <a:pt x="3267266" y="436817"/>
+                  </a:cubicBezTo>
+                  <a:cubicBezTo>
+                    <a:pt x="3227832" y="282416"/>
+                    <a:pt x="3105341" y="0"/>
+                    <a:pt x="3105341" y="0"/>
+                  </a:cubicBezTo>
+                </a:path>
+              </a:pathLst>
+            </a:custGeom>
+            <a:noFill/>
+            <a:ln w="9525" cap="rnd">
+              <a:solidFill>
+                <a:schemeClr val="accent2">
+                  <a:alpha val="75000"/>
+                </a:schemeClr>
+              </a:solidFill>
+              <a:prstDash val="lgDash"/>
+              <a:round/>
+            </a:ln>
+          </p:spPr>
+          <p:txBody>
+            <a:bodyPr rtlCol="0" anchor="ctr"/>
+            <a:lstStyle/>
+            <a:p>
+              <a:endParaRPr lang="en-US"/>
+            </a:p>
+          </p:txBody>
+        </p:sp>
+        <p:sp>
+          <p:nvSpPr>
+            <p:cNvPr id="19" name="Freeform: Shape 18">
+              <a:extLst>
+                <a:ext uri="{FF2B5EF4-FFF2-40B4-BE49-F238E27FC236}">
+                  <a16:creationId xmlns:a16="http://schemas.microsoft.com/office/drawing/2014/main" id="{DB12D0B8-9385-489A-85AE-3D14AD0BA2FC}"/>
+                </a:ext>
+                <a:ext uri="{C183D7F6-B498-43B3-948B-1728B52AA6E4}">
+                  <adec:decorative xmlns:adec="http://schemas.microsoft.com/office/drawing/2017/decorative" val="1"/>
+                </a:ext>
+              </a:extLst>
+            </p:cNvPr>
+            <p:cNvSpPr/>
+            <p:nvPr>
+              <p:extLst>
+                <p:ext uri="{386F3935-93C4-4BCD-93E2-E3B085C9AB24}">
+                  <p16:designElem xmlns:p16="http://schemas.microsoft.com/office/powerpoint/2015/main" val="1"/>
+                </p:ext>
+              </p:extLst>
+            </p:nvPr>
+          </p:nvSpPr>
+          <p:spPr>
+            <a:xfrm>
+              <a:off x="4473129" y="923925"/>
+              <a:ext cx="2977477" cy="4627149"/>
+            </a:xfrm>
+            <a:custGeom>
+              <a:avLst/>
+              <a:gdLst>
+                <a:gd name="connsiteX0" fmla="*/ 0 w 2977477"/>
+                <a:gd name="connsiteY0" fmla="*/ 4627150 h 4627149"/>
+                <a:gd name="connsiteX1" fmla="*/ 275082 w 2977477"/>
+                <a:gd name="connsiteY1" fmla="*/ 4341590 h 4627149"/>
+                <a:gd name="connsiteX2" fmla="*/ 502825 w 2977477"/>
+                <a:gd name="connsiteY2" fmla="*/ 4054126 h 4627149"/>
+                <a:gd name="connsiteX3" fmla="*/ 666179 w 2977477"/>
+                <a:gd name="connsiteY3" fmla="*/ 3890677 h 4627149"/>
+                <a:gd name="connsiteX4" fmla="*/ 864203 w 2977477"/>
+                <a:gd name="connsiteY4" fmla="*/ 3675983 h 4627149"/>
+                <a:gd name="connsiteX5" fmla="*/ 982599 w 2977477"/>
+                <a:gd name="connsiteY5" fmla="*/ 3557492 h 4627149"/>
+                <a:gd name="connsiteX6" fmla="*/ 1188244 w 2977477"/>
+                <a:gd name="connsiteY6" fmla="*/ 3329654 h 4627149"/>
+                <a:gd name="connsiteX7" fmla="*/ 1344740 w 2977477"/>
+                <a:gd name="connsiteY7" fmla="*/ 3146774 h 4627149"/>
+                <a:gd name="connsiteX8" fmla="*/ 1470755 w 2977477"/>
+                <a:gd name="connsiteY8" fmla="*/ 2984659 h 4627149"/>
+                <a:gd name="connsiteX9" fmla="*/ 1657636 w 2977477"/>
+                <a:gd name="connsiteY9" fmla="*/ 2670239 h 4627149"/>
+                <a:gd name="connsiteX10" fmla="*/ 1762887 w 2977477"/>
+                <a:gd name="connsiteY10" fmla="*/ 2473547 h 4627149"/>
+                <a:gd name="connsiteX11" fmla="*/ 1866710 w 2977477"/>
+                <a:gd name="connsiteY11" fmla="*/ 2290667 h 4627149"/>
+                <a:gd name="connsiteX12" fmla="*/ 2106263 w 2977477"/>
+                <a:gd name="connsiteY12" fmla="*/ 2030254 h 4627149"/>
+                <a:gd name="connsiteX13" fmla="*/ 2277237 w 2977477"/>
+                <a:gd name="connsiteY13" fmla="*/ 1859185 h 4627149"/>
+                <a:gd name="connsiteX14" fmla="*/ 2499455 w 2977477"/>
+                <a:gd name="connsiteY14" fmla="*/ 1656207 h 4627149"/>
+                <a:gd name="connsiteX15" fmla="*/ 2707100 w 2977477"/>
+                <a:gd name="connsiteY15" fmla="*/ 1390269 h 4627149"/>
+                <a:gd name="connsiteX16" fmla="*/ 2812352 w 2977477"/>
+                <a:gd name="connsiteY16" fmla="*/ 1230916 h 4627149"/>
+                <a:gd name="connsiteX17" fmla="*/ 2898172 w 2977477"/>
+                <a:gd name="connsiteY17" fmla="*/ 1036987 h 4627149"/>
+                <a:gd name="connsiteX18" fmla="*/ 2963228 w 2977477"/>
+                <a:gd name="connsiteY18" fmla="*/ 850011 h 4627149"/>
+                <a:gd name="connsiteX19" fmla="*/ 2977325 w 2977477"/>
+                <a:gd name="connsiteY19" fmla="*/ 745427 h 4627149"/>
+                <a:gd name="connsiteX20" fmla="*/ 2929509 w 2977477"/>
+                <a:gd name="connsiteY20" fmla="*/ 480155 h 4627149"/>
+                <a:gd name="connsiteX21" fmla="*/ 2563082 w 2977477"/>
+                <a:gd name="connsiteY21" fmla="*/ 0 h 4627149"/>
+              </a:gdLst>
+              <a:ahLst/>
+              <a:cxnLst>
+                <a:cxn ang="0">
+                  <a:pos x="connsiteX0" y="connsiteY0"/>
+                </a:cxn>
+                <a:cxn ang="0">
+                  <a:pos x="connsiteX1" y="connsiteY1"/>
+                </a:cxn>
+                <a:cxn ang="0">
+                  <a:pos x="connsiteX2" y="connsiteY2"/>
+                </a:cxn>
+                <a:cxn ang="0">
+                  <a:pos x="connsiteX3" y="connsiteY3"/>
+                </a:cxn>
+                <a:cxn ang="0">
+                  <a:pos x="connsiteX4" y="connsiteY4"/>
+                </a:cxn>
+                <a:cxn ang="0">
+                  <a:pos x="connsiteX5" y="connsiteY5"/>
+                </a:cxn>
+                <a:cxn ang="0">
+                  <a:pos x="connsiteX6" y="connsiteY6"/>
+                </a:cxn>
+                <a:cxn ang="0">
+                  <a:pos x="connsiteX7" y="connsiteY7"/>
+                </a:cxn>
+                <a:cxn ang="0">
+                  <a:pos x="connsiteX8" y="connsiteY8"/>
+                </a:cxn>
+                <a:cxn ang="0">
+                  <a:pos x="connsiteX9" y="connsiteY9"/>
+                </a:cxn>
+                <a:cxn ang="0">
+                  <a:pos x="connsiteX10" y="connsiteY10"/>
+                </a:cxn>
+                <a:cxn ang="0">
+                  <a:pos x="connsiteX11" y="connsiteY11"/>
+                </a:cxn>
+                <a:cxn ang="0">
+                  <a:pos x="connsiteX12" y="connsiteY12"/>
+                </a:cxn>
+                <a:cxn ang="0">
+                  <a:pos x="connsiteX13" y="connsiteY13"/>
+                </a:cxn>
+                <a:cxn ang="0">
+                  <a:pos x="connsiteX14" y="connsiteY14"/>
+                </a:cxn>
+                <a:cxn ang="0">
+                  <a:pos x="connsiteX15" y="connsiteY15"/>
+                </a:cxn>
+                <a:cxn ang="0">
+                  <a:pos x="connsiteX16" y="connsiteY16"/>
+                </a:cxn>
+                <a:cxn ang="0">
+                  <a:pos x="connsiteX17" y="connsiteY17"/>
+                </a:cxn>
+                <a:cxn ang="0">
+                  <a:pos x="connsiteX18" y="connsiteY18"/>
+                </a:cxn>
+                <a:cxn ang="0">
+                  <a:pos x="connsiteX19" y="connsiteY19"/>
+                </a:cxn>
+                <a:cxn ang="0">
+                  <a:pos x="connsiteX20" y="connsiteY20"/>
+                </a:cxn>
+                <a:cxn ang="0">
+                  <a:pos x="connsiteX21" y="connsiteY21"/>
+                </a:cxn>
+              </a:cxnLst>
+              <a:rect l="l" t="t" r="r" b="b"/>
+              <a:pathLst>
+                <a:path w="2977477" h="4627149">
+                  <a:moveTo>
+                    <a:pt x="0" y="4627150"/>
+                  </a:moveTo>
+                  <a:cubicBezTo>
+                    <a:pt x="79820" y="4552283"/>
+                    <a:pt x="203835" y="4424648"/>
+                    <a:pt x="275082" y="4341590"/>
+                  </a:cubicBezTo>
+                  <a:cubicBezTo>
+                    <a:pt x="354711" y="4248722"/>
+                    <a:pt x="421005" y="4145090"/>
+                    <a:pt x="502825" y="4054126"/>
+                  </a:cubicBezTo>
+                  <a:cubicBezTo>
+                    <a:pt x="554355" y="3996881"/>
+                    <a:pt x="612362" y="3945827"/>
+                    <a:pt x="666179" y="3890677"/>
+                  </a:cubicBezTo>
+                  <a:cubicBezTo>
+                    <a:pt x="734187" y="3821049"/>
+                    <a:pt x="796671" y="3746183"/>
+                    <a:pt x="864203" y="3675983"/>
+                  </a:cubicBezTo>
+                  <a:cubicBezTo>
+                    <a:pt x="902875" y="3635788"/>
+                    <a:pt x="943642" y="3597593"/>
+                    <a:pt x="982599" y="3557492"/>
+                  </a:cubicBezTo>
+                  <a:cubicBezTo>
+                    <a:pt x="1053941" y="3484150"/>
+                    <a:pt x="1121378" y="3407093"/>
+                    <a:pt x="1188244" y="3329654"/>
+                  </a:cubicBezTo>
+                  <a:cubicBezTo>
+                    <a:pt x="1240631" y="3268885"/>
+                    <a:pt x="1293495" y="3208496"/>
+                    <a:pt x="1344740" y="3146774"/>
+                  </a:cubicBezTo>
+                  <a:cubicBezTo>
+                    <a:pt x="1388459" y="3094101"/>
+                    <a:pt x="1431512" y="3040761"/>
+                    <a:pt x="1470755" y="2984659"/>
+                  </a:cubicBezTo>
+                  <a:cubicBezTo>
+                    <a:pt x="1540764" y="2884646"/>
+                    <a:pt x="1598771" y="2777109"/>
+                    <a:pt x="1657636" y="2670239"/>
+                  </a:cubicBezTo>
+                  <a:cubicBezTo>
+                    <a:pt x="1693545" y="2605088"/>
+                    <a:pt x="1728502" y="2539460"/>
+                    <a:pt x="1762887" y="2473547"/>
+                  </a:cubicBezTo>
+                  <a:cubicBezTo>
+                    <a:pt x="1795367" y="2411349"/>
+                    <a:pt x="1826419" y="2348103"/>
+                    <a:pt x="1866710" y="2290667"/>
+                  </a:cubicBezTo>
+                  <a:cubicBezTo>
+                    <a:pt x="1934623" y="2193893"/>
+                    <a:pt x="2022729" y="2114169"/>
+                    <a:pt x="2106263" y="2030254"/>
+                  </a:cubicBezTo>
+                  <a:cubicBezTo>
+                    <a:pt x="2163128" y="1973104"/>
+                    <a:pt x="2218182" y="1914049"/>
+                    <a:pt x="2277237" y="1859185"/>
+                  </a:cubicBezTo>
+                  <a:cubicBezTo>
+                    <a:pt x="2350770" y="1790891"/>
+                    <a:pt x="2430304" y="1728978"/>
+                    <a:pt x="2499455" y="1656207"/>
+                  </a:cubicBezTo>
+                  <a:cubicBezTo>
+                    <a:pt x="2576989" y="1574578"/>
+                    <a:pt x="2641568" y="1481900"/>
+                    <a:pt x="2707100" y="1390269"/>
+                  </a:cubicBezTo>
+                  <a:cubicBezTo>
+                    <a:pt x="2744153" y="1338453"/>
+                    <a:pt x="2781586" y="1286732"/>
+                    <a:pt x="2812352" y="1230916"/>
+                  </a:cubicBezTo>
+                  <a:cubicBezTo>
+                    <a:pt x="2846546" y="1168908"/>
+                    <a:pt x="2872550" y="1102900"/>
+                    <a:pt x="2898172" y="1036987"/>
+                  </a:cubicBezTo>
+                  <a:cubicBezTo>
+                    <a:pt x="2922175" y="975455"/>
+                    <a:pt x="2948273" y="914305"/>
+                    <a:pt x="2963228" y="850011"/>
+                  </a:cubicBezTo>
+                  <a:cubicBezTo>
+                    <a:pt x="2971229" y="815626"/>
+                    <a:pt x="2976563" y="780764"/>
+                    <a:pt x="2977325" y="745427"/>
+                  </a:cubicBezTo>
+                  <a:cubicBezTo>
+                    <a:pt x="2979230" y="654844"/>
+                    <a:pt x="2963323" y="564261"/>
+                    <a:pt x="2929509" y="480155"/>
+                  </a:cubicBezTo>
+                  <a:cubicBezTo>
+                    <a:pt x="2851309" y="285655"/>
+                    <a:pt x="2563082" y="0"/>
+                    <a:pt x="2563082" y="0"/>
+                  </a:cubicBezTo>
+                </a:path>
+              </a:pathLst>
+            </a:custGeom>
+            <a:noFill/>
+            <a:ln w="9525" cap="rnd">
+              <a:solidFill>
+                <a:schemeClr val="accent2">
+                  <a:alpha val="75000"/>
+                </a:schemeClr>
+              </a:solidFill>
+              <a:prstDash val="lgDash"/>
+              <a:round/>
+            </a:ln>
+          </p:spPr>
+          <p:txBody>
+            <a:bodyPr rtlCol="0" anchor="ctr"/>
+            <a:lstStyle/>
+            <a:p>
+              <a:endParaRPr lang="en-US"/>
+            </a:p>
+          </p:txBody>
+        </p:sp>
+        <p:sp>
+          <p:nvSpPr>
+            <p:cNvPr id="20" name="Freeform: Shape 19">
+              <a:extLst>
+                <a:ext uri="{FF2B5EF4-FFF2-40B4-BE49-F238E27FC236}">
+                  <a16:creationId xmlns:a16="http://schemas.microsoft.com/office/drawing/2014/main" id="{D158A14A-147E-4130-A5E2-38FD84B181AF}"/>
+                </a:ext>
+                <a:ext uri="{C183D7F6-B498-43B3-948B-1728B52AA6E4}">
+                  <adec:decorative xmlns:adec="http://schemas.microsoft.com/office/drawing/2017/decorative" val="1"/>
+                </a:ext>
+              </a:extLst>
+            </p:cNvPr>
+            <p:cNvSpPr/>
+            <p:nvPr>
+              <p:extLst>
+                <p:ext uri="{386F3935-93C4-4BCD-93E2-E3B085C9AB24}">
+                  <p16:designElem xmlns:p16="http://schemas.microsoft.com/office/powerpoint/2015/main" val="1"/>
+                </p:ext>
+              </p:extLst>
+            </p:nvPr>
+          </p:nvSpPr>
+          <p:spPr>
+            <a:xfrm>
+              <a:off x="4494561" y="923925"/>
+              <a:ext cx="2356712" cy="4118991"/>
+            </a:xfrm>
+            <a:custGeom>
+              <a:avLst/>
+              <a:gdLst>
+                <a:gd name="connsiteX0" fmla="*/ 1707071 w 2356712"/>
+                <a:gd name="connsiteY0" fmla="*/ 0 h 4118991"/>
+                <a:gd name="connsiteX1" fmla="*/ 1824514 w 2356712"/>
+                <a:gd name="connsiteY1" fmla="*/ 244697 h 4118991"/>
+                <a:gd name="connsiteX2" fmla="*/ 1908715 w 2356712"/>
+                <a:gd name="connsiteY2" fmla="*/ 328994 h 4118991"/>
+                <a:gd name="connsiteX3" fmla="*/ 2226469 w 2356712"/>
+                <a:gd name="connsiteY3" fmla="*/ 603695 h 4118991"/>
+                <a:gd name="connsiteX4" fmla="*/ 2355628 w 2356712"/>
+                <a:gd name="connsiteY4" fmla="*/ 900494 h 4118991"/>
+                <a:gd name="connsiteX5" fmla="*/ 2281428 w 2356712"/>
+                <a:gd name="connsiteY5" fmla="*/ 1206913 h 4118991"/>
+                <a:gd name="connsiteX6" fmla="*/ 2092452 w 2356712"/>
+                <a:gd name="connsiteY6" fmla="*/ 1460659 h 4118991"/>
+                <a:gd name="connsiteX7" fmla="*/ 1834039 w 2356712"/>
+                <a:gd name="connsiteY7" fmla="*/ 1625822 h 4118991"/>
+                <a:gd name="connsiteX8" fmla="*/ 1558862 w 2356712"/>
+                <a:gd name="connsiteY8" fmla="*/ 1743075 h 4118991"/>
+                <a:gd name="connsiteX9" fmla="*/ 1386554 w 2356712"/>
+                <a:gd name="connsiteY9" fmla="*/ 1869948 h 4118991"/>
+                <a:gd name="connsiteX10" fmla="*/ 1271683 w 2356712"/>
+                <a:gd name="connsiteY10" fmla="*/ 2073402 h 4118991"/>
+                <a:gd name="connsiteX11" fmla="*/ 1178338 w 2356712"/>
+                <a:gd name="connsiteY11" fmla="*/ 2355914 h 4118991"/>
+                <a:gd name="connsiteX12" fmla="*/ 1113758 w 2356712"/>
+                <a:gd name="connsiteY12" fmla="*/ 2578513 h 4118991"/>
+                <a:gd name="connsiteX13" fmla="*/ 1034796 w 2356712"/>
+                <a:gd name="connsiteY13" fmla="*/ 2834640 h 4118991"/>
+                <a:gd name="connsiteX14" fmla="*/ 905637 w 2356712"/>
+                <a:gd name="connsiteY14" fmla="*/ 3081242 h 4118991"/>
+                <a:gd name="connsiteX15" fmla="*/ 793147 w 2356712"/>
+                <a:gd name="connsiteY15" fmla="*/ 3258407 h 4118991"/>
+                <a:gd name="connsiteX16" fmla="*/ 546735 w 2356712"/>
+                <a:gd name="connsiteY16" fmla="*/ 3571970 h 4118991"/>
+                <a:gd name="connsiteX17" fmla="*/ 346996 w 2356712"/>
+                <a:gd name="connsiteY17" fmla="*/ 3771900 h 4118991"/>
+                <a:gd name="connsiteX18" fmla="*/ 174689 w 2356712"/>
+                <a:gd name="connsiteY18" fmla="*/ 3944207 h 4118991"/>
+                <a:gd name="connsiteX19" fmla="*/ 0 w 2356712"/>
+                <a:gd name="connsiteY19" fmla="*/ 4118991 h 4118991"/>
+              </a:gdLst>
+              <a:ahLst/>
+              <a:cxnLst>
+                <a:cxn ang="0">
+                  <a:pos x="connsiteX0" y="connsiteY0"/>
+                </a:cxn>
+                <a:cxn ang="0">
+                  <a:pos x="connsiteX1" y="connsiteY1"/>
+                </a:cxn>
+                <a:cxn ang="0">
+                  <a:pos x="connsiteX2" y="connsiteY2"/>
+                </a:cxn>
+                <a:cxn ang="0">
+                  <a:pos x="connsiteX3" y="connsiteY3"/>
+                </a:cxn>
+                <a:cxn ang="0">
+                  <a:pos x="connsiteX4" y="connsiteY4"/>
+                </a:cxn>
+                <a:cxn ang="0">
+                  <a:pos x="connsiteX5" y="connsiteY5"/>
+                </a:cxn>
+                <a:cxn ang="0">
+                  <a:pos x="connsiteX6" y="connsiteY6"/>
+                </a:cxn>
+                <a:cxn ang="0">
+                  <a:pos x="connsiteX7" y="connsiteY7"/>
+                </a:cxn>
+                <a:cxn ang="0">
+                  <a:pos x="connsiteX8" y="connsiteY8"/>
+                </a:cxn>
+                <a:cxn ang="0">
+                  <a:pos x="connsiteX9" y="connsiteY9"/>
+                </a:cxn>
+                <a:cxn ang="0">
+                  <a:pos x="connsiteX10" y="connsiteY10"/>
+                </a:cxn>
+                <a:cxn ang="0">
+                  <a:pos x="connsiteX11" y="connsiteY11"/>
+                </a:cxn>
+                <a:cxn ang="0">
+                  <a:pos x="connsiteX12" y="connsiteY12"/>
+                </a:cxn>
+                <a:cxn ang="0">
+                  <a:pos x="connsiteX13" y="connsiteY13"/>
+                </a:cxn>
+                <a:cxn ang="0">
+                  <a:pos x="connsiteX14" y="connsiteY14"/>
+                </a:cxn>
+                <a:cxn ang="0">
+                  <a:pos x="connsiteX15" y="connsiteY15"/>
+                </a:cxn>
+                <a:cxn ang="0">
+                  <a:pos x="connsiteX16" y="connsiteY16"/>
+                </a:cxn>
+                <a:cxn ang="0">
+                  <a:pos x="connsiteX17" y="connsiteY17"/>
+                </a:cxn>
+                <a:cxn ang="0">
+                  <a:pos x="connsiteX18" y="connsiteY18"/>
+                </a:cxn>
+                <a:cxn ang="0">
+                  <a:pos x="connsiteX19" y="connsiteY19"/>
+                </a:cxn>
+              </a:cxnLst>
+              <a:rect l="l" t="t" r="r" b="b"/>
+              <a:pathLst>
+                <a:path w="2356712" h="4118991">
+                  <a:moveTo>
+                    <a:pt x="1707071" y="0"/>
+                  </a:moveTo>
+                  <a:cubicBezTo>
+                    <a:pt x="1715357" y="22098"/>
+                    <a:pt x="1812608" y="224409"/>
+                    <a:pt x="1824514" y="244697"/>
+                  </a:cubicBezTo>
+                  <a:cubicBezTo>
+                    <a:pt x="1844802" y="279273"/>
+                    <a:pt x="1876996" y="304324"/>
+                    <a:pt x="1908715" y="328994"/>
+                  </a:cubicBezTo>
+                  <a:cubicBezTo>
+                    <a:pt x="2019967" y="415195"/>
+                    <a:pt x="2137886" y="494633"/>
+                    <a:pt x="2226469" y="603695"/>
+                  </a:cubicBezTo>
+                  <a:cubicBezTo>
+                    <a:pt x="2296287" y="689610"/>
+                    <a:pt x="2347817" y="790480"/>
+                    <a:pt x="2355628" y="900494"/>
+                  </a:cubicBezTo>
+                  <a:cubicBezTo>
+                    <a:pt x="2363248" y="1007078"/>
+                    <a:pt x="2329910" y="1111187"/>
+                    <a:pt x="2281428" y="1206913"/>
+                  </a:cubicBezTo>
+                  <a:cubicBezTo>
+                    <a:pt x="2233422" y="1301877"/>
+                    <a:pt x="2170938" y="1388936"/>
+                    <a:pt x="2092452" y="1460659"/>
+                  </a:cubicBezTo>
+                  <a:cubicBezTo>
+                    <a:pt x="2016538" y="1530001"/>
+                    <a:pt x="1927765" y="1583436"/>
+                    <a:pt x="1834039" y="1625822"/>
+                  </a:cubicBezTo>
+                  <a:cubicBezTo>
+                    <a:pt x="1743075" y="1666970"/>
+                    <a:pt x="1647730" y="1697736"/>
+                    <a:pt x="1558862" y="1743075"/>
+                  </a:cubicBezTo>
+                  <a:cubicBezTo>
+                    <a:pt x="1494758" y="1775841"/>
+                    <a:pt x="1434275" y="1816132"/>
+                    <a:pt x="1386554" y="1869948"/>
+                  </a:cubicBezTo>
+                  <a:cubicBezTo>
+                    <a:pt x="1334548" y="1928622"/>
+                    <a:pt x="1300544" y="2000345"/>
+                    <a:pt x="1271683" y="2073402"/>
+                  </a:cubicBezTo>
+                  <a:cubicBezTo>
+                    <a:pt x="1235202" y="2165699"/>
+                    <a:pt x="1206722" y="2260759"/>
+                    <a:pt x="1178338" y="2355914"/>
+                  </a:cubicBezTo>
+                  <a:cubicBezTo>
+                    <a:pt x="1156240" y="2429923"/>
+                    <a:pt x="1134237" y="2504028"/>
+                    <a:pt x="1113758" y="2578513"/>
+                  </a:cubicBezTo>
+                  <a:cubicBezTo>
+                    <a:pt x="1090041" y="2664714"/>
+                    <a:pt x="1068134" y="2751678"/>
+                    <a:pt x="1034796" y="2834640"/>
+                  </a:cubicBezTo>
+                  <a:cubicBezTo>
+                    <a:pt x="1000125" y="2920841"/>
+                    <a:pt x="953643" y="3001613"/>
+                    <a:pt x="905637" y="3081242"/>
+                  </a:cubicBezTo>
+                  <a:cubicBezTo>
+                    <a:pt x="869442" y="3141155"/>
+                    <a:pt x="832295" y="3200400"/>
+                    <a:pt x="793147" y="3258407"/>
+                  </a:cubicBezTo>
+                  <a:cubicBezTo>
+                    <a:pt x="718661" y="3368802"/>
+                    <a:pt x="637223" y="3474434"/>
+                    <a:pt x="546735" y="3571970"/>
+                  </a:cubicBezTo>
+                  <a:cubicBezTo>
+                    <a:pt x="482632" y="3641027"/>
+                    <a:pt x="414147" y="3705797"/>
+                    <a:pt x="346996" y="3771900"/>
+                  </a:cubicBezTo>
+                  <a:cubicBezTo>
+                    <a:pt x="288989" y="3828764"/>
+                    <a:pt x="232029" y="3886676"/>
+                    <a:pt x="174689" y="3944207"/>
+                  </a:cubicBezTo>
+                  <a:cubicBezTo>
+                    <a:pt x="116586" y="4002596"/>
+                    <a:pt x="58293" y="4060698"/>
+                    <a:pt x="0" y="4118991"/>
+                  </a:cubicBezTo>
+                </a:path>
+              </a:pathLst>
+            </a:custGeom>
+            <a:noFill/>
+            <a:ln w="9525" cap="rnd">
+              <a:solidFill>
+                <a:schemeClr val="accent2">
+                  <a:alpha val="75000"/>
+                </a:schemeClr>
+              </a:solidFill>
+              <a:prstDash val="lgDash"/>
+              <a:round/>
+            </a:ln>
+          </p:spPr>
+          <p:txBody>
+            <a:bodyPr rtlCol="0" anchor="ctr"/>
+            <a:lstStyle/>
+            <a:p>
+              <a:endParaRPr lang="en-US"/>
+            </a:p>
+          </p:txBody>
+        </p:sp>
+        <p:sp>
+          <p:nvSpPr>
+            <p:cNvPr id="21" name="Freeform: Shape 20">
+              <a:extLst>
+                <a:ext uri="{FF2B5EF4-FFF2-40B4-BE49-F238E27FC236}">
+                  <a16:creationId xmlns:a16="http://schemas.microsoft.com/office/drawing/2014/main" id="{75B8B1EB-5E2B-472C-AE60-2EC5961F16F9}"/>
+                </a:ext>
+                <a:ext uri="{C183D7F6-B498-43B3-948B-1728B52AA6E4}">
+                  <adec:decorative xmlns:adec="http://schemas.microsoft.com/office/drawing/2017/decorative" val="1"/>
+                </a:ext>
+              </a:extLst>
+            </p:cNvPr>
+            <p:cNvSpPr/>
+            <p:nvPr>
+              <p:extLst>
+                <p:ext uri="{386F3935-93C4-4BCD-93E2-E3B085C9AB24}">
+                  <p16:designElem xmlns:p16="http://schemas.microsoft.com/office/powerpoint/2015/main" val="1"/>
+                </p:ext>
+              </p:extLst>
+            </p:nvPr>
+          </p:nvSpPr>
+          <p:spPr>
+            <a:xfrm>
+              <a:off x="4473129" y="923925"/>
+              <a:ext cx="2059193" cy="3980116"/>
+            </a:xfrm>
+            <a:custGeom>
+              <a:avLst/>
+              <a:gdLst>
+                <a:gd name="connsiteX0" fmla="*/ 0 w 2059193"/>
+                <a:gd name="connsiteY0" fmla="*/ 3980116 h 3980116"/>
+                <a:gd name="connsiteX1" fmla="*/ 471583 w 2059193"/>
+                <a:gd name="connsiteY1" fmla="*/ 3515678 h 3980116"/>
+                <a:gd name="connsiteX2" fmla="*/ 758666 w 2059193"/>
+                <a:gd name="connsiteY2" fmla="*/ 3163824 h 3980116"/>
+                <a:gd name="connsiteX3" fmla="*/ 940499 w 2059193"/>
+                <a:gd name="connsiteY3" fmla="*/ 2780824 h 3980116"/>
+                <a:gd name="connsiteX4" fmla="*/ 1055370 w 2059193"/>
+                <a:gd name="connsiteY4" fmla="*/ 2242185 h 3980116"/>
+                <a:gd name="connsiteX5" fmla="*/ 1136714 w 2059193"/>
+                <a:gd name="connsiteY5" fmla="*/ 1878330 h 3980116"/>
+                <a:gd name="connsiteX6" fmla="*/ 1246727 w 2059193"/>
+                <a:gd name="connsiteY6" fmla="*/ 1562386 h 3980116"/>
+                <a:gd name="connsiteX7" fmla="*/ 1378363 w 2059193"/>
+                <a:gd name="connsiteY7" fmla="*/ 1430750 h 3980116"/>
+                <a:gd name="connsiteX8" fmla="*/ 1691831 w 2059193"/>
+                <a:gd name="connsiteY8" fmla="*/ 1394841 h 3980116"/>
+                <a:gd name="connsiteX9" fmla="*/ 1914335 w 2059193"/>
+                <a:gd name="connsiteY9" fmla="*/ 1323023 h 3980116"/>
+                <a:gd name="connsiteX10" fmla="*/ 2055495 w 2059193"/>
+                <a:gd name="connsiteY10" fmla="*/ 1098042 h 3980116"/>
+                <a:gd name="connsiteX11" fmla="*/ 2033969 w 2059193"/>
+                <a:gd name="connsiteY11" fmla="*/ 930497 h 3980116"/>
+                <a:gd name="connsiteX12" fmla="*/ 1885664 w 2059193"/>
+                <a:gd name="connsiteY12" fmla="*/ 760571 h 3980116"/>
+                <a:gd name="connsiteX13" fmla="*/ 1636871 w 2059193"/>
+                <a:gd name="connsiteY13" fmla="*/ 612172 h 3980116"/>
+                <a:gd name="connsiteX14" fmla="*/ 1335405 w 2059193"/>
+                <a:gd name="connsiteY14" fmla="*/ 459010 h 3980116"/>
+                <a:gd name="connsiteX15" fmla="*/ 1234916 w 2059193"/>
+                <a:gd name="connsiteY15" fmla="*/ 269939 h 3980116"/>
+                <a:gd name="connsiteX16" fmla="*/ 1386935 w 2059193"/>
+                <a:gd name="connsiteY16" fmla="*/ 0 h 3980116"/>
+              </a:gdLst>
+              <a:ahLst/>
+              <a:cxnLst>
+                <a:cxn ang="0">
+                  <a:pos x="connsiteX0" y="connsiteY0"/>
+                </a:cxn>
+                <a:cxn ang="0">
+                  <a:pos x="connsiteX1" y="connsiteY1"/>
+                </a:cxn>
+                <a:cxn ang="0">
+                  <a:pos x="connsiteX2" y="connsiteY2"/>
+                </a:cxn>
+                <a:cxn ang="0">
+                  <a:pos x="connsiteX3" y="connsiteY3"/>
+                </a:cxn>
+                <a:cxn ang="0">
+                  <a:pos x="connsiteX4" y="connsiteY4"/>
+                </a:cxn>
+                <a:cxn ang="0">
+                  <a:pos x="connsiteX5" y="connsiteY5"/>
+                </a:cxn>
+                <a:cxn ang="0">
+                  <a:pos x="connsiteX6" y="connsiteY6"/>
+                </a:cxn>
+                <a:cxn ang="0">
+                  <a:pos x="connsiteX7" y="connsiteY7"/>
+                </a:cxn>
+                <a:cxn ang="0">
+                  <a:pos x="connsiteX8" y="connsiteY8"/>
+                </a:cxn>
+                <a:cxn ang="0">
+                  <a:pos x="connsiteX9" y="connsiteY9"/>
+                </a:cxn>
+                <a:cxn ang="0">
+                  <a:pos x="connsiteX10" y="connsiteY10"/>
+                </a:cxn>
+                <a:cxn ang="0">
+                  <a:pos x="connsiteX11" y="connsiteY11"/>
+                </a:cxn>
+                <a:cxn ang="0">
+                  <a:pos x="connsiteX12" y="connsiteY12"/>
+                </a:cxn>
+                <a:cxn ang="0">
+                  <a:pos x="connsiteX13" y="connsiteY13"/>
+                </a:cxn>
+                <a:cxn ang="0">
+                  <a:pos x="connsiteX14" y="connsiteY14"/>
+                </a:cxn>
+                <a:cxn ang="0">
+                  <a:pos x="connsiteX15" y="connsiteY15"/>
+                </a:cxn>
+                <a:cxn ang="0">
+                  <a:pos x="connsiteX16" y="connsiteY16"/>
+                </a:cxn>
+              </a:cxnLst>
+              <a:rect l="l" t="t" r="r" b="b"/>
+              <a:pathLst>
+                <a:path w="2059193" h="3980116">
+                  <a:moveTo>
+                    <a:pt x="0" y="3980116"/>
+                  </a:moveTo>
+                  <a:cubicBezTo>
+                    <a:pt x="91345" y="3889534"/>
+                    <a:pt x="382715" y="3608737"/>
+                    <a:pt x="471583" y="3515678"/>
+                  </a:cubicBezTo>
+                  <a:cubicBezTo>
+                    <a:pt x="576358" y="3405949"/>
+                    <a:pt x="675989" y="3290983"/>
+                    <a:pt x="758666" y="3163824"/>
+                  </a:cubicBezTo>
+                  <a:cubicBezTo>
+                    <a:pt x="836105" y="3044857"/>
+                    <a:pt x="897445" y="2916079"/>
+                    <a:pt x="940499" y="2780824"/>
+                  </a:cubicBezTo>
+                  <a:cubicBezTo>
+                    <a:pt x="996315" y="2605754"/>
+                    <a:pt x="1020985" y="2422874"/>
+                    <a:pt x="1055370" y="2242185"/>
+                  </a:cubicBezTo>
+                  <a:cubicBezTo>
+                    <a:pt x="1078611" y="2120075"/>
+                    <a:pt x="1107472" y="1999107"/>
+                    <a:pt x="1136714" y="1878330"/>
+                  </a:cubicBezTo>
+                  <a:cubicBezTo>
+                    <a:pt x="1163098" y="1769174"/>
+                    <a:pt x="1189482" y="1658588"/>
+                    <a:pt x="1246727" y="1562386"/>
+                  </a:cubicBezTo>
+                  <a:cubicBezTo>
+                    <a:pt x="1279208" y="1507808"/>
+                    <a:pt x="1321689" y="1459039"/>
+                    <a:pt x="1378363" y="1430750"/>
+                  </a:cubicBezTo>
+                  <a:cubicBezTo>
+                    <a:pt x="1473327" y="1383221"/>
+                    <a:pt x="1584865" y="1402652"/>
+                    <a:pt x="1691831" y="1394841"/>
+                  </a:cubicBezTo>
+                  <a:cubicBezTo>
+                    <a:pt x="1771079" y="1389031"/>
+                    <a:pt x="1849279" y="1368266"/>
+                    <a:pt x="1914335" y="1323023"/>
+                  </a:cubicBezTo>
+                  <a:cubicBezTo>
+                    <a:pt x="1989963" y="1270445"/>
+                    <a:pt x="2041493" y="1189101"/>
+                    <a:pt x="2055495" y="1098042"/>
+                  </a:cubicBezTo>
+                  <a:cubicBezTo>
+                    <a:pt x="2064258" y="1041178"/>
+                    <a:pt x="2057591" y="982980"/>
+                    <a:pt x="2033969" y="930497"/>
+                  </a:cubicBezTo>
+                  <a:cubicBezTo>
+                    <a:pt x="2002727" y="861060"/>
+                    <a:pt x="1945958" y="807625"/>
+                    <a:pt x="1885664" y="760571"/>
+                  </a:cubicBezTo>
+                  <a:cubicBezTo>
+                    <a:pt x="1809179" y="700945"/>
+                    <a:pt x="1725549" y="651415"/>
+                    <a:pt x="1636871" y="612172"/>
+                  </a:cubicBezTo>
+                  <a:cubicBezTo>
+                    <a:pt x="1532763" y="566071"/>
+                    <a:pt x="1421606" y="532543"/>
+                    <a:pt x="1335405" y="459010"/>
+                  </a:cubicBezTo>
+                  <a:cubicBezTo>
+                    <a:pt x="1277969" y="409956"/>
+                    <a:pt x="1232059" y="344615"/>
+                    <a:pt x="1234916" y="269939"/>
+                  </a:cubicBezTo>
+                  <a:cubicBezTo>
+                    <a:pt x="1237012" y="211741"/>
+                    <a:pt x="1386935" y="0"/>
+                    <a:pt x="1386935" y="0"/>
+                  </a:cubicBezTo>
+                </a:path>
+              </a:pathLst>
+            </a:custGeom>
+            <a:noFill/>
+            <a:ln w="9525" cap="rnd">
+              <a:solidFill>
+                <a:schemeClr val="accent2">
+                  <a:alpha val="75000"/>
+                </a:schemeClr>
+              </a:solidFill>
+              <a:prstDash val="lgDash"/>
+              <a:round/>
+            </a:ln>
+          </p:spPr>
+          <p:txBody>
+            <a:bodyPr rtlCol="0" anchor="ctr"/>
+            <a:lstStyle/>
+            <a:p>
+              <a:endParaRPr lang="en-US"/>
+            </a:p>
+          </p:txBody>
+        </p:sp>
+        <p:sp>
+          <p:nvSpPr>
+            <p:cNvPr id="22" name="Freeform: Shape 21">
+              <a:extLst>
+                <a:ext uri="{FF2B5EF4-FFF2-40B4-BE49-F238E27FC236}">
+                  <a16:creationId xmlns:a16="http://schemas.microsoft.com/office/drawing/2014/main" id="{B4F5BD77-58D7-4B61-A666-1B4139A63A28}"/>
+                </a:ext>
+                <a:ext uri="{C183D7F6-B498-43B3-948B-1728B52AA6E4}">
+                  <adec:decorative xmlns:adec="http://schemas.microsoft.com/office/drawing/2017/decorative" val="1"/>
+                </a:ext>
+              </a:extLst>
+            </p:cNvPr>
+            <p:cNvSpPr/>
+            <p:nvPr>
+              <p:extLst>
+                <p:ext uri="{386F3935-93C4-4BCD-93E2-E3B085C9AB24}">
+                  <p16:designElem xmlns:p16="http://schemas.microsoft.com/office/powerpoint/2015/main" val="1"/>
+                </p:ext>
+              </p:extLst>
+            </p:nvPr>
+          </p:nvSpPr>
+          <p:spPr>
+            <a:xfrm>
+              <a:off x="4485131" y="1719357"/>
+              <a:ext cx="743796" cy="2867501"/>
+            </a:xfrm>
+            <a:custGeom>
+              <a:avLst/>
+              <a:gdLst>
+                <a:gd name="connsiteX0" fmla="*/ 11144 w 743796"/>
+                <a:gd name="connsiteY0" fmla="*/ 0 h 2867501"/>
+                <a:gd name="connsiteX1" fmla="*/ 353663 w 743796"/>
+                <a:gd name="connsiteY1" fmla="*/ 55245 h 2867501"/>
+                <a:gd name="connsiteX2" fmla="*/ 571405 w 743796"/>
+                <a:gd name="connsiteY2" fmla="*/ 179737 h 2867501"/>
+                <a:gd name="connsiteX3" fmla="*/ 688658 w 743796"/>
+                <a:gd name="connsiteY3" fmla="*/ 368808 h 2867501"/>
+                <a:gd name="connsiteX4" fmla="*/ 731711 w 743796"/>
+                <a:gd name="connsiteY4" fmla="*/ 612934 h 2867501"/>
+                <a:gd name="connsiteX5" fmla="*/ 725233 w 743796"/>
+                <a:gd name="connsiteY5" fmla="*/ 995648 h 2867501"/>
+                <a:gd name="connsiteX6" fmla="*/ 742855 w 743796"/>
+                <a:gd name="connsiteY6" fmla="*/ 1499330 h 2867501"/>
+                <a:gd name="connsiteX7" fmla="*/ 707898 w 743796"/>
+                <a:gd name="connsiteY7" fmla="*/ 1793081 h 2867501"/>
+                <a:gd name="connsiteX8" fmla="*/ 633222 w 743796"/>
+                <a:gd name="connsiteY8" fmla="*/ 2073592 h 2867501"/>
+                <a:gd name="connsiteX9" fmla="*/ 404527 w 743796"/>
+                <a:gd name="connsiteY9" fmla="*/ 2472404 h 2867501"/>
+                <a:gd name="connsiteX10" fmla="*/ 0 w 743796"/>
+                <a:gd name="connsiteY10" fmla="*/ 2867501 h 2867501"/>
+              </a:gdLst>
+              <a:ahLst/>
+              <a:cxnLst>
+                <a:cxn ang="0">
+                  <a:pos x="connsiteX0" y="connsiteY0"/>
+                </a:cxn>
+                <a:cxn ang="0">
+                  <a:pos x="connsiteX1" y="connsiteY1"/>
+                </a:cxn>
+                <a:cxn ang="0">
+                  <a:pos x="connsiteX2" y="connsiteY2"/>
+                </a:cxn>
+                <a:cxn ang="0">
+                  <a:pos x="connsiteX3" y="connsiteY3"/>
+                </a:cxn>
+                <a:cxn ang="0">
+                  <a:pos x="connsiteX4" y="connsiteY4"/>
+                </a:cxn>
+                <a:cxn ang="0">
+                  <a:pos x="connsiteX5" y="connsiteY5"/>
+                </a:cxn>
+                <a:cxn ang="0">
+                  <a:pos x="connsiteX6" y="connsiteY6"/>
+                </a:cxn>
+                <a:cxn ang="0">
+                  <a:pos x="connsiteX7" y="connsiteY7"/>
+                </a:cxn>
+                <a:cxn ang="0">
+                  <a:pos x="connsiteX8" y="connsiteY8"/>
+                </a:cxn>
+                <a:cxn ang="0">
+                  <a:pos x="connsiteX9" y="connsiteY9"/>
+                </a:cxn>
+                <a:cxn ang="0">
+                  <a:pos x="connsiteX10" y="connsiteY10"/>
+                </a:cxn>
+              </a:cxnLst>
+              <a:rect l="l" t="t" r="r" b="b"/>
+              <a:pathLst>
+                <a:path w="743796" h="2867501">
+                  <a:moveTo>
+                    <a:pt x="11144" y="0"/>
+                  </a:moveTo>
+                  <a:cubicBezTo>
+                    <a:pt x="101060" y="2953"/>
+                    <a:pt x="268796" y="25146"/>
+                    <a:pt x="353663" y="55245"/>
+                  </a:cubicBezTo>
+                  <a:cubicBezTo>
+                    <a:pt x="433483" y="83534"/>
+                    <a:pt x="510635" y="120967"/>
+                    <a:pt x="571405" y="179737"/>
+                  </a:cubicBezTo>
+                  <a:cubicBezTo>
+                    <a:pt x="625412" y="231934"/>
+                    <a:pt x="663607" y="297942"/>
+                    <a:pt x="688658" y="368808"/>
+                  </a:cubicBezTo>
+                  <a:cubicBezTo>
+                    <a:pt x="716375" y="447103"/>
+                    <a:pt x="727996" y="529876"/>
+                    <a:pt x="731711" y="612934"/>
+                  </a:cubicBezTo>
+                  <a:cubicBezTo>
+                    <a:pt x="737426" y="740474"/>
+                    <a:pt x="724948" y="867918"/>
+                    <a:pt x="725233" y="995648"/>
+                  </a:cubicBezTo>
+                  <a:cubicBezTo>
+                    <a:pt x="725710" y="1163765"/>
+                    <a:pt x="748665" y="1331309"/>
+                    <a:pt x="742855" y="1499330"/>
+                  </a:cubicBezTo>
+                  <a:cubicBezTo>
+                    <a:pt x="739426" y="1598009"/>
+                    <a:pt x="725996" y="1696022"/>
+                    <a:pt x="707898" y="1793081"/>
+                  </a:cubicBezTo>
+                  <a:cubicBezTo>
+                    <a:pt x="690086" y="1888426"/>
+                    <a:pt x="666845" y="1982724"/>
+                    <a:pt x="633222" y="2073592"/>
+                  </a:cubicBezTo>
+                  <a:cubicBezTo>
+                    <a:pt x="579692" y="2218182"/>
+                    <a:pt x="499682" y="2351056"/>
+                    <a:pt x="404527" y="2472404"/>
+                  </a:cubicBezTo>
+                  <a:cubicBezTo>
+                    <a:pt x="266033" y="2648902"/>
+                    <a:pt x="179642" y="2732818"/>
+                    <a:pt x="0" y="2867501"/>
+                  </a:cubicBezTo>
+                </a:path>
+              </a:pathLst>
+            </a:custGeom>
+            <a:noFill/>
+            <a:ln w="9525" cap="rnd">
+              <a:solidFill>
+                <a:schemeClr val="accent2">
+                  <a:alpha val="75000"/>
+                </a:schemeClr>
+              </a:solidFill>
+              <a:prstDash val="lgDash"/>
+              <a:round/>
+            </a:ln>
+          </p:spPr>
+          <p:txBody>
+            <a:bodyPr rtlCol="0" anchor="ctr"/>
+            <a:lstStyle/>
+            <a:p>
+              <a:endParaRPr lang="en-US"/>
+            </a:p>
+          </p:txBody>
+        </p:sp>
+        <p:sp>
+          <p:nvSpPr>
+            <p:cNvPr id="23" name="Freeform: Shape 22">
+              <a:extLst>
+                <a:ext uri="{FF2B5EF4-FFF2-40B4-BE49-F238E27FC236}">
+                  <a16:creationId xmlns:a16="http://schemas.microsoft.com/office/drawing/2014/main" id="{F5CBEC6B-EDB6-40B8-8771-E5AF41B8D698}"/>
+                </a:ext>
+                <a:ext uri="{C183D7F6-B498-43B3-948B-1728B52AA6E4}">
+                  <adec:decorative xmlns:adec="http://schemas.microsoft.com/office/drawing/2017/decorative" val="1"/>
+                </a:ext>
+              </a:extLst>
+            </p:cNvPr>
+            <p:cNvSpPr/>
+            <p:nvPr>
+              <p:extLst>
+                <p:ext uri="{386F3935-93C4-4BCD-93E2-E3B085C9AB24}">
+                  <p16:designElem xmlns:p16="http://schemas.microsoft.com/office/powerpoint/2015/main" val="1"/>
+                </p:ext>
+              </p:extLst>
+            </p:nvPr>
+          </p:nvSpPr>
+          <p:spPr>
+            <a:xfrm>
+              <a:off x="4473129" y="1912731"/>
+              <a:ext cx="597294" cy="2543540"/>
+            </a:xfrm>
+            <a:custGeom>
+              <a:avLst/>
+              <a:gdLst>
+                <a:gd name="connsiteX0" fmla="*/ 16478 w 597294"/>
+                <a:gd name="connsiteY0" fmla="*/ 2079 h 2543540"/>
+                <a:gd name="connsiteX1" fmla="*/ 299847 w 597294"/>
+                <a:gd name="connsiteY1" fmla="*/ 53991 h 2543540"/>
+                <a:gd name="connsiteX2" fmla="*/ 503206 w 597294"/>
+                <a:gd name="connsiteY2" fmla="*/ 291354 h 2543540"/>
+                <a:gd name="connsiteX3" fmla="*/ 525113 w 597294"/>
+                <a:gd name="connsiteY3" fmla="*/ 724265 h 2543540"/>
+                <a:gd name="connsiteX4" fmla="*/ 578930 w 597294"/>
+                <a:gd name="connsiteY4" fmla="*/ 1117267 h 2543540"/>
+                <a:gd name="connsiteX5" fmla="*/ 592931 w 597294"/>
+                <a:gd name="connsiteY5" fmla="*/ 1476359 h 2543540"/>
+                <a:gd name="connsiteX6" fmla="*/ 503206 w 597294"/>
+                <a:gd name="connsiteY6" fmla="*/ 1859359 h 2543540"/>
+                <a:gd name="connsiteX7" fmla="*/ 291846 w 597294"/>
+                <a:gd name="connsiteY7" fmla="*/ 2250361 h 2543540"/>
+                <a:gd name="connsiteX8" fmla="*/ 0 w 597294"/>
+                <a:gd name="connsiteY8" fmla="*/ 2543540 h 2543540"/>
+              </a:gdLst>
+              <a:ahLst/>
+              <a:cxnLst>
+                <a:cxn ang="0">
+                  <a:pos x="connsiteX0" y="connsiteY0"/>
+                </a:cxn>
+                <a:cxn ang="0">
+                  <a:pos x="connsiteX1" y="connsiteY1"/>
+                </a:cxn>
+                <a:cxn ang="0">
+                  <a:pos x="connsiteX2" y="connsiteY2"/>
+                </a:cxn>
+                <a:cxn ang="0">
+                  <a:pos x="connsiteX3" y="connsiteY3"/>
+                </a:cxn>
+                <a:cxn ang="0">
+                  <a:pos x="connsiteX4" y="connsiteY4"/>
+                </a:cxn>
+                <a:cxn ang="0">
+                  <a:pos x="connsiteX5" y="connsiteY5"/>
+                </a:cxn>
+                <a:cxn ang="0">
+                  <a:pos x="connsiteX6" y="connsiteY6"/>
+                </a:cxn>
+                <a:cxn ang="0">
+                  <a:pos x="connsiteX7" y="connsiteY7"/>
+                </a:cxn>
+                <a:cxn ang="0">
+                  <a:pos x="connsiteX8" y="connsiteY8"/>
+                </a:cxn>
+              </a:cxnLst>
+              <a:rect l="l" t="t" r="r" b="b"/>
+              <a:pathLst>
+                <a:path w="597294" h="2543540">
+                  <a:moveTo>
+                    <a:pt x="16478" y="2079"/>
+                  </a:moveTo>
+                  <a:cubicBezTo>
+                    <a:pt x="101441" y="-6684"/>
+                    <a:pt x="224885" y="12557"/>
+                    <a:pt x="299847" y="53991"/>
+                  </a:cubicBezTo>
+                  <a:cubicBezTo>
+                    <a:pt x="394240" y="106092"/>
+                    <a:pt x="468440" y="189341"/>
+                    <a:pt x="503206" y="291354"/>
+                  </a:cubicBezTo>
+                  <a:cubicBezTo>
+                    <a:pt x="550069" y="429085"/>
+                    <a:pt x="520827" y="577770"/>
+                    <a:pt x="525113" y="724265"/>
+                  </a:cubicBezTo>
+                  <a:cubicBezTo>
+                    <a:pt x="529019" y="856472"/>
+                    <a:pt x="561118" y="986012"/>
+                    <a:pt x="578930" y="1117267"/>
+                  </a:cubicBezTo>
+                  <a:cubicBezTo>
+                    <a:pt x="595122" y="1236234"/>
+                    <a:pt x="602742" y="1356630"/>
+                    <a:pt x="592931" y="1476359"/>
+                  </a:cubicBezTo>
+                  <a:cubicBezTo>
+                    <a:pt x="582073" y="1607709"/>
+                    <a:pt x="549783" y="1736011"/>
+                    <a:pt x="503206" y="1859359"/>
+                  </a:cubicBezTo>
+                  <a:cubicBezTo>
+                    <a:pt x="450628" y="1998710"/>
+                    <a:pt x="383857" y="2133298"/>
+                    <a:pt x="291846" y="2250361"/>
+                  </a:cubicBezTo>
+                  <a:cubicBezTo>
+                    <a:pt x="231553" y="2327132"/>
+                    <a:pt x="73819" y="2479532"/>
+                    <a:pt x="0" y="2543540"/>
+                  </a:cubicBezTo>
+                </a:path>
+              </a:pathLst>
+            </a:custGeom>
+            <a:noFill/>
+            <a:ln w="9525" cap="rnd">
+              <a:solidFill>
+                <a:schemeClr val="accent2">
+                  <a:alpha val="75000"/>
+                </a:schemeClr>
+              </a:solidFill>
+              <a:prstDash val="lgDash"/>
+              <a:round/>
+            </a:ln>
+          </p:spPr>
+          <p:txBody>
+            <a:bodyPr rtlCol="0" anchor="ctr"/>
+            <a:lstStyle/>
+            <a:p>
+              <a:endParaRPr lang="en-US"/>
+            </a:p>
+          </p:txBody>
+        </p:sp>
+        <p:sp>
+          <p:nvSpPr>
+            <p:cNvPr id="24" name="Freeform: Shape 23">
+              <a:extLst>
+                <a:ext uri="{FF2B5EF4-FFF2-40B4-BE49-F238E27FC236}">
+                  <a16:creationId xmlns:a16="http://schemas.microsoft.com/office/drawing/2014/main" id="{91BD0EE8-AA47-4044-9251-9F5A4B820120}"/>
+                </a:ext>
+                <a:ext uri="{C183D7F6-B498-43B3-948B-1728B52AA6E4}">
+                  <adec:decorative xmlns:adec="http://schemas.microsoft.com/office/drawing/2017/decorative" val="1"/>
+                </a:ext>
+              </a:extLst>
+            </p:cNvPr>
+            <p:cNvSpPr/>
+            <p:nvPr>
+              <p:extLst>
+                <p:ext uri="{386F3935-93C4-4BCD-93E2-E3B085C9AB24}">
+                  <p16:designElem xmlns:p16="http://schemas.microsoft.com/office/powerpoint/2015/main" val="1"/>
+                </p:ext>
+              </p:extLst>
+            </p:nvPr>
+          </p:nvSpPr>
+          <p:spPr>
+            <a:xfrm>
+              <a:off x="4491417" y="2227197"/>
+              <a:ext cx="389425" cy="2011236"/>
+            </a:xfrm>
+            <a:custGeom>
+              <a:avLst/>
+              <a:gdLst>
+                <a:gd name="connsiteX0" fmla="*/ 0 w 389425"/>
+                <a:gd name="connsiteY0" fmla="*/ 33 h 2011236"/>
+                <a:gd name="connsiteX1" fmla="*/ 171260 w 389425"/>
+                <a:gd name="connsiteY1" fmla="*/ 60326 h 2011236"/>
+                <a:gd name="connsiteX2" fmla="*/ 211455 w 389425"/>
+                <a:gd name="connsiteY2" fmla="*/ 221204 h 2011236"/>
+                <a:gd name="connsiteX3" fmla="*/ 243078 w 389425"/>
+                <a:gd name="connsiteY3" fmla="*/ 448089 h 2011236"/>
+                <a:gd name="connsiteX4" fmla="*/ 346424 w 389425"/>
+                <a:gd name="connsiteY4" fmla="*/ 789941 h 2011236"/>
+                <a:gd name="connsiteX5" fmla="*/ 372237 w 389425"/>
+                <a:gd name="connsiteY5" fmla="*/ 942151 h 2011236"/>
+                <a:gd name="connsiteX6" fmla="*/ 386620 w 389425"/>
+                <a:gd name="connsiteY6" fmla="*/ 1272478 h 2011236"/>
+                <a:gd name="connsiteX7" fmla="*/ 280416 w 389425"/>
+                <a:gd name="connsiteY7" fmla="*/ 1660241 h 2011236"/>
+                <a:gd name="connsiteX8" fmla="*/ 151257 w 389425"/>
+                <a:gd name="connsiteY8" fmla="*/ 1844073 h 2011236"/>
+                <a:gd name="connsiteX9" fmla="*/ 1905 w 389425"/>
+                <a:gd name="connsiteY9" fmla="*/ 2011237 h 2011236"/>
+              </a:gdLst>
+              <a:ahLst/>
+              <a:cxnLst>
+                <a:cxn ang="0">
+                  <a:pos x="connsiteX0" y="connsiteY0"/>
+                </a:cxn>
+                <a:cxn ang="0">
+                  <a:pos x="connsiteX1" y="connsiteY1"/>
+                </a:cxn>
+                <a:cxn ang="0">
+                  <a:pos x="connsiteX2" y="connsiteY2"/>
+                </a:cxn>
+                <a:cxn ang="0">
+                  <a:pos x="connsiteX3" y="connsiteY3"/>
+                </a:cxn>
+                <a:cxn ang="0">
+                  <a:pos x="connsiteX4" y="connsiteY4"/>
+                </a:cxn>
+                <a:cxn ang="0">
+                  <a:pos x="connsiteX5" y="connsiteY5"/>
+                </a:cxn>
+                <a:cxn ang="0">
+                  <a:pos x="connsiteX6" y="connsiteY6"/>
+                </a:cxn>
+                <a:cxn ang="0">
+                  <a:pos x="connsiteX7" y="connsiteY7"/>
+                </a:cxn>
+                <a:cxn ang="0">
+                  <a:pos x="connsiteX8" y="connsiteY8"/>
+                </a:cxn>
+                <a:cxn ang="0">
+                  <a:pos x="connsiteX9" y="connsiteY9"/>
+                </a:cxn>
+              </a:cxnLst>
+              <a:rect l="l" t="t" r="r" b="b"/>
+              <a:pathLst>
+                <a:path w="389425" h="2011236">
+                  <a:moveTo>
+                    <a:pt x="0" y="33"/>
+                  </a:moveTo>
+                  <a:cubicBezTo>
+                    <a:pt x="57912" y="-824"/>
+                    <a:pt x="136112" y="14892"/>
+                    <a:pt x="171260" y="60326"/>
+                  </a:cubicBezTo>
+                  <a:cubicBezTo>
+                    <a:pt x="205645" y="104903"/>
+                    <a:pt x="207740" y="164244"/>
+                    <a:pt x="211455" y="221204"/>
+                  </a:cubicBezTo>
+                  <a:cubicBezTo>
+                    <a:pt x="216408" y="297594"/>
+                    <a:pt x="225838" y="373604"/>
+                    <a:pt x="243078" y="448089"/>
+                  </a:cubicBezTo>
+                  <a:cubicBezTo>
+                    <a:pt x="269939" y="564199"/>
+                    <a:pt x="319183" y="673927"/>
+                    <a:pt x="346424" y="789941"/>
+                  </a:cubicBezTo>
+                  <a:cubicBezTo>
+                    <a:pt x="358235" y="840043"/>
+                    <a:pt x="365951" y="891097"/>
+                    <a:pt x="372237" y="942151"/>
+                  </a:cubicBezTo>
+                  <a:cubicBezTo>
+                    <a:pt x="385858" y="1051784"/>
+                    <a:pt x="394049" y="1162274"/>
+                    <a:pt x="386620" y="1272478"/>
+                  </a:cubicBezTo>
+                  <a:cubicBezTo>
+                    <a:pt x="377476" y="1407828"/>
+                    <a:pt x="344996" y="1541178"/>
+                    <a:pt x="280416" y="1660241"/>
+                  </a:cubicBezTo>
+                  <a:cubicBezTo>
+                    <a:pt x="244602" y="1726249"/>
+                    <a:pt x="199358" y="1786352"/>
+                    <a:pt x="151257" y="1844073"/>
+                  </a:cubicBezTo>
+                  <a:cubicBezTo>
+                    <a:pt x="79534" y="1930084"/>
+                    <a:pt x="89345" y="1941419"/>
+                    <a:pt x="1905" y="2011237"/>
+                  </a:cubicBezTo>
+                </a:path>
+              </a:pathLst>
+            </a:custGeom>
+            <a:noFill/>
+            <a:ln w="9525" cap="rnd">
+              <a:solidFill>
+                <a:schemeClr val="accent2">
+                  <a:alpha val="75000"/>
+                </a:schemeClr>
+              </a:solidFill>
+              <a:prstDash val="lgDash"/>
+              <a:round/>
+            </a:ln>
+          </p:spPr>
+          <p:txBody>
+            <a:bodyPr rtlCol="0" anchor="ctr"/>
+            <a:lstStyle/>
+            <a:p>
+              <a:endParaRPr lang="en-US" dirty="0"/>
+            </a:p>
+          </p:txBody>
+        </p:sp>
+      </p:grpSp>
+      <p:grpSp>
+        <p:nvGrpSpPr>
+          <p:cNvPr id="26" name="Graphic 157">
+            <a:extLst>
+              <a:ext uri="{FF2B5EF4-FFF2-40B4-BE49-F238E27FC236}">
+                <a16:creationId xmlns:a16="http://schemas.microsoft.com/office/drawing/2014/main" id="{C3279E8D-2BAA-4CB1-834B-09FADD54DE56}"/>
+              </a:ext>
+              <a:ext uri="{C183D7F6-B498-43B3-948B-1728B52AA6E4}">
+                <adec:decorative xmlns:adec="http://schemas.microsoft.com/office/drawing/2017/decorative" val="1"/>
+              </a:ext>
+            </a:extLst>
+          </p:cNvPr>
+          <p:cNvGrpSpPr>
+            <a:grpSpLocks noGrp="1" noUngrp="1" noRot="1" noChangeAspect="1" noMove="1" noResize="1"/>
+          </p:cNvGrpSpPr>
+          <p:nvPr>
+            <p:extLst>
+              <p:ext uri="{386F3935-93C4-4BCD-93E2-E3B085C9AB24}">
+                <p16:designElem xmlns:p16="http://schemas.microsoft.com/office/powerpoint/2015/main" val="1"/>
+              </p:ext>
+            </p:extLst>
+          </p:nvPr>
+        </p:nvGrpSpPr>
+        <p:grpSpPr>
+          <a:xfrm>
+            <a:off x="8610600" y="3276600"/>
+            <a:ext cx="3529260" cy="3581398"/>
+            <a:chOff x="4114800" y="1423987"/>
+            <a:chExt cx="3961542" cy="4007547"/>
+          </a:xfrm>
+          <a:noFill/>
+        </p:grpSpPr>
+        <p:sp>
+          <p:nvSpPr>
+            <p:cNvPr id="27" name="Freeform: Shape 26">
+              <a:extLst>
+                <a:ext uri="{FF2B5EF4-FFF2-40B4-BE49-F238E27FC236}">
+                  <a16:creationId xmlns:a16="http://schemas.microsoft.com/office/drawing/2014/main" id="{3456F18E-4F61-486D-9CD6-65B30372C534}"/>
+                </a:ext>
+                <a:ext uri="{C183D7F6-B498-43B3-948B-1728B52AA6E4}">
+                  <adec:decorative xmlns:adec="http://schemas.microsoft.com/office/drawing/2017/decorative" val="1"/>
+                </a:ext>
+              </a:extLst>
+            </p:cNvPr>
+            <p:cNvSpPr/>
+            <p:nvPr>
+              <p:extLst>
+                <p:ext uri="{386F3935-93C4-4BCD-93E2-E3B085C9AB24}">
+                  <p16:designElem xmlns:p16="http://schemas.microsoft.com/office/powerpoint/2015/main" val="1"/>
+                </p:ext>
+              </p:extLst>
+            </p:nvPr>
+          </p:nvSpPr>
+          <p:spPr>
+            <a:xfrm>
+              <a:off x="4114800" y="1423987"/>
+              <a:ext cx="3946874" cy="3989641"/>
+            </a:xfrm>
+            <a:custGeom>
+              <a:avLst/>
+              <a:gdLst>
+                <a:gd name="connsiteX0" fmla="*/ 0 w 3946874"/>
+                <a:gd name="connsiteY0" fmla="*/ 3989641 h 3989641"/>
+                <a:gd name="connsiteX1" fmla="*/ 79439 w 3946874"/>
+                <a:gd name="connsiteY1" fmla="*/ 3891153 h 3989641"/>
+                <a:gd name="connsiteX2" fmla="*/ 297371 w 3946874"/>
+                <a:gd name="connsiteY2" fmla="*/ 3626930 h 3989641"/>
+                <a:gd name="connsiteX3" fmla="*/ 454343 w 3946874"/>
+                <a:gd name="connsiteY3" fmla="*/ 3440335 h 3989641"/>
+                <a:gd name="connsiteX4" fmla="*/ 622363 w 3946874"/>
+                <a:gd name="connsiteY4" fmla="*/ 3290697 h 3989641"/>
+                <a:gd name="connsiteX5" fmla="*/ 927068 w 3946874"/>
+                <a:gd name="connsiteY5" fmla="*/ 3087434 h 3989641"/>
+                <a:gd name="connsiteX6" fmla="*/ 1176338 w 3946874"/>
+                <a:gd name="connsiteY6" fmla="*/ 2915603 h 3989641"/>
+                <a:gd name="connsiteX7" fmla="*/ 1394270 w 3946874"/>
+                <a:gd name="connsiteY7" fmla="*/ 2780729 h 3989641"/>
+                <a:gd name="connsiteX8" fmla="*/ 1601057 w 3946874"/>
+                <a:gd name="connsiteY8" fmla="*/ 2723483 h 3989641"/>
+                <a:gd name="connsiteX9" fmla="*/ 1756220 w 3946874"/>
+                <a:gd name="connsiteY9" fmla="*/ 2743772 h 3989641"/>
+                <a:gd name="connsiteX10" fmla="*/ 1889189 w 3946874"/>
+                <a:gd name="connsiteY10" fmla="*/ 2765965 h 3989641"/>
+                <a:gd name="connsiteX11" fmla="*/ 2007394 w 3946874"/>
+                <a:gd name="connsiteY11" fmla="*/ 2765965 h 3989641"/>
+                <a:gd name="connsiteX12" fmla="*/ 2184654 w 3946874"/>
+                <a:gd name="connsiteY12" fmla="*/ 2671763 h 3989641"/>
+                <a:gd name="connsiteX13" fmla="*/ 2372773 w 3946874"/>
+                <a:gd name="connsiteY13" fmla="*/ 2538984 h 3989641"/>
+                <a:gd name="connsiteX14" fmla="*/ 2439543 w 3946874"/>
+                <a:gd name="connsiteY14" fmla="*/ 2510504 h 3989641"/>
+                <a:gd name="connsiteX15" fmla="*/ 2650617 w 3946874"/>
+                <a:gd name="connsiteY15" fmla="*/ 2434781 h 3989641"/>
+                <a:gd name="connsiteX16" fmla="*/ 2785110 w 3946874"/>
+                <a:gd name="connsiteY16" fmla="*/ 2383060 h 3989641"/>
+                <a:gd name="connsiteX17" fmla="*/ 2897315 w 3946874"/>
+                <a:gd name="connsiteY17" fmla="*/ 2318861 h 3989641"/>
+                <a:gd name="connsiteX18" fmla="*/ 2997994 w 3946874"/>
+                <a:gd name="connsiteY18" fmla="*/ 2226183 h 3989641"/>
+                <a:gd name="connsiteX19" fmla="*/ 3061240 w 3946874"/>
+                <a:gd name="connsiteY19" fmla="*/ 2141506 h 3989641"/>
+                <a:gd name="connsiteX20" fmla="*/ 3152108 w 3946874"/>
+                <a:gd name="connsiteY20" fmla="*/ 2005203 h 3989641"/>
+                <a:gd name="connsiteX21" fmla="*/ 3274124 w 3946874"/>
+                <a:gd name="connsiteY21" fmla="*/ 1871567 h 3989641"/>
+                <a:gd name="connsiteX22" fmla="*/ 3388138 w 3946874"/>
+                <a:gd name="connsiteY22" fmla="*/ 1770888 h 3989641"/>
+                <a:gd name="connsiteX23" fmla="*/ 3466529 w 3946874"/>
+                <a:gd name="connsiteY23" fmla="*/ 1679162 h 3989641"/>
+                <a:gd name="connsiteX24" fmla="*/ 3538633 w 3946874"/>
+                <a:gd name="connsiteY24" fmla="*/ 1551718 h 3989641"/>
+                <a:gd name="connsiteX25" fmla="*/ 3588544 w 3946874"/>
+                <a:gd name="connsiteY25" fmla="*/ 1376172 h 3989641"/>
+                <a:gd name="connsiteX26" fmla="*/ 3597402 w 3946874"/>
+                <a:gd name="connsiteY26" fmla="*/ 1293305 h 3989641"/>
+                <a:gd name="connsiteX27" fmla="*/ 3721227 w 3946874"/>
+                <a:gd name="connsiteY27" fmla="*/ 880491 h 3989641"/>
+                <a:gd name="connsiteX28" fmla="*/ 3761137 w 3946874"/>
+                <a:gd name="connsiteY28" fmla="*/ 463677 h 3989641"/>
+                <a:gd name="connsiteX29" fmla="*/ 3946874 w 3946874"/>
+                <a:gd name="connsiteY29" fmla="*/ 0 h 3989641"/>
+              </a:gdLst>
+              <a:ahLst/>
+              <a:cxnLst>
+                <a:cxn ang="0">
+                  <a:pos x="connsiteX0" y="connsiteY0"/>
+                </a:cxn>
+                <a:cxn ang="0">
+                  <a:pos x="connsiteX1" y="connsiteY1"/>
+                </a:cxn>
+                <a:cxn ang="0">
+                  <a:pos x="connsiteX2" y="connsiteY2"/>
+                </a:cxn>
+                <a:cxn ang="0">
+                  <a:pos x="connsiteX3" y="connsiteY3"/>
+                </a:cxn>
+                <a:cxn ang="0">
+                  <a:pos x="connsiteX4" y="connsiteY4"/>
+                </a:cxn>
+                <a:cxn ang="0">
+                  <a:pos x="connsiteX5" y="connsiteY5"/>
+                </a:cxn>
+                <a:cxn ang="0">
+                  <a:pos x="connsiteX6" y="connsiteY6"/>
+                </a:cxn>
+                <a:cxn ang="0">
+                  <a:pos x="connsiteX7" y="connsiteY7"/>
+                </a:cxn>
+                <a:cxn ang="0">
+                  <a:pos x="connsiteX8" y="connsiteY8"/>
+                </a:cxn>
+                <a:cxn ang="0">
+                  <a:pos x="connsiteX9" y="connsiteY9"/>
+                </a:cxn>
+                <a:cxn ang="0">
+                  <a:pos x="connsiteX10" y="connsiteY10"/>
+                </a:cxn>
+                <a:cxn ang="0">
+                  <a:pos x="connsiteX11" y="connsiteY11"/>
+                </a:cxn>
+                <a:cxn ang="0">
+                  <a:pos x="connsiteX12" y="connsiteY12"/>
+                </a:cxn>
+                <a:cxn ang="0">
+                  <a:pos x="connsiteX13" y="connsiteY13"/>
+                </a:cxn>
+                <a:cxn ang="0">
+                  <a:pos x="connsiteX14" y="connsiteY14"/>
+                </a:cxn>
+                <a:cxn ang="0">
+                  <a:pos x="connsiteX15" y="connsiteY15"/>
+                </a:cxn>
+                <a:cxn ang="0">
+                  <a:pos x="connsiteX16" y="connsiteY16"/>
+                </a:cxn>
+                <a:cxn ang="0">
+                  <a:pos x="connsiteX17" y="connsiteY17"/>
+                </a:cxn>
+                <a:cxn ang="0">
+                  <a:pos x="connsiteX18" y="connsiteY18"/>
+                </a:cxn>
+                <a:cxn ang="0">
+                  <a:pos x="connsiteX19" y="connsiteY19"/>
+                </a:cxn>
+                <a:cxn ang="0">
+                  <a:pos x="connsiteX20" y="connsiteY20"/>
+                </a:cxn>
+                <a:cxn ang="0">
+                  <a:pos x="connsiteX21" y="connsiteY21"/>
+                </a:cxn>
+                <a:cxn ang="0">
+                  <a:pos x="connsiteX22" y="connsiteY22"/>
+                </a:cxn>
+                <a:cxn ang="0">
+                  <a:pos x="connsiteX23" y="connsiteY23"/>
+                </a:cxn>
+                <a:cxn ang="0">
+                  <a:pos x="connsiteX24" y="connsiteY24"/>
+                </a:cxn>
+                <a:cxn ang="0">
+                  <a:pos x="connsiteX25" y="connsiteY25"/>
+                </a:cxn>
+                <a:cxn ang="0">
+                  <a:pos x="connsiteX26" y="connsiteY26"/>
+                </a:cxn>
+                <a:cxn ang="0">
+                  <a:pos x="connsiteX27" y="connsiteY27"/>
+                </a:cxn>
+                <a:cxn ang="0">
+                  <a:pos x="connsiteX28" y="connsiteY28"/>
+                </a:cxn>
+                <a:cxn ang="0">
+                  <a:pos x="connsiteX29" y="connsiteY29"/>
+                </a:cxn>
+              </a:cxnLst>
+              <a:rect l="l" t="t" r="r" b="b"/>
+              <a:pathLst>
+                <a:path w="3946874" h="3989641">
+                  <a:moveTo>
+                    <a:pt x="0" y="3989641"/>
+                  </a:moveTo>
+                  <a:cubicBezTo>
+                    <a:pt x="19050" y="3957257"/>
+                    <a:pt x="50959" y="3916013"/>
+                    <a:pt x="79439" y="3891153"/>
+                  </a:cubicBezTo>
+                  <a:cubicBezTo>
+                    <a:pt x="165544" y="3815906"/>
+                    <a:pt x="227933" y="3717989"/>
+                    <a:pt x="297371" y="3626930"/>
+                  </a:cubicBezTo>
+                  <a:cubicBezTo>
+                    <a:pt x="346615" y="3562255"/>
+                    <a:pt x="398050" y="3499009"/>
+                    <a:pt x="454343" y="3440335"/>
+                  </a:cubicBezTo>
+                  <a:cubicBezTo>
+                    <a:pt x="506349" y="3386042"/>
+                    <a:pt x="562642" y="3336227"/>
+                    <a:pt x="622363" y="3290697"/>
+                  </a:cubicBezTo>
+                  <a:cubicBezTo>
+                    <a:pt x="719519" y="3216688"/>
+                    <a:pt x="824960" y="3154585"/>
+                    <a:pt x="927068" y="3087434"/>
+                  </a:cubicBezTo>
+                  <a:cubicBezTo>
+                    <a:pt x="1011365" y="3031998"/>
+                    <a:pt x="1093565" y="2973324"/>
+                    <a:pt x="1176338" y="2915603"/>
+                  </a:cubicBezTo>
+                  <a:cubicBezTo>
+                    <a:pt x="1246537" y="2866644"/>
+                    <a:pt x="1317308" y="2818066"/>
+                    <a:pt x="1394270" y="2780729"/>
+                  </a:cubicBezTo>
+                  <a:cubicBezTo>
+                    <a:pt x="1459421" y="2749106"/>
+                    <a:pt x="1528763" y="2724436"/>
+                    <a:pt x="1601057" y="2723483"/>
+                  </a:cubicBezTo>
+                  <a:cubicBezTo>
+                    <a:pt x="1653350" y="2722721"/>
+                    <a:pt x="1704785" y="2733485"/>
+                    <a:pt x="1756220" y="2743772"/>
+                  </a:cubicBezTo>
+                  <a:cubicBezTo>
+                    <a:pt x="1800320" y="2752630"/>
+                    <a:pt x="1844612" y="2760250"/>
+                    <a:pt x="1889189" y="2765965"/>
+                  </a:cubicBezTo>
+                  <a:cubicBezTo>
+                    <a:pt x="1928622" y="2771013"/>
+                    <a:pt x="1968437" y="2773299"/>
+                    <a:pt x="2007394" y="2765965"/>
+                  </a:cubicBezTo>
+                  <a:cubicBezTo>
+                    <a:pt x="2073878" y="2753487"/>
+                    <a:pt x="2130647" y="2712911"/>
+                    <a:pt x="2184654" y="2671763"/>
+                  </a:cubicBezTo>
+                  <a:cubicBezTo>
+                    <a:pt x="2245900" y="2625090"/>
+                    <a:pt x="2304002" y="2573465"/>
+                    <a:pt x="2372773" y="2538984"/>
+                  </a:cubicBezTo>
+                  <a:cubicBezTo>
+                    <a:pt x="2394395" y="2528126"/>
+                    <a:pt x="2416874" y="2518982"/>
+                    <a:pt x="2439543" y="2510504"/>
+                  </a:cubicBezTo>
+                  <a:cubicBezTo>
+                    <a:pt x="2509552" y="2484215"/>
+                    <a:pt x="2580037" y="2459450"/>
+                    <a:pt x="2650617" y="2434781"/>
+                  </a:cubicBezTo>
+                  <a:cubicBezTo>
+                    <a:pt x="2695956" y="2418874"/>
+                    <a:pt x="2741295" y="2402872"/>
+                    <a:pt x="2785110" y="2383060"/>
+                  </a:cubicBezTo>
+                  <a:cubicBezTo>
+                    <a:pt x="2824448" y="2365248"/>
+                    <a:pt x="2862358" y="2344198"/>
+                    <a:pt x="2897315" y="2318861"/>
+                  </a:cubicBezTo>
+                  <a:cubicBezTo>
+                    <a:pt x="2934367" y="2292096"/>
+                    <a:pt x="2968085" y="2260854"/>
+                    <a:pt x="2997994" y="2226183"/>
+                  </a:cubicBezTo>
+                  <a:cubicBezTo>
+                    <a:pt x="3020949" y="2199513"/>
+                    <a:pt x="3041714" y="2170938"/>
+                    <a:pt x="3061240" y="2141506"/>
+                  </a:cubicBezTo>
+                  <a:cubicBezTo>
+                    <a:pt x="3091529" y="2095976"/>
+                    <a:pt x="3119533" y="2049018"/>
+                    <a:pt x="3152108" y="2005203"/>
+                  </a:cubicBezTo>
+                  <a:cubicBezTo>
+                    <a:pt x="3188113" y="1956626"/>
+                    <a:pt x="3229261" y="1912144"/>
+                    <a:pt x="3274124" y="1871567"/>
+                  </a:cubicBezTo>
+                  <a:cubicBezTo>
+                    <a:pt x="3311747" y="1837563"/>
+                    <a:pt x="3351848" y="1806321"/>
+                    <a:pt x="3388138" y="1770888"/>
+                  </a:cubicBezTo>
+                  <a:cubicBezTo>
+                    <a:pt x="3416999" y="1742694"/>
+                    <a:pt x="3443002" y="1711833"/>
+                    <a:pt x="3466529" y="1679162"/>
+                  </a:cubicBezTo>
+                  <a:cubicBezTo>
+                    <a:pt x="3495008" y="1639348"/>
+                    <a:pt x="3519392" y="1596771"/>
+                    <a:pt x="3538633" y="1551718"/>
+                  </a:cubicBezTo>
+                  <a:cubicBezTo>
+                    <a:pt x="3562731" y="1495616"/>
+                    <a:pt x="3578924" y="1436465"/>
+                    <a:pt x="3588544" y="1376172"/>
+                  </a:cubicBezTo>
+                  <a:cubicBezTo>
+                    <a:pt x="3592925" y="1348740"/>
+                    <a:pt x="3595688" y="1321022"/>
+                    <a:pt x="3597402" y="1293305"/>
+                  </a:cubicBezTo>
+                  <a:cubicBezTo>
+                    <a:pt x="3605974" y="1155859"/>
+                    <a:pt x="3717703" y="1018127"/>
+                    <a:pt x="3721227" y="880491"/>
+                  </a:cubicBezTo>
+                  <a:cubicBezTo>
+                    <a:pt x="3724751" y="740855"/>
+                    <a:pt x="3743135" y="602171"/>
+                    <a:pt x="3761137" y="463677"/>
+                  </a:cubicBezTo>
+                  <a:cubicBezTo>
+                    <a:pt x="3776186" y="347758"/>
+                    <a:pt x="3934968" y="116205"/>
+                    <a:pt x="3946874" y="0"/>
+                  </a:cubicBezTo>
+                </a:path>
+              </a:pathLst>
+            </a:custGeom>
+            <a:noFill/>
+            <a:ln w="9525" cap="rnd">
+              <a:solidFill>
+                <a:schemeClr val="accent2">
+                  <a:alpha val="75000"/>
+                </a:schemeClr>
+              </a:solidFill>
+              <a:prstDash val="lgDash"/>
+              <a:round/>
+            </a:ln>
+          </p:spPr>
+          <p:txBody>
+            <a:bodyPr rtlCol="0" anchor="ctr"/>
+            <a:lstStyle/>
+            <a:p>
+              <a:endParaRPr lang="en-US"/>
+            </a:p>
+          </p:txBody>
+        </p:sp>
+        <p:sp>
+          <p:nvSpPr>
+            <p:cNvPr id="28" name="Freeform: Shape 27">
+              <a:extLst>
+                <a:ext uri="{FF2B5EF4-FFF2-40B4-BE49-F238E27FC236}">
+                  <a16:creationId xmlns:a16="http://schemas.microsoft.com/office/drawing/2014/main" id="{318DDF45-08F0-46B6-A0B7-133735C94F47}"/>
+                </a:ext>
+                <a:ext uri="{C183D7F6-B498-43B3-948B-1728B52AA6E4}">
+                  <adec:decorative xmlns:adec="http://schemas.microsoft.com/office/drawing/2017/decorative" val="1"/>
+                </a:ext>
+              </a:extLst>
+            </p:cNvPr>
+            <p:cNvSpPr/>
+            <p:nvPr>
+              <p:extLst>
+                <p:ext uri="{386F3935-93C4-4BCD-93E2-E3B085C9AB24}">
+                  <p16:designElem xmlns:p16="http://schemas.microsoft.com/office/powerpoint/2015/main" val="1"/>
+                </p:ext>
+              </p:extLst>
+            </p:nvPr>
+          </p:nvSpPr>
+          <p:spPr>
+            <a:xfrm>
+              <a:off x="4395978" y="2441733"/>
+              <a:ext cx="3665410" cy="2985611"/>
+            </a:xfrm>
+            <a:custGeom>
+              <a:avLst/>
+              <a:gdLst>
+                <a:gd name="connsiteX0" fmla="*/ 0 w 3665410"/>
+                <a:gd name="connsiteY0" fmla="*/ 2985611 h 2985611"/>
+                <a:gd name="connsiteX1" fmla="*/ 166211 w 3665410"/>
+                <a:gd name="connsiteY1" fmla="*/ 2699766 h 2985611"/>
+                <a:gd name="connsiteX2" fmla="*/ 397002 w 3665410"/>
+                <a:gd name="connsiteY2" fmla="*/ 2414969 h 2985611"/>
+                <a:gd name="connsiteX3" fmla="*/ 620173 w 3665410"/>
+                <a:gd name="connsiteY3" fmla="*/ 2237899 h 2985611"/>
+                <a:gd name="connsiteX4" fmla="*/ 823341 w 3665410"/>
+                <a:gd name="connsiteY4" fmla="*/ 2085499 h 2985611"/>
+                <a:gd name="connsiteX5" fmla="*/ 1089565 w 3665410"/>
+                <a:gd name="connsiteY5" fmla="*/ 1911477 h 2985611"/>
+                <a:gd name="connsiteX6" fmla="*/ 1145000 w 3665410"/>
+                <a:gd name="connsiteY6" fmla="*/ 1886807 h 2985611"/>
+                <a:gd name="connsiteX7" fmla="*/ 1375791 w 3665410"/>
+                <a:gd name="connsiteY7" fmla="*/ 1842135 h 2985611"/>
+                <a:gd name="connsiteX8" fmla="*/ 1486567 w 3665410"/>
+                <a:gd name="connsiteY8" fmla="*/ 1857566 h 2985611"/>
+                <a:gd name="connsiteX9" fmla="*/ 1568101 w 3665410"/>
+                <a:gd name="connsiteY9" fmla="*/ 1871377 h 2985611"/>
+                <a:gd name="connsiteX10" fmla="*/ 1810607 w 3665410"/>
+                <a:gd name="connsiteY10" fmla="*/ 1871377 h 2985611"/>
+                <a:gd name="connsiteX11" fmla="*/ 1997964 w 3665410"/>
+                <a:gd name="connsiteY11" fmla="*/ 1790605 h 2985611"/>
+                <a:gd name="connsiteX12" fmla="*/ 2109883 w 3665410"/>
+                <a:gd name="connsiteY12" fmla="*/ 1702784 h 2985611"/>
+                <a:gd name="connsiteX13" fmla="*/ 2321433 w 3665410"/>
+                <a:gd name="connsiteY13" fmla="*/ 1552384 h 2985611"/>
+                <a:gd name="connsiteX14" fmla="*/ 2558891 w 3665410"/>
+                <a:gd name="connsiteY14" fmla="*/ 1453420 h 2985611"/>
+                <a:gd name="connsiteX15" fmla="*/ 2709767 w 3665410"/>
+                <a:gd name="connsiteY15" fmla="*/ 1377887 h 2985611"/>
+                <a:gd name="connsiteX16" fmla="*/ 2885408 w 3665410"/>
+                <a:gd name="connsiteY16" fmla="*/ 1237393 h 2985611"/>
+                <a:gd name="connsiteX17" fmla="*/ 3017711 w 3665410"/>
+                <a:gd name="connsiteY17" fmla="*/ 1072229 h 2985611"/>
+                <a:gd name="connsiteX18" fmla="*/ 3150680 w 3665410"/>
+                <a:gd name="connsiteY18" fmla="*/ 921830 h 2985611"/>
+                <a:gd name="connsiteX19" fmla="*/ 3255169 w 3665410"/>
+                <a:gd name="connsiteY19" fmla="*/ 801815 h 2985611"/>
+                <a:gd name="connsiteX20" fmla="*/ 3339275 w 3665410"/>
+                <a:gd name="connsiteY20" fmla="*/ 694182 h 2985611"/>
+                <a:gd name="connsiteX21" fmla="*/ 3409188 w 3665410"/>
+                <a:gd name="connsiteY21" fmla="*/ 546926 h 2985611"/>
+                <a:gd name="connsiteX22" fmla="*/ 3464243 w 3665410"/>
+                <a:gd name="connsiteY22" fmla="*/ 347663 h 2985611"/>
+                <a:gd name="connsiteX23" fmla="*/ 3665411 w 3665410"/>
+                <a:gd name="connsiteY23" fmla="*/ 0 h 2985611"/>
+              </a:gdLst>
+              <a:ahLst/>
+              <a:cxnLst>
+                <a:cxn ang="0">
+                  <a:pos x="connsiteX0" y="connsiteY0"/>
+                </a:cxn>
+                <a:cxn ang="0">
+                  <a:pos x="connsiteX1" y="connsiteY1"/>
+                </a:cxn>
+                <a:cxn ang="0">
+                  <a:pos x="connsiteX2" y="connsiteY2"/>
+                </a:cxn>
+                <a:cxn ang="0">
+                  <a:pos x="connsiteX3" y="connsiteY3"/>
+                </a:cxn>
+                <a:cxn ang="0">
+                  <a:pos x="connsiteX4" y="connsiteY4"/>
+                </a:cxn>
+                <a:cxn ang="0">
+                  <a:pos x="connsiteX5" y="connsiteY5"/>
+                </a:cxn>
+                <a:cxn ang="0">
+                  <a:pos x="connsiteX6" y="connsiteY6"/>
+                </a:cxn>
+                <a:cxn ang="0">
+                  <a:pos x="connsiteX7" y="connsiteY7"/>
+                </a:cxn>
+                <a:cxn ang="0">
+                  <a:pos x="connsiteX8" y="connsiteY8"/>
+                </a:cxn>
+                <a:cxn ang="0">
+                  <a:pos x="connsiteX9" y="connsiteY9"/>
+                </a:cxn>
+                <a:cxn ang="0">
+                  <a:pos x="connsiteX10" y="connsiteY10"/>
+                </a:cxn>
+                <a:cxn ang="0">
+                  <a:pos x="connsiteX11" y="connsiteY11"/>
+                </a:cxn>
+                <a:cxn ang="0">
+                  <a:pos x="connsiteX12" y="connsiteY12"/>
+                </a:cxn>
+                <a:cxn ang="0">
+                  <a:pos x="connsiteX13" y="connsiteY13"/>
+                </a:cxn>
+                <a:cxn ang="0">
+                  <a:pos x="connsiteX14" y="connsiteY14"/>
+                </a:cxn>
+                <a:cxn ang="0">
+                  <a:pos x="connsiteX15" y="connsiteY15"/>
+                </a:cxn>
+                <a:cxn ang="0">
+                  <a:pos x="connsiteX16" y="connsiteY16"/>
+                </a:cxn>
+                <a:cxn ang="0">
+                  <a:pos x="connsiteX17" y="connsiteY17"/>
+                </a:cxn>
+                <a:cxn ang="0">
+                  <a:pos x="connsiteX18" y="connsiteY18"/>
+                </a:cxn>
+                <a:cxn ang="0">
+                  <a:pos x="connsiteX19" y="connsiteY19"/>
+                </a:cxn>
+                <a:cxn ang="0">
+                  <a:pos x="connsiteX20" y="connsiteY20"/>
+                </a:cxn>
+                <a:cxn ang="0">
+                  <a:pos x="connsiteX21" y="connsiteY21"/>
+                </a:cxn>
+                <a:cxn ang="0">
+                  <a:pos x="connsiteX22" y="connsiteY22"/>
+                </a:cxn>
+                <a:cxn ang="0">
+                  <a:pos x="connsiteX23" y="connsiteY23"/>
+                </a:cxn>
+              </a:cxnLst>
+              <a:rect l="l" t="t" r="r" b="b"/>
+              <a:pathLst>
+                <a:path w="3665410" h="2985611">
+                  <a:moveTo>
+                    <a:pt x="0" y="2985611"/>
+                  </a:moveTo>
+                  <a:cubicBezTo>
+                    <a:pt x="0" y="2985611"/>
+                    <a:pt x="86773" y="2802827"/>
+                    <a:pt x="166211" y="2699766"/>
+                  </a:cubicBezTo>
+                  <a:cubicBezTo>
+                    <a:pt x="240983" y="2602706"/>
+                    <a:pt x="309182" y="2500122"/>
+                    <a:pt x="397002" y="2414969"/>
+                  </a:cubicBezTo>
+                  <a:cubicBezTo>
+                    <a:pt x="465296" y="2348865"/>
+                    <a:pt x="543592" y="2294477"/>
+                    <a:pt x="620173" y="2237899"/>
+                  </a:cubicBezTo>
+                  <a:cubicBezTo>
+                    <a:pt x="688277" y="2187607"/>
+                    <a:pt x="755333" y="2135886"/>
+                    <a:pt x="823341" y="2085499"/>
+                  </a:cubicBezTo>
+                  <a:cubicBezTo>
+                    <a:pt x="908685" y="2022253"/>
+                    <a:pt x="994791" y="1959197"/>
+                    <a:pt x="1089565" y="1911477"/>
+                  </a:cubicBezTo>
+                  <a:cubicBezTo>
+                    <a:pt x="1107662" y="1902428"/>
+                    <a:pt x="1126141" y="1894141"/>
+                    <a:pt x="1145000" y="1886807"/>
+                  </a:cubicBezTo>
+                  <a:cubicBezTo>
+                    <a:pt x="1218819" y="1858232"/>
+                    <a:pt x="1296924" y="1838611"/>
+                    <a:pt x="1375791" y="1842135"/>
+                  </a:cubicBezTo>
+                  <a:cubicBezTo>
+                    <a:pt x="1413129" y="1843754"/>
+                    <a:pt x="1449896" y="1850422"/>
+                    <a:pt x="1486567" y="1857566"/>
+                  </a:cubicBezTo>
+                  <a:cubicBezTo>
+                    <a:pt x="1513618" y="1862804"/>
+                    <a:pt x="1540859" y="1867376"/>
+                    <a:pt x="1568101" y="1871377"/>
+                  </a:cubicBezTo>
+                  <a:cubicBezTo>
+                    <a:pt x="1648778" y="1883188"/>
+                    <a:pt x="1730978" y="1887665"/>
+                    <a:pt x="1810607" y="1871377"/>
+                  </a:cubicBezTo>
+                  <a:cubicBezTo>
+                    <a:pt x="1877854" y="1857661"/>
+                    <a:pt x="1941100" y="1829086"/>
+                    <a:pt x="1997964" y="1790605"/>
+                  </a:cubicBezTo>
+                  <a:cubicBezTo>
+                    <a:pt x="2037302" y="1764030"/>
+                    <a:pt x="2073497" y="1733264"/>
+                    <a:pt x="2109883" y="1702784"/>
+                  </a:cubicBezTo>
+                  <a:cubicBezTo>
+                    <a:pt x="2176367" y="1647063"/>
+                    <a:pt x="2244852" y="1593151"/>
+                    <a:pt x="2321433" y="1552384"/>
+                  </a:cubicBezTo>
+                  <a:cubicBezTo>
+                    <a:pt x="2397157" y="1512094"/>
+                    <a:pt x="2479548" y="1486281"/>
+                    <a:pt x="2558891" y="1453420"/>
+                  </a:cubicBezTo>
+                  <a:cubicBezTo>
+                    <a:pt x="2610898" y="1431798"/>
+                    <a:pt x="2661571" y="1407033"/>
+                    <a:pt x="2709767" y="1377887"/>
+                  </a:cubicBezTo>
+                  <a:cubicBezTo>
+                    <a:pt x="2774252" y="1338929"/>
+                    <a:pt x="2834069" y="1292447"/>
+                    <a:pt x="2885408" y="1237393"/>
+                  </a:cubicBezTo>
+                  <a:cubicBezTo>
+                    <a:pt x="2933605" y="1185767"/>
+                    <a:pt x="2973324" y="1127093"/>
+                    <a:pt x="3017711" y="1072229"/>
+                  </a:cubicBezTo>
+                  <a:cubicBezTo>
+                    <a:pt x="3059811" y="1020223"/>
+                    <a:pt x="3105912" y="971645"/>
+                    <a:pt x="3150680" y="921830"/>
+                  </a:cubicBezTo>
+                  <a:cubicBezTo>
+                    <a:pt x="3186113" y="882396"/>
+                    <a:pt x="3220593" y="842010"/>
+                    <a:pt x="3255169" y="801815"/>
+                  </a:cubicBezTo>
+                  <a:cubicBezTo>
+                    <a:pt x="3284887" y="767239"/>
+                    <a:pt x="3314605" y="732473"/>
+                    <a:pt x="3339275" y="694182"/>
+                  </a:cubicBezTo>
+                  <a:cubicBezTo>
+                    <a:pt x="3368707" y="648367"/>
+                    <a:pt x="3390138" y="597980"/>
+                    <a:pt x="3409188" y="546926"/>
+                  </a:cubicBezTo>
+                  <a:cubicBezTo>
+                    <a:pt x="3433382" y="482156"/>
+                    <a:pt x="3453384" y="415861"/>
+                    <a:pt x="3464243" y="347663"/>
+                  </a:cubicBezTo>
+                  <a:cubicBezTo>
+                    <a:pt x="3476244" y="272224"/>
+                    <a:pt x="3661696" y="76295"/>
+                    <a:pt x="3665411" y="0"/>
+                  </a:cubicBezTo>
+                </a:path>
+              </a:pathLst>
+            </a:custGeom>
+            <a:noFill/>
+            <a:ln w="9525" cap="rnd">
+              <a:solidFill>
+                <a:schemeClr val="accent2">
+                  <a:alpha val="75000"/>
+                </a:schemeClr>
+              </a:solidFill>
+              <a:prstDash val="lgDash"/>
+              <a:round/>
+            </a:ln>
+          </p:spPr>
+          <p:txBody>
+            <a:bodyPr rtlCol="0" anchor="ctr"/>
+            <a:lstStyle/>
+            <a:p>
+              <a:endParaRPr lang="en-US"/>
+            </a:p>
+          </p:txBody>
+        </p:sp>
+        <p:sp>
+          <p:nvSpPr>
+            <p:cNvPr id="29" name="Freeform: Shape 28">
+              <a:extLst>
+                <a:ext uri="{FF2B5EF4-FFF2-40B4-BE49-F238E27FC236}">
+                  <a16:creationId xmlns:a16="http://schemas.microsoft.com/office/drawing/2014/main" id="{B9D0CC0F-710D-43F4-BC86-763767420133}"/>
+                </a:ext>
+                <a:ext uri="{C183D7F6-B498-43B3-948B-1728B52AA6E4}">
+                  <adec:decorative xmlns:adec="http://schemas.microsoft.com/office/drawing/2017/decorative" val="1"/>
+                </a:ext>
+              </a:extLst>
+            </p:cNvPr>
+            <p:cNvSpPr/>
+            <p:nvPr>
+              <p:extLst>
+                <p:ext uri="{386F3935-93C4-4BCD-93E2-E3B085C9AB24}">
+                  <p16:designElem xmlns:p16="http://schemas.microsoft.com/office/powerpoint/2015/main" val="1"/>
+                </p:ext>
+              </p:extLst>
+            </p:nvPr>
+          </p:nvSpPr>
+          <p:spPr>
+            <a:xfrm>
+              <a:off x="7790402" y="5229700"/>
+              <a:ext cx="285940" cy="199072"/>
+            </a:xfrm>
+            <a:custGeom>
+              <a:avLst/>
+              <a:gdLst>
+                <a:gd name="connsiteX0" fmla="*/ 0 w 285940"/>
+                <a:gd name="connsiteY0" fmla="*/ 199073 h 199072"/>
+                <a:gd name="connsiteX1" fmla="*/ 285940 w 285940"/>
+                <a:gd name="connsiteY1" fmla="*/ 0 h 199072"/>
+              </a:gdLst>
+              <a:ahLst/>
+              <a:cxnLst>
+                <a:cxn ang="0">
+                  <a:pos x="connsiteX0" y="connsiteY0"/>
+                </a:cxn>
+                <a:cxn ang="0">
+                  <a:pos x="connsiteX1" y="connsiteY1"/>
+                </a:cxn>
+              </a:cxnLst>
+              <a:rect l="l" t="t" r="r" b="b"/>
+              <a:pathLst>
+                <a:path w="285940" h="199072">
+                  <a:moveTo>
+                    <a:pt x="0" y="199073"/>
+                  </a:moveTo>
+                  <a:cubicBezTo>
+                    <a:pt x="0" y="199073"/>
+                    <a:pt x="242125" y="39243"/>
+                    <a:pt x="285940" y="0"/>
+                  </a:cubicBezTo>
+                </a:path>
+              </a:pathLst>
+            </a:custGeom>
+            <a:noFill/>
+            <a:ln w="9525" cap="rnd">
+              <a:solidFill>
+                <a:schemeClr val="accent2">
+                  <a:alpha val="75000"/>
+                </a:schemeClr>
+              </a:solidFill>
+              <a:prstDash val="lgDash"/>
+              <a:round/>
+            </a:ln>
+          </p:spPr>
+          <p:txBody>
+            <a:bodyPr rtlCol="0" anchor="ctr"/>
+            <a:lstStyle/>
+            <a:p>
+              <a:endParaRPr lang="en-US"/>
+            </a:p>
+          </p:txBody>
+        </p:sp>
+        <p:sp>
+          <p:nvSpPr>
+            <p:cNvPr id="30" name="Freeform: Shape 29">
+              <a:extLst>
+                <a:ext uri="{FF2B5EF4-FFF2-40B4-BE49-F238E27FC236}">
+                  <a16:creationId xmlns:a16="http://schemas.microsoft.com/office/drawing/2014/main" id="{6FB36AB6-CB81-495A-8A33-C0BCE67D6F23}"/>
+                </a:ext>
+                <a:ext uri="{C183D7F6-B498-43B3-948B-1728B52AA6E4}">
+                  <adec:decorative xmlns:adec="http://schemas.microsoft.com/office/drawing/2017/decorative" val="1"/>
+                </a:ext>
+              </a:extLst>
+            </p:cNvPr>
+            <p:cNvSpPr/>
+            <p:nvPr>
+              <p:extLst>
+                <p:ext uri="{386F3935-93C4-4BCD-93E2-E3B085C9AB24}">
+                  <p16:designElem xmlns:p16="http://schemas.microsoft.com/office/powerpoint/2015/main" val="1"/>
+                </p:ext>
+              </p:extLst>
+            </p:nvPr>
+          </p:nvSpPr>
+          <p:spPr>
+            <a:xfrm>
+              <a:off x="7393114" y="5049773"/>
+              <a:ext cx="655796" cy="381190"/>
+            </a:xfrm>
+            <a:custGeom>
+              <a:avLst/>
+              <a:gdLst>
+                <a:gd name="connsiteX0" fmla="*/ 0 w 655796"/>
+                <a:gd name="connsiteY0" fmla="*/ 381190 h 381190"/>
+                <a:gd name="connsiteX1" fmla="*/ 655796 w 655796"/>
+                <a:gd name="connsiteY1" fmla="*/ 0 h 381190"/>
+              </a:gdLst>
+              <a:ahLst/>
+              <a:cxnLst>
+                <a:cxn ang="0">
+                  <a:pos x="connsiteX0" y="connsiteY0"/>
+                </a:cxn>
+                <a:cxn ang="0">
+                  <a:pos x="connsiteX1" y="connsiteY1"/>
+                </a:cxn>
+              </a:cxnLst>
+              <a:rect l="l" t="t" r="r" b="b"/>
+              <a:pathLst>
+                <a:path w="655796" h="381190">
+                  <a:moveTo>
+                    <a:pt x="0" y="381190"/>
+                  </a:moveTo>
+                  <a:cubicBezTo>
+                    <a:pt x="0" y="381190"/>
+                    <a:pt x="461105" y="172117"/>
+                    <a:pt x="655796" y="0"/>
+                  </a:cubicBezTo>
+                </a:path>
+              </a:pathLst>
+            </a:custGeom>
+            <a:noFill/>
+            <a:ln w="9525" cap="rnd">
+              <a:solidFill>
+                <a:schemeClr val="accent2">
+                  <a:alpha val="75000"/>
+                </a:schemeClr>
+              </a:solidFill>
+              <a:prstDash val="lgDash"/>
+              <a:round/>
+            </a:ln>
+          </p:spPr>
+          <p:txBody>
+            <a:bodyPr rtlCol="0" anchor="ctr"/>
+            <a:lstStyle/>
+            <a:p>
+              <a:endParaRPr lang="en-US"/>
+            </a:p>
+          </p:txBody>
+        </p:sp>
+        <p:sp>
+          <p:nvSpPr>
+            <p:cNvPr id="31" name="Freeform: Shape 30">
+              <a:extLst>
+                <a:ext uri="{FF2B5EF4-FFF2-40B4-BE49-F238E27FC236}">
+                  <a16:creationId xmlns:a16="http://schemas.microsoft.com/office/drawing/2014/main" id="{1993F7E6-ABF6-482D-BEA5-B4E607DDB433}"/>
+                </a:ext>
+                <a:ext uri="{C183D7F6-B498-43B3-948B-1728B52AA6E4}">
+                  <adec:decorative xmlns:adec="http://schemas.microsoft.com/office/drawing/2017/decorative" val="1"/>
+                </a:ext>
+              </a:extLst>
+            </p:cNvPr>
+            <p:cNvSpPr/>
+            <p:nvPr>
+              <p:extLst>
+                <p:ext uri="{386F3935-93C4-4BCD-93E2-E3B085C9AB24}">
+                  <p16:designElem xmlns:p16="http://schemas.microsoft.com/office/powerpoint/2015/main" val="1"/>
+                </p:ext>
+              </p:extLst>
+            </p:nvPr>
+          </p:nvSpPr>
+          <p:spPr>
+            <a:xfrm>
+              <a:off x="5154072" y="3867816"/>
+              <a:ext cx="2907315" cy="1544764"/>
+            </a:xfrm>
+            <a:custGeom>
+              <a:avLst/>
+              <a:gdLst>
+                <a:gd name="connsiteX0" fmla="*/ 0 w 2907315"/>
+                <a:gd name="connsiteY0" fmla="*/ 1544764 h 1544764"/>
+                <a:gd name="connsiteX1" fmla="*/ 201644 w 2907315"/>
+                <a:gd name="connsiteY1" fmla="*/ 1352550 h 1544764"/>
+                <a:gd name="connsiteX2" fmla="*/ 423196 w 2907315"/>
+                <a:gd name="connsiteY2" fmla="*/ 1196054 h 1544764"/>
+                <a:gd name="connsiteX3" fmla="*/ 782193 w 2907315"/>
+                <a:gd name="connsiteY3" fmla="*/ 1099947 h 1544764"/>
+                <a:gd name="connsiteX4" fmla="*/ 1052513 w 2907315"/>
+                <a:gd name="connsiteY4" fmla="*/ 1042321 h 1544764"/>
+                <a:gd name="connsiteX5" fmla="*/ 1311783 w 2907315"/>
+                <a:gd name="connsiteY5" fmla="*/ 1056037 h 1544764"/>
+                <a:gd name="connsiteX6" fmla="*/ 1484662 w 2907315"/>
+                <a:gd name="connsiteY6" fmla="*/ 1083469 h 1544764"/>
+                <a:gd name="connsiteX7" fmla="*/ 1788224 w 2907315"/>
+                <a:gd name="connsiteY7" fmla="*/ 1023080 h 1544764"/>
+                <a:gd name="connsiteX8" fmla="*/ 2269045 w 2907315"/>
+                <a:gd name="connsiteY8" fmla="*/ 734758 h 1544764"/>
+                <a:gd name="connsiteX9" fmla="*/ 2534984 w 2907315"/>
+                <a:gd name="connsiteY9" fmla="*/ 572738 h 1544764"/>
+                <a:gd name="connsiteX10" fmla="*/ 2907316 w 2907315"/>
+                <a:gd name="connsiteY10" fmla="*/ 0 h 1544764"/>
+              </a:gdLst>
+              <a:ahLst/>
+              <a:cxnLst>
+                <a:cxn ang="0">
+                  <a:pos x="connsiteX0" y="connsiteY0"/>
+                </a:cxn>
+                <a:cxn ang="0">
+                  <a:pos x="connsiteX1" y="connsiteY1"/>
+                </a:cxn>
+                <a:cxn ang="0">
+                  <a:pos x="connsiteX2" y="connsiteY2"/>
+                </a:cxn>
+                <a:cxn ang="0">
+                  <a:pos x="connsiteX3" y="connsiteY3"/>
+                </a:cxn>
+                <a:cxn ang="0">
+                  <a:pos x="connsiteX4" y="connsiteY4"/>
+                </a:cxn>
+                <a:cxn ang="0">
+                  <a:pos x="connsiteX5" y="connsiteY5"/>
+                </a:cxn>
+                <a:cxn ang="0">
+                  <a:pos x="connsiteX6" y="connsiteY6"/>
+                </a:cxn>
+                <a:cxn ang="0">
+                  <a:pos x="connsiteX7" y="connsiteY7"/>
+                </a:cxn>
+                <a:cxn ang="0">
+                  <a:pos x="connsiteX8" y="connsiteY8"/>
+                </a:cxn>
+                <a:cxn ang="0">
+                  <a:pos x="connsiteX9" y="connsiteY9"/>
+                </a:cxn>
+                <a:cxn ang="0">
+                  <a:pos x="connsiteX10" y="connsiteY10"/>
+                </a:cxn>
+              </a:cxnLst>
+              <a:rect l="l" t="t" r="r" b="b"/>
+              <a:pathLst>
+                <a:path w="2907315" h="1544764">
+                  <a:moveTo>
+                    <a:pt x="0" y="1544764"/>
+                  </a:moveTo>
+                  <a:cubicBezTo>
+                    <a:pt x="0" y="1544764"/>
+                    <a:pt x="98012" y="1443990"/>
+                    <a:pt x="201644" y="1352550"/>
+                  </a:cubicBezTo>
+                  <a:cubicBezTo>
+                    <a:pt x="271272" y="1291209"/>
+                    <a:pt x="343662" y="1234249"/>
+                    <a:pt x="423196" y="1196054"/>
+                  </a:cubicBezTo>
+                  <a:cubicBezTo>
+                    <a:pt x="537591" y="1141095"/>
+                    <a:pt x="661226" y="1127189"/>
+                    <a:pt x="782193" y="1099947"/>
+                  </a:cubicBezTo>
+                  <a:cubicBezTo>
+                    <a:pt x="872300" y="1079659"/>
+                    <a:pt x="961358" y="1051370"/>
+                    <a:pt x="1052513" y="1042321"/>
+                  </a:cubicBezTo>
+                  <a:cubicBezTo>
+                    <a:pt x="1139000" y="1033653"/>
+                    <a:pt x="1225868" y="1040321"/>
+                    <a:pt x="1311783" y="1056037"/>
+                  </a:cubicBezTo>
+                  <a:cubicBezTo>
+                    <a:pt x="1369314" y="1066609"/>
+                    <a:pt x="1426559" y="1079373"/>
+                    <a:pt x="1484662" y="1083469"/>
+                  </a:cubicBezTo>
+                  <a:cubicBezTo>
+                    <a:pt x="1587913" y="1090803"/>
+                    <a:pt x="1690402" y="1064800"/>
+                    <a:pt x="1788224" y="1023080"/>
+                  </a:cubicBezTo>
+                  <a:cubicBezTo>
+                    <a:pt x="1956721" y="951262"/>
+                    <a:pt x="2106549" y="825722"/>
+                    <a:pt x="2269045" y="734758"/>
+                  </a:cubicBezTo>
+                  <a:cubicBezTo>
+                    <a:pt x="2359438" y="684181"/>
+                    <a:pt x="2452497" y="640556"/>
+                    <a:pt x="2534984" y="572738"/>
+                  </a:cubicBezTo>
+                  <a:cubicBezTo>
+                    <a:pt x="2673001" y="459391"/>
+                    <a:pt x="2847023" y="191453"/>
+                    <a:pt x="2907316" y="0"/>
+                  </a:cubicBezTo>
+                </a:path>
+              </a:pathLst>
+            </a:custGeom>
+            <a:noFill/>
+            <a:ln w="9525" cap="rnd">
+              <a:solidFill>
+                <a:schemeClr val="accent2">
+                  <a:alpha val="75000"/>
+                </a:schemeClr>
+              </a:solidFill>
+              <a:prstDash val="lgDash"/>
+              <a:round/>
+            </a:ln>
+          </p:spPr>
+          <p:txBody>
+            <a:bodyPr rtlCol="0" anchor="ctr"/>
+            <a:lstStyle/>
+            <a:p>
+              <a:endParaRPr lang="en-US"/>
+            </a:p>
+          </p:txBody>
+        </p:sp>
+        <p:sp>
+          <p:nvSpPr>
+            <p:cNvPr id="32" name="Freeform: Shape 31">
+              <a:extLst>
+                <a:ext uri="{FF2B5EF4-FFF2-40B4-BE49-F238E27FC236}">
+                  <a16:creationId xmlns:a16="http://schemas.microsoft.com/office/drawing/2014/main" id="{DCA0B097-C21A-40B4-95E4-2FFA9697F824}"/>
+                </a:ext>
+                <a:ext uri="{C183D7F6-B498-43B3-948B-1728B52AA6E4}">
+                  <adec:decorative xmlns:adec="http://schemas.microsoft.com/office/drawing/2017/decorative" val="1"/>
+                </a:ext>
+              </a:extLst>
+            </p:cNvPr>
+            <p:cNvSpPr/>
+            <p:nvPr>
+              <p:extLst>
+                <p:ext uri="{386F3935-93C4-4BCD-93E2-E3B085C9AB24}">
+                  <p16:designElem xmlns:p16="http://schemas.microsoft.com/office/powerpoint/2015/main" val="1"/>
+                </p:ext>
+              </p:extLst>
+            </p:nvPr>
+          </p:nvSpPr>
+          <p:spPr>
+            <a:xfrm>
+              <a:off x="4907946" y="3479100"/>
+              <a:ext cx="3168300" cy="1952434"/>
+            </a:xfrm>
+            <a:custGeom>
+              <a:avLst/>
+              <a:gdLst>
+                <a:gd name="connsiteX0" fmla="*/ 0 w 3168300"/>
+                <a:gd name="connsiteY0" fmla="*/ 1952435 h 1952434"/>
+                <a:gd name="connsiteX1" fmla="*/ 202121 w 3168300"/>
+                <a:gd name="connsiteY1" fmla="*/ 1687068 h 1952434"/>
+                <a:gd name="connsiteX2" fmla="*/ 545116 w 3168300"/>
+                <a:gd name="connsiteY2" fmla="*/ 1450277 h 1952434"/>
+                <a:gd name="connsiteX3" fmla="*/ 906780 w 3168300"/>
+                <a:gd name="connsiteY3" fmla="*/ 1354455 h 1952434"/>
+                <a:gd name="connsiteX4" fmla="*/ 1332262 w 3168300"/>
+                <a:gd name="connsiteY4" fmla="*/ 1285304 h 1952434"/>
+                <a:gd name="connsiteX5" fmla="*/ 1691259 w 3168300"/>
+                <a:gd name="connsiteY5" fmla="*/ 1240060 h 1952434"/>
+                <a:gd name="connsiteX6" fmla="*/ 2010346 w 3168300"/>
+                <a:gd name="connsiteY6" fmla="*/ 1141667 h 1952434"/>
+                <a:gd name="connsiteX7" fmla="*/ 2393252 w 3168300"/>
+                <a:gd name="connsiteY7" fmla="*/ 1027271 h 1952434"/>
+                <a:gd name="connsiteX8" fmla="*/ 2582037 w 3168300"/>
+                <a:gd name="connsiteY8" fmla="*/ 958120 h 1952434"/>
+                <a:gd name="connsiteX9" fmla="*/ 2760155 w 3168300"/>
+                <a:gd name="connsiteY9" fmla="*/ 827723 h 1952434"/>
+                <a:gd name="connsiteX10" fmla="*/ 2914364 w 3168300"/>
+                <a:gd name="connsiteY10" fmla="*/ 567023 h 1952434"/>
+                <a:gd name="connsiteX11" fmla="*/ 3168301 w 3168300"/>
+                <a:gd name="connsiteY11" fmla="*/ 0 h 1952434"/>
+              </a:gdLst>
+              <a:ahLst/>
+              <a:cxnLst>
+                <a:cxn ang="0">
+                  <a:pos x="connsiteX0" y="connsiteY0"/>
+                </a:cxn>
+                <a:cxn ang="0">
+                  <a:pos x="connsiteX1" y="connsiteY1"/>
+                </a:cxn>
+                <a:cxn ang="0">
+                  <a:pos x="connsiteX2" y="connsiteY2"/>
+                </a:cxn>
+                <a:cxn ang="0">
+                  <a:pos x="connsiteX3" y="connsiteY3"/>
+                </a:cxn>
+                <a:cxn ang="0">
+                  <a:pos x="connsiteX4" y="connsiteY4"/>
+                </a:cxn>
+                <a:cxn ang="0">
+                  <a:pos x="connsiteX5" y="connsiteY5"/>
+                </a:cxn>
+                <a:cxn ang="0">
+                  <a:pos x="connsiteX6" y="connsiteY6"/>
+                </a:cxn>
+                <a:cxn ang="0">
+                  <a:pos x="connsiteX7" y="connsiteY7"/>
+                </a:cxn>
+                <a:cxn ang="0">
+                  <a:pos x="connsiteX8" y="connsiteY8"/>
+                </a:cxn>
+                <a:cxn ang="0">
+                  <a:pos x="connsiteX9" y="connsiteY9"/>
+                </a:cxn>
+                <a:cxn ang="0">
+                  <a:pos x="connsiteX10" y="connsiteY10"/>
+                </a:cxn>
+                <a:cxn ang="0">
+                  <a:pos x="connsiteX11" y="connsiteY11"/>
+                </a:cxn>
+              </a:cxnLst>
+              <a:rect l="l" t="t" r="r" b="b"/>
+              <a:pathLst>
+                <a:path w="3168300" h="1952434">
+                  <a:moveTo>
+                    <a:pt x="0" y="1952435"/>
+                  </a:moveTo>
+                  <a:cubicBezTo>
+                    <a:pt x="0" y="1952435"/>
+                    <a:pt x="91059" y="1796415"/>
+                    <a:pt x="202121" y="1687068"/>
+                  </a:cubicBezTo>
+                  <a:cubicBezTo>
+                    <a:pt x="301943" y="1588675"/>
+                    <a:pt x="416528" y="1505617"/>
+                    <a:pt x="545116" y="1450277"/>
+                  </a:cubicBezTo>
+                  <a:cubicBezTo>
+                    <a:pt x="659987" y="1400747"/>
+                    <a:pt x="783622" y="1377601"/>
+                    <a:pt x="906780" y="1354455"/>
+                  </a:cubicBezTo>
+                  <a:cubicBezTo>
+                    <a:pt x="1048036" y="1327976"/>
+                    <a:pt x="1189482" y="1301972"/>
+                    <a:pt x="1332262" y="1285304"/>
+                  </a:cubicBezTo>
+                  <a:cubicBezTo>
+                    <a:pt x="1452182" y="1271302"/>
+                    <a:pt x="1573340" y="1265873"/>
+                    <a:pt x="1691259" y="1240060"/>
+                  </a:cubicBezTo>
+                  <a:cubicBezTo>
+                    <a:pt x="1800035" y="1216247"/>
+                    <a:pt x="1904619" y="1176718"/>
+                    <a:pt x="2010346" y="1141667"/>
+                  </a:cubicBezTo>
+                  <a:cubicBezTo>
+                    <a:pt x="2136743" y="1099661"/>
+                    <a:pt x="2265902" y="1066229"/>
+                    <a:pt x="2393252" y="1027271"/>
+                  </a:cubicBezTo>
+                  <a:cubicBezTo>
+                    <a:pt x="2457450" y="1007650"/>
+                    <a:pt x="2521744" y="987552"/>
+                    <a:pt x="2582037" y="958120"/>
+                  </a:cubicBezTo>
+                  <a:cubicBezTo>
+                    <a:pt x="2648807" y="925449"/>
+                    <a:pt x="2710815" y="883349"/>
+                    <a:pt x="2760155" y="827723"/>
+                  </a:cubicBezTo>
+                  <a:cubicBezTo>
+                    <a:pt x="2827496" y="751904"/>
+                    <a:pt x="2867978" y="657511"/>
+                    <a:pt x="2914364" y="567023"/>
+                  </a:cubicBezTo>
+                  <a:cubicBezTo>
+                    <a:pt x="2972753" y="453200"/>
+                    <a:pt x="3119152" y="118015"/>
+                    <a:pt x="3168301" y="0"/>
+                  </a:cubicBezTo>
+                </a:path>
+              </a:pathLst>
+            </a:custGeom>
+            <a:noFill/>
+            <a:ln w="9525" cap="rnd">
+              <a:solidFill>
+                <a:schemeClr val="accent2">
+                  <a:alpha val="75000"/>
+                </a:schemeClr>
+              </a:solidFill>
+              <a:prstDash val="lgDash"/>
+              <a:round/>
+            </a:ln>
+          </p:spPr>
+          <p:txBody>
+            <a:bodyPr rtlCol="0" anchor="ctr"/>
+            <a:lstStyle/>
+            <a:p>
+              <a:endParaRPr lang="en-US"/>
+            </a:p>
+          </p:txBody>
+        </p:sp>
+        <p:sp>
+          <p:nvSpPr>
+            <p:cNvPr id="33" name="Freeform: Shape 32">
+              <a:extLst>
+                <a:ext uri="{FF2B5EF4-FFF2-40B4-BE49-F238E27FC236}">
+                  <a16:creationId xmlns:a16="http://schemas.microsoft.com/office/drawing/2014/main" id="{AB2AF0F5-7EAA-4BAB-8DE2-D84E124170FA}"/>
+                </a:ext>
+                <a:ext uri="{C183D7F6-B498-43B3-948B-1728B52AA6E4}">
+                  <adec:decorative xmlns:adec="http://schemas.microsoft.com/office/drawing/2017/decorative" val="1"/>
+                </a:ext>
+              </a:extLst>
+            </p:cNvPr>
+            <p:cNvSpPr/>
+            <p:nvPr>
+              <p:extLst>
+                <p:ext uri="{386F3935-93C4-4BCD-93E2-E3B085C9AB24}">
+                  <p16:designElem xmlns:p16="http://schemas.microsoft.com/office/powerpoint/2015/main" val="1"/>
+                </p:ext>
+              </p:extLst>
+            </p:nvPr>
+          </p:nvSpPr>
+          <p:spPr>
+            <a:xfrm>
+              <a:off x="4704778" y="2976752"/>
+              <a:ext cx="3356800" cy="2452020"/>
+            </a:xfrm>
+            <a:custGeom>
+              <a:avLst/>
+              <a:gdLst>
+                <a:gd name="connsiteX0" fmla="*/ 0 w 3356800"/>
+                <a:gd name="connsiteY0" fmla="*/ 2452021 h 2452020"/>
+                <a:gd name="connsiteX1" fmla="*/ 130874 w 3356800"/>
+                <a:gd name="connsiteY1" fmla="*/ 2247710 h 2452020"/>
+                <a:gd name="connsiteX2" fmla="*/ 437197 w 3356800"/>
+                <a:gd name="connsiteY2" fmla="*/ 1941195 h 2452020"/>
+                <a:gd name="connsiteX3" fmla="*/ 737140 w 3356800"/>
+                <a:gd name="connsiteY3" fmla="*/ 1736884 h 2452020"/>
+                <a:gd name="connsiteX4" fmla="*/ 1031843 w 3356800"/>
+                <a:gd name="connsiteY4" fmla="*/ 1685068 h 2452020"/>
+                <a:gd name="connsiteX5" fmla="*/ 1287304 w 3356800"/>
+                <a:gd name="connsiteY5" fmla="*/ 1655826 h 2452020"/>
+                <a:gd name="connsiteX6" fmla="*/ 1471994 w 3356800"/>
+                <a:gd name="connsiteY6" fmla="*/ 1634300 h 2452020"/>
+                <a:gd name="connsiteX7" fmla="*/ 1898237 w 3356800"/>
+                <a:gd name="connsiteY7" fmla="*/ 1512665 h 2452020"/>
+                <a:gd name="connsiteX8" fmla="*/ 2229136 w 3356800"/>
+                <a:gd name="connsiteY8" fmla="*/ 1355598 h 2452020"/>
+                <a:gd name="connsiteX9" fmla="*/ 2512314 w 3356800"/>
+                <a:gd name="connsiteY9" fmla="*/ 1238631 h 2452020"/>
+                <a:gd name="connsiteX10" fmla="*/ 2758535 w 3356800"/>
+                <a:gd name="connsiteY10" fmla="*/ 1096994 h 2452020"/>
+                <a:gd name="connsiteX11" fmla="*/ 2935510 w 3356800"/>
+                <a:gd name="connsiteY11" fmla="*/ 919925 h 2452020"/>
+                <a:gd name="connsiteX12" fmla="*/ 3081719 w 3356800"/>
+                <a:gd name="connsiteY12" fmla="*/ 687419 h 2452020"/>
+                <a:gd name="connsiteX13" fmla="*/ 3356800 w 3356800"/>
+                <a:gd name="connsiteY13" fmla="*/ 0 h 2452020"/>
+              </a:gdLst>
+              <a:ahLst/>
+              <a:cxnLst>
+                <a:cxn ang="0">
+                  <a:pos x="connsiteX0" y="connsiteY0"/>
+                </a:cxn>
+                <a:cxn ang="0">
+                  <a:pos x="connsiteX1" y="connsiteY1"/>
+                </a:cxn>
+                <a:cxn ang="0">
+                  <a:pos x="connsiteX2" y="connsiteY2"/>
+                </a:cxn>
+                <a:cxn ang="0">
+                  <a:pos x="connsiteX3" y="connsiteY3"/>
+                </a:cxn>
+                <a:cxn ang="0">
+                  <a:pos x="connsiteX4" y="connsiteY4"/>
+                </a:cxn>
+                <a:cxn ang="0">
+                  <a:pos x="connsiteX5" y="connsiteY5"/>
+                </a:cxn>
+                <a:cxn ang="0">
+                  <a:pos x="connsiteX6" y="connsiteY6"/>
+                </a:cxn>
+                <a:cxn ang="0">
+                  <a:pos x="connsiteX7" y="connsiteY7"/>
+                </a:cxn>
+                <a:cxn ang="0">
+                  <a:pos x="connsiteX8" y="connsiteY8"/>
+                </a:cxn>
+                <a:cxn ang="0">
+                  <a:pos x="connsiteX9" y="connsiteY9"/>
+                </a:cxn>
+                <a:cxn ang="0">
+                  <a:pos x="connsiteX10" y="connsiteY10"/>
+                </a:cxn>
+                <a:cxn ang="0">
+                  <a:pos x="connsiteX11" y="connsiteY11"/>
+                </a:cxn>
+                <a:cxn ang="0">
+                  <a:pos x="connsiteX12" y="connsiteY12"/>
+                </a:cxn>
+                <a:cxn ang="0">
+                  <a:pos x="connsiteX13" y="connsiteY13"/>
+                </a:cxn>
+              </a:cxnLst>
+              <a:rect l="l" t="t" r="r" b="b"/>
+              <a:pathLst>
+                <a:path w="3356800" h="2452020">
+                  <a:moveTo>
+                    <a:pt x="0" y="2452021"/>
+                  </a:moveTo>
+                  <a:cubicBezTo>
+                    <a:pt x="0" y="2452021"/>
+                    <a:pt x="57150" y="2344198"/>
+                    <a:pt x="130874" y="2247710"/>
+                  </a:cubicBezTo>
+                  <a:cubicBezTo>
+                    <a:pt x="218694" y="2132648"/>
+                    <a:pt x="328136" y="2036635"/>
+                    <a:pt x="437197" y="1941195"/>
+                  </a:cubicBezTo>
+                  <a:cubicBezTo>
+                    <a:pt x="529304" y="1860709"/>
+                    <a:pt x="623030" y="1779556"/>
+                    <a:pt x="737140" y="1736884"/>
+                  </a:cubicBezTo>
+                  <a:cubicBezTo>
+                    <a:pt x="830866" y="1701736"/>
+                    <a:pt x="932021" y="1695450"/>
+                    <a:pt x="1031843" y="1685068"/>
+                  </a:cubicBezTo>
+                  <a:cubicBezTo>
+                    <a:pt x="1117092" y="1676210"/>
+                    <a:pt x="1202055" y="1665160"/>
+                    <a:pt x="1287304" y="1655826"/>
+                  </a:cubicBezTo>
+                  <a:cubicBezTo>
+                    <a:pt x="1348931" y="1649063"/>
+                    <a:pt x="1410653" y="1643539"/>
+                    <a:pt x="1471994" y="1634300"/>
+                  </a:cubicBezTo>
+                  <a:cubicBezTo>
+                    <a:pt x="1618679" y="1612011"/>
+                    <a:pt x="1761935" y="1571149"/>
+                    <a:pt x="1898237" y="1512665"/>
+                  </a:cubicBezTo>
+                  <a:cubicBezTo>
+                    <a:pt x="2010442" y="1464564"/>
+                    <a:pt x="2117503" y="1405128"/>
+                    <a:pt x="2229136" y="1355598"/>
+                  </a:cubicBezTo>
+                  <a:cubicBezTo>
+                    <a:pt x="2322481" y="1314164"/>
+                    <a:pt x="2418969" y="1280160"/>
+                    <a:pt x="2512314" y="1238631"/>
+                  </a:cubicBezTo>
+                  <a:cubicBezTo>
+                    <a:pt x="2599087" y="1199960"/>
+                    <a:pt x="2683193" y="1154811"/>
+                    <a:pt x="2758535" y="1096994"/>
+                  </a:cubicBezTo>
+                  <a:cubicBezTo>
+                    <a:pt x="2825020" y="1046035"/>
+                    <a:pt x="2883789" y="985837"/>
+                    <a:pt x="2935510" y="919925"/>
+                  </a:cubicBezTo>
+                  <a:cubicBezTo>
+                    <a:pt x="2992184" y="847725"/>
+                    <a:pt x="3039904" y="769144"/>
+                    <a:pt x="3081719" y="687419"/>
+                  </a:cubicBezTo>
+                  <a:cubicBezTo>
+                    <a:pt x="3138297" y="576739"/>
+                    <a:pt x="3314129" y="116776"/>
+                    <a:pt x="3356800" y="0"/>
+                  </a:cubicBezTo>
+                </a:path>
+              </a:pathLst>
+            </a:custGeom>
+            <a:noFill/>
+            <a:ln w="9525" cap="rnd">
+              <a:solidFill>
+                <a:schemeClr val="accent2">
+                  <a:alpha val="75000"/>
+                </a:schemeClr>
+              </a:solidFill>
+              <a:prstDash val="lgDash"/>
+              <a:round/>
+            </a:ln>
+          </p:spPr>
+          <p:txBody>
+            <a:bodyPr rtlCol="0" anchor="ctr"/>
+            <a:lstStyle/>
+            <a:p>
+              <a:endParaRPr lang="en-US"/>
+            </a:p>
+          </p:txBody>
+        </p:sp>
+      </p:grpSp>
+      <p:sp useBgFill="1">
+        <p:nvSpPr>
+          <p:cNvPr id="35" name="Rectangle 34">
+            <a:extLst>
+              <a:ext uri="{FF2B5EF4-FFF2-40B4-BE49-F238E27FC236}">
+                <a16:creationId xmlns:a16="http://schemas.microsoft.com/office/drawing/2014/main" id="{F1174801-1395-44C5-9B00-CCAC45C056E7}"/>
+              </a:ext>
+              <a:ext uri="{C183D7F6-B498-43B3-948B-1728B52AA6E4}">
+                <adec:decorative xmlns:adec="http://schemas.microsoft.com/office/drawing/2017/decorative" val="1"/>
+              </a:ext>
+            </a:extLst>
+          </p:cNvPr>
+          <p:cNvSpPr>
+            <a:spLocks noGrp="1" noRot="1" noChangeAspect="1" noMove="1" noResize="1" noEditPoints="1" noAdjustHandles="1" noChangeArrowheads="1" noChangeShapeType="1" noTextEdit="1"/>
+          </p:cNvSpPr>
+          <p:nvPr>
+            <p:extLst>
+              <p:ext uri="{386F3935-93C4-4BCD-93E2-E3B085C9AB24}">
+                <p16:designElem xmlns:p16="http://schemas.microsoft.com/office/powerpoint/2015/main" val="1"/>
+              </p:ext>
+            </p:extLst>
+          </p:nvPr>
+        </p:nvSpPr>
+        <p:spPr>
+          <a:xfrm>
+            <a:off x="0" y="0"/>
+            <a:ext cx="12188952" cy="6858000"/>
+          </a:xfrm>
+          <a:prstGeom prst="rect">
+            <a:avLst/>
+          </a:prstGeom>
+          <a:ln>
+            <a:solidFill>
+              <a:schemeClr val="bg1">
+                <a:lumMod val="95000"/>
+              </a:schemeClr>
+            </a:solidFill>
+          </a:ln>
+        </p:spPr>
+        <p:style>
+          <a:lnRef idx="2">
+            <a:schemeClr val="accent1">
+              <a:shade val="50000"/>
+            </a:schemeClr>
+          </a:lnRef>
+          <a:fillRef idx="1">
+            <a:schemeClr val="accent1"/>
+          </a:fillRef>
+          <a:effectRef idx="0">
+            <a:schemeClr val="accent1"/>
+          </a:effectRef>
+          <a:fontRef idx="minor">
+            <a:schemeClr val="lt1"/>
+          </a:fontRef>
+        </p:style>
+        <p:txBody>
+          <a:bodyPr rtlCol="0" anchor="ctr"/>
+          <a:lstStyle/>
+          <a:p>
+            <a:pPr algn="ctr"/>
+            <a:endParaRPr lang="en-US" dirty="0">
+              <a:solidFill>
+                <a:schemeClr val="tx1">
+                  <a:lumMod val="65000"/>
+                  <a:lumOff val="35000"/>
+                </a:schemeClr>
+              </a:solidFill>
+              <a:latin typeface="AvenirNext LT Pro Medium" panose="020B0504020202020204" pitchFamily="34" charset="0"/>
+            </a:endParaRPr>
+          </a:p>
+        </p:txBody>
+      </p:sp>
+      <p:sp>
+        <p:nvSpPr>
+          <p:cNvPr id="37" name="Rectangle 36">
+            <a:extLst>
+              <a:ext uri="{FF2B5EF4-FFF2-40B4-BE49-F238E27FC236}">
+                <a16:creationId xmlns:a16="http://schemas.microsoft.com/office/drawing/2014/main" id="{996DFAFB-BCE1-4BEC-82FB-D574234DEF0A}"/>
+              </a:ext>
+              <a:ext uri="{C183D7F6-B498-43B3-948B-1728B52AA6E4}">
+                <adec:decorative xmlns:adec="http://schemas.microsoft.com/office/drawing/2017/decorative" val="1"/>
+              </a:ext>
+            </a:extLst>
+          </p:cNvPr>
+          <p:cNvSpPr>
+            <a:spLocks noGrp="1" noRot="1" noChangeAspect="1" noMove="1" noResize="1" noEditPoints="1" noAdjustHandles="1" noChangeArrowheads="1" noChangeShapeType="1" noTextEdit="1"/>
+          </p:cNvSpPr>
+          <p:nvPr>
+            <p:extLst>
+              <p:ext uri="{386F3935-93C4-4BCD-93E2-E3B085C9AB24}">
+                <p16:designElem xmlns:p16="http://schemas.microsoft.com/office/powerpoint/2015/main" val="1"/>
+              </p:ext>
+            </p:extLst>
+          </p:nvPr>
+        </p:nvSpPr>
+        <p:spPr>
+          <a:xfrm>
+            <a:off x="0" y="0"/>
+            <a:ext cx="12188952" cy="6858000"/>
+          </a:xfrm>
+          <a:prstGeom prst="rect">
+            <a:avLst/>
+          </a:prstGeom>
+          <a:solidFill>
+            <a:schemeClr val="bg2"/>
+          </a:solidFill>
+          <a:ln>
+            <a:noFill/>
+          </a:ln>
+        </p:spPr>
+        <p:style>
+          <a:lnRef idx="2">
+            <a:schemeClr val="accent1">
+              <a:shade val="50000"/>
+            </a:schemeClr>
+          </a:lnRef>
+          <a:fillRef idx="1">
+            <a:schemeClr val="accent1"/>
+          </a:fillRef>
+          <a:effectRef idx="0">
+            <a:schemeClr val="accent1"/>
+          </a:effectRef>
+          <a:fontRef idx="minor">
+            <a:schemeClr val="lt1"/>
+          </a:fontRef>
+        </p:style>
+        <p:txBody>
+          <a:bodyPr rtlCol="0" anchor="ctr"/>
+          <a:lstStyle/>
+          <a:p>
+            <a:pPr algn="ctr"/>
+            <a:endParaRPr lang="en-US" dirty="0">
+              <a:solidFill>
+                <a:schemeClr val="tx1">
+                  <a:lumMod val="65000"/>
+                  <a:lumOff val="35000"/>
+                </a:schemeClr>
+              </a:solidFill>
+              <a:latin typeface="AvenirNext LT Pro Medium" panose="020B0504020202020204" pitchFamily="34" charset="0"/>
+            </a:endParaRPr>
+          </a:p>
+        </p:txBody>
+      </p:sp>
+      <p:grpSp>
+        <p:nvGrpSpPr>
+          <p:cNvPr id="39" name="Top left">
+            <a:extLst>
+              <a:ext uri="{FF2B5EF4-FFF2-40B4-BE49-F238E27FC236}">
+                <a16:creationId xmlns:a16="http://schemas.microsoft.com/office/drawing/2014/main" id="{E4A71F22-0E43-4930-8185-0D8C17363485}"/>
+              </a:ext>
+              <a:ext uri="{C183D7F6-B498-43B3-948B-1728B52AA6E4}">
+                <adec:decorative xmlns:adec="http://schemas.microsoft.com/office/drawing/2017/decorative" val="1"/>
+              </a:ext>
+            </a:extLst>
+          </p:cNvPr>
+          <p:cNvGrpSpPr>
+            <a:grpSpLocks noGrp="1" noUngrp="1" noRot="1" noChangeAspect="1" noMove="1" noResize="1"/>
+          </p:cNvGrpSpPr>
+          <p:nvPr>
+            <p:extLst>
+              <p:ext uri="{386F3935-93C4-4BCD-93E2-E3B085C9AB24}">
+                <p16:designElem xmlns:p16="http://schemas.microsoft.com/office/powerpoint/2015/main" val="1"/>
+              </p:ext>
+            </p:extLst>
+          </p:nvPr>
+        </p:nvGrpSpPr>
+        <p:grpSpPr>
+          <a:xfrm>
+            <a:off x="10849" y="-3086"/>
+            <a:ext cx="2198951" cy="3349518"/>
+            <a:chOff x="10849" y="-3086"/>
+            <a:chExt cx="2198951" cy="3349518"/>
+          </a:xfrm>
+        </p:grpSpPr>
+        <p:sp>
+          <p:nvSpPr>
+            <p:cNvPr id="40" name="Freeform: Shape 39">
+              <a:extLst>
+                <a:ext uri="{FF2B5EF4-FFF2-40B4-BE49-F238E27FC236}">
+                  <a16:creationId xmlns:a16="http://schemas.microsoft.com/office/drawing/2014/main" id="{E337B2BE-9368-41E7-B9D3-4F1F971F94C8}"/>
+                </a:ext>
+                <a:ext uri="{C183D7F6-B498-43B3-948B-1728B52AA6E4}">
+                  <adec:decorative xmlns:adec="http://schemas.microsoft.com/office/drawing/2017/decorative" val="1"/>
+                </a:ext>
+              </a:extLst>
+            </p:cNvPr>
+            <p:cNvSpPr/>
+            <p:nvPr>
+              <p:extLst>
+                <p:ext uri="{386F3935-93C4-4BCD-93E2-E3B085C9AB24}">
+                  <p16:designElem xmlns:p16="http://schemas.microsoft.com/office/powerpoint/2015/main" val="1"/>
+                </p:ext>
+              </p:extLst>
+            </p:nvPr>
+          </p:nvSpPr>
+          <p:spPr>
+            <a:xfrm rot="10800000">
+              <a:off x="692844" y="-3086"/>
+              <a:ext cx="1326111" cy="597603"/>
+            </a:xfrm>
+            <a:custGeom>
+              <a:avLst/>
+              <a:gdLst>
+                <a:gd name="connsiteX0" fmla="*/ 741051 w 1482102"/>
+                <a:gd name="connsiteY0" fmla="*/ 0 h 679363"/>
+                <a:gd name="connsiteX1" fmla="*/ 1473822 w 1482102"/>
+                <a:gd name="connsiteY1" fmla="*/ 597226 h 679363"/>
+                <a:gd name="connsiteX2" fmla="*/ 1482102 w 1482102"/>
+                <a:gd name="connsiteY2" fmla="*/ 679363 h 679363"/>
+                <a:gd name="connsiteX3" fmla="*/ 0 w 1482102"/>
+                <a:gd name="connsiteY3" fmla="*/ 679363 h 679363"/>
+                <a:gd name="connsiteX4" fmla="*/ 8280 w 1482102"/>
+                <a:gd name="connsiteY4" fmla="*/ 597226 h 679363"/>
+                <a:gd name="connsiteX5" fmla="*/ 741051 w 1482102"/>
+                <a:gd name="connsiteY5" fmla="*/ 0 h 679363"/>
+              </a:gdLst>
+              <a:ahLst/>
+              <a:cxnLst>
+                <a:cxn ang="0">
+                  <a:pos x="connsiteX0" y="connsiteY0"/>
+                </a:cxn>
+                <a:cxn ang="0">
+                  <a:pos x="connsiteX1" y="connsiteY1"/>
+                </a:cxn>
+                <a:cxn ang="0">
+                  <a:pos x="connsiteX2" y="connsiteY2"/>
+                </a:cxn>
+                <a:cxn ang="0">
+                  <a:pos x="connsiteX3" y="connsiteY3"/>
+                </a:cxn>
+                <a:cxn ang="0">
+                  <a:pos x="connsiteX4" y="connsiteY4"/>
+                </a:cxn>
+                <a:cxn ang="0">
+                  <a:pos x="connsiteX5" y="connsiteY5"/>
+                </a:cxn>
+              </a:cxnLst>
+              <a:rect l="l" t="t" r="r" b="b"/>
+              <a:pathLst>
+                <a:path w="1482102" h="679363">
+                  <a:moveTo>
+                    <a:pt x="741051" y="0"/>
+                  </a:moveTo>
+                  <a:cubicBezTo>
+                    <a:pt x="1102506" y="0"/>
+                    <a:pt x="1404077" y="256390"/>
+                    <a:pt x="1473822" y="597226"/>
+                  </a:cubicBezTo>
+                  <a:lnTo>
+                    <a:pt x="1482102" y="679363"/>
+                  </a:lnTo>
+                  <a:lnTo>
+                    <a:pt x="0" y="679363"/>
+                  </a:lnTo>
+                  <a:lnTo>
+                    <a:pt x="8280" y="597226"/>
+                  </a:lnTo>
+                  <a:cubicBezTo>
+                    <a:pt x="78025" y="256390"/>
+                    <a:pt x="379596" y="0"/>
+                    <a:pt x="741051" y="0"/>
+                  </a:cubicBezTo>
+                  <a:close/>
+                </a:path>
+              </a:pathLst>
+            </a:custGeom>
+            <a:solidFill>
+              <a:schemeClr val="bg1"/>
+            </a:solidFill>
+            <a:ln>
+              <a:noFill/>
+            </a:ln>
+          </p:spPr>
+          <p:style>
+            <a:lnRef idx="2">
+              <a:schemeClr val="accent1">
+                <a:shade val="50000"/>
+              </a:schemeClr>
+            </a:lnRef>
+            <a:fillRef idx="1">
+              <a:schemeClr val="accent1"/>
+            </a:fillRef>
+            <a:effectRef idx="0">
+              <a:schemeClr val="accent1"/>
+            </a:effectRef>
+            <a:fontRef idx="minor">
+              <a:schemeClr val="lt1"/>
+            </a:fontRef>
+          </p:style>
+          <p:txBody>
+            <a:bodyPr wrap="square" rtlCol="0" anchor="ctr">
+              <a:noAutofit/>
+            </a:bodyPr>
+            <a:lstStyle/>
+            <a:p>
+              <a:pPr algn="ctr"/>
+              <a:endParaRPr lang="en-US" dirty="0">
+                <a:solidFill>
+                  <a:schemeClr val="tx1">
+                    <a:lumMod val="65000"/>
+                    <a:lumOff val="35000"/>
+                  </a:schemeClr>
+                </a:solidFill>
+                <a:latin typeface="AvenirNext LT Pro Medium" panose="020B0504020202020204" pitchFamily="34" charset="0"/>
+              </a:endParaRPr>
+            </a:p>
+          </p:txBody>
+        </p:sp>
+        <p:sp>
+          <p:nvSpPr>
+            <p:cNvPr id="41" name="Freeform: Shape 40">
+              <a:extLst>
+                <a:ext uri="{FF2B5EF4-FFF2-40B4-BE49-F238E27FC236}">
+                  <a16:creationId xmlns:a16="http://schemas.microsoft.com/office/drawing/2014/main" id="{C7EDF3EA-3138-4266-8511-D57CECF0A12F}"/>
+                </a:ext>
+                <a:ext uri="{C183D7F6-B498-43B3-948B-1728B52AA6E4}">
+                  <adec:decorative xmlns:adec="http://schemas.microsoft.com/office/drawing/2017/decorative" val="1"/>
+                </a:ext>
+              </a:extLst>
+            </p:cNvPr>
+            <p:cNvSpPr/>
+            <p:nvPr>
+              <p:extLst>
+                <p:ext uri="{386F3935-93C4-4BCD-93E2-E3B085C9AB24}">
+                  <p16:designElem xmlns:p16="http://schemas.microsoft.com/office/powerpoint/2015/main" val="1"/>
+                </p:ext>
+              </p:extLst>
+            </p:nvPr>
+          </p:nvSpPr>
+          <p:spPr>
+            <a:xfrm>
+              <a:off x="19394" y="15241"/>
+              <a:ext cx="2190406" cy="3331191"/>
+            </a:xfrm>
+            <a:custGeom>
+              <a:avLst/>
+              <a:gdLst>
+                <a:gd name="connsiteX0" fmla="*/ 0 w 3296088"/>
+                <a:gd name="connsiteY0" fmla="*/ 5012722 h 5012722"/>
+                <a:gd name="connsiteX1" fmla="*/ 244031 w 3296088"/>
+                <a:gd name="connsiteY1" fmla="*/ 4820222 h 5012722"/>
+                <a:gd name="connsiteX2" fmla="*/ 729234 w 3296088"/>
+                <a:gd name="connsiteY2" fmla="*/ 4360641 h 5012722"/>
+                <a:gd name="connsiteX3" fmla="*/ 881444 w 3296088"/>
+                <a:gd name="connsiteY3" fmla="*/ 4173950 h 5012722"/>
+                <a:gd name="connsiteX4" fmla="*/ 1151287 w 3296088"/>
+                <a:gd name="connsiteY4" fmla="*/ 3972877 h 5012722"/>
+                <a:gd name="connsiteX5" fmla="*/ 1498664 w 3296088"/>
+                <a:gd name="connsiteY5" fmla="*/ 3786188 h 5012722"/>
+                <a:gd name="connsiteX6" fmla="*/ 1716881 w 3296088"/>
+                <a:gd name="connsiteY6" fmla="*/ 3674174 h 5012722"/>
+                <a:gd name="connsiteX7" fmla="*/ 1913573 w 3296088"/>
+                <a:gd name="connsiteY7" fmla="*/ 3477387 h 5012722"/>
+                <a:gd name="connsiteX8" fmla="*/ 2167700 w 3296088"/>
+                <a:gd name="connsiteY8" fmla="*/ 3042190 h 5012722"/>
+                <a:gd name="connsiteX9" fmla="*/ 2273903 w 3296088"/>
+                <a:gd name="connsiteY9" fmla="*/ 2775014 h 5012722"/>
+                <a:gd name="connsiteX10" fmla="*/ 2463356 w 3296088"/>
+                <a:gd name="connsiteY10" fmla="*/ 2335530 h 5012722"/>
+                <a:gd name="connsiteX11" fmla="*/ 2741866 w 3296088"/>
+                <a:gd name="connsiteY11" fmla="*/ 1982248 h 5012722"/>
+                <a:gd name="connsiteX12" fmla="*/ 2985897 w 3296088"/>
+                <a:gd name="connsiteY12" fmla="*/ 1634681 h 5012722"/>
+                <a:gd name="connsiteX13" fmla="*/ 3212687 w 3296088"/>
+                <a:gd name="connsiteY13" fmla="*/ 1226820 h 5012722"/>
+                <a:gd name="connsiteX14" fmla="*/ 3281553 w 3296088"/>
+                <a:gd name="connsiteY14" fmla="*/ 959644 h 5012722"/>
+                <a:gd name="connsiteX15" fmla="*/ 3295936 w 3296088"/>
+                <a:gd name="connsiteY15" fmla="*/ 701135 h 5012722"/>
+                <a:gd name="connsiteX16" fmla="*/ 3267266 w 3296088"/>
+                <a:gd name="connsiteY16" fmla="*/ 436817 h 5012722"/>
+                <a:gd name="connsiteX17" fmla="*/ 3105341 w 3296088"/>
+                <a:gd name="connsiteY17" fmla="*/ 0 h 5012722"/>
+              </a:gdLst>
+              <a:ahLst/>
+              <a:cxnLst>
+                <a:cxn ang="0">
+                  <a:pos x="connsiteX0" y="connsiteY0"/>
+                </a:cxn>
+                <a:cxn ang="0">
+                  <a:pos x="connsiteX1" y="connsiteY1"/>
+                </a:cxn>
+                <a:cxn ang="0">
+                  <a:pos x="connsiteX2" y="connsiteY2"/>
+                </a:cxn>
+                <a:cxn ang="0">
+                  <a:pos x="connsiteX3" y="connsiteY3"/>
+                </a:cxn>
+                <a:cxn ang="0">
+                  <a:pos x="connsiteX4" y="connsiteY4"/>
+                </a:cxn>
+                <a:cxn ang="0">
+                  <a:pos x="connsiteX5" y="connsiteY5"/>
+                </a:cxn>
+                <a:cxn ang="0">
+                  <a:pos x="connsiteX6" y="connsiteY6"/>
+                </a:cxn>
+                <a:cxn ang="0">
+                  <a:pos x="connsiteX7" y="connsiteY7"/>
+                </a:cxn>
+                <a:cxn ang="0">
+                  <a:pos x="connsiteX8" y="connsiteY8"/>
+                </a:cxn>
+                <a:cxn ang="0">
+                  <a:pos x="connsiteX9" y="connsiteY9"/>
+                </a:cxn>
+                <a:cxn ang="0">
+                  <a:pos x="connsiteX10" y="connsiteY10"/>
+                </a:cxn>
+                <a:cxn ang="0">
+                  <a:pos x="connsiteX11" y="connsiteY11"/>
+                </a:cxn>
+                <a:cxn ang="0">
+                  <a:pos x="connsiteX12" y="connsiteY12"/>
+                </a:cxn>
+                <a:cxn ang="0">
+                  <a:pos x="connsiteX13" y="connsiteY13"/>
+                </a:cxn>
+                <a:cxn ang="0">
+                  <a:pos x="connsiteX14" y="connsiteY14"/>
+                </a:cxn>
+                <a:cxn ang="0">
+                  <a:pos x="connsiteX15" y="connsiteY15"/>
+                </a:cxn>
+                <a:cxn ang="0">
+                  <a:pos x="connsiteX16" y="connsiteY16"/>
+                </a:cxn>
+                <a:cxn ang="0">
+                  <a:pos x="connsiteX17" y="connsiteY17"/>
+                </a:cxn>
+              </a:cxnLst>
+              <a:rect l="l" t="t" r="r" b="b"/>
+              <a:pathLst>
+                <a:path w="3296088" h="5012722">
+                  <a:moveTo>
+                    <a:pt x="0" y="5012722"/>
+                  </a:moveTo>
+                  <a:cubicBezTo>
+                    <a:pt x="81820" y="4949095"/>
+                    <a:pt x="163544" y="4885468"/>
+                    <a:pt x="244031" y="4820222"/>
+                  </a:cubicBezTo>
+                  <a:cubicBezTo>
+                    <a:pt x="417671" y="4679633"/>
+                    <a:pt x="589883" y="4535139"/>
+                    <a:pt x="729234" y="4360641"/>
+                  </a:cubicBezTo>
+                  <a:cubicBezTo>
+                    <a:pt x="779431" y="4297776"/>
+                    <a:pt x="825818" y="4231958"/>
+                    <a:pt x="881444" y="4173950"/>
+                  </a:cubicBezTo>
+                  <a:cubicBezTo>
+                    <a:pt x="959358" y="4092607"/>
+                    <a:pt x="1054799" y="4031075"/>
+                    <a:pt x="1151287" y="3972877"/>
+                  </a:cubicBezTo>
+                  <a:cubicBezTo>
+                    <a:pt x="1263968" y="3904964"/>
+                    <a:pt x="1379315" y="3841337"/>
+                    <a:pt x="1498664" y="3786188"/>
+                  </a:cubicBezTo>
+                  <a:cubicBezTo>
+                    <a:pt x="1573149" y="3751802"/>
+                    <a:pt x="1649159" y="3720179"/>
+                    <a:pt x="1716881" y="3674174"/>
+                  </a:cubicBezTo>
+                  <a:cubicBezTo>
+                    <a:pt x="1794034" y="3621691"/>
+                    <a:pt x="1856708" y="3551492"/>
+                    <a:pt x="1913573" y="3477387"/>
+                  </a:cubicBezTo>
+                  <a:cubicBezTo>
+                    <a:pt x="2016157" y="3343751"/>
+                    <a:pt x="2099024" y="3196114"/>
+                    <a:pt x="2167700" y="3042190"/>
+                  </a:cubicBezTo>
+                  <a:cubicBezTo>
+                    <a:pt x="2206752" y="2954655"/>
+                    <a:pt x="2241233" y="2865215"/>
+                    <a:pt x="2273903" y="2775014"/>
+                  </a:cubicBezTo>
+                  <a:cubicBezTo>
+                    <a:pt x="2328482" y="2624423"/>
+                    <a:pt x="2379440" y="2471642"/>
+                    <a:pt x="2463356" y="2335530"/>
+                  </a:cubicBezTo>
+                  <a:cubicBezTo>
+                    <a:pt x="2542127" y="2207705"/>
+                    <a:pt x="2647855" y="2099501"/>
+                    <a:pt x="2741866" y="1982248"/>
+                  </a:cubicBezTo>
+                  <a:cubicBezTo>
+                    <a:pt x="2830449" y="1871758"/>
+                    <a:pt x="2908554" y="1753362"/>
+                    <a:pt x="2985897" y="1634681"/>
+                  </a:cubicBezTo>
+                  <a:cubicBezTo>
+                    <a:pt x="3071146" y="1503902"/>
+                    <a:pt x="3156395" y="1372172"/>
+                    <a:pt x="3212687" y="1226820"/>
+                  </a:cubicBezTo>
+                  <a:cubicBezTo>
+                    <a:pt x="3246025" y="1140809"/>
+                    <a:pt x="3268790" y="1051084"/>
+                    <a:pt x="3281553" y="959644"/>
+                  </a:cubicBezTo>
+                  <a:cubicBezTo>
+                    <a:pt x="3293555" y="874014"/>
+                    <a:pt x="3296888" y="787527"/>
+                    <a:pt x="3295936" y="701135"/>
+                  </a:cubicBezTo>
+                  <a:cubicBezTo>
+                    <a:pt x="3294888" y="612172"/>
+                    <a:pt x="3289268" y="523018"/>
+                    <a:pt x="3267266" y="436817"/>
+                  </a:cubicBezTo>
+                  <a:cubicBezTo>
+                    <a:pt x="3227832" y="282416"/>
+                    <a:pt x="3105341" y="0"/>
+                    <a:pt x="3105341" y="0"/>
+                  </a:cubicBezTo>
+                </a:path>
+              </a:pathLst>
+            </a:custGeom>
+            <a:noFill/>
+            <a:ln w="9525" cap="rnd">
+              <a:solidFill>
+                <a:schemeClr val="accent2">
+                  <a:alpha val="50000"/>
+                </a:schemeClr>
+              </a:solidFill>
+              <a:prstDash val="lgDash"/>
+              <a:round/>
+            </a:ln>
+          </p:spPr>
+          <p:txBody>
+            <a:bodyPr rtlCol="0" anchor="ctr"/>
+            <a:lstStyle/>
+            <a:p>
+              <a:endParaRPr lang="en-US"/>
+            </a:p>
+          </p:txBody>
+        </p:sp>
+        <p:sp>
+          <p:nvSpPr>
+            <p:cNvPr id="42" name="Freeform: Shape 41">
+              <a:extLst>
+                <a:ext uri="{FF2B5EF4-FFF2-40B4-BE49-F238E27FC236}">
+                  <a16:creationId xmlns:a16="http://schemas.microsoft.com/office/drawing/2014/main" id="{EA12DCF8-5403-4AA2-818F-2DF853DC1F99}"/>
+                </a:ext>
+                <a:ext uri="{C183D7F6-B498-43B3-948B-1728B52AA6E4}">
+                  <adec:decorative xmlns:adec="http://schemas.microsoft.com/office/drawing/2017/decorative" val="1"/>
+                </a:ext>
+              </a:extLst>
+            </p:cNvPr>
+            <p:cNvSpPr/>
+            <p:nvPr>
+              <p:extLst>
+                <p:ext uri="{386F3935-93C4-4BCD-93E2-E3B085C9AB24}">
+                  <p16:designElem xmlns:p16="http://schemas.microsoft.com/office/powerpoint/2015/main" val="1"/>
+                </p:ext>
+              </p:extLst>
+            </p:nvPr>
+          </p:nvSpPr>
+          <p:spPr>
+            <a:xfrm>
+              <a:off x="10849" y="15178"/>
+              <a:ext cx="1978674" cy="3074959"/>
+            </a:xfrm>
+            <a:custGeom>
+              <a:avLst/>
+              <a:gdLst>
+                <a:gd name="connsiteX0" fmla="*/ 0 w 2977477"/>
+                <a:gd name="connsiteY0" fmla="*/ 4627150 h 4627149"/>
+                <a:gd name="connsiteX1" fmla="*/ 275082 w 2977477"/>
+                <a:gd name="connsiteY1" fmla="*/ 4341590 h 4627149"/>
+                <a:gd name="connsiteX2" fmla="*/ 502825 w 2977477"/>
+                <a:gd name="connsiteY2" fmla="*/ 4054126 h 4627149"/>
+                <a:gd name="connsiteX3" fmla="*/ 666179 w 2977477"/>
+                <a:gd name="connsiteY3" fmla="*/ 3890677 h 4627149"/>
+                <a:gd name="connsiteX4" fmla="*/ 864203 w 2977477"/>
+                <a:gd name="connsiteY4" fmla="*/ 3675983 h 4627149"/>
+                <a:gd name="connsiteX5" fmla="*/ 982599 w 2977477"/>
+                <a:gd name="connsiteY5" fmla="*/ 3557492 h 4627149"/>
+                <a:gd name="connsiteX6" fmla="*/ 1188244 w 2977477"/>
+                <a:gd name="connsiteY6" fmla="*/ 3329654 h 4627149"/>
+                <a:gd name="connsiteX7" fmla="*/ 1344740 w 2977477"/>
+                <a:gd name="connsiteY7" fmla="*/ 3146774 h 4627149"/>
+                <a:gd name="connsiteX8" fmla="*/ 1470755 w 2977477"/>
+                <a:gd name="connsiteY8" fmla="*/ 2984659 h 4627149"/>
+                <a:gd name="connsiteX9" fmla="*/ 1657636 w 2977477"/>
+                <a:gd name="connsiteY9" fmla="*/ 2670239 h 4627149"/>
+                <a:gd name="connsiteX10" fmla="*/ 1762887 w 2977477"/>
+                <a:gd name="connsiteY10" fmla="*/ 2473547 h 4627149"/>
+                <a:gd name="connsiteX11" fmla="*/ 1866710 w 2977477"/>
+                <a:gd name="connsiteY11" fmla="*/ 2290667 h 4627149"/>
+                <a:gd name="connsiteX12" fmla="*/ 2106263 w 2977477"/>
+                <a:gd name="connsiteY12" fmla="*/ 2030254 h 4627149"/>
+                <a:gd name="connsiteX13" fmla="*/ 2277237 w 2977477"/>
+                <a:gd name="connsiteY13" fmla="*/ 1859185 h 4627149"/>
+                <a:gd name="connsiteX14" fmla="*/ 2499455 w 2977477"/>
+                <a:gd name="connsiteY14" fmla="*/ 1656207 h 4627149"/>
+                <a:gd name="connsiteX15" fmla="*/ 2707100 w 2977477"/>
+                <a:gd name="connsiteY15" fmla="*/ 1390269 h 4627149"/>
+                <a:gd name="connsiteX16" fmla="*/ 2812352 w 2977477"/>
+                <a:gd name="connsiteY16" fmla="*/ 1230916 h 4627149"/>
+                <a:gd name="connsiteX17" fmla="*/ 2898172 w 2977477"/>
+                <a:gd name="connsiteY17" fmla="*/ 1036987 h 4627149"/>
+                <a:gd name="connsiteX18" fmla="*/ 2963228 w 2977477"/>
+                <a:gd name="connsiteY18" fmla="*/ 850011 h 4627149"/>
+                <a:gd name="connsiteX19" fmla="*/ 2977325 w 2977477"/>
+                <a:gd name="connsiteY19" fmla="*/ 745427 h 4627149"/>
+                <a:gd name="connsiteX20" fmla="*/ 2929509 w 2977477"/>
+                <a:gd name="connsiteY20" fmla="*/ 480155 h 4627149"/>
+                <a:gd name="connsiteX21" fmla="*/ 2563082 w 2977477"/>
+                <a:gd name="connsiteY21" fmla="*/ 0 h 4627149"/>
+              </a:gdLst>
+              <a:ahLst/>
+              <a:cxnLst>
+                <a:cxn ang="0">
+                  <a:pos x="connsiteX0" y="connsiteY0"/>
+                </a:cxn>
+                <a:cxn ang="0">
+                  <a:pos x="connsiteX1" y="connsiteY1"/>
+                </a:cxn>
+                <a:cxn ang="0">
+                  <a:pos x="connsiteX2" y="connsiteY2"/>
+                </a:cxn>
+                <a:cxn ang="0">
+                  <a:pos x="connsiteX3" y="connsiteY3"/>
+                </a:cxn>
+                <a:cxn ang="0">
+                  <a:pos x="connsiteX4" y="connsiteY4"/>
+                </a:cxn>
+                <a:cxn ang="0">
+                  <a:pos x="connsiteX5" y="connsiteY5"/>
+                </a:cxn>
+                <a:cxn ang="0">
+                  <a:pos x="connsiteX6" y="connsiteY6"/>
+                </a:cxn>
+                <a:cxn ang="0">
+                  <a:pos x="connsiteX7" y="connsiteY7"/>
+                </a:cxn>
+                <a:cxn ang="0">
+                  <a:pos x="connsiteX8" y="connsiteY8"/>
+                </a:cxn>
+                <a:cxn ang="0">
+                  <a:pos x="connsiteX9" y="connsiteY9"/>
+                </a:cxn>
+                <a:cxn ang="0">
+                  <a:pos x="connsiteX10" y="connsiteY10"/>
+                </a:cxn>
+                <a:cxn ang="0">
+                  <a:pos x="connsiteX11" y="connsiteY11"/>
+                </a:cxn>
+                <a:cxn ang="0">
+                  <a:pos x="connsiteX12" y="connsiteY12"/>
+                </a:cxn>
+                <a:cxn ang="0">
+                  <a:pos x="connsiteX13" y="connsiteY13"/>
+                </a:cxn>
+                <a:cxn ang="0">
+                  <a:pos x="connsiteX14" y="connsiteY14"/>
+                </a:cxn>
+                <a:cxn ang="0">
+                  <a:pos x="connsiteX15" y="connsiteY15"/>
+                </a:cxn>
+                <a:cxn ang="0">
+                  <a:pos x="connsiteX16" y="connsiteY16"/>
+                </a:cxn>
+                <a:cxn ang="0">
+                  <a:pos x="connsiteX17" y="connsiteY17"/>
+                </a:cxn>
+                <a:cxn ang="0">
+                  <a:pos x="connsiteX18" y="connsiteY18"/>
+                </a:cxn>
+                <a:cxn ang="0">
+                  <a:pos x="connsiteX19" y="connsiteY19"/>
+                </a:cxn>
+                <a:cxn ang="0">
+                  <a:pos x="connsiteX20" y="connsiteY20"/>
+                </a:cxn>
+                <a:cxn ang="0">
+                  <a:pos x="connsiteX21" y="connsiteY21"/>
+                </a:cxn>
+              </a:cxnLst>
+              <a:rect l="l" t="t" r="r" b="b"/>
+              <a:pathLst>
+                <a:path w="2977477" h="4627149">
+                  <a:moveTo>
+                    <a:pt x="0" y="4627150"/>
+                  </a:moveTo>
+                  <a:cubicBezTo>
+                    <a:pt x="79820" y="4552283"/>
+                    <a:pt x="203835" y="4424648"/>
+                    <a:pt x="275082" y="4341590"/>
+                  </a:cubicBezTo>
+                  <a:cubicBezTo>
+                    <a:pt x="354711" y="4248722"/>
+                    <a:pt x="421005" y="4145090"/>
+                    <a:pt x="502825" y="4054126"/>
+                  </a:cubicBezTo>
+                  <a:cubicBezTo>
+                    <a:pt x="554355" y="3996881"/>
+                    <a:pt x="612362" y="3945827"/>
+                    <a:pt x="666179" y="3890677"/>
+                  </a:cubicBezTo>
+                  <a:cubicBezTo>
+                    <a:pt x="734187" y="3821049"/>
+                    <a:pt x="796671" y="3746183"/>
+                    <a:pt x="864203" y="3675983"/>
+                  </a:cubicBezTo>
+                  <a:cubicBezTo>
+                    <a:pt x="902875" y="3635788"/>
+                    <a:pt x="943642" y="3597593"/>
+                    <a:pt x="982599" y="3557492"/>
+                  </a:cubicBezTo>
+                  <a:cubicBezTo>
+                    <a:pt x="1053941" y="3484150"/>
+                    <a:pt x="1121378" y="3407093"/>
+                    <a:pt x="1188244" y="3329654"/>
+                  </a:cubicBezTo>
+                  <a:cubicBezTo>
+                    <a:pt x="1240631" y="3268885"/>
+                    <a:pt x="1293495" y="3208496"/>
+                    <a:pt x="1344740" y="3146774"/>
+                  </a:cubicBezTo>
+                  <a:cubicBezTo>
+                    <a:pt x="1388459" y="3094101"/>
+                    <a:pt x="1431512" y="3040761"/>
+                    <a:pt x="1470755" y="2984659"/>
+                  </a:cubicBezTo>
+                  <a:cubicBezTo>
+                    <a:pt x="1540764" y="2884646"/>
+                    <a:pt x="1598771" y="2777109"/>
+                    <a:pt x="1657636" y="2670239"/>
+                  </a:cubicBezTo>
+                  <a:cubicBezTo>
+                    <a:pt x="1693545" y="2605088"/>
+                    <a:pt x="1728502" y="2539460"/>
+                    <a:pt x="1762887" y="2473547"/>
+                  </a:cubicBezTo>
+                  <a:cubicBezTo>
+                    <a:pt x="1795367" y="2411349"/>
+                    <a:pt x="1826419" y="2348103"/>
+                    <a:pt x="1866710" y="2290667"/>
+                  </a:cubicBezTo>
+                  <a:cubicBezTo>
+                    <a:pt x="1934623" y="2193893"/>
+                    <a:pt x="2022729" y="2114169"/>
+                    <a:pt x="2106263" y="2030254"/>
+                  </a:cubicBezTo>
+                  <a:cubicBezTo>
+                    <a:pt x="2163128" y="1973104"/>
+                    <a:pt x="2218182" y="1914049"/>
+                    <a:pt x="2277237" y="1859185"/>
+                  </a:cubicBezTo>
+                  <a:cubicBezTo>
+                    <a:pt x="2350770" y="1790891"/>
+                    <a:pt x="2430304" y="1728978"/>
+                    <a:pt x="2499455" y="1656207"/>
+                  </a:cubicBezTo>
+                  <a:cubicBezTo>
+                    <a:pt x="2576989" y="1574578"/>
+                    <a:pt x="2641568" y="1481900"/>
+                    <a:pt x="2707100" y="1390269"/>
+                  </a:cubicBezTo>
+                  <a:cubicBezTo>
+                    <a:pt x="2744153" y="1338453"/>
+                    <a:pt x="2781586" y="1286732"/>
+                    <a:pt x="2812352" y="1230916"/>
+                  </a:cubicBezTo>
+                  <a:cubicBezTo>
+                    <a:pt x="2846546" y="1168908"/>
+                    <a:pt x="2872550" y="1102900"/>
+                    <a:pt x="2898172" y="1036987"/>
+                  </a:cubicBezTo>
+                  <a:cubicBezTo>
+                    <a:pt x="2922175" y="975455"/>
+                    <a:pt x="2948273" y="914305"/>
+                    <a:pt x="2963228" y="850011"/>
+                  </a:cubicBezTo>
+                  <a:cubicBezTo>
+                    <a:pt x="2971229" y="815626"/>
+                    <a:pt x="2976563" y="780764"/>
+                    <a:pt x="2977325" y="745427"/>
+                  </a:cubicBezTo>
+                  <a:cubicBezTo>
+                    <a:pt x="2979230" y="654844"/>
+                    <a:pt x="2963323" y="564261"/>
+                    <a:pt x="2929509" y="480155"/>
+                  </a:cubicBezTo>
+                  <a:cubicBezTo>
+                    <a:pt x="2851309" y="285655"/>
+                    <a:pt x="2563082" y="0"/>
+                    <a:pt x="2563082" y="0"/>
+                  </a:cubicBezTo>
+                </a:path>
+              </a:pathLst>
+            </a:custGeom>
+            <a:noFill/>
+            <a:ln w="9525" cap="rnd">
+              <a:solidFill>
+                <a:schemeClr val="accent2">
+                  <a:alpha val="50000"/>
+                </a:schemeClr>
+              </a:solidFill>
+              <a:prstDash val="lgDash"/>
+              <a:round/>
+            </a:ln>
+          </p:spPr>
+          <p:txBody>
+            <a:bodyPr rtlCol="0" anchor="ctr"/>
+            <a:lstStyle/>
+            <a:p>
+              <a:endParaRPr lang="en-US"/>
+            </a:p>
+          </p:txBody>
+        </p:sp>
+        <p:sp>
+          <p:nvSpPr>
+            <p:cNvPr id="43" name="Freeform: Shape 42">
+              <a:extLst>
+                <a:ext uri="{FF2B5EF4-FFF2-40B4-BE49-F238E27FC236}">
+                  <a16:creationId xmlns:a16="http://schemas.microsoft.com/office/drawing/2014/main" id="{AD89B414-72F6-4409-A12B-4F23F1CE0F3C}"/>
+                </a:ext>
+                <a:ext uri="{C183D7F6-B498-43B3-948B-1728B52AA6E4}">
+                  <adec:decorative xmlns:adec="http://schemas.microsoft.com/office/drawing/2017/decorative" val="1"/>
+                </a:ext>
+              </a:extLst>
+            </p:cNvPr>
+            <p:cNvSpPr/>
+            <p:nvPr>
+              <p:extLst>
+                <p:ext uri="{386F3935-93C4-4BCD-93E2-E3B085C9AB24}">
+                  <p16:designElem xmlns:p16="http://schemas.microsoft.com/office/powerpoint/2015/main" val="1"/>
+                </p:ext>
+              </p:extLst>
+            </p:nvPr>
+          </p:nvSpPr>
+          <p:spPr>
+            <a:xfrm>
+              <a:off x="25092" y="15178"/>
+              <a:ext cx="1566146" cy="2737264"/>
+            </a:xfrm>
+            <a:custGeom>
+              <a:avLst/>
+              <a:gdLst>
+                <a:gd name="connsiteX0" fmla="*/ 1707071 w 2356712"/>
+                <a:gd name="connsiteY0" fmla="*/ 0 h 4118991"/>
+                <a:gd name="connsiteX1" fmla="*/ 1824514 w 2356712"/>
+                <a:gd name="connsiteY1" fmla="*/ 244697 h 4118991"/>
+                <a:gd name="connsiteX2" fmla="*/ 1908715 w 2356712"/>
+                <a:gd name="connsiteY2" fmla="*/ 328994 h 4118991"/>
+                <a:gd name="connsiteX3" fmla="*/ 2226469 w 2356712"/>
+                <a:gd name="connsiteY3" fmla="*/ 603695 h 4118991"/>
+                <a:gd name="connsiteX4" fmla="*/ 2355628 w 2356712"/>
+                <a:gd name="connsiteY4" fmla="*/ 900494 h 4118991"/>
+                <a:gd name="connsiteX5" fmla="*/ 2281428 w 2356712"/>
+                <a:gd name="connsiteY5" fmla="*/ 1206913 h 4118991"/>
+                <a:gd name="connsiteX6" fmla="*/ 2092452 w 2356712"/>
+                <a:gd name="connsiteY6" fmla="*/ 1460659 h 4118991"/>
+                <a:gd name="connsiteX7" fmla="*/ 1834039 w 2356712"/>
+                <a:gd name="connsiteY7" fmla="*/ 1625822 h 4118991"/>
+                <a:gd name="connsiteX8" fmla="*/ 1558862 w 2356712"/>
+                <a:gd name="connsiteY8" fmla="*/ 1743075 h 4118991"/>
+                <a:gd name="connsiteX9" fmla="*/ 1386554 w 2356712"/>
+                <a:gd name="connsiteY9" fmla="*/ 1869948 h 4118991"/>
+                <a:gd name="connsiteX10" fmla="*/ 1271683 w 2356712"/>
+                <a:gd name="connsiteY10" fmla="*/ 2073402 h 4118991"/>
+                <a:gd name="connsiteX11" fmla="*/ 1178338 w 2356712"/>
+                <a:gd name="connsiteY11" fmla="*/ 2355914 h 4118991"/>
+                <a:gd name="connsiteX12" fmla="*/ 1113758 w 2356712"/>
+                <a:gd name="connsiteY12" fmla="*/ 2578513 h 4118991"/>
+                <a:gd name="connsiteX13" fmla="*/ 1034796 w 2356712"/>
+                <a:gd name="connsiteY13" fmla="*/ 2834640 h 4118991"/>
+                <a:gd name="connsiteX14" fmla="*/ 905637 w 2356712"/>
+                <a:gd name="connsiteY14" fmla="*/ 3081242 h 4118991"/>
+                <a:gd name="connsiteX15" fmla="*/ 793147 w 2356712"/>
+                <a:gd name="connsiteY15" fmla="*/ 3258407 h 4118991"/>
+                <a:gd name="connsiteX16" fmla="*/ 546735 w 2356712"/>
+                <a:gd name="connsiteY16" fmla="*/ 3571970 h 4118991"/>
+                <a:gd name="connsiteX17" fmla="*/ 346996 w 2356712"/>
+                <a:gd name="connsiteY17" fmla="*/ 3771900 h 4118991"/>
+                <a:gd name="connsiteX18" fmla="*/ 174689 w 2356712"/>
+                <a:gd name="connsiteY18" fmla="*/ 3944207 h 4118991"/>
+                <a:gd name="connsiteX19" fmla="*/ 0 w 2356712"/>
+                <a:gd name="connsiteY19" fmla="*/ 4118991 h 4118991"/>
+              </a:gdLst>
+              <a:ahLst/>
+              <a:cxnLst>
+                <a:cxn ang="0">
+                  <a:pos x="connsiteX0" y="connsiteY0"/>
+                </a:cxn>
+                <a:cxn ang="0">
+                  <a:pos x="connsiteX1" y="connsiteY1"/>
+                </a:cxn>
+                <a:cxn ang="0">
+                  <a:pos x="connsiteX2" y="connsiteY2"/>
+                </a:cxn>
+                <a:cxn ang="0">
+                  <a:pos x="connsiteX3" y="connsiteY3"/>
+                </a:cxn>
+                <a:cxn ang="0">
+                  <a:pos x="connsiteX4" y="connsiteY4"/>
+                </a:cxn>
+                <a:cxn ang="0">
+                  <a:pos x="connsiteX5" y="connsiteY5"/>
+                </a:cxn>
+                <a:cxn ang="0">
+                  <a:pos x="connsiteX6" y="connsiteY6"/>
+                </a:cxn>
+                <a:cxn ang="0">
+                  <a:pos x="connsiteX7" y="connsiteY7"/>
+                </a:cxn>
+                <a:cxn ang="0">
+                  <a:pos x="connsiteX8" y="connsiteY8"/>
+                </a:cxn>
+                <a:cxn ang="0">
+                  <a:pos x="connsiteX9" y="connsiteY9"/>
+                </a:cxn>
+                <a:cxn ang="0">
+                  <a:pos x="connsiteX10" y="connsiteY10"/>
+                </a:cxn>
+                <a:cxn ang="0">
+                  <a:pos x="connsiteX11" y="connsiteY11"/>
+                </a:cxn>
+                <a:cxn ang="0">
+                  <a:pos x="connsiteX12" y="connsiteY12"/>
+                </a:cxn>
+                <a:cxn ang="0">
+                  <a:pos x="connsiteX13" y="connsiteY13"/>
+                </a:cxn>
+                <a:cxn ang="0">
+                  <a:pos x="connsiteX14" y="connsiteY14"/>
+                </a:cxn>
+                <a:cxn ang="0">
+                  <a:pos x="connsiteX15" y="connsiteY15"/>
+                </a:cxn>
+                <a:cxn ang="0">
+                  <a:pos x="connsiteX16" y="connsiteY16"/>
+                </a:cxn>
+                <a:cxn ang="0">
+                  <a:pos x="connsiteX17" y="connsiteY17"/>
+                </a:cxn>
+                <a:cxn ang="0">
+                  <a:pos x="connsiteX18" y="connsiteY18"/>
+                </a:cxn>
+                <a:cxn ang="0">
+                  <a:pos x="connsiteX19" y="connsiteY19"/>
+                </a:cxn>
+              </a:cxnLst>
+              <a:rect l="l" t="t" r="r" b="b"/>
+              <a:pathLst>
+                <a:path w="2356712" h="4118991">
+                  <a:moveTo>
+                    <a:pt x="1707071" y="0"/>
+                  </a:moveTo>
+                  <a:cubicBezTo>
+                    <a:pt x="1715357" y="22098"/>
+                    <a:pt x="1812608" y="224409"/>
+                    <a:pt x="1824514" y="244697"/>
+                  </a:cubicBezTo>
+                  <a:cubicBezTo>
+                    <a:pt x="1844802" y="279273"/>
+                    <a:pt x="1876996" y="304324"/>
+                    <a:pt x="1908715" y="328994"/>
+                  </a:cubicBezTo>
+                  <a:cubicBezTo>
+                    <a:pt x="2019967" y="415195"/>
+                    <a:pt x="2137886" y="494633"/>
+                    <a:pt x="2226469" y="603695"/>
+                  </a:cubicBezTo>
+                  <a:cubicBezTo>
+                    <a:pt x="2296287" y="689610"/>
+                    <a:pt x="2347817" y="790480"/>
+                    <a:pt x="2355628" y="900494"/>
+                  </a:cubicBezTo>
+                  <a:cubicBezTo>
+                    <a:pt x="2363248" y="1007078"/>
+                    <a:pt x="2329910" y="1111187"/>
+                    <a:pt x="2281428" y="1206913"/>
+                  </a:cubicBezTo>
+                  <a:cubicBezTo>
+                    <a:pt x="2233422" y="1301877"/>
+                    <a:pt x="2170938" y="1388936"/>
+                    <a:pt x="2092452" y="1460659"/>
+                  </a:cubicBezTo>
+                  <a:cubicBezTo>
+                    <a:pt x="2016538" y="1530001"/>
+                    <a:pt x="1927765" y="1583436"/>
+                    <a:pt x="1834039" y="1625822"/>
+                  </a:cubicBezTo>
+                  <a:cubicBezTo>
+                    <a:pt x="1743075" y="1666970"/>
+                    <a:pt x="1647730" y="1697736"/>
+                    <a:pt x="1558862" y="1743075"/>
+                  </a:cubicBezTo>
+                  <a:cubicBezTo>
+                    <a:pt x="1494758" y="1775841"/>
+                    <a:pt x="1434275" y="1816132"/>
+                    <a:pt x="1386554" y="1869948"/>
+                  </a:cubicBezTo>
+                  <a:cubicBezTo>
+                    <a:pt x="1334548" y="1928622"/>
+                    <a:pt x="1300544" y="2000345"/>
+                    <a:pt x="1271683" y="2073402"/>
+                  </a:cubicBezTo>
+                  <a:cubicBezTo>
+                    <a:pt x="1235202" y="2165699"/>
+                    <a:pt x="1206722" y="2260759"/>
+                    <a:pt x="1178338" y="2355914"/>
+                  </a:cubicBezTo>
+                  <a:cubicBezTo>
+                    <a:pt x="1156240" y="2429923"/>
+                    <a:pt x="1134237" y="2504028"/>
+                    <a:pt x="1113758" y="2578513"/>
+                  </a:cubicBezTo>
+                  <a:cubicBezTo>
+                    <a:pt x="1090041" y="2664714"/>
+                    <a:pt x="1068134" y="2751678"/>
+                    <a:pt x="1034796" y="2834640"/>
+                  </a:cubicBezTo>
+                  <a:cubicBezTo>
+                    <a:pt x="1000125" y="2920841"/>
+                    <a:pt x="953643" y="3001613"/>
+                    <a:pt x="905637" y="3081242"/>
+                  </a:cubicBezTo>
+                  <a:cubicBezTo>
+                    <a:pt x="869442" y="3141155"/>
+                    <a:pt x="832295" y="3200400"/>
+                    <a:pt x="793147" y="3258407"/>
+                  </a:cubicBezTo>
+                  <a:cubicBezTo>
+                    <a:pt x="718661" y="3368802"/>
+                    <a:pt x="637223" y="3474434"/>
+                    <a:pt x="546735" y="3571970"/>
+                  </a:cubicBezTo>
+                  <a:cubicBezTo>
+                    <a:pt x="482632" y="3641027"/>
+                    <a:pt x="414147" y="3705797"/>
+                    <a:pt x="346996" y="3771900"/>
+                  </a:cubicBezTo>
+                  <a:cubicBezTo>
+                    <a:pt x="288989" y="3828764"/>
+                    <a:pt x="232029" y="3886676"/>
+                    <a:pt x="174689" y="3944207"/>
+                  </a:cubicBezTo>
+                  <a:cubicBezTo>
+                    <a:pt x="116586" y="4002596"/>
+                    <a:pt x="58293" y="4060698"/>
+                    <a:pt x="0" y="4118991"/>
+                  </a:cubicBezTo>
+                </a:path>
+              </a:pathLst>
+            </a:custGeom>
+            <a:noFill/>
+            <a:ln w="9525" cap="rnd">
+              <a:solidFill>
+                <a:schemeClr val="accent2">
+                  <a:alpha val="50000"/>
+                </a:schemeClr>
+              </a:solidFill>
+              <a:prstDash val="lgDash"/>
+              <a:round/>
+            </a:ln>
+          </p:spPr>
+          <p:txBody>
+            <a:bodyPr rtlCol="0" anchor="ctr"/>
+            <a:lstStyle/>
+            <a:p>
+              <a:endParaRPr lang="en-US"/>
+            </a:p>
+          </p:txBody>
+        </p:sp>
+        <p:sp>
+          <p:nvSpPr>
+            <p:cNvPr id="44" name="Freeform: Shape 43">
+              <a:extLst>
+                <a:ext uri="{FF2B5EF4-FFF2-40B4-BE49-F238E27FC236}">
+                  <a16:creationId xmlns:a16="http://schemas.microsoft.com/office/drawing/2014/main" id="{214BA161-43C1-4B9D-A341-694B88127DC4}"/>
+                </a:ext>
+                <a:ext uri="{C183D7F6-B498-43B3-948B-1728B52AA6E4}">
+                  <adec:decorative xmlns:adec="http://schemas.microsoft.com/office/drawing/2017/decorative" val="1"/>
+                </a:ext>
+              </a:extLst>
+            </p:cNvPr>
+            <p:cNvSpPr/>
+            <p:nvPr>
+              <p:extLst>
+                <p:ext uri="{386F3935-93C4-4BCD-93E2-E3B085C9AB24}">
+                  <p16:designElem xmlns:p16="http://schemas.microsoft.com/office/powerpoint/2015/main" val="1"/>
+                </p:ext>
+              </p:extLst>
+            </p:nvPr>
+          </p:nvSpPr>
+          <p:spPr>
+            <a:xfrm>
+              <a:off x="10849" y="15178"/>
+              <a:ext cx="1368431" cy="2644975"/>
+            </a:xfrm>
+            <a:custGeom>
+              <a:avLst/>
+              <a:gdLst>
+                <a:gd name="connsiteX0" fmla="*/ 0 w 2059193"/>
+                <a:gd name="connsiteY0" fmla="*/ 3980116 h 3980116"/>
+                <a:gd name="connsiteX1" fmla="*/ 471583 w 2059193"/>
+                <a:gd name="connsiteY1" fmla="*/ 3515678 h 3980116"/>
+                <a:gd name="connsiteX2" fmla="*/ 758666 w 2059193"/>
+                <a:gd name="connsiteY2" fmla="*/ 3163824 h 3980116"/>
+                <a:gd name="connsiteX3" fmla="*/ 940499 w 2059193"/>
+                <a:gd name="connsiteY3" fmla="*/ 2780824 h 3980116"/>
+                <a:gd name="connsiteX4" fmla="*/ 1055370 w 2059193"/>
+                <a:gd name="connsiteY4" fmla="*/ 2242185 h 3980116"/>
+                <a:gd name="connsiteX5" fmla="*/ 1136714 w 2059193"/>
+                <a:gd name="connsiteY5" fmla="*/ 1878330 h 3980116"/>
+                <a:gd name="connsiteX6" fmla="*/ 1246727 w 2059193"/>
+                <a:gd name="connsiteY6" fmla="*/ 1562386 h 3980116"/>
+                <a:gd name="connsiteX7" fmla="*/ 1378363 w 2059193"/>
+                <a:gd name="connsiteY7" fmla="*/ 1430750 h 3980116"/>
+                <a:gd name="connsiteX8" fmla="*/ 1691831 w 2059193"/>
+                <a:gd name="connsiteY8" fmla="*/ 1394841 h 3980116"/>
+                <a:gd name="connsiteX9" fmla="*/ 1914335 w 2059193"/>
+                <a:gd name="connsiteY9" fmla="*/ 1323023 h 3980116"/>
+                <a:gd name="connsiteX10" fmla="*/ 2055495 w 2059193"/>
+                <a:gd name="connsiteY10" fmla="*/ 1098042 h 3980116"/>
+                <a:gd name="connsiteX11" fmla="*/ 2033969 w 2059193"/>
+                <a:gd name="connsiteY11" fmla="*/ 930497 h 3980116"/>
+                <a:gd name="connsiteX12" fmla="*/ 1885664 w 2059193"/>
+                <a:gd name="connsiteY12" fmla="*/ 760571 h 3980116"/>
+                <a:gd name="connsiteX13" fmla="*/ 1636871 w 2059193"/>
+                <a:gd name="connsiteY13" fmla="*/ 612172 h 3980116"/>
+                <a:gd name="connsiteX14" fmla="*/ 1335405 w 2059193"/>
+                <a:gd name="connsiteY14" fmla="*/ 459010 h 3980116"/>
+                <a:gd name="connsiteX15" fmla="*/ 1234916 w 2059193"/>
+                <a:gd name="connsiteY15" fmla="*/ 269939 h 3980116"/>
+                <a:gd name="connsiteX16" fmla="*/ 1386935 w 2059193"/>
+                <a:gd name="connsiteY16" fmla="*/ 0 h 3980116"/>
+              </a:gdLst>
+              <a:ahLst/>
+              <a:cxnLst>
+                <a:cxn ang="0">
+                  <a:pos x="connsiteX0" y="connsiteY0"/>
+                </a:cxn>
+                <a:cxn ang="0">
+                  <a:pos x="connsiteX1" y="connsiteY1"/>
+                </a:cxn>
+                <a:cxn ang="0">
+                  <a:pos x="connsiteX2" y="connsiteY2"/>
+                </a:cxn>
+                <a:cxn ang="0">
+                  <a:pos x="connsiteX3" y="connsiteY3"/>
+                </a:cxn>
+                <a:cxn ang="0">
+                  <a:pos x="connsiteX4" y="connsiteY4"/>
+                </a:cxn>
+                <a:cxn ang="0">
+                  <a:pos x="connsiteX5" y="connsiteY5"/>
+                </a:cxn>
+                <a:cxn ang="0">
+                  <a:pos x="connsiteX6" y="connsiteY6"/>
+                </a:cxn>
+                <a:cxn ang="0">
+                  <a:pos x="connsiteX7" y="connsiteY7"/>
+                </a:cxn>
+                <a:cxn ang="0">
+                  <a:pos x="connsiteX8" y="connsiteY8"/>
+                </a:cxn>
+                <a:cxn ang="0">
+                  <a:pos x="connsiteX9" y="connsiteY9"/>
+                </a:cxn>
+                <a:cxn ang="0">
+                  <a:pos x="connsiteX10" y="connsiteY10"/>
+                </a:cxn>
+                <a:cxn ang="0">
+                  <a:pos x="connsiteX11" y="connsiteY11"/>
+                </a:cxn>
+                <a:cxn ang="0">
+                  <a:pos x="connsiteX12" y="connsiteY12"/>
+                </a:cxn>
+                <a:cxn ang="0">
+                  <a:pos x="connsiteX13" y="connsiteY13"/>
+                </a:cxn>
+                <a:cxn ang="0">
+                  <a:pos x="connsiteX14" y="connsiteY14"/>
+                </a:cxn>
+                <a:cxn ang="0">
+                  <a:pos x="connsiteX15" y="connsiteY15"/>
+                </a:cxn>
+                <a:cxn ang="0">
+                  <a:pos x="connsiteX16" y="connsiteY16"/>
+                </a:cxn>
+              </a:cxnLst>
+              <a:rect l="l" t="t" r="r" b="b"/>
+              <a:pathLst>
+                <a:path w="2059193" h="3980116">
+                  <a:moveTo>
+                    <a:pt x="0" y="3980116"/>
+                  </a:moveTo>
+                  <a:cubicBezTo>
+                    <a:pt x="91345" y="3889534"/>
+                    <a:pt x="382715" y="3608737"/>
+                    <a:pt x="471583" y="3515678"/>
+                  </a:cubicBezTo>
+                  <a:cubicBezTo>
+                    <a:pt x="576358" y="3405949"/>
+                    <a:pt x="675989" y="3290983"/>
+                    <a:pt x="758666" y="3163824"/>
+                  </a:cubicBezTo>
+                  <a:cubicBezTo>
+                    <a:pt x="836105" y="3044857"/>
+                    <a:pt x="897445" y="2916079"/>
+                    <a:pt x="940499" y="2780824"/>
+                  </a:cubicBezTo>
+                  <a:cubicBezTo>
+                    <a:pt x="996315" y="2605754"/>
+                    <a:pt x="1020985" y="2422874"/>
+                    <a:pt x="1055370" y="2242185"/>
+                  </a:cubicBezTo>
+                  <a:cubicBezTo>
+                    <a:pt x="1078611" y="2120075"/>
+                    <a:pt x="1107472" y="1999107"/>
+                    <a:pt x="1136714" y="1878330"/>
+                  </a:cubicBezTo>
+                  <a:cubicBezTo>
+                    <a:pt x="1163098" y="1769174"/>
+                    <a:pt x="1189482" y="1658588"/>
+                    <a:pt x="1246727" y="1562386"/>
+                  </a:cubicBezTo>
+                  <a:cubicBezTo>
+                    <a:pt x="1279208" y="1507808"/>
+                    <a:pt x="1321689" y="1459039"/>
+                    <a:pt x="1378363" y="1430750"/>
+                  </a:cubicBezTo>
+                  <a:cubicBezTo>
+                    <a:pt x="1473327" y="1383221"/>
+                    <a:pt x="1584865" y="1402652"/>
+                    <a:pt x="1691831" y="1394841"/>
+                  </a:cubicBezTo>
+                  <a:cubicBezTo>
+                    <a:pt x="1771079" y="1389031"/>
+                    <a:pt x="1849279" y="1368266"/>
+                    <a:pt x="1914335" y="1323023"/>
+                  </a:cubicBezTo>
+                  <a:cubicBezTo>
+                    <a:pt x="1989963" y="1270445"/>
+                    <a:pt x="2041493" y="1189101"/>
+                    <a:pt x="2055495" y="1098042"/>
+                  </a:cubicBezTo>
+                  <a:cubicBezTo>
+                    <a:pt x="2064258" y="1041178"/>
+                    <a:pt x="2057591" y="982980"/>
+                    <a:pt x="2033969" y="930497"/>
+                  </a:cubicBezTo>
+                  <a:cubicBezTo>
+                    <a:pt x="2002727" y="861060"/>
+                    <a:pt x="1945958" y="807625"/>
+                    <a:pt x="1885664" y="760571"/>
+                  </a:cubicBezTo>
+                  <a:cubicBezTo>
+                    <a:pt x="1809179" y="700945"/>
+                    <a:pt x="1725549" y="651415"/>
+                    <a:pt x="1636871" y="612172"/>
+                  </a:cubicBezTo>
+                  <a:cubicBezTo>
+                    <a:pt x="1532763" y="566071"/>
+                    <a:pt x="1421606" y="532543"/>
+                    <a:pt x="1335405" y="459010"/>
+                  </a:cubicBezTo>
+                  <a:cubicBezTo>
+                    <a:pt x="1277969" y="409956"/>
+                    <a:pt x="1232059" y="344615"/>
+                    <a:pt x="1234916" y="269939"/>
+                  </a:cubicBezTo>
+                  <a:cubicBezTo>
+                    <a:pt x="1237012" y="211741"/>
+                    <a:pt x="1386935" y="0"/>
+                    <a:pt x="1386935" y="0"/>
+                  </a:cubicBezTo>
+                </a:path>
+              </a:pathLst>
+            </a:custGeom>
+            <a:noFill/>
+            <a:ln w="9525" cap="rnd">
+              <a:solidFill>
+                <a:schemeClr val="accent2">
+                  <a:alpha val="50000"/>
+                </a:schemeClr>
+              </a:solidFill>
+              <a:prstDash val="lgDash"/>
+              <a:round/>
+            </a:ln>
+          </p:spPr>
+          <p:txBody>
+            <a:bodyPr rtlCol="0" anchor="ctr"/>
+            <a:lstStyle/>
+            <a:p>
+              <a:endParaRPr lang="en-US"/>
+            </a:p>
+          </p:txBody>
+        </p:sp>
+        <p:sp>
+          <p:nvSpPr>
+            <p:cNvPr id="45" name="Freeform: Shape 44">
+              <a:extLst>
+                <a:ext uri="{FF2B5EF4-FFF2-40B4-BE49-F238E27FC236}">
+                  <a16:creationId xmlns:a16="http://schemas.microsoft.com/office/drawing/2014/main" id="{B211E8CC-9B3E-4E58-821A-069B7C1098DE}"/>
+                </a:ext>
+                <a:ext uri="{C183D7F6-B498-43B3-948B-1728B52AA6E4}">
+                  <adec:decorative xmlns:adec="http://schemas.microsoft.com/office/drawing/2017/decorative" val="1"/>
+                </a:ext>
+              </a:extLst>
+            </p:cNvPr>
+            <p:cNvSpPr/>
+            <p:nvPr>
+              <p:extLst>
+                <p:ext uri="{386F3935-93C4-4BCD-93E2-E3B085C9AB24}">
+                  <p16:designElem xmlns:p16="http://schemas.microsoft.com/office/powerpoint/2015/main" val="1"/>
+                </p:ext>
+              </p:extLst>
+            </p:nvPr>
+          </p:nvSpPr>
+          <p:spPr>
+            <a:xfrm>
+              <a:off x="18825" y="543780"/>
+              <a:ext cx="494287" cy="1905590"/>
+            </a:xfrm>
+            <a:custGeom>
+              <a:avLst/>
+              <a:gdLst>
+                <a:gd name="connsiteX0" fmla="*/ 11144 w 743796"/>
+                <a:gd name="connsiteY0" fmla="*/ 0 h 2867501"/>
+                <a:gd name="connsiteX1" fmla="*/ 353663 w 743796"/>
+                <a:gd name="connsiteY1" fmla="*/ 55245 h 2867501"/>
+                <a:gd name="connsiteX2" fmla="*/ 571405 w 743796"/>
+                <a:gd name="connsiteY2" fmla="*/ 179737 h 2867501"/>
+                <a:gd name="connsiteX3" fmla="*/ 688658 w 743796"/>
+                <a:gd name="connsiteY3" fmla="*/ 368808 h 2867501"/>
+                <a:gd name="connsiteX4" fmla="*/ 731711 w 743796"/>
+                <a:gd name="connsiteY4" fmla="*/ 612934 h 2867501"/>
+                <a:gd name="connsiteX5" fmla="*/ 725233 w 743796"/>
+                <a:gd name="connsiteY5" fmla="*/ 995648 h 2867501"/>
+                <a:gd name="connsiteX6" fmla="*/ 742855 w 743796"/>
+                <a:gd name="connsiteY6" fmla="*/ 1499330 h 2867501"/>
+                <a:gd name="connsiteX7" fmla="*/ 707898 w 743796"/>
+                <a:gd name="connsiteY7" fmla="*/ 1793081 h 2867501"/>
+                <a:gd name="connsiteX8" fmla="*/ 633222 w 743796"/>
+                <a:gd name="connsiteY8" fmla="*/ 2073592 h 2867501"/>
+                <a:gd name="connsiteX9" fmla="*/ 404527 w 743796"/>
+                <a:gd name="connsiteY9" fmla="*/ 2472404 h 2867501"/>
+                <a:gd name="connsiteX10" fmla="*/ 0 w 743796"/>
+                <a:gd name="connsiteY10" fmla="*/ 2867501 h 2867501"/>
+              </a:gdLst>
+              <a:ahLst/>
+              <a:cxnLst>
+                <a:cxn ang="0">
+                  <a:pos x="connsiteX0" y="connsiteY0"/>
+                </a:cxn>
+                <a:cxn ang="0">
+                  <a:pos x="connsiteX1" y="connsiteY1"/>
+                </a:cxn>
+                <a:cxn ang="0">
+                  <a:pos x="connsiteX2" y="connsiteY2"/>
+                </a:cxn>
+                <a:cxn ang="0">
+                  <a:pos x="connsiteX3" y="connsiteY3"/>
+                </a:cxn>
+                <a:cxn ang="0">
+                  <a:pos x="connsiteX4" y="connsiteY4"/>
+                </a:cxn>
+                <a:cxn ang="0">
+                  <a:pos x="connsiteX5" y="connsiteY5"/>
+                </a:cxn>
+                <a:cxn ang="0">
+                  <a:pos x="connsiteX6" y="connsiteY6"/>
+                </a:cxn>
+                <a:cxn ang="0">
+                  <a:pos x="connsiteX7" y="connsiteY7"/>
+                </a:cxn>
+                <a:cxn ang="0">
+                  <a:pos x="connsiteX8" y="connsiteY8"/>
+                </a:cxn>
+                <a:cxn ang="0">
+                  <a:pos x="connsiteX9" y="connsiteY9"/>
+                </a:cxn>
+                <a:cxn ang="0">
+                  <a:pos x="connsiteX10" y="connsiteY10"/>
+                </a:cxn>
+              </a:cxnLst>
+              <a:rect l="l" t="t" r="r" b="b"/>
+              <a:pathLst>
+                <a:path w="743796" h="2867501">
+                  <a:moveTo>
+                    <a:pt x="11144" y="0"/>
+                  </a:moveTo>
+                  <a:cubicBezTo>
+                    <a:pt x="101060" y="2953"/>
+                    <a:pt x="268796" y="25146"/>
+                    <a:pt x="353663" y="55245"/>
+                  </a:cubicBezTo>
+                  <a:cubicBezTo>
+                    <a:pt x="433483" y="83534"/>
+                    <a:pt x="510635" y="120967"/>
+                    <a:pt x="571405" y="179737"/>
+                  </a:cubicBezTo>
+                  <a:cubicBezTo>
+                    <a:pt x="625412" y="231934"/>
+                    <a:pt x="663607" y="297942"/>
+                    <a:pt x="688658" y="368808"/>
+                  </a:cubicBezTo>
+                  <a:cubicBezTo>
+                    <a:pt x="716375" y="447103"/>
+                    <a:pt x="727996" y="529876"/>
+                    <a:pt x="731711" y="612934"/>
+                  </a:cubicBezTo>
+                  <a:cubicBezTo>
+                    <a:pt x="737426" y="740474"/>
+                    <a:pt x="724948" y="867918"/>
+                    <a:pt x="725233" y="995648"/>
+                  </a:cubicBezTo>
+                  <a:cubicBezTo>
+                    <a:pt x="725710" y="1163765"/>
+                    <a:pt x="748665" y="1331309"/>
+                    <a:pt x="742855" y="1499330"/>
+                  </a:cubicBezTo>
+                  <a:cubicBezTo>
+                    <a:pt x="739426" y="1598009"/>
+                    <a:pt x="725996" y="1696022"/>
+                    <a:pt x="707898" y="1793081"/>
+                  </a:cubicBezTo>
+                  <a:cubicBezTo>
+                    <a:pt x="690086" y="1888426"/>
+                    <a:pt x="666845" y="1982724"/>
+                    <a:pt x="633222" y="2073592"/>
+                  </a:cubicBezTo>
+                  <a:cubicBezTo>
+                    <a:pt x="579692" y="2218182"/>
+                    <a:pt x="499682" y="2351056"/>
+                    <a:pt x="404527" y="2472404"/>
+                  </a:cubicBezTo>
+                  <a:cubicBezTo>
+                    <a:pt x="266033" y="2648902"/>
+                    <a:pt x="179642" y="2732818"/>
+                    <a:pt x="0" y="2867501"/>
+                  </a:cubicBezTo>
+                </a:path>
+              </a:pathLst>
+            </a:custGeom>
+            <a:noFill/>
+            <a:ln w="9525" cap="rnd">
+              <a:solidFill>
+                <a:schemeClr val="accent2">
+                  <a:alpha val="50000"/>
+                </a:schemeClr>
+              </a:solidFill>
+              <a:prstDash val="lgDash"/>
+              <a:round/>
+            </a:ln>
+          </p:spPr>
+          <p:txBody>
+            <a:bodyPr rtlCol="0" anchor="ctr"/>
+            <a:lstStyle/>
+            <a:p>
+              <a:endParaRPr lang="en-US"/>
+            </a:p>
+          </p:txBody>
+        </p:sp>
+        <p:sp>
+          <p:nvSpPr>
+            <p:cNvPr id="46" name="Freeform: Shape 45">
+              <a:extLst>
+                <a:ext uri="{FF2B5EF4-FFF2-40B4-BE49-F238E27FC236}">
+                  <a16:creationId xmlns:a16="http://schemas.microsoft.com/office/drawing/2014/main" id="{B29FA542-0294-4239-B976-E5D20656CA52}"/>
+                </a:ext>
+                <a:ext uri="{C183D7F6-B498-43B3-948B-1728B52AA6E4}">
+                  <adec:decorative xmlns:adec="http://schemas.microsoft.com/office/drawing/2017/decorative" val="1"/>
+                </a:ext>
+              </a:extLst>
+            </p:cNvPr>
+            <p:cNvSpPr/>
+            <p:nvPr>
+              <p:extLst>
+                <p:ext uri="{386F3935-93C4-4BCD-93E2-E3B085C9AB24}">
+                  <p16:designElem xmlns:p16="http://schemas.microsoft.com/office/powerpoint/2015/main" val="1"/>
+                </p:ext>
+              </p:extLst>
+            </p:nvPr>
+          </p:nvSpPr>
+          <p:spPr>
+            <a:xfrm>
+              <a:off x="10849" y="672286"/>
+              <a:ext cx="396930" cy="1690303"/>
+            </a:xfrm>
+            <a:custGeom>
+              <a:avLst/>
+              <a:gdLst>
+                <a:gd name="connsiteX0" fmla="*/ 16478 w 597294"/>
+                <a:gd name="connsiteY0" fmla="*/ 2079 h 2543540"/>
+                <a:gd name="connsiteX1" fmla="*/ 299847 w 597294"/>
+                <a:gd name="connsiteY1" fmla="*/ 53991 h 2543540"/>
+                <a:gd name="connsiteX2" fmla="*/ 503206 w 597294"/>
+                <a:gd name="connsiteY2" fmla="*/ 291354 h 2543540"/>
+                <a:gd name="connsiteX3" fmla="*/ 525113 w 597294"/>
+                <a:gd name="connsiteY3" fmla="*/ 724265 h 2543540"/>
+                <a:gd name="connsiteX4" fmla="*/ 578930 w 597294"/>
+                <a:gd name="connsiteY4" fmla="*/ 1117267 h 2543540"/>
+                <a:gd name="connsiteX5" fmla="*/ 592931 w 597294"/>
+                <a:gd name="connsiteY5" fmla="*/ 1476359 h 2543540"/>
+                <a:gd name="connsiteX6" fmla="*/ 503206 w 597294"/>
+                <a:gd name="connsiteY6" fmla="*/ 1859359 h 2543540"/>
+                <a:gd name="connsiteX7" fmla="*/ 291846 w 597294"/>
+                <a:gd name="connsiteY7" fmla="*/ 2250361 h 2543540"/>
+                <a:gd name="connsiteX8" fmla="*/ 0 w 597294"/>
+                <a:gd name="connsiteY8" fmla="*/ 2543540 h 2543540"/>
+              </a:gdLst>
+              <a:ahLst/>
+              <a:cxnLst>
+                <a:cxn ang="0">
+                  <a:pos x="connsiteX0" y="connsiteY0"/>
+                </a:cxn>
+                <a:cxn ang="0">
+                  <a:pos x="connsiteX1" y="connsiteY1"/>
+                </a:cxn>
+                <a:cxn ang="0">
+                  <a:pos x="connsiteX2" y="connsiteY2"/>
+                </a:cxn>
+                <a:cxn ang="0">
+                  <a:pos x="connsiteX3" y="connsiteY3"/>
+                </a:cxn>
+                <a:cxn ang="0">
+                  <a:pos x="connsiteX4" y="connsiteY4"/>
+                </a:cxn>
+                <a:cxn ang="0">
+                  <a:pos x="connsiteX5" y="connsiteY5"/>
+                </a:cxn>
+                <a:cxn ang="0">
+                  <a:pos x="connsiteX6" y="connsiteY6"/>
+                </a:cxn>
+                <a:cxn ang="0">
+                  <a:pos x="connsiteX7" y="connsiteY7"/>
+                </a:cxn>
+                <a:cxn ang="0">
+                  <a:pos x="connsiteX8" y="connsiteY8"/>
+                </a:cxn>
+              </a:cxnLst>
+              <a:rect l="l" t="t" r="r" b="b"/>
+              <a:pathLst>
+                <a:path w="597294" h="2543540">
+                  <a:moveTo>
+                    <a:pt x="16478" y="2079"/>
+                  </a:moveTo>
+                  <a:cubicBezTo>
+                    <a:pt x="101441" y="-6684"/>
+                    <a:pt x="224885" y="12557"/>
+                    <a:pt x="299847" y="53991"/>
+                  </a:cubicBezTo>
+                  <a:cubicBezTo>
+                    <a:pt x="394240" y="106092"/>
+                    <a:pt x="468440" y="189341"/>
+                    <a:pt x="503206" y="291354"/>
+                  </a:cubicBezTo>
+                  <a:cubicBezTo>
+                    <a:pt x="550069" y="429085"/>
+                    <a:pt x="520827" y="577770"/>
+                    <a:pt x="525113" y="724265"/>
+                  </a:cubicBezTo>
+                  <a:cubicBezTo>
+                    <a:pt x="529019" y="856472"/>
+                    <a:pt x="561118" y="986012"/>
+                    <a:pt x="578930" y="1117267"/>
+                  </a:cubicBezTo>
+                  <a:cubicBezTo>
+                    <a:pt x="595122" y="1236234"/>
+                    <a:pt x="602742" y="1356630"/>
+                    <a:pt x="592931" y="1476359"/>
+                  </a:cubicBezTo>
+                  <a:cubicBezTo>
+                    <a:pt x="582073" y="1607709"/>
+                    <a:pt x="549783" y="1736011"/>
+                    <a:pt x="503206" y="1859359"/>
+                  </a:cubicBezTo>
+                  <a:cubicBezTo>
+                    <a:pt x="450628" y="1998710"/>
+                    <a:pt x="383857" y="2133298"/>
+                    <a:pt x="291846" y="2250361"/>
+                  </a:cubicBezTo>
+                  <a:cubicBezTo>
+                    <a:pt x="231553" y="2327132"/>
+                    <a:pt x="73819" y="2479532"/>
+                    <a:pt x="0" y="2543540"/>
+                  </a:cubicBezTo>
+                </a:path>
+              </a:pathLst>
+            </a:custGeom>
+            <a:noFill/>
+            <a:ln w="9525" cap="rnd">
+              <a:solidFill>
+                <a:schemeClr val="accent2">
+                  <a:alpha val="50000"/>
+                </a:schemeClr>
+              </a:solidFill>
+              <a:prstDash val="lgDash"/>
+              <a:round/>
+            </a:ln>
+          </p:spPr>
+          <p:txBody>
+            <a:bodyPr rtlCol="0" anchor="ctr"/>
+            <a:lstStyle/>
+            <a:p>
+              <a:endParaRPr lang="en-US"/>
+            </a:p>
+          </p:txBody>
+        </p:sp>
+        <p:sp>
+          <p:nvSpPr>
+            <p:cNvPr id="47" name="Freeform: Shape 46">
+              <a:extLst>
+                <a:ext uri="{FF2B5EF4-FFF2-40B4-BE49-F238E27FC236}">
+                  <a16:creationId xmlns:a16="http://schemas.microsoft.com/office/drawing/2014/main" id="{EA9045A3-208C-4023-9F44-D62234135622}"/>
+                </a:ext>
+                <a:ext uri="{C183D7F6-B498-43B3-948B-1728B52AA6E4}">
+                  <adec:decorative xmlns:adec="http://schemas.microsoft.com/office/drawing/2017/decorative" val="1"/>
+                </a:ext>
+              </a:extLst>
+            </p:cNvPr>
+            <p:cNvSpPr/>
+            <p:nvPr>
+              <p:extLst>
+                <p:ext uri="{386F3935-93C4-4BCD-93E2-E3B085C9AB24}">
+                  <p16:designElem xmlns:p16="http://schemas.microsoft.com/office/powerpoint/2015/main" val="1"/>
+                </p:ext>
+              </p:extLst>
+            </p:nvPr>
+          </p:nvSpPr>
+          <p:spPr>
+            <a:xfrm>
+              <a:off x="23002" y="881264"/>
+              <a:ext cx="258791" cy="1336561"/>
+            </a:xfrm>
+            <a:custGeom>
+              <a:avLst/>
+              <a:gdLst>
+                <a:gd name="connsiteX0" fmla="*/ 0 w 389425"/>
+                <a:gd name="connsiteY0" fmla="*/ 33 h 2011236"/>
+                <a:gd name="connsiteX1" fmla="*/ 171260 w 389425"/>
+                <a:gd name="connsiteY1" fmla="*/ 60326 h 2011236"/>
+                <a:gd name="connsiteX2" fmla="*/ 211455 w 389425"/>
+                <a:gd name="connsiteY2" fmla="*/ 221204 h 2011236"/>
+                <a:gd name="connsiteX3" fmla="*/ 243078 w 389425"/>
+                <a:gd name="connsiteY3" fmla="*/ 448089 h 2011236"/>
+                <a:gd name="connsiteX4" fmla="*/ 346424 w 389425"/>
+                <a:gd name="connsiteY4" fmla="*/ 789941 h 2011236"/>
+                <a:gd name="connsiteX5" fmla="*/ 372237 w 389425"/>
+                <a:gd name="connsiteY5" fmla="*/ 942151 h 2011236"/>
+                <a:gd name="connsiteX6" fmla="*/ 386620 w 389425"/>
+                <a:gd name="connsiteY6" fmla="*/ 1272478 h 2011236"/>
+                <a:gd name="connsiteX7" fmla="*/ 280416 w 389425"/>
+                <a:gd name="connsiteY7" fmla="*/ 1660241 h 2011236"/>
+                <a:gd name="connsiteX8" fmla="*/ 151257 w 389425"/>
+                <a:gd name="connsiteY8" fmla="*/ 1844073 h 2011236"/>
+                <a:gd name="connsiteX9" fmla="*/ 1905 w 389425"/>
+                <a:gd name="connsiteY9" fmla="*/ 2011237 h 2011236"/>
+              </a:gdLst>
+              <a:ahLst/>
+              <a:cxnLst>
+                <a:cxn ang="0">
+                  <a:pos x="connsiteX0" y="connsiteY0"/>
+                </a:cxn>
+                <a:cxn ang="0">
+                  <a:pos x="connsiteX1" y="connsiteY1"/>
+                </a:cxn>
+                <a:cxn ang="0">
+                  <a:pos x="connsiteX2" y="connsiteY2"/>
+                </a:cxn>
+                <a:cxn ang="0">
+                  <a:pos x="connsiteX3" y="connsiteY3"/>
+                </a:cxn>
+                <a:cxn ang="0">
+                  <a:pos x="connsiteX4" y="connsiteY4"/>
+                </a:cxn>
+                <a:cxn ang="0">
+                  <a:pos x="connsiteX5" y="connsiteY5"/>
+                </a:cxn>
+                <a:cxn ang="0">
+                  <a:pos x="connsiteX6" y="connsiteY6"/>
+                </a:cxn>
+                <a:cxn ang="0">
+                  <a:pos x="connsiteX7" y="connsiteY7"/>
+                </a:cxn>
+                <a:cxn ang="0">
+                  <a:pos x="connsiteX8" y="connsiteY8"/>
+                </a:cxn>
+                <a:cxn ang="0">
+                  <a:pos x="connsiteX9" y="connsiteY9"/>
+                </a:cxn>
+              </a:cxnLst>
+              <a:rect l="l" t="t" r="r" b="b"/>
+              <a:pathLst>
+                <a:path w="389425" h="2011236">
+                  <a:moveTo>
+                    <a:pt x="0" y="33"/>
+                  </a:moveTo>
+                  <a:cubicBezTo>
+                    <a:pt x="57912" y="-824"/>
+                    <a:pt x="136112" y="14892"/>
+                    <a:pt x="171260" y="60326"/>
+                  </a:cubicBezTo>
+                  <a:cubicBezTo>
+                    <a:pt x="205645" y="104903"/>
+                    <a:pt x="207740" y="164244"/>
+                    <a:pt x="211455" y="221204"/>
+                  </a:cubicBezTo>
+                  <a:cubicBezTo>
+                    <a:pt x="216408" y="297594"/>
+                    <a:pt x="225838" y="373604"/>
+                    <a:pt x="243078" y="448089"/>
+                  </a:cubicBezTo>
+                  <a:cubicBezTo>
+                    <a:pt x="269939" y="564199"/>
+                    <a:pt x="319183" y="673927"/>
+                    <a:pt x="346424" y="789941"/>
+                  </a:cubicBezTo>
+                  <a:cubicBezTo>
+                    <a:pt x="358235" y="840043"/>
+                    <a:pt x="365951" y="891097"/>
+                    <a:pt x="372237" y="942151"/>
+                  </a:cubicBezTo>
+                  <a:cubicBezTo>
+                    <a:pt x="385858" y="1051784"/>
+                    <a:pt x="394049" y="1162274"/>
+                    <a:pt x="386620" y="1272478"/>
+                  </a:cubicBezTo>
+                  <a:cubicBezTo>
+                    <a:pt x="377476" y="1407828"/>
+                    <a:pt x="344996" y="1541178"/>
+                    <a:pt x="280416" y="1660241"/>
+                  </a:cubicBezTo>
+                  <a:cubicBezTo>
+                    <a:pt x="244602" y="1726249"/>
+                    <a:pt x="199358" y="1786352"/>
+                    <a:pt x="151257" y="1844073"/>
+                  </a:cubicBezTo>
+                  <a:cubicBezTo>
+                    <a:pt x="79534" y="1930084"/>
+                    <a:pt x="89345" y="1941419"/>
+                    <a:pt x="1905" y="2011237"/>
+                  </a:cubicBezTo>
+                </a:path>
+              </a:pathLst>
+            </a:custGeom>
+            <a:noFill/>
+            <a:ln w="9525" cap="rnd">
+              <a:solidFill>
+                <a:schemeClr val="accent2">
+                  <a:alpha val="50000"/>
+                </a:schemeClr>
+              </a:solidFill>
+              <a:prstDash val="lgDash"/>
+              <a:round/>
+            </a:ln>
+          </p:spPr>
+          <p:txBody>
+            <a:bodyPr rtlCol="0" anchor="ctr"/>
+            <a:lstStyle/>
+            <a:p>
+              <a:endParaRPr lang="en-US" dirty="0"/>
+            </a:p>
+          </p:txBody>
+        </p:sp>
+      </p:grpSp>
+      <p:sp>
+        <p:nvSpPr>
+          <p:cNvPr id="2" name="Title 1">
+            <a:extLst>
+              <a:ext uri="{FF2B5EF4-FFF2-40B4-BE49-F238E27FC236}">
+                <a16:creationId xmlns:a16="http://schemas.microsoft.com/office/drawing/2014/main" id="{68D4826F-D05D-4313-9DDF-8DF8C65120F2}"/>
+              </a:ext>
+            </a:extLst>
+          </p:cNvPr>
+          <p:cNvSpPr>
+            <a:spLocks noGrp="1"/>
+          </p:cNvSpPr>
+          <p:nvPr>
+            <p:ph type="title"/>
+          </p:nvPr>
+        </p:nvSpPr>
+        <p:spPr>
+          <a:xfrm>
+            <a:off x="996275" y="163350"/>
+            <a:ext cx="5996619" cy="2065889"/>
+          </a:xfrm>
+        </p:spPr>
+        <p:txBody>
+          <a:bodyPr vert="horz" lIns="91440" tIns="45720" rIns="91440" bIns="45720" rtlCol="0" anchor="ctr">
+            <a:normAutofit/>
+          </a:bodyPr>
+          <a:lstStyle/>
+          <a:p>
+            <a:r>
+              <a:rPr lang="en-US" sz="5400" kern="1200">
+                <a:solidFill>
+                  <a:schemeClr val="tx2"/>
+                </a:solidFill>
+                <a:latin typeface="+mj-lt"/>
+                <a:ea typeface="+mj-ea"/>
+                <a:cs typeface="+mj-cs"/>
+              </a:rPr>
+              <a:t>Data Cleaning</a:t>
+            </a:r>
+          </a:p>
+        </p:txBody>
+      </p:sp>
+      <p:grpSp>
+        <p:nvGrpSpPr>
+          <p:cNvPr id="49" name="Cross">
+            <a:extLst>
+              <a:ext uri="{FF2B5EF4-FFF2-40B4-BE49-F238E27FC236}">
+                <a16:creationId xmlns:a16="http://schemas.microsoft.com/office/drawing/2014/main" id="{1EDF0462-C0C2-4E84-A7EA-8EE60CEFF6D8}"/>
+              </a:ext>
+              <a:ext uri="{C183D7F6-B498-43B3-948B-1728B52AA6E4}">
+                <adec:decorative xmlns:adec="http://schemas.microsoft.com/office/drawing/2017/decorative" val="1"/>
+              </a:ext>
+            </a:extLst>
+          </p:cNvPr>
+          <p:cNvGrpSpPr>
+            <a:grpSpLocks noGrp="1" noUngrp="1" noRot="1" noChangeAspect="1" noMove="1" noResize="1"/>
+          </p:cNvGrpSpPr>
+          <p:nvPr>
+            <p:extLst>
+              <p:ext uri="{386F3935-93C4-4BCD-93E2-E3B085C9AB24}">
+                <p16:designElem xmlns:p16="http://schemas.microsoft.com/office/powerpoint/2015/main" val="1"/>
+              </p:ext>
+            </p:extLst>
+          </p:nvPr>
+        </p:nvGrpSpPr>
+        <p:grpSpPr>
+          <a:xfrm>
+            <a:off x="11945264" y="149792"/>
+            <a:ext cx="118872" cy="118872"/>
+            <a:chOff x="1175347" y="3733800"/>
+            <a:chExt cx="118872" cy="118872"/>
+          </a:xfrm>
+        </p:grpSpPr>
+        <p:cxnSp>
+          <p:nvCxnSpPr>
+            <p:cNvPr id="50" name="Straight Connector 49">
+              <a:extLst>
+                <a:ext uri="{FF2B5EF4-FFF2-40B4-BE49-F238E27FC236}">
+                  <a16:creationId xmlns:a16="http://schemas.microsoft.com/office/drawing/2014/main" id="{DD5894EA-1641-49CE-AE6E-B9522736A0AB}"/>
+                </a:ext>
+                <a:ext uri="{C183D7F6-B498-43B3-948B-1728B52AA6E4}">
+                  <adec:decorative xmlns:adec="http://schemas.microsoft.com/office/drawing/2017/decorative" val="1"/>
+                </a:ext>
+              </a:extLst>
+            </p:cNvPr>
+            <p:cNvCxnSpPr>
+              <a:cxnSpLocks/>
+            </p:cNvCxnSpPr>
+            <p:nvPr>
+              <p:extLst>
+                <p:ext uri="{386F3935-93C4-4BCD-93E2-E3B085C9AB24}">
+                  <p16:designElem xmlns:p16="http://schemas.microsoft.com/office/powerpoint/2015/main" val="1"/>
+                </p:ext>
+              </p:extLst>
+            </p:nvPr>
+          </p:nvCxnSpPr>
+          <p:spPr>
+            <a:xfrm>
+              <a:off x="1234783" y="3733800"/>
+              <a:ext cx="0" cy="118872"/>
+            </a:xfrm>
+            <a:prstGeom prst="line">
+              <a:avLst/>
+            </a:prstGeom>
+            <a:ln w="12700">
+              <a:solidFill>
+                <a:schemeClr val="accent5"/>
+              </a:solidFill>
+            </a:ln>
+          </p:spPr>
+          <p:style>
+            <a:lnRef idx="1">
+              <a:schemeClr val="accent2"/>
+            </a:lnRef>
+            <a:fillRef idx="0">
+              <a:schemeClr val="accent2"/>
+            </a:fillRef>
+            <a:effectRef idx="0">
+              <a:schemeClr val="accent2"/>
+            </a:effectRef>
+            <a:fontRef idx="minor">
+              <a:schemeClr val="tx1"/>
+            </a:fontRef>
+          </p:style>
+        </p:cxnSp>
+        <p:cxnSp>
+          <p:nvCxnSpPr>
+            <p:cNvPr id="51" name="Straight Connector 50">
+              <a:extLst>
+                <a:ext uri="{FF2B5EF4-FFF2-40B4-BE49-F238E27FC236}">
+                  <a16:creationId xmlns:a16="http://schemas.microsoft.com/office/drawing/2014/main" id="{8C6415EB-8C9A-4F1B-A459-64B94A865113}"/>
+                </a:ext>
+                <a:ext uri="{C183D7F6-B498-43B3-948B-1728B52AA6E4}">
+                  <adec:decorative xmlns:adec="http://schemas.microsoft.com/office/drawing/2017/decorative" val="1"/>
+                </a:ext>
+              </a:extLst>
+            </p:cNvPr>
+            <p:cNvCxnSpPr>
+              <a:cxnSpLocks/>
+            </p:cNvCxnSpPr>
+            <p:nvPr>
+              <p:extLst>
+                <p:ext uri="{386F3935-93C4-4BCD-93E2-E3B085C9AB24}">
+                  <p16:designElem xmlns:p16="http://schemas.microsoft.com/office/powerpoint/2015/main" val="1"/>
+                </p:ext>
+              </p:extLst>
+            </p:nvPr>
+          </p:nvCxnSpPr>
+          <p:spPr>
+            <a:xfrm>
+              <a:off x="1175347" y="3793236"/>
+              <a:ext cx="118872" cy="0"/>
+            </a:xfrm>
+            <a:prstGeom prst="line">
+              <a:avLst/>
+            </a:prstGeom>
+            <a:ln w="12700">
+              <a:solidFill>
+                <a:schemeClr val="accent5"/>
+              </a:solidFill>
+            </a:ln>
+          </p:spPr>
+          <p:style>
+            <a:lnRef idx="1">
+              <a:schemeClr val="accent2"/>
+            </a:lnRef>
+            <a:fillRef idx="0">
+              <a:schemeClr val="accent2"/>
+            </a:fillRef>
+            <a:effectRef idx="0">
+              <a:schemeClr val="accent2"/>
+            </a:effectRef>
+            <a:fontRef idx="minor">
+              <a:schemeClr val="tx1"/>
+            </a:fontRef>
+          </p:style>
+        </p:cxnSp>
+      </p:grpSp>
+      <p:pic>
+        <p:nvPicPr>
+          <p:cNvPr id="6" name="Graphic 5" descr="Mop and bucket">
+            <a:extLst>
+              <a:ext uri="{FF2B5EF4-FFF2-40B4-BE49-F238E27FC236}">
+                <a16:creationId xmlns:a16="http://schemas.microsoft.com/office/drawing/2014/main" id="{766B34EC-8039-4B29-A4C9-5D2765E59085}"/>
+              </a:ext>
+            </a:extLst>
+          </p:cNvPr>
+          <p:cNvPicPr>
+            <a:picLocks noChangeAspect="1"/>
+          </p:cNvPicPr>
+          <p:nvPr/>
+        </p:nvPicPr>
+        <p:blipFill>
+          <a:blip r:embed="rId3">
+            <a:extLst>
+              <a:ext uri="{28A0092B-C50C-407E-A947-70E740481C1C}">
+                <a14:useLocalDpi xmlns:a14="http://schemas.microsoft.com/office/drawing/2010/main" val="0"/>
+              </a:ext>
+              <a:ext uri="{96DAC541-7B7A-43D3-8B79-37D633B846F1}">
+                <asvg:svgBlip xmlns:asvg="http://schemas.microsoft.com/office/drawing/2016/SVG/main" r:embed="rId4"/>
+              </a:ext>
+            </a:extLst>
+          </a:blip>
+          <a:stretch>
+            <a:fillRect/>
+          </a:stretch>
+        </p:blipFill>
+        <p:spPr>
+          <a:xfrm>
+            <a:off x="4136153" y="2385716"/>
+            <a:ext cx="3919694" cy="3919694"/>
+          </a:xfrm>
+          <a:prstGeom prst="rect">
+            <a:avLst/>
+          </a:prstGeom>
+        </p:spPr>
+      </p:pic>
+      <p:grpSp>
+        <p:nvGrpSpPr>
+          <p:cNvPr id="53" name="Bottom Right">
+            <a:extLst>
+              <a:ext uri="{FF2B5EF4-FFF2-40B4-BE49-F238E27FC236}">
+                <a16:creationId xmlns:a16="http://schemas.microsoft.com/office/drawing/2014/main" id="{B798A610-8506-4BC1-8108-8E1A31CAB879}"/>
+              </a:ext>
+              <a:ext uri="{C183D7F6-B498-43B3-948B-1728B52AA6E4}">
+                <adec:decorative xmlns:adec="http://schemas.microsoft.com/office/drawing/2017/decorative" val="1"/>
+              </a:ext>
+            </a:extLst>
+          </p:cNvPr>
+          <p:cNvGrpSpPr>
+            <a:grpSpLocks noGrp="1" noUngrp="1" noRot="1" noChangeAspect="1" noMove="1" noResize="1"/>
+          </p:cNvGrpSpPr>
+          <p:nvPr>
+            <p:extLst>
+              <p:ext uri="{386F3935-93C4-4BCD-93E2-E3B085C9AB24}">
+                <p16:designElem xmlns:p16="http://schemas.microsoft.com/office/powerpoint/2015/main" val="1"/>
+              </p:ext>
+            </p:extLst>
+          </p:nvPr>
+        </p:nvGrpSpPr>
+        <p:grpSpPr>
+          <a:xfrm>
+            <a:off x="7980400" y="3276601"/>
+            <a:ext cx="4211600" cy="3581399"/>
+            <a:chOff x="7980400" y="3276601"/>
+            <a:chExt cx="4211600" cy="3581399"/>
+          </a:xfrm>
+        </p:grpSpPr>
+        <p:sp>
+          <p:nvSpPr>
+            <p:cNvPr id="54" name="Freeform: Shape 53">
+              <a:extLst>
+                <a:ext uri="{FF2B5EF4-FFF2-40B4-BE49-F238E27FC236}">
+                  <a16:creationId xmlns:a16="http://schemas.microsoft.com/office/drawing/2014/main" id="{5C72D714-A610-482A-B26E-C679E9535DF3}"/>
+                </a:ext>
+                <a:ext uri="{C183D7F6-B498-43B3-948B-1728B52AA6E4}">
+                  <adec:decorative xmlns:adec="http://schemas.microsoft.com/office/drawing/2017/decorative" val="1"/>
+                </a:ext>
+              </a:extLst>
+            </p:cNvPr>
+            <p:cNvSpPr/>
+            <p:nvPr>
+              <p:extLst>
+                <p:ext uri="{386F3935-93C4-4BCD-93E2-E3B085C9AB24}">
+                  <p16:designElem xmlns:p16="http://schemas.microsoft.com/office/powerpoint/2015/main" val="1"/>
+                </p:ext>
+              </p:extLst>
+            </p:nvPr>
+          </p:nvSpPr>
+          <p:spPr>
+            <a:xfrm>
+              <a:off x="10439256" y="6178637"/>
+              <a:ext cx="1482102" cy="679363"/>
+            </a:xfrm>
+            <a:custGeom>
+              <a:avLst/>
+              <a:gdLst>
+                <a:gd name="connsiteX0" fmla="*/ 741051 w 1482102"/>
+                <a:gd name="connsiteY0" fmla="*/ 0 h 679363"/>
+                <a:gd name="connsiteX1" fmla="*/ 1473822 w 1482102"/>
+                <a:gd name="connsiteY1" fmla="*/ 597226 h 679363"/>
+                <a:gd name="connsiteX2" fmla="*/ 1482102 w 1482102"/>
+                <a:gd name="connsiteY2" fmla="*/ 679363 h 679363"/>
+                <a:gd name="connsiteX3" fmla="*/ 0 w 1482102"/>
+                <a:gd name="connsiteY3" fmla="*/ 679363 h 679363"/>
+                <a:gd name="connsiteX4" fmla="*/ 8280 w 1482102"/>
+                <a:gd name="connsiteY4" fmla="*/ 597226 h 679363"/>
+                <a:gd name="connsiteX5" fmla="*/ 741051 w 1482102"/>
+                <a:gd name="connsiteY5" fmla="*/ 0 h 679363"/>
+              </a:gdLst>
+              <a:ahLst/>
+              <a:cxnLst>
+                <a:cxn ang="0">
+                  <a:pos x="connsiteX0" y="connsiteY0"/>
+                </a:cxn>
+                <a:cxn ang="0">
+                  <a:pos x="connsiteX1" y="connsiteY1"/>
+                </a:cxn>
+                <a:cxn ang="0">
+                  <a:pos x="connsiteX2" y="connsiteY2"/>
+                </a:cxn>
+                <a:cxn ang="0">
+                  <a:pos x="connsiteX3" y="connsiteY3"/>
+                </a:cxn>
+                <a:cxn ang="0">
+                  <a:pos x="connsiteX4" y="connsiteY4"/>
+                </a:cxn>
+                <a:cxn ang="0">
+                  <a:pos x="connsiteX5" y="connsiteY5"/>
+                </a:cxn>
+              </a:cxnLst>
+              <a:rect l="l" t="t" r="r" b="b"/>
+              <a:pathLst>
+                <a:path w="1482102" h="679363">
+                  <a:moveTo>
+                    <a:pt x="741051" y="0"/>
+                  </a:moveTo>
+                  <a:cubicBezTo>
+                    <a:pt x="1102506" y="0"/>
+                    <a:pt x="1404077" y="256390"/>
+                    <a:pt x="1473822" y="597226"/>
+                  </a:cubicBezTo>
+                  <a:lnTo>
+                    <a:pt x="1482102" y="679363"/>
+                  </a:lnTo>
+                  <a:lnTo>
+                    <a:pt x="0" y="679363"/>
+                  </a:lnTo>
+                  <a:lnTo>
+                    <a:pt x="8280" y="597226"/>
+                  </a:lnTo>
+                  <a:cubicBezTo>
+                    <a:pt x="78025" y="256390"/>
+                    <a:pt x="379596" y="0"/>
+                    <a:pt x="741051" y="0"/>
+                  </a:cubicBezTo>
+                  <a:close/>
+                </a:path>
+              </a:pathLst>
+            </a:custGeom>
+            <a:solidFill>
+              <a:schemeClr val="bg1"/>
+            </a:solidFill>
+            <a:ln>
+              <a:noFill/>
+            </a:ln>
+          </p:spPr>
+          <p:style>
+            <a:lnRef idx="2">
+              <a:schemeClr val="accent1">
+                <a:shade val="50000"/>
+              </a:schemeClr>
+            </a:lnRef>
+            <a:fillRef idx="1">
+              <a:schemeClr val="accent1"/>
+            </a:fillRef>
+            <a:effectRef idx="0">
+              <a:schemeClr val="accent1"/>
+            </a:effectRef>
+            <a:fontRef idx="minor">
+              <a:schemeClr val="lt1"/>
+            </a:fontRef>
+          </p:style>
+          <p:txBody>
+            <a:bodyPr wrap="square" rtlCol="0" anchor="ctr">
+              <a:noAutofit/>
+            </a:bodyPr>
+            <a:lstStyle/>
+            <a:p>
+              <a:pPr algn="ctr"/>
+              <a:endParaRPr lang="en-US" dirty="0">
+                <a:solidFill>
+                  <a:schemeClr val="tx1">
+                    <a:lumMod val="65000"/>
+                    <a:lumOff val="35000"/>
+                  </a:schemeClr>
+                </a:solidFill>
+                <a:latin typeface="AvenirNext LT Pro Medium" panose="020B0504020202020204" pitchFamily="34" charset="0"/>
+              </a:endParaRPr>
+            </a:p>
+          </p:txBody>
+        </p:sp>
+        <p:grpSp>
+          <p:nvGrpSpPr>
+            <p:cNvPr id="55" name="Graphic 157">
+              <a:extLst>
+                <a:ext uri="{FF2B5EF4-FFF2-40B4-BE49-F238E27FC236}">
+                  <a16:creationId xmlns:a16="http://schemas.microsoft.com/office/drawing/2014/main" id="{D7EF30A6-8E6C-417A-B645-4EC7F0B38248}"/>
+                </a:ext>
+                <a:ext uri="{C183D7F6-B498-43B3-948B-1728B52AA6E4}">
+                  <adec:decorative xmlns:adec="http://schemas.microsoft.com/office/drawing/2017/decorative" val="1"/>
+                </a:ext>
+              </a:extLst>
+            </p:cNvPr>
+            <p:cNvGrpSpPr/>
+            <p:nvPr>
+              <p:extLst>
+                <p:ext uri="{386F3935-93C4-4BCD-93E2-E3B085C9AB24}">
+                  <p16:designElem xmlns:p16="http://schemas.microsoft.com/office/powerpoint/2015/main" val="1"/>
+                </p:ext>
+              </p:extLst>
+            </p:nvPr>
+          </p:nvGrpSpPr>
+          <p:grpSpPr>
+            <a:xfrm>
+              <a:off x="8662740" y="3276601"/>
+              <a:ext cx="3529260" cy="3581398"/>
+              <a:chOff x="4114800" y="1423987"/>
+              <a:chExt cx="3961542" cy="4007547"/>
+            </a:xfrm>
+            <a:noFill/>
+          </p:grpSpPr>
+          <p:sp>
+            <p:nvSpPr>
+              <p:cNvPr id="57" name="Freeform: Shape 56">
+                <a:extLst>
+                  <a:ext uri="{FF2B5EF4-FFF2-40B4-BE49-F238E27FC236}">
+                    <a16:creationId xmlns:a16="http://schemas.microsoft.com/office/drawing/2014/main" id="{17D377E0-C3CC-48DC-B73B-09CEEDE395CF}"/>
+                  </a:ext>
+                  <a:ext uri="{C183D7F6-B498-43B3-948B-1728B52AA6E4}">
+                    <adec:decorative xmlns:adec="http://schemas.microsoft.com/office/drawing/2017/decorative" val="1"/>
+                  </a:ext>
+                </a:extLst>
+              </p:cNvPr>
+              <p:cNvSpPr/>
+              <p:nvPr>
+                <p:extLst>
+                  <p:ext uri="{386F3935-93C4-4BCD-93E2-E3B085C9AB24}">
+                    <p16:designElem xmlns:p16="http://schemas.microsoft.com/office/powerpoint/2015/main" val="1"/>
+                  </p:ext>
+                </p:extLst>
+              </p:nvPr>
+            </p:nvSpPr>
+            <p:spPr>
+              <a:xfrm>
+                <a:off x="4114800" y="1423987"/>
+                <a:ext cx="3946874" cy="3989641"/>
+              </a:xfrm>
+              <a:custGeom>
+                <a:avLst/>
+                <a:gdLst>
+                  <a:gd name="connsiteX0" fmla="*/ 0 w 3946874"/>
+                  <a:gd name="connsiteY0" fmla="*/ 3989641 h 3989641"/>
+                  <a:gd name="connsiteX1" fmla="*/ 79439 w 3946874"/>
+                  <a:gd name="connsiteY1" fmla="*/ 3891153 h 3989641"/>
+                  <a:gd name="connsiteX2" fmla="*/ 297371 w 3946874"/>
+                  <a:gd name="connsiteY2" fmla="*/ 3626930 h 3989641"/>
+                  <a:gd name="connsiteX3" fmla="*/ 454343 w 3946874"/>
+                  <a:gd name="connsiteY3" fmla="*/ 3440335 h 3989641"/>
+                  <a:gd name="connsiteX4" fmla="*/ 622363 w 3946874"/>
+                  <a:gd name="connsiteY4" fmla="*/ 3290697 h 3989641"/>
+                  <a:gd name="connsiteX5" fmla="*/ 927068 w 3946874"/>
+                  <a:gd name="connsiteY5" fmla="*/ 3087434 h 3989641"/>
+                  <a:gd name="connsiteX6" fmla="*/ 1176338 w 3946874"/>
+                  <a:gd name="connsiteY6" fmla="*/ 2915603 h 3989641"/>
+                  <a:gd name="connsiteX7" fmla="*/ 1394270 w 3946874"/>
+                  <a:gd name="connsiteY7" fmla="*/ 2780729 h 3989641"/>
+                  <a:gd name="connsiteX8" fmla="*/ 1601057 w 3946874"/>
+                  <a:gd name="connsiteY8" fmla="*/ 2723483 h 3989641"/>
+                  <a:gd name="connsiteX9" fmla="*/ 1756220 w 3946874"/>
+                  <a:gd name="connsiteY9" fmla="*/ 2743772 h 3989641"/>
+                  <a:gd name="connsiteX10" fmla="*/ 1889189 w 3946874"/>
+                  <a:gd name="connsiteY10" fmla="*/ 2765965 h 3989641"/>
+                  <a:gd name="connsiteX11" fmla="*/ 2007394 w 3946874"/>
+                  <a:gd name="connsiteY11" fmla="*/ 2765965 h 3989641"/>
+                  <a:gd name="connsiteX12" fmla="*/ 2184654 w 3946874"/>
+                  <a:gd name="connsiteY12" fmla="*/ 2671763 h 3989641"/>
+                  <a:gd name="connsiteX13" fmla="*/ 2372773 w 3946874"/>
+                  <a:gd name="connsiteY13" fmla="*/ 2538984 h 3989641"/>
+                  <a:gd name="connsiteX14" fmla="*/ 2439543 w 3946874"/>
+                  <a:gd name="connsiteY14" fmla="*/ 2510504 h 3989641"/>
+                  <a:gd name="connsiteX15" fmla="*/ 2650617 w 3946874"/>
+                  <a:gd name="connsiteY15" fmla="*/ 2434781 h 3989641"/>
+                  <a:gd name="connsiteX16" fmla="*/ 2785110 w 3946874"/>
+                  <a:gd name="connsiteY16" fmla="*/ 2383060 h 3989641"/>
+                  <a:gd name="connsiteX17" fmla="*/ 2897315 w 3946874"/>
+                  <a:gd name="connsiteY17" fmla="*/ 2318861 h 3989641"/>
+                  <a:gd name="connsiteX18" fmla="*/ 2997994 w 3946874"/>
+                  <a:gd name="connsiteY18" fmla="*/ 2226183 h 3989641"/>
+                  <a:gd name="connsiteX19" fmla="*/ 3061240 w 3946874"/>
+                  <a:gd name="connsiteY19" fmla="*/ 2141506 h 3989641"/>
+                  <a:gd name="connsiteX20" fmla="*/ 3152108 w 3946874"/>
+                  <a:gd name="connsiteY20" fmla="*/ 2005203 h 3989641"/>
+                  <a:gd name="connsiteX21" fmla="*/ 3274124 w 3946874"/>
+                  <a:gd name="connsiteY21" fmla="*/ 1871567 h 3989641"/>
+                  <a:gd name="connsiteX22" fmla="*/ 3388138 w 3946874"/>
+                  <a:gd name="connsiteY22" fmla="*/ 1770888 h 3989641"/>
+                  <a:gd name="connsiteX23" fmla="*/ 3466529 w 3946874"/>
+                  <a:gd name="connsiteY23" fmla="*/ 1679162 h 3989641"/>
+                  <a:gd name="connsiteX24" fmla="*/ 3538633 w 3946874"/>
+                  <a:gd name="connsiteY24" fmla="*/ 1551718 h 3989641"/>
+                  <a:gd name="connsiteX25" fmla="*/ 3588544 w 3946874"/>
+                  <a:gd name="connsiteY25" fmla="*/ 1376172 h 3989641"/>
+                  <a:gd name="connsiteX26" fmla="*/ 3597402 w 3946874"/>
+                  <a:gd name="connsiteY26" fmla="*/ 1293305 h 3989641"/>
+                  <a:gd name="connsiteX27" fmla="*/ 3721227 w 3946874"/>
+                  <a:gd name="connsiteY27" fmla="*/ 880491 h 3989641"/>
+                  <a:gd name="connsiteX28" fmla="*/ 3761137 w 3946874"/>
+                  <a:gd name="connsiteY28" fmla="*/ 463677 h 3989641"/>
+                  <a:gd name="connsiteX29" fmla="*/ 3946874 w 3946874"/>
+                  <a:gd name="connsiteY29" fmla="*/ 0 h 3989641"/>
+                </a:gdLst>
+                <a:ahLst/>
+                <a:cxnLst>
+                  <a:cxn ang="0">
+                    <a:pos x="connsiteX0" y="connsiteY0"/>
+                  </a:cxn>
+                  <a:cxn ang="0">
+                    <a:pos x="connsiteX1" y="connsiteY1"/>
+                  </a:cxn>
+                  <a:cxn ang="0">
+                    <a:pos x="connsiteX2" y="connsiteY2"/>
+                  </a:cxn>
+                  <a:cxn ang="0">
+                    <a:pos x="connsiteX3" y="connsiteY3"/>
+                  </a:cxn>
+                  <a:cxn ang="0">
+                    <a:pos x="connsiteX4" y="connsiteY4"/>
+                  </a:cxn>
+                  <a:cxn ang="0">
+                    <a:pos x="connsiteX5" y="connsiteY5"/>
+                  </a:cxn>
+                  <a:cxn ang="0">
+                    <a:pos x="connsiteX6" y="connsiteY6"/>
+                  </a:cxn>
+                  <a:cxn ang="0">
+                    <a:pos x="connsiteX7" y="connsiteY7"/>
+                  </a:cxn>
+                  <a:cxn ang="0">
+                    <a:pos x="connsiteX8" y="connsiteY8"/>
+                  </a:cxn>
+                  <a:cxn ang="0">
+                    <a:pos x="connsiteX9" y="connsiteY9"/>
+                  </a:cxn>
+                  <a:cxn ang="0">
+                    <a:pos x="connsiteX10" y="connsiteY10"/>
+                  </a:cxn>
+                  <a:cxn ang="0">
+                    <a:pos x="connsiteX11" y="connsiteY11"/>
+                  </a:cxn>
+                  <a:cxn ang="0">
+                    <a:pos x="connsiteX12" y="connsiteY12"/>
+                  </a:cxn>
+                  <a:cxn ang="0">
+                    <a:pos x="connsiteX13" y="connsiteY13"/>
+                  </a:cxn>
+                  <a:cxn ang="0">
+                    <a:pos x="connsiteX14" y="connsiteY14"/>
+                  </a:cxn>
+                  <a:cxn ang="0">
+                    <a:pos x="connsiteX15" y="connsiteY15"/>
+                  </a:cxn>
+                  <a:cxn ang="0">
+                    <a:pos x="connsiteX16" y="connsiteY16"/>
+                  </a:cxn>
+                  <a:cxn ang="0">
+                    <a:pos x="connsiteX17" y="connsiteY17"/>
+                  </a:cxn>
+                  <a:cxn ang="0">
+                    <a:pos x="connsiteX18" y="connsiteY18"/>
+                  </a:cxn>
+                  <a:cxn ang="0">
+                    <a:pos x="connsiteX19" y="connsiteY19"/>
+                  </a:cxn>
+                  <a:cxn ang="0">
+                    <a:pos x="connsiteX20" y="connsiteY20"/>
+                  </a:cxn>
+                  <a:cxn ang="0">
+                    <a:pos x="connsiteX21" y="connsiteY21"/>
+                  </a:cxn>
+                  <a:cxn ang="0">
+                    <a:pos x="connsiteX22" y="connsiteY22"/>
+                  </a:cxn>
+                  <a:cxn ang="0">
+                    <a:pos x="connsiteX23" y="connsiteY23"/>
+                  </a:cxn>
+                  <a:cxn ang="0">
+                    <a:pos x="connsiteX24" y="connsiteY24"/>
+                  </a:cxn>
+                  <a:cxn ang="0">
+                    <a:pos x="connsiteX25" y="connsiteY25"/>
+                  </a:cxn>
+                  <a:cxn ang="0">
+                    <a:pos x="connsiteX26" y="connsiteY26"/>
+                  </a:cxn>
+                  <a:cxn ang="0">
+                    <a:pos x="connsiteX27" y="connsiteY27"/>
+                  </a:cxn>
+                  <a:cxn ang="0">
+                    <a:pos x="connsiteX28" y="connsiteY28"/>
+                  </a:cxn>
+                  <a:cxn ang="0">
+                    <a:pos x="connsiteX29" y="connsiteY29"/>
+                  </a:cxn>
+                </a:cxnLst>
+                <a:rect l="l" t="t" r="r" b="b"/>
+                <a:pathLst>
+                  <a:path w="3946874" h="3989641">
+                    <a:moveTo>
+                      <a:pt x="0" y="3989641"/>
+                    </a:moveTo>
+                    <a:cubicBezTo>
+                      <a:pt x="19050" y="3957257"/>
+                      <a:pt x="50959" y="3916013"/>
+                      <a:pt x="79439" y="3891153"/>
+                    </a:cubicBezTo>
+                    <a:cubicBezTo>
+                      <a:pt x="165544" y="3815906"/>
+                      <a:pt x="227933" y="3717989"/>
+                      <a:pt x="297371" y="3626930"/>
+                    </a:cubicBezTo>
+                    <a:cubicBezTo>
+                      <a:pt x="346615" y="3562255"/>
+                      <a:pt x="398050" y="3499009"/>
+                      <a:pt x="454343" y="3440335"/>
+                    </a:cubicBezTo>
+                    <a:cubicBezTo>
+                      <a:pt x="506349" y="3386042"/>
+                      <a:pt x="562642" y="3336227"/>
+                      <a:pt x="622363" y="3290697"/>
+                    </a:cubicBezTo>
+                    <a:cubicBezTo>
+                      <a:pt x="719519" y="3216688"/>
+                      <a:pt x="824960" y="3154585"/>
+                      <a:pt x="927068" y="3087434"/>
+                    </a:cubicBezTo>
+                    <a:cubicBezTo>
+                      <a:pt x="1011365" y="3031998"/>
+                      <a:pt x="1093565" y="2973324"/>
+                      <a:pt x="1176338" y="2915603"/>
+                    </a:cubicBezTo>
+                    <a:cubicBezTo>
+                      <a:pt x="1246537" y="2866644"/>
+                      <a:pt x="1317308" y="2818066"/>
+                      <a:pt x="1394270" y="2780729"/>
+                    </a:cubicBezTo>
+                    <a:cubicBezTo>
+                      <a:pt x="1459421" y="2749106"/>
+                      <a:pt x="1528763" y="2724436"/>
+                      <a:pt x="1601057" y="2723483"/>
+                    </a:cubicBezTo>
+                    <a:cubicBezTo>
+                      <a:pt x="1653350" y="2722721"/>
+                      <a:pt x="1704785" y="2733485"/>
+                      <a:pt x="1756220" y="2743772"/>
+                    </a:cubicBezTo>
+                    <a:cubicBezTo>
+                      <a:pt x="1800320" y="2752630"/>
+                      <a:pt x="1844612" y="2760250"/>
+                      <a:pt x="1889189" y="2765965"/>
+                    </a:cubicBezTo>
+                    <a:cubicBezTo>
+                      <a:pt x="1928622" y="2771013"/>
+                      <a:pt x="1968437" y="2773299"/>
+                      <a:pt x="2007394" y="2765965"/>
+                    </a:cubicBezTo>
+                    <a:cubicBezTo>
+                      <a:pt x="2073878" y="2753487"/>
+                      <a:pt x="2130647" y="2712911"/>
+                      <a:pt x="2184654" y="2671763"/>
+                    </a:cubicBezTo>
+                    <a:cubicBezTo>
+                      <a:pt x="2245900" y="2625090"/>
+                      <a:pt x="2304002" y="2573465"/>
+                      <a:pt x="2372773" y="2538984"/>
+                    </a:cubicBezTo>
+                    <a:cubicBezTo>
+                      <a:pt x="2394395" y="2528126"/>
+                      <a:pt x="2416874" y="2518982"/>
+                      <a:pt x="2439543" y="2510504"/>
+                    </a:cubicBezTo>
+                    <a:cubicBezTo>
+                      <a:pt x="2509552" y="2484215"/>
+                      <a:pt x="2580037" y="2459450"/>
+                      <a:pt x="2650617" y="2434781"/>
+                    </a:cubicBezTo>
+                    <a:cubicBezTo>
+                      <a:pt x="2695956" y="2418874"/>
+                      <a:pt x="2741295" y="2402872"/>
+                      <a:pt x="2785110" y="2383060"/>
+                    </a:cubicBezTo>
+                    <a:cubicBezTo>
+                      <a:pt x="2824448" y="2365248"/>
+                      <a:pt x="2862358" y="2344198"/>
+                      <a:pt x="2897315" y="2318861"/>
+                    </a:cubicBezTo>
+                    <a:cubicBezTo>
+                      <a:pt x="2934367" y="2292096"/>
+                      <a:pt x="2968085" y="2260854"/>
+                      <a:pt x="2997994" y="2226183"/>
+                    </a:cubicBezTo>
+                    <a:cubicBezTo>
+                      <a:pt x="3020949" y="2199513"/>
+                      <a:pt x="3041714" y="2170938"/>
+                      <a:pt x="3061240" y="2141506"/>
+                    </a:cubicBezTo>
+                    <a:cubicBezTo>
+                      <a:pt x="3091529" y="2095976"/>
+                      <a:pt x="3119533" y="2049018"/>
+                      <a:pt x="3152108" y="2005203"/>
+                    </a:cubicBezTo>
+                    <a:cubicBezTo>
+                      <a:pt x="3188113" y="1956626"/>
+                      <a:pt x="3229261" y="1912144"/>
+                      <a:pt x="3274124" y="1871567"/>
+                    </a:cubicBezTo>
+                    <a:cubicBezTo>
+                      <a:pt x="3311747" y="1837563"/>
+                      <a:pt x="3351848" y="1806321"/>
+                      <a:pt x="3388138" y="1770888"/>
+                    </a:cubicBezTo>
+                    <a:cubicBezTo>
+                      <a:pt x="3416999" y="1742694"/>
+                      <a:pt x="3443002" y="1711833"/>
+                      <a:pt x="3466529" y="1679162"/>
+                    </a:cubicBezTo>
+                    <a:cubicBezTo>
+                      <a:pt x="3495008" y="1639348"/>
+                      <a:pt x="3519392" y="1596771"/>
+                      <a:pt x="3538633" y="1551718"/>
+                    </a:cubicBezTo>
+                    <a:cubicBezTo>
+                      <a:pt x="3562731" y="1495616"/>
+                      <a:pt x="3578924" y="1436465"/>
+                      <a:pt x="3588544" y="1376172"/>
+                    </a:cubicBezTo>
+                    <a:cubicBezTo>
+                      <a:pt x="3592925" y="1348740"/>
+                      <a:pt x="3595688" y="1321022"/>
+                      <a:pt x="3597402" y="1293305"/>
+                    </a:cubicBezTo>
+                    <a:cubicBezTo>
+                      <a:pt x="3605974" y="1155859"/>
+                      <a:pt x="3717703" y="1018127"/>
+                      <a:pt x="3721227" y="880491"/>
+                    </a:cubicBezTo>
+                    <a:cubicBezTo>
+                      <a:pt x="3724751" y="740855"/>
+                      <a:pt x="3743135" y="602171"/>
+                      <a:pt x="3761137" y="463677"/>
+                    </a:cubicBezTo>
+                    <a:cubicBezTo>
+                      <a:pt x="3776186" y="347758"/>
+                      <a:pt x="3934968" y="116205"/>
+                      <a:pt x="3946874" y="0"/>
+                    </a:cubicBezTo>
+                  </a:path>
+                </a:pathLst>
+              </a:custGeom>
+              <a:noFill/>
+              <a:ln w="9525" cap="rnd">
+                <a:solidFill>
+                  <a:schemeClr val="accent2">
+                    <a:alpha val="35000"/>
+                  </a:schemeClr>
+                </a:solidFill>
+                <a:prstDash val="lgDash"/>
+                <a:round/>
+              </a:ln>
+            </p:spPr>
+            <p:txBody>
+              <a:bodyPr rtlCol="0" anchor="ctr"/>
+              <a:lstStyle/>
+              <a:p>
+                <a:endParaRPr lang="en-US"/>
+              </a:p>
+            </p:txBody>
+          </p:sp>
+          <p:sp>
+            <p:nvSpPr>
+              <p:cNvPr id="58" name="Freeform: Shape 57">
+                <a:extLst>
+                  <a:ext uri="{FF2B5EF4-FFF2-40B4-BE49-F238E27FC236}">
+                    <a16:creationId xmlns:a16="http://schemas.microsoft.com/office/drawing/2014/main" id="{80E2DF20-A9FD-4B82-8673-1091B4C00862}"/>
+                  </a:ext>
+                  <a:ext uri="{C183D7F6-B498-43B3-948B-1728B52AA6E4}">
+                    <adec:decorative xmlns:adec="http://schemas.microsoft.com/office/drawing/2017/decorative" val="1"/>
+                  </a:ext>
+                </a:extLst>
+              </p:cNvPr>
+              <p:cNvSpPr/>
+              <p:nvPr>
+                <p:extLst>
+                  <p:ext uri="{386F3935-93C4-4BCD-93E2-E3B085C9AB24}">
+                    <p16:designElem xmlns:p16="http://schemas.microsoft.com/office/powerpoint/2015/main" val="1"/>
+                  </p:ext>
+                </p:extLst>
+              </p:nvPr>
+            </p:nvSpPr>
+            <p:spPr>
+              <a:xfrm>
+                <a:off x="4395978" y="2441733"/>
+                <a:ext cx="3665410" cy="2985611"/>
+              </a:xfrm>
+              <a:custGeom>
+                <a:avLst/>
+                <a:gdLst>
+                  <a:gd name="connsiteX0" fmla="*/ 0 w 3665410"/>
+                  <a:gd name="connsiteY0" fmla="*/ 2985611 h 2985611"/>
+                  <a:gd name="connsiteX1" fmla="*/ 166211 w 3665410"/>
+                  <a:gd name="connsiteY1" fmla="*/ 2699766 h 2985611"/>
+                  <a:gd name="connsiteX2" fmla="*/ 397002 w 3665410"/>
+                  <a:gd name="connsiteY2" fmla="*/ 2414969 h 2985611"/>
+                  <a:gd name="connsiteX3" fmla="*/ 620173 w 3665410"/>
+                  <a:gd name="connsiteY3" fmla="*/ 2237899 h 2985611"/>
+                  <a:gd name="connsiteX4" fmla="*/ 823341 w 3665410"/>
+                  <a:gd name="connsiteY4" fmla="*/ 2085499 h 2985611"/>
+                  <a:gd name="connsiteX5" fmla="*/ 1089565 w 3665410"/>
+                  <a:gd name="connsiteY5" fmla="*/ 1911477 h 2985611"/>
+                  <a:gd name="connsiteX6" fmla="*/ 1145000 w 3665410"/>
+                  <a:gd name="connsiteY6" fmla="*/ 1886807 h 2985611"/>
+                  <a:gd name="connsiteX7" fmla="*/ 1375791 w 3665410"/>
+                  <a:gd name="connsiteY7" fmla="*/ 1842135 h 2985611"/>
+                  <a:gd name="connsiteX8" fmla="*/ 1486567 w 3665410"/>
+                  <a:gd name="connsiteY8" fmla="*/ 1857566 h 2985611"/>
+                  <a:gd name="connsiteX9" fmla="*/ 1568101 w 3665410"/>
+                  <a:gd name="connsiteY9" fmla="*/ 1871377 h 2985611"/>
+                  <a:gd name="connsiteX10" fmla="*/ 1810607 w 3665410"/>
+                  <a:gd name="connsiteY10" fmla="*/ 1871377 h 2985611"/>
+                  <a:gd name="connsiteX11" fmla="*/ 1997964 w 3665410"/>
+                  <a:gd name="connsiteY11" fmla="*/ 1790605 h 2985611"/>
+                  <a:gd name="connsiteX12" fmla="*/ 2109883 w 3665410"/>
+                  <a:gd name="connsiteY12" fmla="*/ 1702784 h 2985611"/>
+                  <a:gd name="connsiteX13" fmla="*/ 2321433 w 3665410"/>
+                  <a:gd name="connsiteY13" fmla="*/ 1552384 h 2985611"/>
+                  <a:gd name="connsiteX14" fmla="*/ 2558891 w 3665410"/>
+                  <a:gd name="connsiteY14" fmla="*/ 1453420 h 2985611"/>
+                  <a:gd name="connsiteX15" fmla="*/ 2709767 w 3665410"/>
+                  <a:gd name="connsiteY15" fmla="*/ 1377887 h 2985611"/>
+                  <a:gd name="connsiteX16" fmla="*/ 2885408 w 3665410"/>
+                  <a:gd name="connsiteY16" fmla="*/ 1237393 h 2985611"/>
+                  <a:gd name="connsiteX17" fmla="*/ 3017711 w 3665410"/>
+                  <a:gd name="connsiteY17" fmla="*/ 1072229 h 2985611"/>
+                  <a:gd name="connsiteX18" fmla="*/ 3150680 w 3665410"/>
+                  <a:gd name="connsiteY18" fmla="*/ 921830 h 2985611"/>
+                  <a:gd name="connsiteX19" fmla="*/ 3255169 w 3665410"/>
+                  <a:gd name="connsiteY19" fmla="*/ 801815 h 2985611"/>
+                  <a:gd name="connsiteX20" fmla="*/ 3339275 w 3665410"/>
+                  <a:gd name="connsiteY20" fmla="*/ 694182 h 2985611"/>
+                  <a:gd name="connsiteX21" fmla="*/ 3409188 w 3665410"/>
+                  <a:gd name="connsiteY21" fmla="*/ 546926 h 2985611"/>
+                  <a:gd name="connsiteX22" fmla="*/ 3464243 w 3665410"/>
+                  <a:gd name="connsiteY22" fmla="*/ 347663 h 2985611"/>
+                  <a:gd name="connsiteX23" fmla="*/ 3665411 w 3665410"/>
+                  <a:gd name="connsiteY23" fmla="*/ 0 h 2985611"/>
+                </a:gdLst>
+                <a:ahLst/>
+                <a:cxnLst>
+                  <a:cxn ang="0">
+                    <a:pos x="connsiteX0" y="connsiteY0"/>
+                  </a:cxn>
+                  <a:cxn ang="0">
+                    <a:pos x="connsiteX1" y="connsiteY1"/>
+                  </a:cxn>
+                  <a:cxn ang="0">
+                    <a:pos x="connsiteX2" y="connsiteY2"/>
+                  </a:cxn>
+                  <a:cxn ang="0">
+                    <a:pos x="connsiteX3" y="connsiteY3"/>
+                  </a:cxn>
+                  <a:cxn ang="0">
+                    <a:pos x="connsiteX4" y="connsiteY4"/>
+                  </a:cxn>
+                  <a:cxn ang="0">
+                    <a:pos x="connsiteX5" y="connsiteY5"/>
+                  </a:cxn>
+                  <a:cxn ang="0">
+                    <a:pos x="connsiteX6" y="connsiteY6"/>
+                  </a:cxn>
+                  <a:cxn ang="0">
+                    <a:pos x="connsiteX7" y="connsiteY7"/>
+                  </a:cxn>
+                  <a:cxn ang="0">
+                    <a:pos x="connsiteX8" y="connsiteY8"/>
+                  </a:cxn>
+                  <a:cxn ang="0">
+                    <a:pos x="connsiteX9" y="connsiteY9"/>
+                  </a:cxn>
+                  <a:cxn ang="0">
+                    <a:pos x="connsiteX10" y="connsiteY10"/>
+                  </a:cxn>
+                  <a:cxn ang="0">
+                    <a:pos x="connsiteX11" y="connsiteY11"/>
+                  </a:cxn>
+                  <a:cxn ang="0">
+                    <a:pos x="connsiteX12" y="connsiteY12"/>
+                  </a:cxn>
+                  <a:cxn ang="0">
+                    <a:pos x="connsiteX13" y="connsiteY13"/>
+                  </a:cxn>
+                  <a:cxn ang="0">
+                    <a:pos x="connsiteX14" y="connsiteY14"/>
+                  </a:cxn>
+                  <a:cxn ang="0">
+                    <a:pos x="connsiteX15" y="connsiteY15"/>
+                  </a:cxn>
+                  <a:cxn ang="0">
+                    <a:pos x="connsiteX16" y="connsiteY16"/>
+                  </a:cxn>
+                  <a:cxn ang="0">
+                    <a:pos x="connsiteX17" y="connsiteY17"/>
+                  </a:cxn>
+                  <a:cxn ang="0">
+                    <a:pos x="connsiteX18" y="connsiteY18"/>
+                  </a:cxn>
+                  <a:cxn ang="0">
+                    <a:pos x="connsiteX19" y="connsiteY19"/>
+                  </a:cxn>
+                  <a:cxn ang="0">
+                    <a:pos x="connsiteX20" y="connsiteY20"/>
+                  </a:cxn>
+                  <a:cxn ang="0">
+                    <a:pos x="connsiteX21" y="connsiteY21"/>
+                  </a:cxn>
+                  <a:cxn ang="0">
+                    <a:pos x="connsiteX22" y="connsiteY22"/>
+                  </a:cxn>
+                  <a:cxn ang="0">
+                    <a:pos x="connsiteX23" y="connsiteY23"/>
+                  </a:cxn>
+                </a:cxnLst>
+                <a:rect l="l" t="t" r="r" b="b"/>
+                <a:pathLst>
+                  <a:path w="3665410" h="2985611">
+                    <a:moveTo>
+                      <a:pt x="0" y="2985611"/>
+                    </a:moveTo>
+                    <a:cubicBezTo>
+                      <a:pt x="0" y="2985611"/>
+                      <a:pt x="86773" y="2802827"/>
+                      <a:pt x="166211" y="2699766"/>
+                    </a:cubicBezTo>
+                    <a:cubicBezTo>
+                      <a:pt x="240983" y="2602706"/>
+                      <a:pt x="309182" y="2500122"/>
+                      <a:pt x="397002" y="2414969"/>
+                    </a:cubicBezTo>
+                    <a:cubicBezTo>
+                      <a:pt x="465296" y="2348865"/>
+                      <a:pt x="543592" y="2294477"/>
+                      <a:pt x="620173" y="2237899"/>
+                    </a:cubicBezTo>
+                    <a:cubicBezTo>
+                      <a:pt x="688277" y="2187607"/>
+                      <a:pt x="755333" y="2135886"/>
+                      <a:pt x="823341" y="2085499"/>
+                    </a:cubicBezTo>
+                    <a:cubicBezTo>
+                      <a:pt x="908685" y="2022253"/>
+                      <a:pt x="994791" y="1959197"/>
+                      <a:pt x="1089565" y="1911477"/>
+                    </a:cubicBezTo>
+                    <a:cubicBezTo>
+                      <a:pt x="1107662" y="1902428"/>
+                      <a:pt x="1126141" y="1894141"/>
+                      <a:pt x="1145000" y="1886807"/>
+                    </a:cubicBezTo>
+                    <a:cubicBezTo>
+                      <a:pt x="1218819" y="1858232"/>
+                      <a:pt x="1296924" y="1838611"/>
+                      <a:pt x="1375791" y="1842135"/>
+                    </a:cubicBezTo>
+                    <a:cubicBezTo>
+                      <a:pt x="1413129" y="1843754"/>
+                      <a:pt x="1449896" y="1850422"/>
+                      <a:pt x="1486567" y="1857566"/>
+                    </a:cubicBezTo>
+                    <a:cubicBezTo>
+                      <a:pt x="1513618" y="1862804"/>
+                      <a:pt x="1540859" y="1867376"/>
+                      <a:pt x="1568101" y="1871377"/>
+                    </a:cubicBezTo>
+                    <a:cubicBezTo>
+                      <a:pt x="1648778" y="1883188"/>
+                      <a:pt x="1730978" y="1887665"/>
+                      <a:pt x="1810607" y="1871377"/>
+                    </a:cubicBezTo>
+                    <a:cubicBezTo>
+                      <a:pt x="1877854" y="1857661"/>
+                      <a:pt x="1941100" y="1829086"/>
+                      <a:pt x="1997964" y="1790605"/>
+                    </a:cubicBezTo>
+                    <a:cubicBezTo>
+                      <a:pt x="2037302" y="1764030"/>
+                      <a:pt x="2073497" y="1733264"/>
+                      <a:pt x="2109883" y="1702784"/>
+                    </a:cubicBezTo>
+                    <a:cubicBezTo>
+                      <a:pt x="2176367" y="1647063"/>
+                      <a:pt x="2244852" y="1593151"/>
+                      <a:pt x="2321433" y="1552384"/>
+                    </a:cubicBezTo>
+                    <a:cubicBezTo>
+                      <a:pt x="2397157" y="1512094"/>
+                      <a:pt x="2479548" y="1486281"/>
+                      <a:pt x="2558891" y="1453420"/>
+                    </a:cubicBezTo>
+                    <a:cubicBezTo>
+                      <a:pt x="2610898" y="1431798"/>
+                      <a:pt x="2661571" y="1407033"/>
+                      <a:pt x="2709767" y="1377887"/>
+                    </a:cubicBezTo>
+                    <a:cubicBezTo>
+                      <a:pt x="2774252" y="1338929"/>
+                      <a:pt x="2834069" y="1292447"/>
+                      <a:pt x="2885408" y="1237393"/>
+                    </a:cubicBezTo>
+                    <a:cubicBezTo>
+                      <a:pt x="2933605" y="1185767"/>
+                      <a:pt x="2973324" y="1127093"/>
+                      <a:pt x="3017711" y="1072229"/>
+                    </a:cubicBezTo>
+                    <a:cubicBezTo>
+                      <a:pt x="3059811" y="1020223"/>
+                      <a:pt x="3105912" y="971645"/>
+                      <a:pt x="3150680" y="921830"/>
+                    </a:cubicBezTo>
+                    <a:cubicBezTo>
+                      <a:pt x="3186113" y="882396"/>
+                      <a:pt x="3220593" y="842010"/>
+                      <a:pt x="3255169" y="801815"/>
+                    </a:cubicBezTo>
+                    <a:cubicBezTo>
+                      <a:pt x="3284887" y="767239"/>
+                      <a:pt x="3314605" y="732473"/>
+                      <a:pt x="3339275" y="694182"/>
+                    </a:cubicBezTo>
+                    <a:cubicBezTo>
+                      <a:pt x="3368707" y="648367"/>
+                      <a:pt x="3390138" y="597980"/>
+                      <a:pt x="3409188" y="546926"/>
+                    </a:cubicBezTo>
+                    <a:cubicBezTo>
+                      <a:pt x="3433382" y="482156"/>
+                      <a:pt x="3453384" y="415861"/>
+                      <a:pt x="3464243" y="347663"/>
+                    </a:cubicBezTo>
+                    <a:cubicBezTo>
+                      <a:pt x="3476244" y="272224"/>
+                      <a:pt x="3661696" y="76295"/>
+                      <a:pt x="3665411" y="0"/>
+                    </a:cubicBezTo>
+                  </a:path>
+                </a:pathLst>
+              </a:custGeom>
+              <a:noFill/>
+              <a:ln w="9525" cap="rnd">
+                <a:solidFill>
+                  <a:schemeClr val="accent2">
+                    <a:alpha val="35000"/>
+                  </a:schemeClr>
+                </a:solidFill>
+                <a:prstDash val="lgDash"/>
+                <a:round/>
+              </a:ln>
+            </p:spPr>
+            <p:txBody>
+              <a:bodyPr rtlCol="0" anchor="ctr"/>
+              <a:lstStyle/>
+              <a:p>
+                <a:endParaRPr lang="en-US"/>
+              </a:p>
+            </p:txBody>
+          </p:sp>
+          <p:sp>
+            <p:nvSpPr>
+              <p:cNvPr id="59" name="Freeform: Shape 58">
+                <a:extLst>
+                  <a:ext uri="{FF2B5EF4-FFF2-40B4-BE49-F238E27FC236}">
+                    <a16:creationId xmlns:a16="http://schemas.microsoft.com/office/drawing/2014/main" id="{2425BAEB-7B00-4394-8302-CF2DEA74403F}"/>
+                  </a:ext>
+                  <a:ext uri="{C183D7F6-B498-43B3-948B-1728B52AA6E4}">
+                    <adec:decorative xmlns:adec="http://schemas.microsoft.com/office/drawing/2017/decorative" val="1"/>
+                  </a:ext>
+                </a:extLst>
+              </p:cNvPr>
+              <p:cNvSpPr/>
+              <p:nvPr>
+                <p:extLst>
+                  <p:ext uri="{386F3935-93C4-4BCD-93E2-E3B085C9AB24}">
+                    <p16:designElem xmlns:p16="http://schemas.microsoft.com/office/powerpoint/2015/main" val="1"/>
+                  </p:ext>
+                </p:extLst>
+              </p:nvPr>
+            </p:nvSpPr>
+            <p:spPr>
+              <a:xfrm>
+                <a:off x="7790402" y="5229700"/>
+                <a:ext cx="285940" cy="199072"/>
+              </a:xfrm>
+              <a:custGeom>
+                <a:avLst/>
+                <a:gdLst>
+                  <a:gd name="connsiteX0" fmla="*/ 0 w 285940"/>
+                  <a:gd name="connsiteY0" fmla="*/ 199073 h 199072"/>
+                  <a:gd name="connsiteX1" fmla="*/ 285940 w 285940"/>
+                  <a:gd name="connsiteY1" fmla="*/ 0 h 199072"/>
+                </a:gdLst>
+                <a:ahLst/>
+                <a:cxnLst>
+                  <a:cxn ang="0">
+                    <a:pos x="connsiteX0" y="connsiteY0"/>
+                  </a:cxn>
+                  <a:cxn ang="0">
+                    <a:pos x="connsiteX1" y="connsiteY1"/>
+                  </a:cxn>
+                </a:cxnLst>
+                <a:rect l="l" t="t" r="r" b="b"/>
+                <a:pathLst>
+                  <a:path w="285940" h="199072">
+                    <a:moveTo>
+                      <a:pt x="0" y="199073"/>
+                    </a:moveTo>
+                    <a:cubicBezTo>
+                      <a:pt x="0" y="199073"/>
+                      <a:pt x="242125" y="39243"/>
+                      <a:pt x="285940" y="0"/>
+                    </a:cubicBezTo>
+                  </a:path>
+                </a:pathLst>
+              </a:custGeom>
+              <a:noFill/>
+              <a:ln w="9525" cap="rnd">
+                <a:solidFill>
+                  <a:schemeClr val="accent2">
+                    <a:alpha val="35000"/>
+                  </a:schemeClr>
+                </a:solidFill>
+                <a:prstDash val="lgDash"/>
+                <a:round/>
+              </a:ln>
+            </p:spPr>
+            <p:txBody>
+              <a:bodyPr rtlCol="0" anchor="ctr"/>
+              <a:lstStyle/>
+              <a:p>
+                <a:endParaRPr lang="en-US"/>
+              </a:p>
+            </p:txBody>
+          </p:sp>
+          <p:sp>
+            <p:nvSpPr>
+              <p:cNvPr id="60" name="Freeform: Shape 59">
+                <a:extLst>
+                  <a:ext uri="{FF2B5EF4-FFF2-40B4-BE49-F238E27FC236}">
+                    <a16:creationId xmlns:a16="http://schemas.microsoft.com/office/drawing/2014/main" id="{4917EE8E-E8BC-42F3-BEE3-2F84E8F64D01}"/>
+                  </a:ext>
+                  <a:ext uri="{C183D7F6-B498-43B3-948B-1728B52AA6E4}">
+                    <adec:decorative xmlns:adec="http://schemas.microsoft.com/office/drawing/2017/decorative" val="1"/>
+                  </a:ext>
+                </a:extLst>
+              </p:cNvPr>
+              <p:cNvSpPr/>
+              <p:nvPr>
+                <p:extLst>
+                  <p:ext uri="{386F3935-93C4-4BCD-93E2-E3B085C9AB24}">
+                    <p16:designElem xmlns:p16="http://schemas.microsoft.com/office/powerpoint/2015/main" val="1"/>
+                  </p:ext>
+                </p:extLst>
+              </p:nvPr>
+            </p:nvSpPr>
+            <p:spPr>
+              <a:xfrm>
+                <a:off x="7393114" y="5049773"/>
+                <a:ext cx="655796" cy="381190"/>
+              </a:xfrm>
+              <a:custGeom>
+                <a:avLst/>
+                <a:gdLst>
+                  <a:gd name="connsiteX0" fmla="*/ 0 w 655796"/>
+                  <a:gd name="connsiteY0" fmla="*/ 381190 h 381190"/>
+                  <a:gd name="connsiteX1" fmla="*/ 655796 w 655796"/>
+                  <a:gd name="connsiteY1" fmla="*/ 0 h 381190"/>
+                </a:gdLst>
+                <a:ahLst/>
+                <a:cxnLst>
+                  <a:cxn ang="0">
+                    <a:pos x="connsiteX0" y="connsiteY0"/>
+                  </a:cxn>
+                  <a:cxn ang="0">
+                    <a:pos x="connsiteX1" y="connsiteY1"/>
+                  </a:cxn>
+                </a:cxnLst>
+                <a:rect l="l" t="t" r="r" b="b"/>
+                <a:pathLst>
+                  <a:path w="655796" h="381190">
+                    <a:moveTo>
+                      <a:pt x="0" y="381190"/>
+                    </a:moveTo>
+                    <a:cubicBezTo>
+                      <a:pt x="0" y="381190"/>
+                      <a:pt x="461105" y="172117"/>
+                      <a:pt x="655796" y="0"/>
+                    </a:cubicBezTo>
+                  </a:path>
+                </a:pathLst>
+              </a:custGeom>
+              <a:noFill/>
+              <a:ln w="9525" cap="rnd">
+                <a:solidFill>
+                  <a:schemeClr val="accent2">
+                    <a:alpha val="35000"/>
+                  </a:schemeClr>
+                </a:solidFill>
+                <a:prstDash val="lgDash"/>
+                <a:round/>
+              </a:ln>
+            </p:spPr>
+            <p:txBody>
+              <a:bodyPr rtlCol="0" anchor="ctr"/>
+              <a:lstStyle/>
+              <a:p>
+                <a:endParaRPr lang="en-US"/>
+              </a:p>
+            </p:txBody>
+          </p:sp>
+          <p:sp>
+            <p:nvSpPr>
+              <p:cNvPr id="61" name="Freeform: Shape 60">
+                <a:extLst>
+                  <a:ext uri="{FF2B5EF4-FFF2-40B4-BE49-F238E27FC236}">
+                    <a16:creationId xmlns:a16="http://schemas.microsoft.com/office/drawing/2014/main" id="{B8647303-59FF-4A2B-8D6D-FB229E6590A8}"/>
+                  </a:ext>
+                  <a:ext uri="{C183D7F6-B498-43B3-948B-1728B52AA6E4}">
+                    <adec:decorative xmlns:adec="http://schemas.microsoft.com/office/drawing/2017/decorative" val="1"/>
+                  </a:ext>
+                </a:extLst>
+              </p:cNvPr>
+              <p:cNvSpPr/>
+              <p:nvPr>
+                <p:extLst>
+                  <p:ext uri="{386F3935-93C4-4BCD-93E2-E3B085C9AB24}">
+                    <p16:designElem xmlns:p16="http://schemas.microsoft.com/office/powerpoint/2015/main" val="1"/>
+                  </p:ext>
+                </p:extLst>
+              </p:nvPr>
+            </p:nvSpPr>
+            <p:spPr>
+              <a:xfrm>
+                <a:off x="5154072" y="3867816"/>
+                <a:ext cx="2907315" cy="1544764"/>
+              </a:xfrm>
+              <a:custGeom>
+                <a:avLst/>
+                <a:gdLst>
+                  <a:gd name="connsiteX0" fmla="*/ 0 w 2907315"/>
+                  <a:gd name="connsiteY0" fmla="*/ 1544764 h 1544764"/>
+                  <a:gd name="connsiteX1" fmla="*/ 201644 w 2907315"/>
+                  <a:gd name="connsiteY1" fmla="*/ 1352550 h 1544764"/>
+                  <a:gd name="connsiteX2" fmla="*/ 423196 w 2907315"/>
+                  <a:gd name="connsiteY2" fmla="*/ 1196054 h 1544764"/>
+                  <a:gd name="connsiteX3" fmla="*/ 782193 w 2907315"/>
+                  <a:gd name="connsiteY3" fmla="*/ 1099947 h 1544764"/>
+                  <a:gd name="connsiteX4" fmla="*/ 1052513 w 2907315"/>
+                  <a:gd name="connsiteY4" fmla="*/ 1042321 h 1544764"/>
+                  <a:gd name="connsiteX5" fmla="*/ 1311783 w 2907315"/>
+                  <a:gd name="connsiteY5" fmla="*/ 1056037 h 1544764"/>
+                  <a:gd name="connsiteX6" fmla="*/ 1484662 w 2907315"/>
+                  <a:gd name="connsiteY6" fmla="*/ 1083469 h 1544764"/>
+                  <a:gd name="connsiteX7" fmla="*/ 1788224 w 2907315"/>
+                  <a:gd name="connsiteY7" fmla="*/ 1023080 h 1544764"/>
+                  <a:gd name="connsiteX8" fmla="*/ 2269045 w 2907315"/>
+                  <a:gd name="connsiteY8" fmla="*/ 734758 h 1544764"/>
+                  <a:gd name="connsiteX9" fmla="*/ 2534984 w 2907315"/>
+                  <a:gd name="connsiteY9" fmla="*/ 572738 h 1544764"/>
+                  <a:gd name="connsiteX10" fmla="*/ 2907316 w 2907315"/>
+                  <a:gd name="connsiteY10" fmla="*/ 0 h 1544764"/>
+                </a:gdLst>
+                <a:ahLst/>
+                <a:cxnLst>
+                  <a:cxn ang="0">
+                    <a:pos x="connsiteX0" y="connsiteY0"/>
+                  </a:cxn>
+                  <a:cxn ang="0">
+                    <a:pos x="connsiteX1" y="connsiteY1"/>
+                  </a:cxn>
+                  <a:cxn ang="0">
+                    <a:pos x="connsiteX2" y="connsiteY2"/>
+                  </a:cxn>
+                  <a:cxn ang="0">
+                    <a:pos x="connsiteX3" y="connsiteY3"/>
+                  </a:cxn>
+                  <a:cxn ang="0">
+                    <a:pos x="connsiteX4" y="connsiteY4"/>
+                  </a:cxn>
+                  <a:cxn ang="0">
+                    <a:pos x="connsiteX5" y="connsiteY5"/>
+                  </a:cxn>
+                  <a:cxn ang="0">
+                    <a:pos x="connsiteX6" y="connsiteY6"/>
+                  </a:cxn>
+                  <a:cxn ang="0">
+                    <a:pos x="connsiteX7" y="connsiteY7"/>
+                  </a:cxn>
+                  <a:cxn ang="0">
+                    <a:pos x="connsiteX8" y="connsiteY8"/>
+                  </a:cxn>
+                  <a:cxn ang="0">
+                    <a:pos x="connsiteX9" y="connsiteY9"/>
+                  </a:cxn>
+                  <a:cxn ang="0">
+                    <a:pos x="connsiteX10" y="connsiteY10"/>
+                  </a:cxn>
+                </a:cxnLst>
+                <a:rect l="l" t="t" r="r" b="b"/>
+                <a:pathLst>
+                  <a:path w="2907315" h="1544764">
+                    <a:moveTo>
+                      <a:pt x="0" y="1544764"/>
+                    </a:moveTo>
+                    <a:cubicBezTo>
+                      <a:pt x="0" y="1544764"/>
+                      <a:pt x="98012" y="1443990"/>
+                      <a:pt x="201644" y="1352550"/>
+                    </a:cubicBezTo>
+                    <a:cubicBezTo>
+                      <a:pt x="271272" y="1291209"/>
+                      <a:pt x="343662" y="1234249"/>
+                      <a:pt x="423196" y="1196054"/>
+                    </a:cubicBezTo>
+                    <a:cubicBezTo>
+                      <a:pt x="537591" y="1141095"/>
+                      <a:pt x="661226" y="1127189"/>
+                      <a:pt x="782193" y="1099947"/>
+                    </a:cubicBezTo>
+                    <a:cubicBezTo>
+                      <a:pt x="872300" y="1079659"/>
+                      <a:pt x="961358" y="1051370"/>
+                      <a:pt x="1052513" y="1042321"/>
+                    </a:cubicBezTo>
+                    <a:cubicBezTo>
+                      <a:pt x="1139000" y="1033653"/>
+                      <a:pt x="1225868" y="1040321"/>
+                      <a:pt x="1311783" y="1056037"/>
+                    </a:cubicBezTo>
+                    <a:cubicBezTo>
+                      <a:pt x="1369314" y="1066609"/>
+                      <a:pt x="1426559" y="1079373"/>
+                      <a:pt x="1484662" y="1083469"/>
+                    </a:cubicBezTo>
+                    <a:cubicBezTo>
+                      <a:pt x="1587913" y="1090803"/>
+                      <a:pt x="1690402" y="1064800"/>
+                      <a:pt x="1788224" y="1023080"/>
+                    </a:cubicBezTo>
+                    <a:cubicBezTo>
+                      <a:pt x="1956721" y="951262"/>
+                      <a:pt x="2106549" y="825722"/>
+                      <a:pt x="2269045" y="734758"/>
+                    </a:cubicBezTo>
+                    <a:cubicBezTo>
+                      <a:pt x="2359438" y="684181"/>
+                      <a:pt x="2452497" y="640556"/>
+                      <a:pt x="2534984" y="572738"/>
+                    </a:cubicBezTo>
+                    <a:cubicBezTo>
+                      <a:pt x="2673001" y="459391"/>
+                      <a:pt x="2847023" y="191453"/>
+                      <a:pt x="2907316" y="0"/>
+                    </a:cubicBezTo>
+                  </a:path>
+                </a:pathLst>
+              </a:custGeom>
+              <a:noFill/>
+              <a:ln w="9525" cap="rnd">
+                <a:solidFill>
+                  <a:schemeClr val="accent2">
+                    <a:alpha val="35000"/>
+                  </a:schemeClr>
+                </a:solidFill>
+                <a:prstDash val="lgDash"/>
+                <a:round/>
+              </a:ln>
+            </p:spPr>
+            <p:txBody>
+              <a:bodyPr rtlCol="0" anchor="ctr"/>
+              <a:lstStyle/>
+              <a:p>
+                <a:endParaRPr lang="en-US"/>
+              </a:p>
+            </p:txBody>
+          </p:sp>
+          <p:sp>
+            <p:nvSpPr>
+              <p:cNvPr id="62" name="Freeform: Shape 61">
+                <a:extLst>
+                  <a:ext uri="{FF2B5EF4-FFF2-40B4-BE49-F238E27FC236}">
+                    <a16:creationId xmlns:a16="http://schemas.microsoft.com/office/drawing/2014/main" id="{7BD597AB-C6D9-437D-BBFE-8007D4ED0FEE}"/>
+                  </a:ext>
+                  <a:ext uri="{C183D7F6-B498-43B3-948B-1728B52AA6E4}">
+                    <adec:decorative xmlns:adec="http://schemas.microsoft.com/office/drawing/2017/decorative" val="1"/>
+                  </a:ext>
+                </a:extLst>
+              </p:cNvPr>
+              <p:cNvSpPr/>
+              <p:nvPr>
+                <p:extLst>
+                  <p:ext uri="{386F3935-93C4-4BCD-93E2-E3B085C9AB24}">
+                    <p16:designElem xmlns:p16="http://schemas.microsoft.com/office/powerpoint/2015/main" val="1"/>
+                  </p:ext>
+                </p:extLst>
+              </p:nvPr>
+            </p:nvSpPr>
+            <p:spPr>
+              <a:xfrm>
+                <a:off x="4907946" y="3479100"/>
+                <a:ext cx="3168300" cy="1952434"/>
+              </a:xfrm>
+              <a:custGeom>
+                <a:avLst/>
+                <a:gdLst>
+                  <a:gd name="connsiteX0" fmla="*/ 0 w 3168300"/>
+                  <a:gd name="connsiteY0" fmla="*/ 1952435 h 1952434"/>
+                  <a:gd name="connsiteX1" fmla="*/ 202121 w 3168300"/>
+                  <a:gd name="connsiteY1" fmla="*/ 1687068 h 1952434"/>
+                  <a:gd name="connsiteX2" fmla="*/ 545116 w 3168300"/>
+                  <a:gd name="connsiteY2" fmla="*/ 1450277 h 1952434"/>
+                  <a:gd name="connsiteX3" fmla="*/ 906780 w 3168300"/>
+                  <a:gd name="connsiteY3" fmla="*/ 1354455 h 1952434"/>
+                  <a:gd name="connsiteX4" fmla="*/ 1332262 w 3168300"/>
+                  <a:gd name="connsiteY4" fmla="*/ 1285304 h 1952434"/>
+                  <a:gd name="connsiteX5" fmla="*/ 1691259 w 3168300"/>
+                  <a:gd name="connsiteY5" fmla="*/ 1240060 h 1952434"/>
+                  <a:gd name="connsiteX6" fmla="*/ 2010346 w 3168300"/>
+                  <a:gd name="connsiteY6" fmla="*/ 1141667 h 1952434"/>
+                  <a:gd name="connsiteX7" fmla="*/ 2393252 w 3168300"/>
+                  <a:gd name="connsiteY7" fmla="*/ 1027271 h 1952434"/>
+                  <a:gd name="connsiteX8" fmla="*/ 2582037 w 3168300"/>
+                  <a:gd name="connsiteY8" fmla="*/ 958120 h 1952434"/>
+                  <a:gd name="connsiteX9" fmla="*/ 2760155 w 3168300"/>
+                  <a:gd name="connsiteY9" fmla="*/ 827723 h 1952434"/>
+                  <a:gd name="connsiteX10" fmla="*/ 2914364 w 3168300"/>
+                  <a:gd name="connsiteY10" fmla="*/ 567023 h 1952434"/>
+                  <a:gd name="connsiteX11" fmla="*/ 3168301 w 3168300"/>
+                  <a:gd name="connsiteY11" fmla="*/ 0 h 1952434"/>
+                </a:gdLst>
+                <a:ahLst/>
+                <a:cxnLst>
+                  <a:cxn ang="0">
+                    <a:pos x="connsiteX0" y="connsiteY0"/>
+                  </a:cxn>
+                  <a:cxn ang="0">
+                    <a:pos x="connsiteX1" y="connsiteY1"/>
+                  </a:cxn>
+                  <a:cxn ang="0">
+                    <a:pos x="connsiteX2" y="connsiteY2"/>
+                  </a:cxn>
+                  <a:cxn ang="0">
+                    <a:pos x="connsiteX3" y="connsiteY3"/>
+                  </a:cxn>
+                  <a:cxn ang="0">
+                    <a:pos x="connsiteX4" y="connsiteY4"/>
+                  </a:cxn>
+                  <a:cxn ang="0">
+                    <a:pos x="connsiteX5" y="connsiteY5"/>
+                  </a:cxn>
+                  <a:cxn ang="0">
+                    <a:pos x="connsiteX6" y="connsiteY6"/>
+                  </a:cxn>
+                  <a:cxn ang="0">
+                    <a:pos x="connsiteX7" y="connsiteY7"/>
+                  </a:cxn>
+                  <a:cxn ang="0">
+                    <a:pos x="connsiteX8" y="connsiteY8"/>
+                  </a:cxn>
+                  <a:cxn ang="0">
+                    <a:pos x="connsiteX9" y="connsiteY9"/>
+                  </a:cxn>
+                  <a:cxn ang="0">
+                    <a:pos x="connsiteX10" y="connsiteY10"/>
+                  </a:cxn>
+                  <a:cxn ang="0">
+                    <a:pos x="connsiteX11" y="connsiteY11"/>
+                  </a:cxn>
+                </a:cxnLst>
+                <a:rect l="l" t="t" r="r" b="b"/>
+                <a:pathLst>
+                  <a:path w="3168300" h="1952434">
+                    <a:moveTo>
+                      <a:pt x="0" y="1952435"/>
+                    </a:moveTo>
+                    <a:cubicBezTo>
+                      <a:pt x="0" y="1952435"/>
+                      <a:pt x="91059" y="1796415"/>
+                      <a:pt x="202121" y="1687068"/>
+                    </a:cubicBezTo>
+                    <a:cubicBezTo>
+                      <a:pt x="301943" y="1588675"/>
+                      <a:pt x="416528" y="1505617"/>
+                      <a:pt x="545116" y="1450277"/>
+                    </a:cubicBezTo>
+                    <a:cubicBezTo>
+                      <a:pt x="659987" y="1400747"/>
+                      <a:pt x="783622" y="1377601"/>
+                      <a:pt x="906780" y="1354455"/>
+                    </a:cubicBezTo>
+                    <a:cubicBezTo>
+                      <a:pt x="1048036" y="1327976"/>
+                      <a:pt x="1189482" y="1301972"/>
+                      <a:pt x="1332262" y="1285304"/>
+                    </a:cubicBezTo>
+                    <a:cubicBezTo>
+                      <a:pt x="1452182" y="1271302"/>
+                      <a:pt x="1573340" y="1265873"/>
+                      <a:pt x="1691259" y="1240060"/>
+                    </a:cubicBezTo>
+                    <a:cubicBezTo>
+                      <a:pt x="1800035" y="1216247"/>
+                      <a:pt x="1904619" y="1176718"/>
+                      <a:pt x="2010346" y="1141667"/>
+                    </a:cubicBezTo>
+                    <a:cubicBezTo>
+                      <a:pt x="2136743" y="1099661"/>
+                      <a:pt x="2265902" y="1066229"/>
+                      <a:pt x="2393252" y="1027271"/>
+                    </a:cubicBezTo>
+                    <a:cubicBezTo>
+                      <a:pt x="2457450" y="1007650"/>
+                      <a:pt x="2521744" y="987552"/>
+                      <a:pt x="2582037" y="958120"/>
+                    </a:cubicBezTo>
+                    <a:cubicBezTo>
+                      <a:pt x="2648807" y="925449"/>
+                      <a:pt x="2710815" y="883349"/>
+                      <a:pt x="2760155" y="827723"/>
+                    </a:cubicBezTo>
+                    <a:cubicBezTo>
+                      <a:pt x="2827496" y="751904"/>
+                      <a:pt x="2867978" y="657511"/>
+                      <a:pt x="2914364" y="567023"/>
+                    </a:cubicBezTo>
+                    <a:cubicBezTo>
+                      <a:pt x="2972753" y="453200"/>
+                      <a:pt x="3119152" y="118015"/>
+                      <a:pt x="3168301" y="0"/>
+                    </a:cubicBezTo>
+                  </a:path>
+                </a:pathLst>
+              </a:custGeom>
+              <a:noFill/>
+              <a:ln w="9525" cap="rnd">
+                <a:solidFill>
+                  <a:schemeClr val="accent2">
+                    <a:alpha val="35000"/>
+                  </a:schemeClr>
+                </a:solidFill>
+                <a:prstDash val="lgDash"/>
+                <a:round/>
+              </a:ln>
+            </p:spPr>
+            <p:txBody>
+              <a:bodyPr rtlCol="0" anchor="ctr"/>
+              <a:lstStyle/>
+              <a:p>
+                <a:endParaRPr lang="en-US"/>
+              </a:p>
+            </p:txBody>
+          </p:sp>
+          <p:sp>
+            <p:nvSpPr>
+              <p:cNvPr id="63" name="Freeform: Shape 62">
+                <a:extLst>
+                  <a:ext uri="{FF2B5EF4-FFF2-40B4-BE49-F238E27FC236}">
+                    <a16:creationId xmlns:a16="http://schemas.microsoft.com/office/drawing/2014/main" id="{4FA09AC9-DA2A-4216-BBFD-96E701FB85D9}"/>
+                  </a:ext>
+                  <a:ext uri="{C183D7F6-B498-43B3-948B-1728B52AA6E4}">
+                    <adec:decorative xmlns:adec="http://schemas.microsoft.com/office/drawing/2017/decorative" val="1"/>
+                  </a:ext>
+                </a:extLst>
+              </p:cNvPr>
+              <p:cNvSpPr/>
+              <p:nvPr>
+                <p:extLst>
+                  <p:ext uri="{386F3935-93C4-4BCD-93E2-E3B085C9AB24}">
+                    <p16:designElem xmlns:p16="http://schemas.microsoft.com/office/powerpoint/2015/main" val="1"/>
+                  </p:ext>
+                </p:extLst>
+              </p:nvPr>
+            </p:nvSpPr>
+            <p:spPr>
+              <a:xfrm>
+                <a:off x="4704778" y="2976752"/>
+                <a:ext cx="3356800" cy="2452020"/>
+              </a:xfrm>
+              <a:custGeom>
+                <a:avLst/>
+                <a:gdLst>
+                  <a:gd name="connsiteX0" fmla="*/ 0 w 3356800"/>
+                  <a:gd name="connsiteY0" fmla="*/ 2452021 h 2452020"/>
+                  <a:gd name="connsiteX1" fmla="*/ 130874 w 3356800"/>
+                  <a:gd name="connsiteY1" fmla="*/ 2247710 h 2452020"/>
+                  <a:gd name="connsiteX2" fmla="*/ 437197 w 3356800"/>
+                  <a:gd name="connsiteY2" fmla="*/ 1941195 h 2452020"/>
+                  <a:gd name="connsiteX3" fmla="*/ 737140 w 3356800"/>
+                  <a:gd name="connsiteY3" fmla="*/ 1736884 h 2452020"/>
+                  <a:gd name="connsiteX4" fmla="*/ 1031843 w 3356800"/>
+                  <a:gd name="connsiteY4" fmla="*/ 1685068 h 2452020"/>
+                  <a:gd name="connsiteX5" fmla="*/ 1287304 w 3356800"/>
+                  <a:gd name="connsiteY5" fmla="*/ 1655826 h 2452020"/>
+                  <a:gd name="connsiteX6" fmla="*/ 1471994 w 3356800"/>
+                  <a:gd name="connsiteY6" fmla="*/ 1634300 h 2452020"/>
+                  <a:gd name="connsiteX7" fmla="*/ 1898237 w 3356800"/>
+                  <a:gd name="connsiteY7" fmla="*/ 1512665 h 2452020"/>
+                  <a:gd name="connsiteX8" fmla="*/ 2229136 w 3356800"/>
+                  <a:gd name="connsiteY8" fmla="*/ 1355598 h 2452020"/>
+                  <a:gd name="connsiteX9" fmla="*/ 2512314 w 3356800"/>
+                  <a:gd name="connsiteY9" fmla="*/ 1238631 h 2452020"/>
+                  <a:gd name="connsiteX10" fmla="*/ 2758535 w 3356800"/>
+                  <a:gd name="connsiteY10" fmla="*/ 1096994 h 2452020"/>
+                  <a:gd name="connsiteX11" fmla="*/ 2935510 w 3356800"/>
+                  <a:gd name="connsiteY11" fmla="*/ 919925 h 2452020"/>
+                  <a:gd name="connsiteX12" fmla="*/ 3081719 w 3356800"/>
+                  <a:gd name="connsiteY12" fmla="*/ 687419 h 2452020"/>
+                  <a:gd name="connsiteX13" fmla="*/ 3356800 w 3356800"/>
+                  <a:gd name="connsiteY13" fmla="*/ 0 h 2452020"/>
+                </a:gdLst>
+                <a:ahLst/>
+                <a:cxnLst>
+                  <a:cxn ang="0">
+                    <a:pos x="connsiteX0" y="connsiteY0"/>
+                  </a:cxn>
+                  <a:cxn ang="0">
+                    <a:pos x="connsiteX1" y="connsiteY1"/>
+                  </a:cxn>
+                  <a:cxn ang="0">
+                    <a:pos x="connsiteX2" y="connsiteY2"/>
+                  </a:cxn>
+                  <a:cxn ang="0">
+                    <a:pos x="connsiteX3" y="connsiteY3"/>
+                  </a:cxn>
+                  <a:cxn ang="0">
+                    <a:pos x="connsiteX4" y="connsiteY4"/>
+                  </a:cxn>
+                  <a:cxn ang="0">
+                    <a:pos x="connsiteX5" y="connsiteY5"/>
+                  </a:cxn>
+                  <a:cxn ang="0">
+                    <a:pos x="connsiteX6" y="connsiteY6"/>
+                  </a:cxn>
+                  <a:cxn ang="0">
+                    <a:pos x="connsiteX7" y="connsiteY7"/>
+                  </a:cxn>
+                  <a:cxn ang="0">
+                    <a:pos x="connsiteX8" y="connsiteY8"/>
+                  </a:cxn>
+                  <a:cxn ang="0">
+                    <a:pos x="connsiteX9" y="connsiteY9"/>
+                  </a:cxn>
+                  <a:cxn ang="0">
+                    <a:pos x="connsiteX10" y="connsiteY10"/>
+                  </a:cxn>
+                  <a:cxn ang="0">
+                    <a:pos x="connsiteX11" y="connsiteY11"/>
+                  </a:cxn>
+                  <a:cxn ang="0">
+                    <a:pos x="connsiteX12" y="connsiteY12"/>
+                  </a:cxn>
+                  <a:cxn ang="0">
+                    <a:pos x="connsiteX13" y="connsiteY13"/>
+                  </a:cxn>
+                </a:cxnLst>
+                <a:rect l="l" t="t" r="r" b="b"/>
+                <a:pathLst>
+                  <a:path w="3356800" h="2452020">
+                    <a:moveTo>
+                      <a:pt x="0" y="2452021"/>
+                    </a:moveTo>
+                    <a:cubicBezTo>
+                      <a:pt x="0" y="2452021"/>
+                      <a:pt x="57150" y="2344198"/>
+                      <a:pt x="130874" y="2247710"/>
+                    </a:cubicBezTo>
+                    <a:cubicBezTo>
+                      <a:pt x="218694" y="2132648"/>
+                      <a:pt x="328136" y="2036635"/>
+                      <a:pt x="437197" y="1941195"/>
+                    </a:cubicBezTo>
+                    <a:cubicBezTo>
+                      <a:pt x="529304" y="1860709"/>
+                      <a:pt x="623030" y="1779556"/>
+                      <a:pt x="737140" y="1736884"/>
+                    </a:cubicBezTo>
+                    <a:cubicBezTo>
+                      <a:pt x="830866" y="1701736"/>
+                      <a:pt x="932021" y="1695450"/>
+                      <a:pt x="1031843" y="1685068"/>
+                    </a:cubicBezTo>
+                    <a:cubicBezTo>
+                      <a:pt x="1117092" y="1676210"/>
+                      <a:pt x="1202055" y="1665160"/>
+                      <a:pt x="1287304" y="1655826"/>
+                    </a:cubicBezTo>
+                    <a:cubicBezTo>
+                      <a:pt x="1348931" y="1649063"/>
+                      <a:pt x="1410653" y="1643539"/>
+                      <a:pt x="1471994" y="1634300"/>
+                    </a:cubicBezTo>
+                    <a:cubicBezTo>
+                      <a:pt x="1618679" y="1612011"/>
+                      <a:pt x="1761935" y="1571149"/>
+                      <a:pt x="1898237" y="1512665"/>
+                    </a:cubicBezTo>
+                    <a:cubicBezTo>
+                      <a:pt x="2010442" y="1464564"/>
+                      <a:pt x="2117503" y="1405128"/>
+                      <a:pt x="2229136" y="1355598"/>
+                    </a:cubicBezTo>
+                    <a:cubicBezTo>
+                      <a:pt x="2322481" y="1314164"/>
+                      <a:pt x="2418969" y="1280160"/>
+                      <a:pt x="2512314" y="1238631"/>
+                    </a:cubicBezTo>
+                    <a:cubicBezTo>
+                      <a:pt x="2599087" y="1199960"/>
+                      <a:pt x="2683193" y="1154811"/>
+                      <a:pt x="2758535" y="1096994"/>
+                    </a:cubicBezTo>
+                    <a:cubicBezTo>
+                      <a:pt x="2825020" y="1046035"/>
+                      <a:pt x="2883789" y="985837"/>
+                      <a:pt x="2935510" y="919925"/>
+                    </a:cubicBezTo>
+                    <a:cubicBezTo>
+                      <a:pt x="2992184" y="847725"/>
+                      <a:pt x="3039904" y="769144"/>
+                      <a:pt x="3081719" y="687419"/>
+                    </a:cubicBezTo>
+                    <a:cubicBezTo>
+                      <a:pt x="3138297" y="576739"/>
+                      <a:pt x="3314129" y="116776"/>
+                      <a:pt x="3356800" y="0"/>
+                    </a:cubicBezTo>
+                  </a:path>
+                </a:pathLst>
+              </a:custGeom>
+              <a:noFill/>
+              <a:ln w="9525" cap="rnd">
+                <a:solidFill>
+                  <a:schemeClr val="accent2">
+                    <a:alpha val="35000"/>
+                  </a:schemeClr>
+                </a:solidFill>
+                <a:prstDash val="lgDash"/>
+                <a:round/>
+              </a:ln>
+            </p:spPr>
+            <p:txBody>
+              <a:bodyPr rtlCol="0" anchor="ctr"/>
+              <a:lstStyle/>
+              <a:p>
+                <a:endParaRPr lang="en-US"/>
+              </a:p>
+            </p:txBody>
+          </p:sp>
+        </p:grpSp>
+        <p:sp>
+          <p:nvSpPr>
+            <p:cNvPr id="56" name="Freeform: Shape 55">
+              <a:extLst>
+                <a:ext uri="{FF2B5EF4-FFF2-40B4-BE49-F238E27FC236}">
+                  <a16:creationId xmlns:a16="http://schemas.microsoft.com/office/drawing/2014/main" id="{A8AD4A98-C6D7-49C8-A31E-29C6DB7C067D}"/>
+                </a:ext>
+                <a:ext uri="{C183D7F6-B498-43B3-948B-1728B52AA6E4}">
+                  <adec:decorative xmlns:adec="http://schemas.microsoft.com/office/drawing/2017/decorative" val="1"/>
+                </a:ext>
+              </a:extLst>
+            </p:cNvPr>
+            <p:cNvSpPr/>
+            <p:nvPr>
+              <p:extLst>
+                <p:ext uri="{386F3935-93C4-4BCD-93E2-E3B085C9AB24}">
+                  <p16:designElem xmlns:p16="http://schemas.microsoft.com/office/powerpoint/2015/main" val="1"/>
+                </p:ext>
+              </p:extLst>
+            </p:nvPr>
+          </p:nvSpPr>
+          <p:spPr>
+            <a:xfrm>
+              <a:off x="7980400" y="5197178"/>
+              <a:ext cx="4211600" cy="1660822"/>
+            </a:xfrm>
+            <a:custGeom>
+              <a:avLst/>
+              <a:gdLst>
+                <a:gd name="connsiteX0" fmla="*/ 4211600 w 4211600"/>
+                <a:gd name="connsiteY0" fmla="*/ 0 h 1660822"/>
+                <a:gd name="connsiteX1" fmla="*/ 4211600 w 4211600"/>
+                <a:gd name="connsiteY1" fmla="*/ 58430 h 1660822"/>
+                <a:gd name="connsiteX2" fmla="*/ 4136524 w 4211600"/>
+                <a:gd name="connsiteY2" fmla="*/ 208808 h 1660822"/>
+                <a:gd name="connsiteX3" fmla="*/ 3973354 w 4211600"/>
+                <a:gd name="connsiteY3" fmla="*/ 437313 h 1660822"/>
+                <a:gd name="connsiteX4" fmla="*/ 3884746 w 4211600"/>
+                <a:gd name="connsiteY4" fmla="*/ 553613 h 1660822"/>
+                <a:gd name="connsiteX5" fmla="*/ 3849435 w 4211600"/>
+                <a:gd name="connsiteY5" fmla="*/ 603143 h 1660822"/>
+                <a:gd name="connsiteX6" fmla="*/ 3661849 w 4211600"/>
+                <a:gd name="connsiteY6" fmla="*/ 819075 h 1660822"/>
+                <a:gd name="connsiteX7" fmla="*/ 3402589 w 4211600"/>
+                <a:gd name="connsiteY7" fmla="*/ 952996 h 1660822"/>
+                <a:gd name="connsiteX8" fmla="*/ 3130202 w 4211600"/>
+                <a:gd name="connsiteY8" fmla="*/ 1023386 h 1660822"/>
+                <a:gd name="connsiteX9" fmla="*/ 2914657 w 4211600"/>
+                <a:gd name="connsiteY9" fmla="*/ 1068058 h 1660822"/>
+                <a:gd name="connsiteX10" fmla="*/ 2582149 w 4211600"/>
+                <a:gd name="connsiteY10" fmla="*/ 1138924 h 1660822"/>
+                <a:gd name="connsiteX11" fmla="*/ 2483958 w 4211600"/>
+                <a:gd name="connsiteY11" fmla="*/ 1162356 h 1660822"/>
+                <a:gd name="connsiteX12" fmla="*/ 2123750 w 4211600"/>
+                <a:gd name="connsiteY12" fmla="*/ 1238651 h 1660822"/>
+                <a:gd name="connsiteX13" fmla="*/ 1761444 w 4211600"/>
+                <a:gd name="connsiteY13" fmla="*/ 1273417 h 1660822"/>
+                <a:gd name="connsiteX14" fmla="*/ 1608382 w 4211600"/>
+                <a:gd name="connsiteY14" fmla="*/ 1284466 h 1660822"/>
+                <a:gd name="connsiteX15" fmla="*/ 999942 w 4211600"/>
+                <a:gd name="connsiteY15" fmla="*/ 1354284 h 1660822"/>
+                <a:gd name="connsiteX16" fmla="*/ 484705 w 4211600"/>
+                <a:gd name="connsiteY16" fmla="*/ 1450487 h 1660822"/>
+                <a:gd name="connsiteX17" fmla="*/ 113310 w 4211600"/>
+                <a:gd name="connsiteY17" fmla="*/ 1613700 h 1660822"/>
+                <a:gd name="connsiteX18" fmla="*/ 39668 w 4211600"/>
+                <a:gd name="connsiteY18" fmla="*/ 1660822 h 1660822"/>
+                <a:gd name="connsiteX19" fmla="*/ 0 w 4211600"/>
+                <a:gd name="connsiteY19" fmla="*/ 1660822 h 1660822"/>
+                <a:gd name="connsiteX20" fmla="*/ 96701 w 4211600"/>
+                <a:gd name="connsiteY20" fmla="*/ 1598934 h 1660822"/>
+                <a:gd name="connsiteX21" fmla="*/ 474335 w 4211600"/>
+                <a:gd name="connsiteY21" fmla="*/ 1433056 h 1660822"/>
+                <a:gd name="connsiteX22" fmla="*/ 994299 w 4211600"/>
+                <a:gd name="connsiteY22" fmla="*/ 1335806 h 1660822"/>
+                <a:gd name="connsiteX23" fmla="*/ 1605231 w 4211600"/>
+                <a:gd name="connsiteY23" fmla="*/ 1265702 h 1660822"/>
+                <a:gd name="connsiteX24" fmla="*/ 1758819 w 4211600"/>
+                <a:gd name="connsiteY24" fmla="*/ 1254558 h 1660822"/>
+                <a:gd name="connsiteX25" fmla="*/ 2118106 w 4211600"/>
+                <a:gd name="connsiteY25" fmla="*/ 1220077 h 1660822"/>
+                <a:gd name="connsiteX26" fmla="*/ 2475557 w 4211600"/>
+                <a:gd name="connsiteY26" fmla="*/ 1144353 h 1660822"/>
+                <a:gd name="connsiteX27" fmla="*/ 2573878 w 4211600"/>
+                <a:gd name="connsiteY27" fmla="*/ 1120827 h 1660822"/>
+                <a:gd name="connsiteX28" fmla="*/ 2907437 w 4211600"/>
+                <a:gd name="connsiteY28" fmla="*/ 1049675 h 1660822"/>
+                <a:gd name="connsiteX29" fmla="*/ 3122589 w 4211600"/>
+                <a:gd name="connsiteY29" fmla="*/ 1005098 h 1660822"/>
+                <a:gd name="connsiteX30" fmla="*/ 3391169 w 4211600"/>
+                <a:gd name="connsiteY30" fmla="*/ 935756 h 1660822"/>
+                <a:gd name="connsiteX31" fmla="*/ 3642290 w 4211600"/>
+                <a:gd name="connsiteY31" fmla="*/ 806216 h 1660822"/>
+                <a:gd name="connsiteX32" fmla="*/ 3825937 w 4211600"/>
+                <a:gd name="connsiteY32" fmla="*/ 594475 h 1660822"/>
+                <a:gd name="connsiteX33" fmla="*/ 3861381 w 4211600"/>
+                <a:gd name="connsiteY33" fmla="*/ 544755 h 1660822"/>
+                <a:gd name="connsiteX34" fmla="*/ 3950381 w 4211600"/>
+                <a:gd name="connsiteY34" fmla="*/ 427978 h 1660822"/>
+                <a:gd name="connsiteX35" fmla="*/ 4112370 w 4211600"/>
+                <a:gd name="connsiteY35" fmla="*/ 201378 h 1660822"/>
+                <a:gd name="connsiteX36" fmla="*/ 4195989 w 4211600"/>
+                <a:gd name="connsiteY36" fmla="*/ 33834 h 1660822"/>
+              </a:gdLst>
+              <a:ahLst/>
+              <a:cxnLst>
+                <a:cxn ang="0">
+                  <a:pos x="connsiteX0" y="connsiteY0"/>
+                </a:cxn>
+                <a:cxn ang="0">
+                  <a:pos x="connsiteX1" y="connsiteY1"/>
+                </a:cxn>
+                <a:cxn ang="0">
+                  <a:pos x="connsiteX2" y="connsiteY2"/>
+                </a:cxn>
+                <a:cxn ang="0">
+                  <a:pos x="connsiteX3" y="connsiteY3"/>
+                </a:cxn>
+                <a:cxn ang="0">
+                  <a:pos x="connsiteX4" y="connsiteY4"/>
+                </a:cxn>
+                <a:cxn ang="0">
+                  <a:pos x="connsiteX5" y="connsiteY5"/>
+                </a:cxn>
+                <a:cxn ang="0">
+                  <a:pos x="connsiteX6" y="connsiteY6"/>
+                </a:cxn>
+                <a:cxn ang="0">
+                  <a:pos x="connsiteX7" y="connsiteY7"/>
+                </a:cxn>
+                <a:cxn ang="0">
+                  <a:pos x="connsiteX8" y="connsiteY8"/>
+                </a:cxn>
+                <a:cxn ang="0">
+                  <a:pos x="connsiteX9" y="connsiteY9"/>
+                </a:cxn>
+                <a:cxn ang="0">
+                  <a:pos x="connsiteX10" y="connsiteY10"/>
+                </a:cxn>
+                <a:cxn ang="0">
+                  <a:pos x="connsiteX11" y="connsiteY11"/>
+                </a:cxn>
+                <a:cxn ang="0">
+                  <a:pos x="connsiteX12" y="connsiteY12"/>
+                </a:cxn>
+                <a:cxn ang="0">
+                  <a:pos x="connsiteX13" y="connsiteY13"/>
+                </a:cxn>
+                <a:cxn ang="0">
+                  <a:pos x="connsiteX14" y="connsiteY14"/>
+                </a:cxn>
+                <a:cxn ang="0">
+                  <a:pos x="connsiteX15" y="connsiteY15"/>
+                </a:cxn>
+                <a:cxn ang="0">
+                  <a:pos x="connsiteX16" y="connsiteY16"/>
+                </a:cxn>
+                <a:cxn ang="0">
+                  <a:pos x="connsiteX17" y="connsiteY17"/>
+                </a:cxn>
+                <a:cxn ang="0">
+                  <a:pos x="connsiteX18" y="connsiteY18"/>
+                </a:cxn>
+                <a:cxn ang="0">
+                  <a:pos x="connsiteX19" y="connsiteY19"/>
+                </a:cxn>
+                <a:cxn ang="0">
+                  <a:pos x="connsiteX20" y="connsiteY20"/>
+                </a:cxn>
+                <a:cxn ang="0">
+                  <a:pos x="connsiteX21" y="connsiteY21"/>
+                </a:cxn>
+                <a:cxn ang="0">
+                  <a:pos x="connsiteX22" y="connsiteY22"/>
+                </a:cxn>
+                <a:cxn ang="0">
+                  <a:pos x="connsiteX23" y="connsiteY23"/>
+                </a:cxn>
+                <a:cxn ang="0">
+                  <a:pos x="connsiteX24" y="connsiteY24"/>
+                </a:cxn>
+                <a:cxn ang="0">
+                  <a:pos x="connsiteX25" y="connsiteY25"/>
+                </a:cxn>
+                <a:cxn ang="0">
+                  <a:pos x="connsiteX26" y="connsiteY26"/>
+                </a:cxn>
+                <a:cxn ang="0">
+                  <a:pos x="connsiteX27" y="connsiteY27"/>
+                </a:cxn>
+                <a:cxn ang="0">
+                  <a:pos x="connsiteX28" y="connsiteY28"/>
+                </a:cxn>
+                <a:cxn ang="0">
+                  <a:pos x="connsiteX29" y="connsiteY29"/>
+                </a:cxn>
+                <a:cxn ang="0">
+                  <a:pos x="connsiteX30" y="connsiteY30"/>
+                </a:cxn>
+                <a:cxn ang="0">
+                  <a:pos x="connsiteX31" y="connsiteY31"/>
+                </a:cxn>
+                <a:cxn ang="0">
+                  <a:pos x="connsiteX32" y="connsiteY32"/>
+                </a:cxn>
+                <a:cxn ang="0">
+                  <a:pos x="connsiteX33" y="connsiteY33"/>
+                </a:cxn>
+                <a:cxn ang="0">
+                  <a:pos x="connsiteX34" y="connsiteY34"/>
+                </a:cxn>
+                <a:cxn ang="0">
+                  <a:pos x="connsiteX35" y="connsiteY35"/>
+                </a:cxn>
+                <a:cxn ang="0">
+                  <a:pos x="connsiteX36" y="connsiteY36"/>
+                </a:cxn>
+              </a:cxnLst>
+              <a:rect l="l" t="t" r="r" b="b"/>
+              <a:pathLst>
+                <a:path w="4211600" h="1660822">
+                  <a:moveTo>
+                    <a:pt x="4211600" y="0"/>
+                  </a:moveTo>
+                  <a:lnTo>
+                    <a:pt x="4211600" y="58430"/>
+                  </a:lnTo>
+                  <a:lnTo>
+                    <a:pt x="4136524" y="208808"/>
+                  </a:lnTo>
+                  <a:cubicBezTo>
+                    <a:pt x="4089791" y="287770"/>
+                    <a:pt x="4030588" y="363780"/>
+                    <a:pt x="3973354" y="437313"/>
+                  </a:cubicBezTo>
+                  <a:cubicBezTo>
+                    <a:pt x="3943819" y="475222"/>
+                    <a:pt x="3913231" y="514465"/>
+                    <a:pt x="3884746" y="553613"/>
+                  </a:cubicBezTo>
+                  <a:cubicBezTo>
+                    <a:pt x="3872801" y="569996"/>
+                    <a:pt x="3861119" y="586569"/>
+                    <a:pt x="3849435" y="603143"/>
+                  </a:cubicBezTo>
+                  <a:cubicBezTo>
+                    <a:pt x="3796665" y="678009"/>
+                    <a:pt x="3742187" y="755352"/>
+                    <a:pt x="3661849" y="819075"/>
+                  </a:cubicBezTo>
+                  <a:cubicBezTo>
+                    <a:pt x="3596214" y="871176"/>
+                    <a:pt x="3509050" y="916230"/>
+                    <a:pt x="3402589" y="952996"/>
+                  </a:cubicBezTo>
+                  <a:cubicBezTo>
+                    <a:pt x="3312406" y="984048"/>
+                    <a:pt x="3215660" y="1005003"/>
+                    <a:pt x="3130202" y="1023386"/>
+                  </a:cubicBezTo>
+                  <a:cubicBezTo>
+                    <a:pt x="3058529" y="1038816"/>
+                    <a:pt x="2985412" y="1053675"/>
+                    <a:pt x="2914657" y="1068058"/>
+                  </a:cubicBezTo>
+                  <a:cubicBezTo>
+                    <a:pt x="2805176" y="1090251"/>
+                    <a:pt x="2692021" y="1113207"/>
+                    <a:pt x="2582149" y="1138924"/>
+                  </a:cubicBezTo>
+                  <a:cubicBezTo>
+                    <a:pt x="2549330" y="1146639"/>
+                    <a:pt x="2516644" y="1154450"/>
+                    <a:pt x="2483958" y="1162356"/>
+                  </a:cubicBezTo>
+                  <a:cubicBezTo>
+                    <a:pt x="2367257" y="1190550"/>
+                    <a:pt x="2246621" y="1219601"/>
+                    <a:pt x="2123750" y="1238651"/>
+                  </a:cubicBezTo>
+                  <a:cubicBezTo>
+                    <a:pt x="2004294" y="1257129"/>
+                    <a:pt x="1880769" y="1265416"/>
+                    <a:pt x="1761444" y="1273417"/>
+                  </a:cubicBezTo>
+                  <a:cubicBezTo>
+                    <a:pt x="1711167" y="1276751"/>
+                    <a:pt x="1659184" y="1280275"/>
+                    <a:pt x="1608382" y="1284466"/>
+                  </a:cubicBezTo>
+                  <a:cubicBezTo>
+                    <a:pt x="1408589" y="1300944"/>
+                    <a:pt x="1214570" y="1325805"/>
+                    <a:pt x="999942" y="1354284"/>
+                  </a:cubicBezTo>
+                  <a:cubicBezTo>
+                    <a:pt x="826403" y="1377240"/>
+                    <a:pt x="647744" y="1400957"/>
+                    <a:pt x="484705" y="1450487"/>
+                  </a:cubicBezTo>
+                  <a:cubicBezTo>
+                    <a:pt x="355831" y="1489635"/>
+                    <a:pt x="231387" y="1544374"/>
+                    <a:pt x="113310" y="1613700"/>
+                  </a:cubicBezTo>
+                  <a:lnTo>
+                    <a:pt x="39668" y="1660822"/>
+                  </a:lnTo>
+                  <a:lnTo>
+                    <a:pt x="0" y="1660822"/>
+                  </a:lnTo>
+                  <a:lnTo>
+                    <a:pt x="96701" y="1598934"/>
+                  </a:lnTo>
+                  <a:cubicBezTo>
+                    <a:pt x="216635" y="1528533"/>
+                    <a:pt x="343196" y="1472919"/>
+                    <a:pt x="474335" y="1433056"/>
+                  </a:cubicBezTo>
+                  <a:cubicBezTo>
+                    <a:pt x="639999" y="1382669"/>
+                    <a:pt x="820102" y="1358856"/>
+                    <a:pt x="994299" y="1335806"/>
+                  </a:cubicBezTo>
+                  <a:cubicBezTo>
+                    <a:pt x="1210239" y="1307231"/>
+                    <a:pt x="1404650" y="1282275"/>
+                    <a:pt x="1605231" y="1265702"/>
+                  </a:cubicBezTo>
+                  <a:cubicBezTo>
+                    <a:pt x="1656428" y="1261511"/>
+                    <a:pt x="1708411" y="1257987"/>
+                    <a:pt x="1758819" y="1254558"/>
+                  </a:cubicBezTo>
+                  <a:cubicBezTo>
+                    <a:pt x="1877487" y="1246557"/>
+                    <a:pt x="2000094" y="1238365"/>
+                    <a:pt x="2118106" y="1220077"/>
+                  </a:cubicBezTo>
+                  <a:cubicBezTo>
+                    <a:pt x="2239531" y="1201313"/>
+                    <a:pt x="2359513" y="1172357"/>
+                    <a:pt x="2475557" y="1144353"/>
+                  </a:cubicBezTo>
+                  <a:cubicBezTo>
+                    <a:pt x="2508243" y="1136448"/>
+                    <a:pt x="2541060" y="1128542"/>
+                    <a:pt x="2573878" y="1120827"/>
+                  </a:cubicBezTo>
+                  <a:cubicBezTo>
+                    <a:pt x="2684276" y="1094919"/>
+                    <a:pt x="2797694" y="1071963"/>
+                    <a:pt x="2907437" y="1049675"/>
+                  </a:cubicBezTo>
+                  <a:cubicBezTo>
+                    <a:pt x="2978061" y="1035387"/>
+                    <a:pt x="3051178" y="1020528"/>
+                    <a:pt x="3122589" y="1005098"/>
+                  </a:cubicBezTo>
+                  <a:cubicBezTo>
+                    <a:pt x="3206997" y="986810"/>
+                    <a:pt x="3302823" y="966141"/>
+                    <a:pt x="3391169" y="935756"/>
+                  </a:cubicBezTo>
+                  <a:cubicBezTo>
+                    <a:pt x="3494479" y="900132"/>
+                    <a:pt x="3578886" y="856508"/>
+                    <a:pt x="3642290" y="806216"/>
+                  </a:cubicBezTo>
+                  <a:cubicBezTo>
+                    <a:pt x="3720133" y="744303"/>
+                    <a:pt x="3773953" y="668103"/>
+                    <a:pt x="3825937" y="594475"/>
+                  </a:cubicBezTo>
+                  <a:cubicBezTo>
+                    <a:pt x="3837621" y="577902"/>
+                    <a:pt x="3849435" y="561233"/>
+                    <a:pt x="3861381" y="544755"/>
+                  </a:cubicBezTo>
+                  <a:cubicBezTo>
+                    <a:pt x="3889997" y="505416"/>
+                    <a:pt x="3920715" y="465983"/>
+                    <a:pt x="3950381" y="427978"/>
+                  </a:cubicBezTo>
+                  <a:cubicBezTo>
+                    <a:pt x="4007353" y="354921"/>
+                    <a:pt x="4066163" y="279388"/>
+                    <a:pt x="4112370" y="201378"/>
+                  </a:cubicBezTo>
+                  <a:cubicBezTo>
+                    <a:pt x="4144662" y="146800"/>
+                    <a:pt x="4170785" y="89364"/>
+                    <a:pt x="4195989" y="33834"/>
+                  </a:cubicBezTo>
+                  <a:close/>
+                </a:path>
+              </a:pathLst>
+            </a:custGeom>
+            <a:solidFill>
+              <a:schemeClr val="accent1"/>
+            </a:solidFill>
+            <a:ln>
+              <a:noFill/>
+            </a:ln>
+          </p:spPr>
+          <p:style>
+            <a:lnRef idx="2">
+              <a:schemeClr val="accent1">
+                <a:shade val="50000"/>
+              </a:schemeClr>
+            </a:lnRef>
+            <a:fillRef idx="1">
+              <a:schemeClr val="accent1"/>
+            </a:fillRef>
+            <a:effectRef idx="0">
+              <a:schemeClr val="accent1"/>
+            </a:effectRef>
+            <a:fontRef idx="minor">
+              <a:schemeClr val="lt1"/>
+            </a:fontRef>
+          </p:style>
+          <p:txBody>
+            <a:bodyPr wrap="square" rtlCol="0" anchor="ctr">
+              <a:noAutofit/>
+            </a:bodyPr>
+            <a:lstStyle/>
+            <a:p>
+              <a:pPr algn="ctr"/>
+              <a:endParaRPr lang="en-US"/>
+            </a:p>
+          </p:txBody>
+        </p:sp>
+      </p:grpSp>
+    </p:spTree>
+    <p:extLst>
+      <p:ext uri="{BB962C8B-B14F-4D97-AF65-F5344CB8AC3E}">
+        <p14:creationId xmlns:p14="http://schemas.microsoft.com/office/powerpoint/2010/main" val="2149531831"/>
+      </p:ext>
+    </p:extLst>
+  </p:cSld>
+  <p:clrMapOvr>
+    <a:masterClrMapping/>
+  </p:clrMapOvr>
+</p:sld>
+</file>
+
+<file path=ppt/slides/slide3.xml><?xml version="1.0" encoding="utf-8"?>
 <p:sld xmlns:a="http://schemas.openxmlformats.org/drawingml/2006/main" xmlns:r="http://schemas.openxmlformats.org/officeDocument/2006/relationships" xmlns:p="http://schemas.openxmlformats.org/presentationml/2006/main">
   <p:cSld>
     <p:spTree>
@@ -15468,10 +23566,10 @@
       </p:sp>
       <p:pic>
         <p:nvPicPr>
-          <p:cNvPr id="15" name="Picture 14" descr="Chart, scatter chart&#10;&#10;Description automatically generated">
+          <p:cNvPr id="4" name="Picture 3" descr="Chart, scatter chart&#10;&#10;Description automatically generated">
             <a:extLst>
               <a:ext uri="{FF2B5EF4-FFF2-40B4-BE49-F238E27FC236}">
-                <a16:creationId xmlns:a16="http://schemas.microsoft.com/office/drawing/2014/main" id="{354E7E15-2955-4CA8-8412-4488C176EB86}"/>
+                <a16:creationId xmlns:a16="http://schemas.microsoft.com/office/drawing/2014/main" id="{FB0B221D-34A8-45FD-BEC8-6262E544EECE}"/>
               </a:ext>
             </a:extLst>
           </p:cNvPr>
@@ -15494,8 +23592,8 @@
         </p:blipFill>
         <p:spPr>
           <a:xfrm>
-            <a:off x="2560007" y="1529445"/>
-            <a:ext cx="7071985" cy="4714656"/>
+            <a:off x="2611152" y="1690688"/>
+            <a:ext cx="6969696" cy="4646464"/>
           </a:xfrm>
           <a:prstGeom prst="rect">
             <a:avLst/>
@@ -15515,7 +23613,7 @@
 </p:sld>
 </file>
 
-<file path=ppt/slides/slide3.xml><?xml version="1.0" encoding="utf-8"?>
+<file path=ppt/slides/slide4.xml><?xml version="1.0" encoding="utf-8"?>
 <p:sld xmlns:a="http://schemas.openxmlformats.org/drawingml/2006/main" xmlns:r="http://schemas.openxmlformats.org/officeDocument/2006/relationships" xmlns:p="http://schemas.openxmlformats.org/presentationml/2006/main">
   <p:cSld>
     <p:spTree>
@@ -15567,10 +23665,10 @@
       </p:sp>
       <p:pic>
         <p:nvPicPr>
-          <p:cNvPr id="5" name="Picture 4" descr="Chart, scatter chart&#10;&#10;Description automatically generated">
+          <p:cNvPr id="4" name="Picture 3" descr="Chart, scatter chart&#10;&#10;Description automatically generated">
             <a:extLst>
               <a:ext uri="{FF2B5EF4-FFF2-40B4-BE49-F238E27FC236}">
-                <a16:creationId xmlns:a16="http://schemas.microsoft.com/office/drawing/2014/main" id="{26FEE2AD-8578-4E8E-9D87-B795E3FE09BC}"/>
+                <a16:creationId xmlns:a16="http://schemas.microsoft.com/office/drawing/2014/main" id="{52BF049A-DEB4-4977-94E0-0F822AF1D867}"/>
               </a:ext>
             </a:extLst>
           </p:cNvPr>
@@ -15593,8 +23691,8 @@
         </p:blipFill>
         <p:spPr>
           <a:xfrm>
-            <a:off x="1961828" y="1115218"/>
-            <a:ext cx="8395509" cy="5512227"/>
+            <a:off x="1744044" y="880392"/>
+            <a:ext cx="8703911" cy="5802607"/>
           </a:xfrm>
           <a:prstGeom prst="rect">
             <a:avLst/>
@@ -15614,7 +23712,7 @@
 </p:sld>
 </file>
 
-<file path=ppt/slides/slide4.xml><?xml version="1.0" encoding="utf-8"?>
+<file path=ppt/slides/slide5.xml><?xml version="1.0" encoding="utf-8"?>
 <p:sld xmlns:a="http://schemas.openxmlformats.org/drawingml/2006/main" xmlns:r="http://schemas.openxmlformats.org/officeDocument/2006/relationships" xmlns:p="http://schemas.openxmlformats.org/presentationml/2006/main">
   <p:cSld>
     <p:spTree>
@@ -15715,7 +23813,7 @@
 </p:sld>
 </file>
 
-<file path=ppt/slides/slide5.xml><?xml version="1.0" encoding="utf-8"?>
+<file path=ppt/slides/slide6.xml><?xml version="1.0" encoding="utf-8"?>
 <p:sld xmlns:a="http://schemas.openxmlformats.org/drawingml/2006/main" xmlns:r="http://schemas.openxmlformats.org/officeDocument/2006/relationships" xmlns:p="http://schemas.openxmlformats.org/presentationml/2006/main">
   <p:cSld>
     <p:spTree>
@@ -15816,7 +23914,7 @@
 </p:sld>
 </file>
 
-<file path=ppt/slides/slide6.xml><?xml version="1.0" encoding="utf-8"?>
+<file path=ppt/slides/slide7.xml><?xml version="1.0" encoding="utf-8"?>
 <p:sld xmlns:a="http://schemas.openxmlformats.org/drawingml/2006/main" xmlns:r="http://schemas.openxmlformats.org/officeDocument/2006/relationships" xmlns:p="http://schemas.openxmlformats.org/presentationml/2006/main">
   <p:cSld>
     <p:spTree>
@@ -15917,7 +24015,7 @@
 </p:sld>
 </file>
 
-<file path=ppt/slides/slide7.xml><?xml version="1.0" encoding="utf-8"?>
+<file path=ppt/slides/slide8.xml><?xml version="1.0" encoding="utf-8"?>
 <p:sld xmlns:a="http://schemas.openxmlformats.org/drawingml/2006/main" xmlns:r="http://schemas.openxmlformats.org/officeDocument/2006/relationships" xmlns:p="http://schemas.openxmlformats.org/presentationml/2006/main">
   <p:cSld>
     <p:bg>
@@ -21556,42 +29654,6 @@
           </p:style>
         </p:cxnSp>
       </p:grpSp>
-      <p:pic>
-        <p:nvPicPr>
-          <p:cNvPr id="5" name="Picture 4" descr="Chart, line chart&#10;&#10;Description automatically generated">
-            <a:extLst>
-              <a:ext uri="{FF2B5EF4-FFF2-40B4-BE49-F238E27FC236}">
-                <a16:creationId xmlns:a16="http://schemas.microsoft.com/office/drawing/2014/main" id="{621A4C76-3C8C-4D08-B8EC-2DEF1B773F68}"/>
-              </a:ext>
-            </a:extLst>
-          </p:cNvPr>
-          <p:cNvPicPr>
-            <a:picLocks noChangeAspect="1"/>
-          </p:cNvPicPr>
-          <p:nvPr/>
-        </p:nvPicPr>
-        <p:blipFill>
-          <a:blip r:embed="rId3">
-            <a:extLst>
-              <a:ext uri="{28A0092B-C50C-407E-A947-70E740481C1C}">
-                <a14:useLocalDpi xmlns:a14="http://schemas.microsoft.com/office/drawing/2010/main" val="0"/>
-              </a:ext>
-            </a:extLst>
-          </a:blip>
-          <a:stretch>
-            <a:fillRect/>
-          </a:stretch>
-        </p:blipFill>
-        <p:spPr>
-          <a:xfrm>
-            <a:off x="5186557" y="1292302"/>
-            <a:ext cx="6402214" cy="4268142"/>
-          </a:xfrm>
-          <a:prstGeom prst="rect">
-            <a:avLst/>
-          </a:prstGeom>
-        </p:spPr>
-      </p:pic>
       <p:grpSp>
         <p:nvGrpSpPr>
           <p:cNvPr id="54" name="Bottom Right">
@@ -23563,6 +31625,42 @@
           </p:txBody>
         </p:sp>
       </p:grpSp>
+      <p:pic>
+        <p:nvPicPr>
+          <p:cNvPr id="4" name="Picture 3" descr="Chart, line chart&#10;&#10;Description automatically generated">
+            <a:extLst>
+              <a:ext uri="{FF2B5EF4-FFF2-40B4-BE49-F238E27FC236}">
+                <a16:creationId xmlns:a16="http://schemas.microsoft.com/office/drawing/2014/main" id="{55F91A1F-CC2B-4665-BAD1-36A3B4F7CD45}"/>
+              </a:ext>
+            </a:extLst>
+          </p:cNvPr>
+          <p:cNvPicPr>
+            <a:picLocks noChangeAspect="1"/>
+          </p:cNvPicPr>
+          <p:nvPr/>
+        </p:nvPicPr>
+        <p:blipFill>
+          <a:blip r:embed="rId3">
+            <a:extLst>
+              <a:ext uri="{28A0092B-C50C-407E-A947-70E740481C1C}">
+                <a14:useLocalDpi xmlns:a14="http://schemas.microsoft.com/office/drawing/2010/main" val="0"/>
+              </a:ext>
+            </a:extLst>
+          </a:blip>
+          <a:stretch>
+            <a:fillRect/>
+          </a:stretch>
+        </p:blipFill>
+        <p:spPr>
+          <a:xfrm>
+            <a:off x="5238172" y="1224859"/>
+            <a:ext cx="6107210" cy="4071473"/>
+          </a:xfrm>
+          <a:prstGeom prst="rect">
+            <a:avLst/>
+          </a:prstGeom>
+        </p:spPr>
+      </p:pic>
     </p:spTree>
     <p:extLst>
       <p:ext uri="{BB962C8B-B14F-4D97-AF65-F5344CB8AC3E}">
@@ -23576,7 +31674,7 @@
 </p:sld>
 </file>
 
-<file path=ppt/slides/slide8.xml><?xml version="1.0" encoding="utf-8"?>
+<file path=ppt/slides/slide9.xml><?xml version="1.0" encoding="utf-8"?>
 <p:sld xmlns:a="http://schemas.openxmlformats.org/drawingml/2006/main" xmlns:r="http://schemas.openxmlformats.org/officeDocument/2006/relationships" xmlns:p="http://schemas.openxmlformats.org/presentationml/2006/main">
   <p:cSld>
     <p:bg>
@@ -29215,42 +37313,6 @@
           </p:style>
         </p:cxnSp>
       </p:grpSp>
-      <p:pic>
-        <p:nvPicPr>
-          <p:cNvPr id="7" name="Picture 6" descr="Chart, line chart&#10;&#10;Description automatically generated">
-            <a:extLst>
-              <a:ext uri="{FF2B5EF4-FFF2-40B4-BE49-F238E27FC236}">
-                <a16:creationId xmlns:a16="http://schemas.microsoft.com/office/drawing/2014/main" id="{48F019DB-D7A9-4AD6-A81C-A8878C4B21A7}"/>
-              </a:ext>
-            </a:extLst>
-          </p:cNvPr>
-          <p:cNvPicPr>
-            <a:picLocks noChangeAspect="1"/>
-          </p:cNvPicPr>
-          <p:nvPr/>
-        </p:nvPicPr>
-        <p:blipFill>
-          <a:blip r:embed="rId3">
-            <a:extLst>
-              <a:ext uri="{28A0092B-C50C-407E-A947-70E740481C1C}">
-                <a14:useLocalDpi xmlns:a14="http://schemas.microsoft.com/office/drawing/2010/main" val="0"/>
-              </a:ext>
-            </a:extLst>
-          </a:blip>
-          <a:stretch>
-            <a:fillRect/>
-          </a:stretch>
-        </p:blipFill>
-        <p:spPr>
-          <a:xfrm>
-            <a:off x="5186557" y="1366401"/>
-            <a:ext cx="6402214" cy="4119943"/>
-          </a:xfrm>
-          <a:prstGeom prst="rect">
-            <a:avLst/>
-          </a:prstGeom>
-        </p:spPr>
-      </p:pic>
       <p:grpSp>
         <p:nvGrpSpPr>
           <p:cNvPr id="56" name="Bottom Right">
@@ -31222,123 +39284,46 @@
           </p:txBody>
         </p:sp>
       </p:grpSp>
+      <p:pic>
+        <p:nvPicPr>
+          <p:cNvPr id="4" name="Picture 3" descr="Chart, line chart&#10;&#10;Description automatically generated">
+            <a:extLst>
+              <a:ext uri="{FF2B5EF4-FFF2-40B4-BE49-F238E27FC236}">
+                <a16:creationId xmlns:a16="http://schemas.microsoft.com/office/drawing/2014/main" id="{20966AEC-EF1C-4266-8DA3-88E6EECA6A99}"/>
+              </a:ext>
+            </a:extLst>
+          </p:cNvPr>
+          <p:cNvPicPr>
+            <a:picLocks noChangeAspect="1"/>
+          </p:cNvPicPr>
+          <p:nvPr/>
+        </p:nvPicPr>
+        <p:blipFill>
+          <a:blip r:embed="rId3">
+            <a:extLst>
+              <a:ext uri="{28A0092B-C50C-407E-A947-70E740481C1C}">
+                <a14:useLocalDpi xmlns:a14="http://schemas.microsoft.com/office/drawing/2010/main" val="0"/>
+              </a:ext>
+            </a:extLst>
+          </a:blip>
+          <a:stretch>
+            <a:fillRect/>
+          </a:stretch>
+        </p:blipFill>
+        <p:spPr>
+          <a:xfrm>
+            <a:off x="5018915" y="1244757"/>
+            <a:ext cx="6765593" cy="4353785"/>
+          </a:xfrm>
+          <a:prstGeom prst="rect">
+            <a:avLst/>
+          </a:prstGeom>
+        </p:spPr>
+      </p:pic>
     </p:spTree>
     <p:extLst>
       <p:ext uri="{BB962C8B-B14F-4D97-AF65-F5344CB8AC3E}">
         <p14:creationId xmlns:p14="http://schemas.microsoft.com/office/powerpoint/2010/main" val="2162948179"/>
-      </p:ext>
-    </p:extLst>
-  </p:cSld>
-  <p:clrMapOvr>
-    <a:masterClrMapping/>
-  </p:clrMapOvr>
-</p:sld>
-</file>
-
-<file path=ppt/slides/slide9.xml><?xml version="1.0" encoding="utf-8"?>
-<p:sld xmlns:a="http://schemas.openxmlformats.org/drawingml/2006/main" xmlns:r="http://schemas.openxmlformats.org/officeDocument/2006/relationships" xmlns:p="http://schemas.openxmlformats.org/presentationml/2006/main">
-  <p:cSld>
-    <p:spTree>
-      <p:nvGrpSpPr>
-        <p:cNvPr id="1" name=""/>
-        <p:cNvGrpSpPr/>
-        <p:nvPr/>
-      </p:nvGrpSpPr>
-      <p:grpSpPr>
-        <a:xfrm>
-          <a:off x="0" y="0"/>
-          <a:ext cx="0" cy="0"/>
-          <a:chOff x="0" y="0"/>
-          <a:chExt cx="0" cy="0"/>
-        </a:xfrm>
-      </p:grpSpPr>
-      <p:sp>
-        <p:nvSpPr>
-          <p:cNvPr id="2" name="Title 1">
-            <a:extLst>
-              <a:ext uri="{FF2B5EF4-FFF2-40B4-BE49-F238E27FC236}">
-                <a16:creationId xmlns:a16="http://schemas.microsoft.com/office/drawing/2014/main" id="{72EF223C-0FCC-43BA-A99E-FF90DD0C1AB1}"/>
-              </a:ext>
-            </a:extLst>
-          </p:cNvPr>
-          <p:cNvSpPr>
-            <a:spLocks noGrp="1"/>
-          </p:cNvSpPr>
-          <p:nvPr>
-            <p:ph type="title"/>
-          </p:nvPr>
-        </p:nvSpPr>
-        <p:spPr>
-          <a:xfrm>
-            <a:off x="289560" y="18255"/>
-            <a:ext cx="10515600" cy="1325563"/>
-          </a:xfrm>
-        </p:spPr>
-        <p:txBody>
-          <a:bodyPr>
-            <a:normAutofit fontScale="90000"/>
-          </a:bodyPr>
-          <a:lstStyle/>
-          <a:p>
-            <a:r>
-              <a:rPr lang="en-US" dirty="0"/>
-              <a:t>Conclusion: Life Expectancy vs. Schooling</a:t>
-            </a:r>
-          </a:p>
-        </p:txBody>
-      </p:sp>
-      <p:sp>
-        <p:nvSpPr>
-          <p:cNvPr id="3" name="Content Placeholder 2">
-            <a:extLst>
-              <a:ext uri="{FF2B5EF4-FFF2-40B4-BE49-F238E27FC236}">
-                <a16:creationId xmlns:a16="http://schemas.microsoft.com/office/drawing/2014/main" id="{D328FE82-30EF-4D92-A4B6-8F4E28660C1E}"/>
-              </a:ext>
-            </a:extLst>
-          </p:cNvPr>
-          <p:cNvSpPr>
-            <a:spLocks noGrp="1"/>
-          </p:cNvSpPr>
-          <p:nvPr>
-            <p:ph idx="1"/>
-          </p:nvPr>
-        </p:nvSpPr>
-        <p:spPr>
-          <a:xfrm>
-            <a:off x="655320" y="1514729"/>
-            <a:ext cx="10515600" cy="4351338"/>
-          </a:xfrm>
-        </p:spPr>
-        <p:txBody>
-          <a:bodyPr/>
-          <a:lstStyle/>
-          <a:p>
-            <a:r>
-              <a:rPr lang="en-US" sz="4000" dirty="0"/>
-              <a:t>Strong correlation overall and specifically for developing countries</a:t>
-            </a:r>
-          </a:p>
-          <a:p>
-            <a:r>
-              <a:rPr lang="en-US" sz="4000" dirty="0"/>
-              <a:t>Weak to moderate correlation for developed countries</a:t>
-            </a:r>
-          </a:p>
-          <a:p>
-            <a:r>
-              <a:rPr lang="en-US" sz="4000" dirty="0"/>
-              <a:t>Correlation not causation</a:t>
-            </a:r>
-          </a:p>
-          <a:p>
-            <a:endParaRPr lang="en-US" dirty="0"/>
-          </a:p>
-        </p:txBody>
-      </p:sp>
-    </p:spTree>
-    <p:extLst>
-      <p:ext uri="{BB962C8B-B14F-4D97-AF65-F5344CB8AC3E}">
-        <p14:creationId xmlns:p14="http://schemas.microsoft.com/office/powerpoint/2010/main" val="1205530757"/>
       </p:ext>
     </p:extLst>
   </p:cSld>

--- a/Life Expectancy Presentation.pptx
+++ b/Life Expectancy Presentation.pptx
@@ -206,7 +206,7 @@
           <a:p>
             <a:fld id="{B2D72C2C-C84B-4109-BD94-13BFFACFD1A3}" type="datetimeFigureOut">
               <a:rPr lang="en-US" smtClean="0"/>
-              <a:t>2/4/2021</a:t>
+              <a:t>2/5/2021</a:t>
             </a:fld>
             <a:endParaRPr lang="en-US" dirty="0"/>
           </a:p>
@@ -1233,7 +1233,7 @@
           <a:p>
             <a:fld id="{0DAF61AA-5A98-4049-A93E-477E5505141A}" type="datetimeFigureOut">
               <a:rPr lang="en-US" smtClean="0"/>
-              <a:t>2/4/2021</a:t>
+              <a:t>2/5/2021</a:t>
             </a:fld>
             <a:endParaRPr lang="en-US" dirty="0"/>
           </a:p>
@@ -1431,7 +1431,7 @@
           <a:p>
             <a:fld id="{0DAF61AA-5A98-4049-A93E-477E5505141A}" type="datetimeFigureOut">
               <a:rPr lang="en-US" smtClean="0"/>
-              <a:t>2/4/2021</a:t>
+              <a:t>2/5/2021</a:t>
             </a:fld>
             <a:endParaRPr lang="en-US" dirty="0"/>
           </a:p>
@@ -1639,7 +1639,7 @@
           <a:p>
             <a:fld id="{0DAF61AA-5A98-4049-A93E-477E5505141A}" type="datetimeFigureOut">
               <a:rPr lang="en-US" smtClean="0"/>
-              <a:t>2/4/2021</a:t>
+              <a:t>2/5/2021</a:t>
             </a:fld>
             <a:endParaRPr lang="en-US" dirty="0"/>
           </a:p>
@@ -1837,7 +1837,7 @@
           <a:p>
             <a:fld id="{0DAF61AA-5A98-4049-A93E-477E5505141A}" type="datetimeFigureOut">
               <a:rPr lang="en-US" smtClean="0"/>
-              <a:t>2/4/2021</a:t>
+              <a:t>2/5/2021</a:t>
             </a:fld>
             <a:endParaRPr lang="en-US" dirty="0"/>
           </a:p>
@@ -2112,7 +2112,7 @@
           <a:p>
             <a:fld id="{0DAF61AA-5A98-4049-A93E-477E5505141A}" type="datetimeFigureOut">
               <a:rPr lang="en-US" smtClean="0"/>
-              <a:t>2/4/2021</a:t>
+              <a:t>2/5/2021</a:t>
             </a:fld>
             <a:endParaRPr lang="en-US" dirty="0"/>
           </a:p>
@@ -2377,7 +2377,7 @@
           <a:p>
             <a:fld id="{0DAF61AA-5A98-4049-A93E-477E5505141A}" type="datetimeFigureOut">
               <a:rPr lang="en-US" smtClean="0"/>
-              <a:t>2/4/2021</a:t>
+              <a:t>2/5/2021</a:t>
             </a:fld>
             <a:endParaRPr lang="en-US" dirty="0"/>
           </a:p>
@@ -2789,7 +2789,7 @@
           <a:p>
             <a:fld id="{0DAF61AA-5A98-4049-A93E-477E5505141A}" type="datetimeFigureOut">
               <a:rPr lang="en-US" smtClean="0"/>
-              <a:t>2/4/2021</a:t>
+              <a:t>2/5/2021</a:t>
             </a:fld>
             <a:endParaRPr lang="en-US" dirty="0"/>
           </a:p>
@@ -2930,7 +2930,7 @@
           <a:p>
             <a:fld id="{0DAF61AA-5A98-4049-A93E-477E5505141A}" type="datetimeFigureOut">
               <a:rPr lang="en-US" smtClean="0"/>
-              <a:t>2/4/2021</a:t>
+              <a:t>2/5/2021</a:t>
             </a:fld>
             <a:endParaRPr lang="en-US" dirty="0"/>
           </a:p>
@@ -3043,7 +3043,7 @@
           <a:p>
             <a:fld id="{0DAF61AA-5A98-4049-A93E-477E5505141A}" type="datetimeFigureOut">
               <a:rPr lang="en-US" smtClean="0"/>
-              <a:t>2/4/2021</a:t>
+              <a:t>2/5/2021</a:t>
             </a:fld>
             <a:endParaRPr lang="en-US" dirty="0"/>
           </a:p>
@@ -3354,7 +3354,7 @@
           <a:p>
             <a:fld id="{0DAF61AA-5A98-4049-A93E-477E5505141A}" type="datetimeFigureOut">
               <a:rPr lang="en-US" smtClean="0"/>
-              <a:t>2/4/2021</a:t>
+              <a:t>2/5/2021</a:t>
             </a:fld>
             <a:endParaRPr lang="en-US" dirty="0"/>
           </a:p>
@@ -3645,7 +3645,7 @@
           <a:p>
             <a:fld id="{0DAF61AA-5A98-4049-A93E-477E5505141A}" type="datetimeFigureOut">
               <a:rPr lang="en-US" smtClean="0"/>
-              <a:t>2/4/2021</a:t>
+              <a:t>2/5/2021</a:t>
             </a:fld>
             <a:endParaRPr lang="en-US" dirty="0"/>
           </a:p>
@@ -7333,7 +7333,7 @@
             <a:fld id="{0DAF61AA-5A98-4049-A93E-477E5505141A}" type="datetimeFigureOut">
               <a:rPr lang="en-US" smtClean="0"/>
               <a:pPr/>
-              <a:t>2/4/2021</a:t>
+              <a:t>2/5/2021</a:t>
             </a:fld>
             <a:endParaRPr lang="en-US" dirty="0"/>
           </a:p>
@@ -15474,7 +15474,7 @@
         </p:blipFill>
         <p:spPr>
           <a:xfrm>
-            <a:off x="2650209" y="2638787"/>
+            <a:off x="2878809" y="2871262"/>
             <a:ext cx="6019192" cy="3986738"/>
           </a:xfrm>
           <a:prstGeom prst="rect">
@@ -23298,7 +23298,7 @@
         </p:blipFill>
         <p:spPr>
           <a:xfrm>
-            <a:off x="2967135" y="1357995"/>
+            <a:off x="2854342" y="1632315"/>
             <a:ext cx="6483315" cy="4267890"/>
           </a:xfrm>
           <a:prstGeom prst="rect">
